--- a/Diapositivas/2. Mocking.pptx
+++ b/Diapositivas/2. Mocking.pptx
@@ -5,7 +5,7 @@
     <p:sldMasterId id="2147483684" r:id="rId1"/>
   </p:sldMasterIdLst>
   <p:notesMasterIdLst>
-    <p:notesMasterId r:id="rId52"/>
+    <p:notesMasterId r:id="rId53"/>
   </p:notesMasterIdLst>
   <p:sldIdLst>
     <p:sldId id="684" r:id="rId2"/>
@@ -35,29 +35,30 @@
     <p:sldId id="495" r:id="rId26"/>
     <p:sldId id="500" r:id="rId27"/>
     <p:sldId id="496" r:id="rId28"/>
-    <p:sldId id="683" r:id="rId29"/>
-    <p:sldId id="655" r:id="rId30"/>
-    <p:sldId id="656" r:id="rId31"/>
-    <p:sldId id="657" r:id="rId32"/>
-    <p:sldId id="628" r:id="rId33"/>
-    <p:sldId id="624" r:id="rId34"/>
-    <p:sldId id="625" r:id="rId35"/>
-    <p:sldId id="626" r:id="rId36"/>
-    <p:sldId id="627" r:id="rId37"/>
-    <p:sldId id="586" r:id="rId38"/>
-    <p:sldId id="629" r:id="rId39"/>
-    <p:sldId id="630" r:id="rId40"/>
-    <p:sldId id="631" r:id="rId41"/>
-    <p:sldId id="632" r:id="rId42"/>
-    <p:sldId id="633" r:id="rId43"/>
-    <p:sldId id="634" r:id="rId44"/>
-    <p:sldId id="635" r:id="rId45"/>
-    <p:sldId id="636" r:id="rId46"/>
-    <p:sldId id="637" r:id="rId47"/>
-    <p:sldId id="638" r:id="rId48"/>
-    <p:sldId id="639" r:id="rId49"/>
-    <p:sldId id="640" r:id="rId50"/>
-    <p:sldId id="658" r:id="rId51"/>
+    <p:sldId id="685" r:id="rId29"/>
+    <p:sldId id="683" r:id="rId30"/>
+    <p:sldId id="655" r:id="rId31"/>
+    <p:sldId id="656" r:id="rId32"/>
+    <p:sldId id="657" r:id="rId33"/>
+    <p:sldId id="628" r:id="rId34"/>
+    <p:sldId id="624" r:id="rId35"/>
+    <p:sldId id="625" r:id="rId36"/>
+    <p:sldId id="626" r:id="rId37"/>
+    <p:sldId id="627" r:id="rId38"/>
+    <p:sldId id="586" r:id="rId39"/>
+    <p:sldId id="629" r:id="rId40"/>
+    <p:sldId id="630" r:id="rId41"/>
+    <p:sldId id="631" r:id="rId42"/>
+    <p:sldId id="632" r:id="rId43"/>
+    <p:sldId id="633" r:id="rId44"/>
+    <p:sldId id="634" r:id="rId45"/>
+    <p:sldId id="635" r:id="rId46"/>
+    <p:sldId id="636" r:id="rId47"/>
+    <p:sldId id="637" r:id="rId48"/>
+    <p:sldId id="638" r:id="rId49"/>
+    <p:sldId id="639" r:id="rId50"/>
+    <p:sldId id="640" r:id="rId51"/>
+    <p:sldId id="658" r:id="rId52"/>
   </p:sldIdLst>
   <p:sldSz cx="9144000" cy="6858000" type="screen4x3"/>
   <p:notesSz cx="6858000" cy="9144000"/>
@@ -293,7 +294,7 @@
           <a:p>
             <a:fld id="{63D5FC4C-9EE1-4746-A368-724F618FC790}" type="datetimeFigureOut">
               <a:rPr lang="es-PE" smtClean="0"/>
-              <a:t>09/11/2012</a:t>
+              <a:t>26/01/2013</a:t>
             </a:fld>
             <a:endParaRPr lang="es-PE"/>
           </a:p>
@@ -2955,113 +2956,7 @@
           <a:bodyPr/>
           <a:lstStyle/>
           <a:p>
-            <a:pPr marL="0" indent="0">
-              <a:buFontTx/>
-              <a:buNone/>
-            </a:pPr>
-            <a:r>
-              <a:rPr lang="es-PE" noProof="0" dirty="0" smtClean="0"/>
-              <a:t>Explicar </a:t>
-            </a:r>
-            <a:r>
-              <a:rPr lang="es-PE" noProof="0" dirty="0" err="1" smtClean="0"/>
-              <a:t>xq</a:t>
-            </a:r>
-            <a:r>
-              <a:rPr lang="es-PE" noProof="0" dirty="0" smtClean="0"/>
-              <a:t> prefiero utilizar interfaces para </a:t>
-            </a:r>
-            <a:r>
-              <a:rPr lang="es-PE" noProof="0" dirty="0" err="1" smtClean="0"/>
-              <a:t>mockear</a:t>
-            </a:r>
-            <a:r>
-              <a:rPr lang="es-PE" noProof="0" dirty="0" smtClean="0"/>
-              <a:t> y no clases</a:t>
-            </a:r>
-            <a:r>
-              <a:rPr lang="es-PE" baseline="0" noProof="0" dirty="0" smtClean="0"/>
-              <a:t> concretas.</a:t>
-            </a:r>
-          </a:p>
-          <a:p>
-            <a:pPr marL="0" indent="0">
-              <a:buFontTx/>
-              <a:buNone/>
-            </a:pPr>
-            <a:endParaRPr lang="es-PE" baseline="0" noProof="0" dirty="0" smtClean="0"/>
-          </a:p>
-          <a:p>
-            <a:pPr marL="171450" indent="-171450">
-              <a:buFontTx/>
-              <a:buChar char="-"/>
-            </a:pPr>
-            <a:r>
-              <a:rPr lang="es-PE" baseline="0" noProof="0" dirty="0" smtClean="0"/>
-              <a:t>Crear solo la firma de test</a:t>
-            </a:r>
-          </a:p>
-          <a:p>
-            <a:pPr marL="171450" indent="-171450">
-              <a:buFontTx/>
-              <a:buChar char="-"/>
-            </a:pPr>
-            <a:r>
-              <a:rPr lang="es-PE" baseline="0" noProof="0" dirty="0" smtClean="0"/>
-              <a:t>Realizar la inyección y la inversión(en java el último paso extraer la interfaz y usar tipo base)</a:t>
-            </a:r>
-          </a:p>
-          <a:p>
-            <a:pPr marL="171450" indent="-171450">
-              <a:buFontTx/>
-              <a:buChar char="-"/>
-            </a:pPr>
-            <a:r>
-              <a:rPr lang="es-PE" baseline="0" noProof="0" dirty="0" smtClean="0"/>
-              <a:t>Terminar el test</a:t>
-            </a:r>
-          </a:p>
-          <a:p>
-            <a:pPr marL="171450" indent="-171450">
-              <a:buFontTx/>
-              <a:buChar char="-"/>
-            </a:pPr>
-            <a:endParaRPr lang="es-PE" baseline="0" noProof="0" dirty="0" smtClean="0"/>
-          </a:p>
-          <a:p>
-            <a:pPr marL="0" indent="0">
-              <a:buFontTx/>
-              <a:buNone/>
-            </a:pPr>
-            <a:r>
-              <a:rPr lang="es-PE" baseline="0" noProof="0" dirty="0" smtClean="0"/>
-              <a:t>En el tercer test darse cuenta que pasa con la mantenibilidad, las herramientas ayudan, pero si lo estuvieras haciendo a mano, tendrías que modificar todos tus </a:t>
-            </a:r>
-            <a:r>
-              <a:rPr lang="es-PE" baseline="0" noProof="0" dirty="0" err="1" smtClean="0"/>
-              <a:t>tests</a:t>
-            </a:r>
-            <a:r>
-              <a:rPr lang="es-PE" baseline="0" noProof="0" dirty="0" smtClean="0"/>
-              <a:t>, y que pasa si esa clase estuviera por toda la </a:t>
-            </a:r>
-            <a:r>
-              <a:rPr lang="es-PE" baseline="0" noProof="0" dirty="0" err="1" smtClean="0"/>
-              <a:t>aplícación</a:t>
-            </a:r>
-            <a:r>
-              <a:rPr lang="es-PE" baseline="0" noProof="0" dirty="0" smtClean="0"/>
-              <a:t>? (hacer el cambio a </a:t>
-            </a:r>
-            <a:r>
-              <a:rPr lang="es-PE" baseline="0" noProof="0" dirty="0" err="1" smtClean="0"/>
-              <a:t>setup</a:t>
-            </a:r>
-            <a:r>
-              <a:rPr lang="es-PE" baseline="0" noProof="0" dirty="0" smtClean="0"/>
-              <a:t> terminando el tercer test pero antes de ejecutarlo)</a:t>
-            </a:r>
-            <a:endParaRPr lang="es-PE" noProof="0" dirty="0"/>
+            <a:endParaRPr lang="es-PE" dirty="0"/>
           </a:p>
         </p:txBody>
       </p:sp>
@@ -3145,104 +3040,113 @@
           <a:bodyPr/>
           <a:lstStyle/>
           <a:p>
-            <a:pPr marL="0" indent="0" defTabSz="357188">
+            <a:pPr marL="0" indent="0">
+              <a:buFontTx/>
               <a:buNone/>
             </a:pPr>
             <a:r>
-              <a:rPr lang="es-PE" sz="2200" dirty="0" smtClean="0"/>
-              <a:t>Las</a:t>
-            </a:r>
-            <a:r>
-              <a:rPr lang="es-PE" sz="2200" baseline="0" dirty="0" smtClean="0"/>
-              <a:t> </a:t>
-            </a:r>
-            <a:r>
-              <a:rPr lang="es-PE" sz="2200" baseline="0" dirty="0" err="1" smtClean="0"/>
-              <a:t>metricas</a:t>
-            </a:r>
-            <a:r>
-              <a:rPr lang="es-PE" sz="2200" baseline="0" dirty="0" smtClean="0"/>
-              <a:t> son </a:t>
-            </a:r>
-            <a:r>
-              <a:rPr lang="es-PE" sz="2200" baseline="0" dirty="0" err="1" smtClean="0"/>
-              <a:t>escenciales</a:t>
-            </a:r>
-            <a:r>
-              <a:rPr lang="es-PE" sz="2200" baseline="0" dirty="0" smtClean="0"/>
-              <a:t> en casi todas las ciencias y actividades, ya que nos permiten objetiva y </a:t>
-            </a:r>
-            <a:r>
-              <a:rPr lang="es-PE" sz="2200" baseline="0" dirty="0" err="1" smtClean="0"/>
-              <a:t>quantitativamente</a:t>
-            </a:r>
-            <a:r>
-              <a:rPr lang="es-PE" sz="2200" baseline="0" dirty="0" smtClean="0"/>
-              <a:t> el estado de las cosas. Por ejemplo tenemos toda </a:t>
-            </a:r>
-            <a:r>
-              <a:rPr lang="es-PE" sz="2200" baseline="0" dirty="0" err="1" smtClean="0"/>
-              <a:t>clas</a:t>
-            </a:r>
-            <a:r>
-              <a:rPr lang="es-PE" sz="2200" baseline="0" dirty="0" smtClean="0"/>
-              <a:t> de métricas que van desde la planificación de tiempos y costos, desempeño personal , retorno de inversión.</a:t>
-            </a:r>
-          </a:p>
-          <a:p>
-            <a:pPr marL="342900" indent="-342900" defTabSz="357188">
+              <a:rPr lang="es-PE" noProof="0" dirty="0" smtClean="0"/>
+              <a:t>Explicar </a:t>
+            </a:r>
+            <a:r>
+              <a:rPr lang="es-PE" noProof="0" dirty="0" err="1" smtClean="0"/>
+              <a:t>xq</a:t>
+            </a:r>
+            <a:r>
+              <a:rPr lang="es-PE" noProof="0" dirty="0" smtClean="0"/>
+              <a:t> prefiero utilizar interfaces para </a:t>
+            </a:r>
+            <a:r>
+              <a:rPr lang="es-PE" noProof="0" dirty="0" err="1" smtClean="0"/>
+              <a:t>mockear</a:t>
+            </a:r>
+            <a:r>
+              <a:rPr lang="es-PE" noProof="0" dirty="0" smtClean="0"/>
+              <a:t> y no clases</a:t>
+            </a:r>
+            <a:r>
+              <a:rPr lang="es-PE" baseline="0" noProof="0" dirty="0" smtClean="0"/>
+              <a:t> concretas.</a:t>
+            </a:r>
+          </a:p>
+          <a:p>
+            <a:pPr marL="0" indent="0">
+              <a:buFontTx/>
+              <a:buNone/>
+            </a:pPr>
+            <a:endParaRPr lang="es-PE" baseline="0" noProof="0" dirty="0" smtClean="0"/>
+          </a:p>
+          <a:p>
+            <a:pPr marL="171450" indent="-171450">
               <a:buFontTx/>
               <a:buChar char="-"/>
             </a:pPr>
             <a:r>
-              <a:rPr lang="es-PE" sz="2200" baseline="0" dirty="0" smtClean="0"/>
-              <a:t>Balance Score </a:t>
-            </a:r>
-            <a:r>
-              <a:rPr lang="es-PE" sz="2200" baseline="0" dirty="0" err="1" smtClean="0"/>
-              <a:t>Card</a:t>
-            </a:r>
-            <a:endParaRPr lang="es-PE" sz="2200" baseline="0" dirty="0" smtClean="0"/>
-          </a:p>
-          <a:p>
-            <a:pPr marL="342900" indent="-342900" defTabSz="357188">
+              <a:rPr lang="es-PE" baseline="0" noProof="0" dirty="0" smtClean="0"/>
+              <a:t>Crear solo la firma de test</a:t>
+            </a:r>
+          </a:p>
+          <a:p>
+            <a:pPr marL="171450" indent="-171450">
               <a:buFontTx/>
               <a:buChar char="-"/>
             </a:pPr>
             <a:r>
-              <a:rPr lang="es-PE" sz="2200" baseline="0" dirty="0" smtClean="0"/>
-              <a:t>Puntos de Función</a:t>
-            </a:r>
-          </a:p>
-          <a:p>
-            <a:pPr marL="342900" indent="-342900" defTabSz="357188">
+              <a:rPr lang="es-PE" baseline="0" noProof="0" dirty="0" smtClean="0"/>
+              <a:t>Realizar la inyección y la inversión(en java el último paso extraer la interfaz y usar tipo base)</a:t>
+            </a:r>
+          </a:p>
+          <a:p>
+            <a:pPr marL="171450" indent="-171450">
               <a:buFontTx/>
               <a:buChar char="-"/>
             </a:pPr>
             <a:r>
-              <a:rPr lang="es-PE" sz="2200" baseline="0" dirty="0" smtClean="0"/>
-              <a:t>Líneas de Código</a:t>
-            </a:r>
-          </a:p>
-          <a:p>
-            <a:pPr marL="0" indent="0" defTabSz="357188">
+              <a:rPr lang="es-PE" baseline="0" noProof="0" dirty="0" smtClean="0"/>
+              <a:t>Terminar el test</a:t>
+            </a:r>
+          </a:p>
+          <a:p>
+            <a:pPr marL="171450" indent="-171450">
+              <a:buFontTx/>
+              <a:buChar char="-"/>
+            </a:pPr>
+            <a:endParaRPr lang="es-PE" baseline="0" noProof="0" dirty="0" smtClean="0"/>
+          </a:p>
+          <a:p>
+            <a:pPr marL="0" indent="0">
+              <a:buFontTx/>
               <a:buNone/>
             </a:pPr>
-            <a:endParaRPr lang="es-PE" sz="2200" dirty="0" smtClean="0"/>
-          </a:p>
-          <a:p>
-            <a:pPr marL="0" indent="0" defTabSz="357188">
-              <a:buNone/>
-            </a:pPr>
-            <a:r>
-              <a:rPr lang="es-PE" sz="2200" dirty="0" smtClean="0"/>
-              <a:t>Nos ayuda a cuantificar</a:t>
-            </a:r>
-            <a:r>
-              <a:rPr lang="es-PE" sz="2200" baseline="0" dirty="0" smtClean="0"/>
-              <a:t> si la aplicación ha logrado un nivel aceptable de calidad para poder ser entregada al usuario final. Nos ayuda a identificar cuales son las líneas exactas  que han sido ejercitadas por pruebas y más importante  cuales no, de tal manera que podamos identificar algún caso importante que necesite ser probado.</a:t>
-            </a:r>
-            <a:endParaRPr lang="es-PE" sz="2200" dirty="0" smtClean="0"/>
+            <a:r>
+              <a:rPr lang="es-PE" baseline="0" noProof="0" dirty="0" smtClean="0"/>
+              <a:t>En el tercer test darse cuenta que pasa con la mantenibilidad, las herramientas ayudan, pero si lo estuvieras haciendo a mano, tendrías que modificar todos tus </a:t>
+            </a:r>
+            <a:r>
+              <a:rPr lang="es-PE" baseline="0" noProof="0" dirty="0" err="1" smtClean="0"/>
+              <a:t>tests</a:t>
+            </a:r>
+            <a:r>
+              <a:rPr lang="es-PE" baseline="0" noProof="0" dirty="0" smtClean="0"/>
+              <a:t>, y que pasa si esa clase estuviera por toda la </a:t>
+            </a:r>
+            <a:r>
+              <a:rPr lang="es-PE" baseline="0" noProof="0" dirty="0" err="1" smtClean="0"/>
+              <a:t>aplícación</a:t>
+            </a:r>
+            <a:r>
+              <a:rPr lang="es-PE" baseline="0" noProof="0" dirty="0" smtClean="0"/>
+              <a:t>? (hacer el cambio a </a:t>
+            </a:r>
+            <a:r>
+              <a:rPr lang="es-PE" baseline="0" noProof="0" dirty="0" err="1" smtClean="0"/>
+              <a:t>setup</a:t>
+            </a:r>
+            <a:r>
+              <a:rPr lang="es-PE" baseline="0" noProof="0" dirty="0" smtClean="0"/>
+              <a:t> terminando el tercer test pero antes de ejecutarlo)</a:t>
+            </a:r>
+            <a:endParaRPr lang="es-PE" noProof="0" dirty="0"/>
           </a:p>
         </p:txBody>
       </p:sp>
@@ -3540,309 +3444,104 @@
           <a:bodyPr/>
           <a:lstStyle/>
           <a:p>
-            <a:pPr marL="0" indent="0">
-              <a:buFontTx/>
+            <a:pPr marL="0" indent="0" defTabSz="357188">
               <a:buNone/>
             </a:pPr>
             <a:r>
-              <a:rPr lang="es-PE" baseline="0" noProof="0" dirty="0" smtClean="0"/>
-              <a:t>Comenzamos con Eclipse y mientras va instalando el </a:t>
-            </a:r>
-            <a:r>
-              <a:rPr lang="es-PE" baseline="0" noProof="0" dirty="0" err="1" smtClean="0"/>
-              <a:t>plugin</a:t>
-            </a:r>
-            <a:r>
-              <a:rPr lang="es-PE" baseline="0" noProof="0" dirty="0" smtClean="0"/>
-              <a:t> nos vamos al VS</a:t>
-            </a:r>
-          </a:p>
-          <a:p>
-            <a:pPr marL="0" indent="0">
-              <a:buFontTx/>
-              <a:buNone/>
-            </a:pPr>
-            <a:endParaRPr lang="es-PE" baseline="0" noProof="0" dirty="0" smtClean="0"/>
-          </a:p>
-          <a:p>
-            <a:pPr marL="0" indent="0">
-              <a:buFontTx/>
-              <a:buNone/>
-            </a:pPr>
-            <a:r>
-              <a:rPr lang="es-PE" baseline="0" noProof="0" dirty="0" smtClean="0"/>
-              <a:t>Eclipse (</a:t>
-            </a:r>
-            <a:r>
-              <a:rPr lang="es-PE" baseline="0" noProof="0" dirty="0" err="1" smtClean="0"/>
-              <a:t>eCobertura</a:t>
-            </a:r>
-            <a:r>
-              <a:rPr lang="es-PE" baseline="0" noProof="0" dirty="0" smtClean="0"/>
-              <a:t>):</a:t>
-            </a:r>
-          </a:p>
-          <a:p>
-            <a:pPr marL="171450" indent="-171450">
+              <a:rPr lang="es-PE" sz="2200" dirty="0" smtClean="0"/>
+              <a:t>Las</a:t>
+            </a:r>
+            <a:r>
+              <a:rPr lang="es-PE" sz="2200" baseline="0" dirty="0" smtClean="0"/>
+              <a:t> </a:t>
+            </a:r>
+            <a:r>
+              <a:rPr lang="es-PE" sz="2200" baseline="0" dirty="0" err="1" smtClean="0"/>
+              <a:t>metricas</a:t>
+            </a:r>
+            <a:r>
+              <a:rPr lang="es-PE" sz="2200" baseline="0" dirty="0" smtClean="0"/>
+              <a:t> son </a:t>
+            </a:r>
+            <a:r>
+              <a:rPr lang="es-PE" sz="2200" baseline="0" dirty="0" err="1" smtClean="0"/>
+              <a:t>escenciales</a:t>
+            </a:r>
+            <a:r>
+              <a:rPr lang="es-PE" sz="2200" baseline="0" dirty="0" smtClean="0"/>
+              <a:t> en casi todas las ciencias y actividades, ya que nos permiten objetiva y </a:t>
+            </a:r>
+            <a:r>
+              <a:rPr lang="es-PE" sz="2200" baseline="0" dirty="0" err="1" smtClean="0"/>
+              <a:t>quantitativamente</a:t>
+            </a:r>
+            <a:r>
+              <a:rPr lang="es-PE" sz="2200" baseline="0" dirty="0" smtClean="0"/>
+              <a:t> el estado de las cosas. Por ejemplo tenemos toda </a:t>
+            </a:r>
+            <a:r>
+              <a:rPr lang="es-PE" sz="2200" baseline="0" dirty="0" err="1" smtClean="0"/>
+              <a:t>clas</a:t>
+            </a:r>
+            <a:r>
+              <a:rPr lang="es-PE" sz="2200" baseline="0" dirty="0" smtClean="0"/>
+              <a:t> de métricas que van desde la planificación de tiempos y costos, desempeño personal , retorno de inversión.</a:t>
+            </a:r>
+          </a:p>
+          <a:p>
+            <a:pPr marL="342900" indent="-342900" defTabSz="357188">
               <a:buFontTx/>
               <a:buChar char="-"/>
             </a:pPr>
             <a:r>
-              <a:rPr lang="es-PE" baseline="0" noProof="0" dirty="0" err="1" smtClean="0"/>
-              <a:t>Add</a:t>
-            </a:r>
-            <a:r>
-              <a:rPr lang="es-PE" baseline="0" noProof="0" dirty="0" smtClean="0"/>
-              <a:t> software </a:t>
-            </a:r>
-            <a:r>
-              <a:rPr lang="es-PE" sz="1200" b="0" i="0" kern="1200" dirty="0" smtClean="0">
-                <a:solidFill>
-                  <a:schemeClr val="tx1"/>
-                </a:solidFill>
-                <a:effectLst/>
-                <a:latin typeface="+mn-lt"/>
-                <a:ea typeface="+mn-ea"/>
-                <a:cs typeface="+mn-cs"/>
-              </a:rPr>
-              <a:t>http://ecobertura.johoop.de/update</a:t>
-            </a:r>
-          </a:p>
-          <a:p>
-            <a:pPr marL="171450" indent="-171450">
+              <a:rPr lang="es-PE" sz="2200" baseline="0" dirty="0" smtClean="0"/>
+              <a:t>Balance Score </a:t>
+            </a:r>
+            <a:r>
+              <a:rPr lang="es-PE" sz="2200" baseline="0" dirty="0" err="1" smtClean="0"/>
+              <a:t>Card</a:t>
+            </a:r>
+            <a:endParaRPr lang="es-PE" sz="2200" baseline="0" dirty="0" smtClean="0"/>
+          </a:p>
+          <a:p>
+            <a:pPr marL="342900" indent="-342900" defTabSz="357188">
               <a:buFontTx/>
               <a:buChar char="-"/>
             </a:pPr>
             <a:r>
-              <a:rPr lang="es-PE" sz="1200" b="0" i="0" kern="1200" dirty="0" smtClean="0">
-                <a:solidFill>
-                  <a:schemeClr val="tx1"/>
-                </a:solidFill>
-                <a:effectLst/>
-                <a:latin typeface="+mn-lt"/>
-                <a:ea typeface="+mn-ea"/>
-                <a:cs typeface="+mn-cs"/>
-              </a:rPr>
-              <a:t>Clic</a:t>
-            </a:r>
-            <a:r>
-              <a:rPr lang="es-PE" sz="1200" b="0" i="0" kern="1200" baseline="0" dirty="0" smtClean="0">
-                <a:solidFill>
-                  <a:schemeClr val="tx1"/>
-                </a:solidFill>
-                <a:effectLst/>
-                <a:latin typeface="+mn-lt"/>
-                <a:ea typeface="+mn-ea"/>
-                <a:cs typeface="+mn-cs"/>
-              </a:rPr>
-              <a:t> derecho "</a:t>
-            </a:r>
-            <a:r>
-              <a:rPr lang="es-PE" sz="1200" b="0" i="0" kern="1200" baseline="0" dirty="0" err="1" smtClean="0">
-                <a:solidFill>
-                  <a:schemeClr val="tx1"/>
-                </a:solidFill>
-                <a:effectLst/>
-                <a:latin typeface="+mn-lt"/>
-                <a:ea typeface="+mn-ea"/>
-                <a:cs typeface="+mn-cs"/>
-              </a:rPr>
-              <a:t>Cover</a:t>
-            </a:r>
-            <a:r>
-              <a:rPr lang="es-PE" sz="1200" b="0" i="0" kern="1200" baseline="0" dirty="0" smtClean="0">
-                <a:solidFill>
-                  <a:schemeClr val="tx1"/>
-                </a:solidFill>
-                <a:effectLst/>
-                <a:latin typeface="+mn-lt"/>
-                <a:ea typeface="+mn-ea"/>
-                <a:cs typeface="+mn-cs"/>
-              </a:rPr>
-              <a:t> As" / </a:t>
-            </a:r>
-            <a:r>
-              <a:rPr lang="es-PE" sz="1200" b="0" i="0" kern="1200" baseline="0" dirty="0" err="1" smtClean="0">
-                <a:solidFill>
-                  <a:schemeClr val="tx1"/>
-                </a:solidFill>
-                <a:effectLst/>
-                <a:latin typeface="+mn-lt"/>
-                <a:ea typeface="+mn-ea"/>
-                <a:cs typeface="+mn-cs"/>
-              </a:rPr>
-              <a:t>JUnit</a:t>
-            </a:r>
-            <a:endParaRPr lang="es-PE" sz="1200" b="0" i="0" kern="1200" dirty="0" smtClean="0">
-              <a:solidFill>
-                <a:schemeClr val="tx1"/>
-              </a:solidFill>
-              <a:effectLst/>
-              <a:latin typeface="+mn-lt"/>
-              <a:ea typeface="+mn-ea"/>
-              <a:cs typeface="+mn-cs"/>
-            </a:endParaRPr>
-          </a:p>
-          <a:p>
-            <a:pPr marL="171450" indent="-171450">
+              <a:rPr lang="es-PE" sz="2200" baseline="0" dirty="0" smtClean="0"/>
+              <a:t>Puntos de Función</a:t>
+            </a:r>
+          </a:p>
+          <a:p>
+            <a:pPr marL="342900" indent="-342900" defTabSz="357188">
               <a:buFontTx/>
               <a:buChar char="-"/>
             </a:pPr>
             <a:r>
-              <a:rPr lang="es-PE" sz="1200" b="0" i="0" kern="1200" baseline="0" noProof="0" dirty="0" smtClean="0">
-                <a:solidFill>
-                  <a:schemeClr val="tx1"/>
-                </a:solidFill>
-                <a:effectLst/>
-                <a:latin typeface="+mn-lt"/>
-                <a:ea typeface="+mn-ea"/>
-                <a:cs typeface="+mn-cs"/>
-              </a:rPr>
-              <a:t>Para ver los resultados: Show View / Cobertura</a:t>
-            </a:r>
-          </a:p>
-          <a:p>
-            <a:pPr marL="171450" indent="-171450">
-              <a:buFontTx/>
-              <a:buChar char="-"/>
-            </a:pPr>
-            <a:endParaRPr lang="es-PE" sz="1200" b="0" i="0" kern="1200" baseline="0" noProof="0" dirty="0" smtClean="0">
-              <a:solidFill>
-                <a:schemeClr val="tx1"/>
-              </a:solidFill>
-              <a:effectLst/>
-              <a:latin typeface="+mn-lt"/>
-              <a:ea typeface="+mn-ea"/>
-              <a:cs typeface="+mn-cs"/>
-            </a:endParaRPr>
-          </a:p>
-          <a:p>
-            <a:pPr marL="0" indent="0">
-              <a:buFontTx/>
+              <a:rPr lang="es-PE" sz="2200" baseline="0" dirty="0" smtClean="0"/>
+              <a:t>Líneas de Código</a:t>
+            </a:r>
+          </a:p>
+          <a:p>
+            <a:pPr marL="0" indent="0" defTabSz="357188">
               <a:buNone/>
             </a:pPr>
-            <a:r>
-              <a:rPr lang="es-PE" noProof="0" dirty="0" smtClean="0"/>
-              <a:t>VS2010</a:t>
-            </a:r>
-            <a:r>
-              <a:rPr lang="es-PE" baseline="0" noProof="0" dirty="0" smtClean="0"/>
-              <a:t> </a:t>
-            </a:r>
-            <a:r>
-              <a:rPr lang="es-PE" baseline="0" noProof="0" dirty="0" err="1" smtClean="0"/>
-              <a:t>premium</a:t>
-            </a:r>
-            <a:r>
-              <a:rPr lang="es-PE" baseline="0" noProof="0" dirty="0" smtClean="0"/>
-              <a:t> para arriba:</a:t>
-            </a:r>
-          </a:p>
-          <a:p>
-            <a:pPr marL="171450" indent="-171450">
-              <a:buFontTx/>
-              <a:buChar char="-"/>
-            </a:pPr>
-            <a:r>
-              <a:rPr lang="es-PE" baseline="0" noProof="0" dirty="0" smtClean="0"/>
-              <a:t>Activar en local </a:t>
-            </a:r>
-            <a:r>
-              <a:rPr lang="es-PE" baseline="0" noProof="0" dirty="0" err="1" smtClean="0"/>
-              <a:t>setting</a:t>
-            </a:r>
-            <a:r>
-              <a:rPr lang="es-PE" baseline="0" noProof="0" dirty="0" smtClean="0"/>
-              <a:t>/ data and </a:t>
-            </a:r>
-            <a:r>
-              <a:rPr lang="es-PE" baseline="0" noProof="0" dirty="0" err="1" smtClean="0"/>
-              <a:t>diagnostics</a:t>
-            </a:r>
-            <a:r>
-              <a:rPr lang="es-PE" baseline="0" noProof="0" dirty="0" smtClean="0"/>
-              <a:t>.</a:t>
-            </a:r>
-          </a:p>
-          <a:p>
-            <a:pPr marL="171450" indent="-171450">
-              <a:buFontTx/>
-              <a:buChar char="-"/>
-            </a:pPr>
-            <a:r>
-              <a:rPr lang="es-PE" baseline="0" noProof="0" dirty="0" smtClean="0"/>
-              <a:t>Configurar las </a:t>
-            </a:r>
-            <a:r>
-              <a:rPr lang="es-PE" baseline="0" noProof="0" dirty="0" err="1" smtClean="0"/>
-              <a:t>ddls</a:t>
-            </a:r>
-            <a:r>
-              <a:rPr lang="es-PE" baseline="0" noProof="0" dirty="0" smtClean="0"/>
-              <a:t> (no considerar las </a:t>
-            </a:r>
-            <a:r>
-              <a:rPr lang="es-PE" baseline="0" noProof="0" dirty="0" err="1" smtClean="0"/>
-              <a:t>dlls</a:t>
-            </a:r>
-            <a:r>
-              <a:rPr lang="es-PE" baseline="0" noProof="0" dirty="0" smtClean="0"/>
-              <a:t> de los test)</a:t>
-            </a:r>
-          </a:p>
-          <a:p>
-            <a:pPr marL="171450" indent="-171450">
-              <a:buFontTx/>
-              <a:buChar char="-"/>
-            </a:pPr>
-            <a:r>
-              <a:rPr lang="es-PE" baseline="0" noProof="0" dirty="0" smtClean="0"/>
-              <a:t>Ejecutar los test de la forma tradicional y dirigirse al panel de </a:t>
-            </a:r>
-            <a:r>
-              <a:rPr lang="es-PE" baseline="0" noProof="0" dirty="0" err="1" smtClean="0"/>
-              <a:t>code</a:t>
-            </a:r>
-            <a:r>
-              <a:rPr lang="es-PE" baseline="0" noProof="0" dirty="0" smtClean="0"/>
-              <a:t> </a:t>
-            </a:r>
-            <a:r>
-              <a:rPr lang="es-PE" baseline="0" noProof="0" dirty="0" err="1" smtClean="0"/>
-              <a:t>coverage</a:t>
-            </a:r>
-            <a:r>
-              <a:rPr lang="es-PE" baseline="0" noProof="0" dirty="0" smtClean="0"/>
-              <a:t>.</a:t>
-            </a:r>
-          </a:p>
-          <a:p>
-            <a:pPr marL="0" indent="0">
-              <a:buFontTx/>
+            <a:endParaRPr lang="es-PE" sz="2200" dirty="0" smtClean="0"/>
+          </a:p>
+          <a:p>
+            <a:pPr marL="0" indent="0" defTabSz="357188">
               <a:buNone/>
             </a:pPr>
-            <a:endParaRPr lang="es-PE" baseline="0" noProof="0" dirty="0" smtClean="0"/>
-          </a:p>
-          <a:p>
-            <a:pPr marL="0" indent="0">
-              <a:buFontTx/>
-              <a:buNone/>
-            </a:pPr>
-            <a:endParaRPr lang="es-PE" baseline="0" noProof="0" dirty="0" smtClean="0"/>
-          </a:p>
-          <a:p>
-            <a:pPr marL="0" indent="0">
-              <a:buFontTx/>
-              <a:buNone/>
-            </a:pPr>
-            <a:r>
-              <a:rPr lang="es-PE" baseline="0" noProof="0" dirty="0" err="1" smtClean="0"/>
-              <a:t>Ncrunch</a:t>
-            </a:r>
-            <a:r>
-              <a:rPr lang="es-PE" baseline="0" noProof="0" dirty="0" smtClean="0"/>
-              <a:t>: </a:t>
-            </a:r>
+            <a:r>
+              <a:rPr lang="es-PE" sz="2200" dirty="0" smtClean="0"/>
+              <a:t>Nos ayuda a cuantificar</a:t>
+            </a:r>
+            <a:r>
+              <a:rPr lang="es-PE" sz="2200" baseline="0" dirty="0" smtClean="0"/>
+              <a:t> si la aplicación ha logrado un nivel aceptable de calidad para poder ser entregada al usuario final. Nos ayuda a identificar cuales son las líneas exactas  que han sido ejercitadas por pruebas y más importante  cuales no, de tal manera que podamos identificar algún caso importante que necesite ser probado.</a:t>
+            </a:r>
+            <a:endParaRPr lang="es-PE" sz="2200" dirty="0" smtClean="0"/>
           </a:p>
         </p:txBody>
       </p:sp>
@@ -3926,30 +3625,63 @@
           <a:bodyPr/>
           <a:lstStyle/>
           <a:p>
-            <a:pPr marL="0" indent="0" defTabSz="357188">
+            <a:pPr marL="0" indent="0">
+              <a:buFontTx/>
               <a:buNone/>
             </a:pPr>
             <a:r>
-              <a:rPr lang="es-PE" sz="2200" dirty="0" smtClean="0"/>
-              <a:t>Hay que recordar que esta</a:t>
-            </a:r>
-            <a:r>
-              <a:rPr lang="es-PE" sz="2200" baseline="0" dirty="0" smtClean="0"/>
-              <a:t> métrica determina si por lo menos un test ha pasado por ahí, pero será suficiente pasar una única vez por un camino. </a:t>
-            </a:r>
-          </a:p>
-          <a:p>
-            <a:pPr marL="0" indent="0" defTabSz="357188">
+              <a:rPr lang="es-PE" baseline="0" noProof="0" dirty="0" smtClean="0"/>
+              <a:t>Comenzamos con Eclipse y mientras va instalando el </a:t>
+            </a:r>
+            <a:r>
+              <a:rPr lang="es-PE" baseline="0" noProof="0" dirty="0" err="1" smtClean="0"/>
+              <a:t>plugin</a:t>
+            </a:r>
+            <a:r>
+              <a:rPr lang="es-PE" baseline="0" noProof="0" dirty="0" smtClean="0"/>
+              <a:t> nos vamos al VS</a:t>
+            </a:r>
+          </a:p>
+          <a:p>
+            <a:pPr marL="0" indent="0">
+              <a:buFontTx/>
               <a:buNone/>
             </a:pPr>
-            <a:endParaRPr lang="es-PE" sz="2200" baseline="0" dirty="0" smtClean="0"/>
-          </a:p>
-          <a:p>
-            <a:pPr marL="0" indent="0" defTabSz="357188">
+            <a:endParaRPr lang="es-PE" baseline="0" noProof="0" dirty="0" smtClean="0"/>
+          </a:p>
+          <a:p>
+            <a:pPr marL="0" indent="0">
+              <a:buFontTx/>
               <a:buNone/>
             </a:pPr>
             <a:r>
-              <a:rPr lang="en-US" sz="1200" b="0" i="0" kern="1200" dirty="0" smtClean="0">
+              <a:rPr lang="es-PE" baseline="0" noProof="0" dirty="0" smtClean="0"/>
+              <a:t>Eclipse (</a:t>
+            </a:r>
+            <a:r>
+              <a:rPr lang="es-PE" baseline="0" noProof="0" dirty="0" err="1" smtClean="0"/>
+              <a:t>eCobertura</a:t>
+            </a:r>
+            <a:r>
+              <a:rPr lang="es-PE" baseline="0" noProof="0" dirty="0" smtClean="0"/>
+              <a:t>):</a:t>
+            </a:r>
+          </a:p>
+          <a:p>
+            <a:pPr marL="171450" indent="-171450">
+              <a:buFontTx/>
+              <a:buChar char="-"/>
+            </a:pPr>
+            <a:r>
+              <a:rPr lang="es-PE" baseline="0" noProof="0" dirty="0" err="1" smtClean="0"/>
+              <a:t>Add</a:t>
+            </a:r>
+            <a:r>
+              <a:rPr lang="es-PE" baseline="0" noProof="0" dirty="0" smtClean="0"/>
+              <a:t> software </a:t>
+            </a:r>
+            <a:r>
+              <a:rPr lang="es-PE" sz="1200" b="0" i="0" kern="1200" dirty="0" smtClean="0">
                 <a:solidFill>
                   <a:schemeClr val="tx1"/>
                 </a:solidFill>
@@ -3958,10 +3690,16 @@
                 <a:ea typeface="+mn-ea"/>
                 <a:cs typeface="+mn-cs"/>
               </a:rPr>
-              <a:t>The point of this whole anecdote is that you should try and not focus on the coverage percentage </a:t>
-            </a:r>
-            <a:r>
-              <a:rPr lang="en-US" sz="1200" b="0" i="1" kern="1200" dirty="0" smtClean="0">
+              <a:t>http://ecobertura.johoop.de/update</a:t>
+            </a:r>
+          </a:p>
+          <a:p>
+            <a:pPr marL="171450" indent="-171450">
+              <a:buFontTx/>
+              <a:buChar char="-"/>
+            </a:pPr>
+            <a:r>
+              <a:rPr lang="es-PE" sz="1200" b="0" i="0" kern="1200" dirty="0" smtClean="0">
                 <a:solidFill>
                   <a:schemeClr val="tx1"/>
                 </a:solidFill>
@@ -3970,10 +3708,10 @@
                 <a:ea typeface="+mn-ea"/>
                 <a:cs typeface="+mn-cs"/>
               </a:rPr>
-              <a:t>per se</a:t>
-            </a:r>
-            <a:r>
-              <a:rPr lang="en-US" sz="1200" b="0" i="0" kern="1200" dirty="0" smtClean="0">
+              <a:t>Clic</a:t>
+            </a:r>
+            <a:r>
+              <a:rPr lang="es-PE" sz="1200" b="0" i="0" kern="1200" baseline="0" dirty="0" smtClean="0">
                 <a:solidFill>
                   <a:schemeClr val="tx1"/>
                 </a:solidFill>
@@ -3982,20 +3720,10 @@
                 <a:ea typeface="+mn-ea"/>
                 <a:cs typeface="+mn-cs"/>
               </a:rPr>
-              <a:t>, or try to find an arbitrary number for it, but instead focus on having as much logic and functionality tested as is humanly possible.</a:t>
-            </a:r>
-            <a:endParaRPr lang="es-PE" sz="2200" baseline="0" dirty="0" smtClean="0"/>
-          </a:p>
-          <a:p>
-            <a:pPr marL="0" indent="0" defTabSz="357188">
-              <a:buNone/>
-            </a:pPr>
-            <a:endParaRPr lang="es-PE" sz="2200" baseline="0" dirty="0" smtClean="0"/>
-          </a:p>
-          <a:p>
-            <a:pPr fontAlgn="base"/>
-            <a:r>
-              <a:rPr lang="en-US" sz="1200" b="0" i="0" kern="1200" dirty="0" smtClean="0">
+              <a:t> derecho "</a:t>
+            </a:r>
+            <a:r>
+              <a:rPr lang="es-PE" sz="1200" b="0" i="0" kern="1200" baseline="0" dirty="0" err="1" smtClean="0">
                 <a:solidFill>
                   <a:schemeClr val="tx1"/>
                 </a:solidFill>
@@ -4004,13 +3732,10 @@
                 <a:ea typeface="+mn-ea"/>
                 <a:cs typeface="+mn-cs"/>
               </a:rPr>
-              <a:t>CC &lt; 15 : acceptable</a:t>
-            </a:r>
-          </a:p>
-          <a:p>
-            <a:pPr fontAlgn="base"/>
-            <a:r>
-              <a:rPr lang="en-US" sz="1200" b="0" i="0" kern="1200" dirty="0" smtClean="0">
+              <a:t>Cover</a:t>
+            </a:r>
+            <a:r>
+              <a:rPr lang="es-PE" sz="1200" b="0" i="0" kern="1200" baseline="0" dirty="0" smtClean="0">
                 <a:solidFill>
                   <a:schemeClr val="tx1"/>
                 </a:solidFill>
@@ -4019,13 +3744,10 @@
                 <a:ea typeface="+mn-ea"/>
                 <a:cs typeface="+mn-cs"/>
               </a:rPr>
-              <a:t>15 &lt; CC &lt; 20 : borderline</a:t>
-            </a:r>
-          </a:p>
-          <a:p>
-            <a:pPr fontAlgn="base"/>
-            <a:r>
-              <a:rPr lang="en-US" sz="1200" b="0" i="0" kern="1200" dirty="0" smtClean="0">
+              <a:t> As" / </a:t>
+            </a:r>
+            <a:r>
+              <a:rPr lang="es-PE" sz="1200" b="0" i="0" kern="1200" baseline="0" dirty="0" err="1" smtClean="0">
                 <a:solidFill>
                   <a:schemeClr val="tx1"/>
                 </a:solidFill>
@@ -4034,20 +3756,178 @@
                 <a:ea typeface="+mn-ea"/>
                 <a:cs typeface="+mn-cs"/>
               </a:rPr>
-              <a:t>20 &lt;= CC : too high</a:t>
-            </a:r>
-          </a:p>
-          <a:p>
-            <a:pPr marL="0" indent="0" defTabSz="357188">
+              <a:t>JUnit</a:t>
+            </a:r>
+            <a:endParaRPr lang="es-PE" sz="1200" b="0" i="0" kern="1200" dirty="0" smtClean="0">
+              <a:solidFill>
+                <a:schemeClr val="tx1"/>
+              </a:solidFill>
+              <a:effectLst/>
+              <a:latin typeface="+mn-lt"/>
+              <a:ea typeface="+mn-ea"/>
+              <a:cs typeface="+mn-cs"/>
+            </a:endParaRPr>
+          </a:p>
+          <a:p>
+            <a:pPr marL="171450" indent="-171450">
+              <a:buFontTx/>
+              <a:buChar char="-"/>
+            </a:pPr>
+            <a:r>
+              <a:rPr lang="es-PE" sz="1200" b="0" i="0" kern="1200" baseline="0" noProof="0" dirty="0" smtClean="0">
+                <a:solidFill>
+                  <a:schemeClr val="tx1"/>
+                </a:solidFill>
+                <a:effectLst/>
+                <a:latin typeface="+mn-lt"/>
+                <a:ea typeface="+mn-ea"/>
+                <a:cs typeface="+mn-cs"/>
+              </a:rPr>
+              <a:t>Para ver los resultados: Show View / Cobertura</a:t>
+            </a:r>
+          </a:p>
+          <a:p>
+            <a:pPr marL="171450" indent="-171450">
+              <a:buFontTx/>
+              <a:buChar char="-"/>
+            </a:pPr>
+            <a:endParaRPr lang="es-PE" sz="1200" b="0" i="0" kern="1200" baseline="0" noProof="0" dirty="0" smtClean="0">
+              <a:solidFill>
+                <a:schemeClr val="tx1"/>
+              </a:solidFill>
+              <a:effectLst/>
+              <a:latin typeface="+mn-lt"/>
+              <a:ea typeface="+mn-ea"/>
+              <a:cs typeface="+mn-cs"/>
+            </a:endParaRPr>
+          </a:p>
+          <a:p>
+            <a:pPr marL="0" indent="0">
+              <a:buFontTx/>
               <a:buNone/>
             </a:pPr>
-            <a:endParaRPr lang="es-PE" sz="2200" baseline="0" dirty="0" smtClean="0"/>
-          </a:p>
-          <a:p>
-            <a:pPr marL="0" indent="0" defTabSz="357188">
+            <a:r>
+              <a:rPr lang="es-PE" noProof="0" dirty="0" smtClean="0"/>
+              <a:t>VS2010</a:t>
+            </a:r>
+            <a:r>
+              <a:rPr lang="es-PE" baseline="0" noProof="0" dirty="0" smtClean="0"/>
+              <a:t> </a:t>
+            </a:r>
+            <a:r>
+              <a:rPr lang="es-PE" baseline="0" noProof="0" dirty="0" err="1" smtClean="0"/>
+              <a:t>premium</a:t>
+            </a:r>
+            <a:r>
+              <a:rPr lang="es-PE" baseline="0" noProof="0" dirty="0" smtClean="0"/>
+              <a:t> para arriba:</a:t>
+            </a:r>
+          </a:p>
+          <a:p>
+            <a:pPr marL="171450" indent="-171450">
+              <a:buFontTx/>
+              <a:buChar char="-"/>
+            </a:pPr>
+            <a:r>
+              <a:rPr lang="es-PE" baseline="0" noProof="0" dirty="0" smtClean="0"/>
+              <a:t>Activar en local </a:t>
+            </a:r>
+            <a:r>
+              <a:rPr lang="es-PE" baseline="0" noProof="0" dirty="0" err="1" smtClean="0"/>
+              <a:t>setting</a:t>
+            </a:r>
+            <a:r>
+              <a:rPr lang="es-PE" baseline="0" noProof="0" dirty="0" smtClean="0"/>
+              <a:t>/ data and </a:t>
+            </a:r>
+            <a:r>
+              <a:rPr lang="es-PE" baseline="0" noProof="0" dirty="0" err="1" smtClean="0"/>
+              <a:t>diagnostics</a:t>
+            </a:r>
+            <a:r>
+              <a:rPr lang="es-PE" baseline="0" noProof="0" dirty="0" smtClean="0"/>
+              <a:t>.</a:t>
+            </a:r>
+          </a:p>
+          <a:p>
+            <a:pPr marL="171450" indent="-171450">
+              <a:buFontTx/>
+              <a:buChar char="-"/>
+            </a:pPr>
+            <a:r>
+              <a:rPr lang="es-PE" baseline="0" noProof="0" dirty="0" smtClean="0"/>
+              <a:t>Configurar las </a:t>
+            </a:r>
+            <a:r>
+              <a:rPr lang="es-PE" baseline="0" noProof="0" dirty="0" err="1" smtClean="0"/>
+              <a:t>ddls</a:t>
+            </a:r>
+            <a:r>
+              <a:rPr lang="es-PE" baseline="0" noProof="0" dirty="0" smtClean="0"/>
+              <a:t> (no considerar las </a:t>
+            </a:r>
+            <a:r>
+              <a:rPr lang="es-PE" baseline="0" noProof="0" dirty="0" err="1" smtClean="0"/>
+              <a:t>dlls</a:t>
+            </a:r>
+            <a:r>
+              <a:rPr lang="es-PE" baseline="0" noProof="0" dirty="0" smtClean="0"/>
+              <a:t> de los test)</a:t>
+            </a:r>
+          </a:p>
+          <a:p>
+            <a:pPr marL="171450" indent="-171450">
+              <a:buFontTx/>
+              <a:buChar char="-"/>
+            </a:pPr>
+            <a:r>
+              <a:rPr lang="es-PE" baseline="0" noProof="0" dirty="0" smtClean="0"/>
+              <a:t>Ejecutar los test de la forma tradicional y dirigirse al panel de </a:t>
+            </a:r>
+            <a:r>
+              <a:rPr lang="es-PE" baseline="0" noProof="0" dirty="0" err="1" smtClean="0"/>
+              <a:t>code</a:t>
+            </a:r>
+            <a:r>
+              <a:rPr lang="es-PE" baseline="0" noProof="0" dirty="0" smtClean="0"/>
+              <a:t> </a:t>
+            </a:r>
+            <a:r>
+              <a:rPr lang="es-PE" baseline="0" noProof="0" dirty="0" err="1" smtClean="0"/>
+              <a:t>coverage</a:t>
+            </a:r>
+            <a:r>
+              <a:rPr lang="es-PE" baseline="0" noProof="0" dirty="0" smtClean="0"/>
+              <a:t>.</a:t>
+            </a:r>
+          </a:p>
+          <a:p>
+            <a:pPr marL="0" indent="0">
+              <a:buFontTx/>
               <a:buNone/>
             </a:pPr>
-            <a:endParaRPr lang="es-PE" sz="2200" baseline="0" dirty="0" smtClean="0"/>
+            <a:endParaRPr lang="es-PE" baseline="0" noProof="0" dirty="0" smtClean="0"/>
+          </a:p>
+          <a:p>
+            <a:pPr marL="0" indent="0">
+              <a:buFontTx/>
+              <a:buNone/>
+            </a:pPr>
+            <a:endParaRPr lang="es-PE" baseline="0" noProof="0" dirty="0" smtClean="0"/>
+          </a:p>
+          <a:p>
+            <a:pPr marL="0" indent="0">
+              <a:buFontTx/>
+              <a:buNone/>
+            </a:pPr>
+            <a:r>
+              <a:rPr lang="es-PE" baseline="0" noProof="0" dirty="0" err="1" smtClean="0"/>
+              <a:t>Ncrunch</a:t>
+            </a:r>
+            <a:r>
+              <a:rPr lang="es-PE" baseline="0" noProof="0" dirty="0" smtClean="0"/>
+              <a:t>: </a:t>
+            </a:r>
           </a:p>
         </p:txBody>
       </p:sp>
@@ -4131,79 +4011,30 @@
           <a:bodyPr/>
           <a:lstStyle/>
           <a:p>
-            <a:pPr marL="0" marR="0" indent="0" algn="l" defTabSz="914400" rtl="0" eaLnBrk="1" fontAlgn="auto" latinLnBrk="0" hangingPunct="1">
-              <a:lnSpc>
-                <a:spcPct val="100000"/>
-              </a:lnSpc>
-              <a:spcBef>
-                <a:spcPts val="0"/>
-              </a:spcBef>
-              <a:spcAft>
-                <a:spcPts val="0"/>
-              </a:spcAft>
-              <a:buClrTx/>
-              <a:buSzTx/>
-              <a:buFontTx/>
+            <a:pPr marL="0" indent="0" defTabSz="357188">
               <a:buNone/>
-              <a:tabLst/>
-              <a:defRPr/>
             </a:pPr>
             <a:r>
-              <a:rPr lang="es-PE" dirty="0" smtClean="0">
-                <a:hlinkClick r:id="rId3"/>
-              </a:rPr>
-              <a:t>http://blog.stevensanderson.com/2009/11/04/selective-unit-testing-costs-and-benefits/</a:t>
-            </a:r>
-            <a:endParaRPr lang="es-PE" dirty="0" smtClean="0"/>
-          </a:p>
-          <a:p>
-            <a:pPr marL="0" marR="0" indent="0" algn="l" defTabSz="914400" rtl="0" eaLnBrk="1" fontAlgn="auto" latinLnBrk="0" hangingPunct="1">
-              <a:lnSpc>
-                <a:spcPct val="100000"/>
-              </a:lnSpc>
-              <a:spcBef>
-                <a:spcPts val="0"/>
-              </a:spcBef>
-              <a:spcAft>
-                <a:spcPts val="0"/>
-              </a:spcAft>
-              <a:buClrTx/>
-              <a:buSzTx/>
-              <a:buFontTx/>
+              <a:rPr lang="es-PE" sz="2200" dirty="0" smtClean="0"/>
+              <a:t>Hay que recordar que esta</a:t>
+            </a:r>
+            <a:r>
+              <a:rPr lang="es-PE" sz="2200" baseline="0" dirty="0" smtClean="0"/>
+              <a:t> métrica determina si por lo menos un test ha pasado por ahí, pero será suficiente pasar una única vez por un camino. </a:t>
+            </a:r>
+          </a:p>
+          <a:p>
+            <a:pPr marL="0" indent="0" defTabSz="357188">
               <a:buNone/>
-              <a:tabLst/>
-              <a:defRPr/>
             </a:pPr>
-            <a:endParaRPr lang="en-US" sz="1200" b="0" i="0" u="sng" kern="1200" dirty="0" smtClean="0">
-              <a:solidFill>
-                <a:schemeClr val="tx1"/>
-              </a:solidFill>
-              <a:effectLst/>
-              <a:latin typeface="+mn-lt"/>
-              <a:ea typeface="+mn-ea"/>
-              <a:cs typeface="+mn-cs"/>
-            </a:endParaRPr>
-          </a:p>
-          <a:p>
-            <a:pPr marL="0" marR="0" indent="0" algn="l" defTabSz="914400" rtl="0" eaLnBrk="1" fontAlgn="auto" latinLnBrk="0" hangingPunct="1">
-              <a:lnSpc>
-                <a:spcPct val="100000"/>
-              </a:lnSpc>
-              <a:spcBef>
-                <a:spcPts val="0"/>
-              </a:spcBef>
-              <a:spcAft>
-                <a:spcPts val="0"/>
-              </a:spcAft>
-              <a:buClrTx/>
-              <a:buSzTx/>
-              <a:buFontTx/>
+            <a:endParaRPr lang="es-PE" sz="2200" baseline="0" dirty="0" smtClean="0"/>
+          </a:p>
+          <a:p>
+            <a:pPr marL="0" indent="0" defTabSz="357188">
               <a:buNone/>
-              <a:tabLst/>
-              <a:defRPr/>
             </a:pPr>
             <a:r>
-              <a:rPr lang="en-US" sz="1200" b="0" i="0" u="sng" kern="1200" dirty="0" err="1" smtClean="0">
+              <a:rPr lang="en-US" sz="1200" b="0" i="0" kern="1200" dirty="0" smtClean="0">
                 <a:solidFill>
                   <a:schemeClr val="tx1"/>
                 </a:solidFill>
@@ -4212,10 +4043,10 @@
                 <a:ea typeface="+mn-ea"/>
                 <a:cs typeface="+mn-cs"/>
               </a:rPr>
-              <a:t>Lograr</a:t>
-            </a:r>
-            <a:r>
-              <a:rPr lang="en-US" sz="1200" b="0" i="0" u="sng" kern="1200" dirty="0" smtClean="0">
+              <a:t>The point of this whole anecdote is that you should try and not focus on the coverage percentage </a:t>
+            </a:r>
+            <a:r>
+              <a:rPr lang="en-US" sz="1200" b="0" i="1" kern="1200" dirty="0" smtClean="0">
                 <a:solidFill>
                   <a:schemeClr val="tx1"/>
                 </a:solidFill>
@@ -4224,10 +4055,10 @@
                 <a:ea typeface="+mn-ea"/>
                 <a:cs typeface="+mn-cs"/>
               </a:rPr>
-              <a:t> un balance </a:t>
-            </a:r>
-            <a:r>
-              <a:rPr lang="en-US" sz="1200" b="0" i="0" u="sng" kern="1200" dirty="0" err="1" smtClean="0">
+              <a:t>per se</a:t>
+            </a:r>
+            <a:r>
+              <a:rPr lang="en-US" sz="1200" b="0" i="0" kern="1200" dirty="0" smtClean="0">
                 <a:solidFill>
                   <a:schemeClr val="tx1"/>
                 </a:solidFill>
@@ -4236,10 +4067,20 @@
                 <a:ea typeface="+mn-ea"/>
                 <a:cs typeface="+mn-cs"/>
               </a:rPr>
-              <a:t>costo</a:t>
-            </a:r>
-            <a:r>
-              <a:rPr lang="en-US" sz="1200" b="0" i="0" u="sng" kern="1200" baseline="0" dirty="0" smtClean="0">
+              <a:t>, or try to find an arbitrary number for it, but instead focus on having as much logic and functionality tested as is humanly possible.</a:t>
+            </a:r>
+            <a:endParaRPr lang="es-PE" sz="2200" baseline="0" dirty="0" smtClean="0"/>
+          </a:p>
+          <a:p>
+            <a:pPr marL="0" indent="0" defTabSz="357188">
+              <a:buNone/>
+            </a:pPr>
+            <a:endParaRPr lang="es-PE" sz="2200" baseline="0" dirty="0" smtClean="0"/>
+          </a:p>
+          <a:p>
+            <a:pPr fontAlgn="base"/>
+            <a:r>
+              <a:rPr lang="en-US" sz="1200" b="0" i="0" kern="1200" dirty="0" smtClean="0">
                 <a:solidFill>
                   <a:schemeClr val="tx1"/>
                 </a:solidFill>
@@ -4248,10 +4089,13 @@
                 <a:ea typeface="+mn-ea"/>
                 <a:cs typeface="+mn-cs"/>
               </a:rPr>
-              <a:t> – </a:t>
-            </a:r>
-            <a:r>
-              <a:rPr lang="en-US" sz="1200" b="0" i="0" u="sng" kern="1200" baseline="0" dirty="0" err="1" smtClean="0">
+              <a:t>CC &lt; 15 : acceptable</a:t>
+            </a:r>
+          </a:p>
+          <a:p>
+            <a:pPr fontAlgn="base"/>
+            <a:r>
+              <a:rPr lang="en-US" sz="1200" b="0" i="0" kern="1200" dirty="0" smtClean="0">
                 <a:solidFill>
                   <a:schemeClr val="tx1"/>
                 </a:solidFill>
@@ -4260,10 +4104,13 @@
                 <a:ea typeface="+mn-ea"/>
                 <a:cs typeface="+mn-cs"/>
               </a:rPr>
-              <a:t>beneficio</a:t>
-            </a:r>
-            <a:r>
-              <a:rPr lang="en-US" sz="1200" b="0" i="0" u="sng" kern="1200" baseline="0" dirty="0" smtClean="0">
+              <a:t>15 &lt; CC &lt; 20 : borderline</a:t>
+            </a:r>
+          </a:p>
+          <a:p>
+            <a:pPr fontAlgn="base"/>
+            <a:r>
+              <a:rPr lang="en-US" sz="1200" b="0" i="0" kern="1200" dirty="0" smtClean="0">
                 <a:solidFill>
                   <a:schemeClr val="tx1"/>
                 </a:solidFill>
@@ -4272,358 +4119,14 @@
                 <a:ea typeface="+mn-ea"/>
                 <a:cs typeface="+mn-cs"/>
               </a:rPr>
-              <a:t>.</a:t>
-            </a:r>
-            <a:endParaRPr lang="en-US" sz="1200" b="1" i="0" kern="1200" dirty="0" smtClean="0">
-              <a:solidFill>
-                <a:schemeClr val="tx1"/>
-              </a:solidFill>
-              <a:effectLst/>
-              <a:latin typeface="+mn-lt"/>
-              <a:ea typeface="+mn-ea"/>
-              <a:cs typeface="+mn-cs"/>
-            </a:endParaRPr>
-          </a:p>
-          <a:p>
-            <a:pPr marL="0" marR="0" indent="0" algn="l" defTabSz="914400" rtl="0" eaLnBrk="1" fontAlgn="auto" latinLnBrk="0" hangingPunct="1">
-              <a:lnSpc>
-                <a:spcPct val="100000"/>
-              </a:lnSpc>
-              <a:spcBef>
-                <a:spcPts val="0"/>
-              </a:spcBef>
-              <a:spcAft>
-                <a:spcPts val="0"/>
-              </a:spcAft>
-              <a:buClrTx/>
-              <a:buSzTx/>
-              <a:buFontTx/>
+              <a:t>20 &lt;= CC : too high</a:t>
+            </a:r>
+          </a:p>
+          <a:p>
+            <a:pPr marL="0" indent="0" defTabSz="357188">
               <a:buNone/>
-              <a:tabLst/>
-              <a:defRPr/>
             </a:pPr>
-            <a:r>
-              <a:rPr lang="en-US" sz="1200" b="1" i="0" kern="1200" dirty="0" err="1" smtClean="0">
-                <a:solidFill>
-                  <a:schemeClr val="tx1"/>
-                </a:solidFill>
-                <a:effectLst/>
-                <a:latin typeface="+mn-lt"/>
-                <a:ea typeface="+mn-ea"/>
-                <a:cs typeface="+mn-cs"/>
-              </a:rPr>
-              <a:t>Trival</a:t>
-            </a:r>
-            <a:r>
-              <a:rPr lang="en-US" sz="1200" b="1" i="0" kern="1200" dirty="0" smtClean="0">
-                <a:solidFill>
-                  <a:schemeClr val="tx1"/>
-                </a:solidFill>
-                <a:effectLst/>
-                <a:latin typeface="+mn-lt"/>
-                <a:ea typeface="+mn-ea"/>
-                <a:cs typeface="+mn-cs"/>
-              </a:rPr>
-              <a:t> code with few dependencies (bottom left)</a:t>
-            </a:r>
-            <a:r>
-              <a:rPr lang="en-US" sz="1200" b="0" i="0" kern="1200" dirty="0" smtClean="0">
-                <a:solidFill>
-                  <a:schemeClr val="tx1"/>
-                </a:solidFill>
-                <a:effectLst/>
-                <a:latin typeface="+mn-lt"/>
-                <a:ea typeface="+mn-ea"/>
-                <a:cs typeface="+mn-cs"/>
-              </a:rPr>
-              <a:t>. We needn’t worry about this code. In cost-benefit terms, it doesn’t matter whether you unit test it or not.</a:t>
-            </a:r>
-          </a:p>
-          <a:p>
-            <a:pPr marL="0" marR="0" indent="0" algn="l" defTabSz="914400" rtl="0" eaLnBrk="1" fontAlgn="auto" latinLnBrk="0" hangingPunct="1">
-              <a:lnSpc>
-                <a:spcPct val="100000"/>
-              </a:lnSpc>
-              <a:spcBef>
-                <a:spcPts val="0"/>
-              </a:spcBef>
-              <a:spcAft>
-                <a:spcPts val="0"/>
-              </a:spcAft>
-              <a:buClrTx/>
-              <a:buSzTx/>
-              <a:buFontTx/>
-              <a:buNone/>
-              <a:tabLst/>
-              <a:defRPr/>
-            </a:pPr>
-            <a:r>
-              <a:rPr lang="es-PE" sz="1200" b="0" i="0" kern="1200" dirty="0" smtClean="0">
-                <a:solidFill>
-                  <a:schemeClr val="tx1"/>
-                </a:solidFill>
-                <a:effectLst/>
-                <a:latin typeface="+mn-lt"/>
-                <a:ea typeface="+mn-ea"/>
-                <a:cs typeface="+mn-cs"/>
-              </a:rPr>
-              <a:t>Por ejemplo </a:t>
-            </a:r>
-            <a:r>
-              <a:rPr lang="es-PE" sz="1200" b="0" i="0" kern="1200" dirty="0" err="1" smtClean="0">
-                <a:solidFill>
-                  <a:schemeClr val="tx1"/>
-                </a:solidFill>
-                <a:effectLst/>
-                <a:latin typeface="+mn-lt"/>
-                <a:ea typeface="+mn-ea"/>
-                <a:cs typeface="+mn-cs"/>
-              </a:rPr>
-              <a:t>getters</a:t>
-            </a:r>
-            <a:r>
-              <a:rPr lang="es-PE" sz="1200" b="0" i="0" kern="1200" dirty="0" smtClean="0">
-                <a:solidFill>
-                  <a:schemeClr val="tx1"/>
-                </a:solidFill>
-                <a:effectLst/>
-                <a:latin typeface="+mn-lt"/>
-                <a:ea typeface="+mn-ea"/>
-                <a:cs typeface="+mn-cs"/>
-              </a:rPr>
-              <a:t> o </a:t>
-            </a:r>
-            <a:r>
-              <a:rPr lang="es-PE" sz="1200" b="0" i="0" kern="1200" dirty="0" err="1" smtClean="0">
-                <a:solidFill>
-                  <a:schemeClr val="tx1"/>
-                </a:solidFill>
-                <a:effectLst/>
-                <a:latin typeface="+mn-lt"/>
-                <a:ea typeface="+mn-ea"/>
-                <a:cs typeface="+mn-cs"/>
-              </a:rPr>
-              <a:t>setters</a:t>
-            </a:r>
-            <a:r>
-              <a:rPr lang="es-PE" sz="1200" b="0" i="0" kern="1200" dirty="0" smtClean="0">
-                <a:solidFill>
-                  <a:schemeClr val="tx1"/>
-                </a:solidFill>
-                <a:effectLst/>
-                <a:latin typeface="+mn-lt"/>
-                <a:ea typeface="+mn-ea"/>
-                <a:cs typeface="+mn-cs"/>
-              </a:rPr>
-              <a:t> o propiedades solo devuelven los datos </a:t>
-            </a:r>
-            <a:endParaRPr lang="en-US" sz="1200" b="0" i="0" kern="1200" dirty="0" smtClean="0">
-              <a:solidFill>
-                <a:schemeClr val="tx1"/>
-              </a:solidFill>
-              <a:effectLst/>
-              <a:latin typeface="+mn-lt"/>
-              <a:ea typeface="+mn-ea"/>
-              <a:cs typeface="+mn-cs"/>
-            </a:endParaRPr>
-          </a:p>
-          <a:p>
-            <a:r>
-              <a:rPr lang="en-US" sz="1200" b="1" i="0" kern="1200" dirty="0" smtClean="0">
-                <a:solidFill>
-                  <a:schemeClr val="tx1"/>
-                </a:solidFill>
-                <a:effectLst/>
-                <a:latin typeface="+mn-lt"/>
-                <a:ea typeface="+mn-ea"/>
-                <a:cs typeface="+mn-cs"/>
-              </a:rPr>
-              <a:t>Complex code with few dependencies (top left)</a:t>
-            </a:r>
-            <a:r>
-              <a:rPr lang="en-US" sz="1200" b="0" i="0" kern="1200" dirty="0" smtClean="0">
-                <a:solidFill>
-                  <a:schemeClr val="tx1"/>
-                </a:solidFill>
-                <a:effectLst/>
-                <a:latin typeface="+mn-lt"/>
-                <a:ea typeface="+mn-ea"/>
-                <a:cs typeface="+mn-cs"/>
-              </a:rPr>
-              <a:t>. Typically this means self-contained algorithms for business rules or for things like sorting or parsing data. This cost-benefit argument goes strongly </a:t>
-            </a:r>
-            <a:r>
-              <a:rPr lang="en-US" sz="1200" b="1" i="0" kern="1200" dirty="0" smtClean="0">
-                <a:solidFill>
-                  <a:schemeClr val="tx1"/>
-                </a:solidFill>
-                <a:effectLst/>
-                <a:latin typeface="+mn-lt"/>
-                <a:ea typeface="+mn-ea"/>
-                <a:cs typeface="+mn-cs"/>
-              </a:rPr>
-              <a:t>in </a:t>
-            </a:r>
-            <a:r>
-              <a:rPr lang="en-US" sz="1200" b="1" i="0" kern="1200" dirty="0" err="1" smtClean="0">
-                <a:solidFill>
-                  <a:schemeClr val="tx1"/>
-                </a:solidFill>
-                <a:effectLst/>
-                <a:latin typeface="+mn-lt"/>
-                <a:ea typeface="+mn-ea"/>
-                <a:cs typeface="+mn-cs"/>
-              </a:rPr>
-              <a:t>favour</a:t>
-            </a:r>
-            <a:r>
-              <a:rPr lang="en-US" sz="1200" b="1" i="0" kern="1200" dirty="0" smtClean="0">
-                <a:solidFill>
-                  <a:schemeClr val="tx1"/>
-                </a:solidFill>
-                <a:effectLst/>
-                <a:latin typeface="+mn-lt"/>
-                <a:ea typeface="+mn-ea"/>
-                <a:cs typeface="+mn-cs"/>
-              </a:rPr>
-              <a:t> of unit testing</a:t>
-            </a:r>
-            <a:r>
-              <a:rPr lang="en-US" sz="1200" b="0" i="0" kern="1200" dirty="0" smtClean="0">
-                <a:solidFill>
-                  <a:schemeClr val="tx1"/>
-                </a:solidFill>
-                <a:effectLst/>
-                <a:latin typeface="+mn-lt"/>
-                <a:ea typeface="+mn-ea"/>
-                <a:cs typeface="+mn-cs"/>
-              </a:rPr>
-              <a:t> this code, because it’s cheap to do and highly beneficial.</a:t>
-            </a:r>
-          </a:p>
-          <a:p>
-            <a:r>
-              <a:rPr lang="en-US" sz="1200" b="1" i="0" kern="1200" dirty="0" smtClean="0">
-                <a:solidFill>
-                  <a:schemeClr val="tx1"/>
-                </a:solidFill>
-                <a:effectLst/>
-                <a:latin typeface="+mn-lt"/>
-                <a:ea typeface="+mn-ea"/>
-                <a:cs typeface="+mn-cs"/>
-              </a:rPr>
-              <a:t>Trivial code with many dependencies (bottom right)</a:t>
-            </a:r>
-            <a:r>
-              <a:rPr lang="en-US" sz="1200" b="0" i="0" kern="1200" dirty="0" smtClean="0">
-                <a:solidFill>
-                  <a:schemeClr val="tx1"/>
-                </a:solidFill>
-                <a:effectLst/>
-                <a:latin typeface="+mn-lt"/>
-                <a:ea typeface="+mn-ea"/>
-                <a:cs typeface="+mn-cs"/>
-              </a:rPr>
-              <a:t>. I’ve </a:t>
-            </a:r>
-            <a:r>
-              <a:rPr lang="en-US" sz="1200" b="0" i="0" kern="1200" dirty="0" err="1" smtClean="0">
-                <a:solidFill>
-                  <a:schemeClr val="tx1"/>
-                </a:solidFill>
-                <a:effectLst/>
-                <a:latin typeface="+mn-lt"/>
-                <a:ea typeface="+mn-ea"/>
-                <a:cs typeface="+mn-cs"/>
-              </a:rPr>
-              <a:t>labelled</a:t>
-            </a:r>
-            <a:r>
-              <a:rPr lang="en-US" sz="1200" b="0" i="0" kern="1200" dirty="0" smtClean="0">
-                <a:solidFill>
-                  <a:schemeClr val="tx1"/>
-                </a:solidFill>
-                <a:effectLst/>
-                <a:latin typeface="+mn-lt"/>
-                <a:ea typeface="+mn-ea"/>
-                <a:cs typeface="+mn-cs"/>
-              </a:rPr>
-              <a:t> this quadrant “coordinators”, because these code units tend to glue together and orchestrate interactions between other code units. This cost-benefit argument is </a:t>
-            </a:r>
-            <a:r>
-              <a:rPr lang="en-US" sz="1200" b="1" i="0" kern="1200" dirty="0" smtClean="0">
-                <a:solidFill>
-                  <a:schemeClr val="tx1"/>
-                </a:solidFill>
-                <a:effectLst/>
-                <a:latin typeface="+mn-lt"/>
-                <a:ea typeface="+mn-ea"/>
-                <a:cs typeface="+mn-cs"/>
-              </a:rPr>
-              <a:t>in </a:t>
-            </a:r>
-            <a:r>
-              <a:rPr lang="en-US" sz="1200" b="1" i="0" kern="1200" dirty="0" err="1" smtClean="0">
-                <a:solidFill>
-                  <a:schemeClr val="tx1"/>
-                </a:solidFill>
-                <a:effectLst/>
-                <a:latin typeface="+mn-lt"/>
-                <a:ea typeface="+mn-ea"/>
-                <a:cs typeface="+mn-cs"/>
-              </a:rPr>
-              <a:t>favour</a:t>
-            </a:r>
-            <a:r>
-              <a:rPr lang="en-US" sz="1200" b="1" i="0" kern="1200" dirty="0" smtClean="0">
-                <a:solidFill>
-                  <a:schemeClr val="tx1"/>
-                </a:solidFill>
-                <a:effectLst/>
-                <a:latin typeface="+mn-lt"/>
-                <a:ea typeface="+mn-ea"/>
-                <a:cs typeface="+mn-cs"/>
-              </a:rPr>
-              <a:t> of not unit testing</a:t>
-            </a:r>
-            <a:r>
-              <a:rPr lang="en-US" sz="1200" b="0" i="0" kern="1200" dirty="0" smtClean="0">
-                <a:solidFill>
-                  <a:schemeClr val="tx1"/>
-                </a:solidFill>
-                <a:effectLst/>
-                <a:latin typeface="+mn-lt"/>
-                <a:ea typeface="+mn-ea"/>
-                <a:cs typeface="+mn-cs"/>
-              </a:rPr>
-              <a:t> this code: it’s expensive to do and yields little practical benefit. Your time is finite; spend it more effectively elsewhere.</a:t>
-            </a:r>
-          </a:p>
-          <a:p>
-            <a:r>
-              <a:rPr lang="en-US" sz="1200" b="1" i="0" kern="1200" dirty="0" smtClean="0">
-                <a:solidFill>
-                  <a:schemeClr val="tx1"/>
-                </a:solidFill>
-                <a:effectLst/>
-                <a:latin typeface="+mn-lt"/>
-                <a:ea typeface="+mn-ea"/>
-                <a:cs typeface="+mn-cs"/>
-              </a:rPr>
-              <a:t>Complex code with many dependencies (top right)</a:t>
-            </a:r>
-            <a:r>
-              <a:rPr lang="en-US" sz="1200" b="0" i="0" kern="1200" dirty="0" smtClean="0">
-                <a:solidFill>
-                  <a:schemeClr val="tx1"/>
-                </a:solidFill>
-                <a:effectLst/>
-                <a:latin typeface="+mn-lt"/>
-                <a:ea typeface="+mn-ea"/>
-                <a:cs typeface="+mn-cs"/>
-              </a:rPr>
-              <a:t>. This code is very expensive to write with unit tests, but too risky to write without. Usually you can sidestep this dilemma by decomposing the code into two parts: the complex logic (algorithm) and the bit that interacts with many dependencies (coordinator).</a:t>
-            </a:r>
+            <a:endParaRPr lang="es-PE" sz="2200" baseline="0" dirty="0" smtClean="0"/>
           </a:p>
           <a:p>
             <a:pPr marL="0" indent="0" defTabSz="357188">
@@ -4713,255 +4216,505 @@
           <a:bodyPr/>
           <a:lstStyle/>
           <a:p>
-            <a:r>
-              <a:rPr lang="es-PE" dirty="0" smtClean="0"/>
-              <a:t>Seguramente</a:t>
-            </a:r>
-            <a:r>
-              <a:rPr lang="es-PE" baseline="0" dirty="0" smtClean="0"/>
-              <a:t> se preguntarán o cuando intenten aplicar esto en sus empresas les preguntarán en sus empresas, sobretodo las personas que les concierne mucho el tema del tiempo. ¿Cuánto tiempo más agrega esto a mi proyecto? </a:t>
-            </a:r>
-          </a:p>
-          <a:p>
-            <a:endParaRPr lang="es-PE" baseline="0" dirty="0" smtClean="0"/>
-          </a:p>
-          <a:p>
-            <a:r>
-              <a:rPr lang="es-PE" baseline="0" dirty="0" smtClean="0"/>
-              <a:t>Para responder a esta pregunta tenemos que pensar en términos de todo el proyecto y no únicamente en el tiempo de programación o la programación de una funcionalidad específica.</a:t>
-            </a:r>
-          </a:p>
-          <a:p>
-            <a:endParaRPr lang="es-PE" baseline="0" dirty="0" smtClean="0"/>
-          </a:p>
-          <a:p>
-            <a:r>
-              <a:rPr lang="es-PE" baseline="0" dirty="0" smtClean="0"/>
-              <a:t>Estas son estadísticas de una compañía que comenzó a adoptar </a:t>
-            </a:r>
-            <a:r>
-              <a:rPr lang="es-PE" baseline="0" dirty="0" err="1" smtClean="0"/>
-              <a:t>unit</a:t>
-            </a:r>
-            <a:r>
-              <a:rPr lang="es-PE" baseline="0" dirty="0" smtClean="0"/>
-              <a:t> </a:t>
-            </a:r>
-            <a:r>
-              <a:rPr lang="es-PE" baseline="0" dirty="0" err="1" smtClean="0"/>
-              <a:t>testing</a:t>
-            </a:r>
-            <a:r>
-              <a:rPr lang="es-PE" baseline="0" dirty="0" smtClean="0"/>
-              <a:t> en un proyecto piloto, el piloto consistía agregar funcionalidad a una gran aplicación de facturación y </a:t>
-            </a:r>
-            <a:r>
-              <a:rPr lang="es-PE" baseline="0" dirty="0" err="1" smtClean="0"/>
-              <a:t>customizar</a:t>
-            </a:r>
-            <a:r>
-              <a:rPr lang="es-PE" baseline="0" dirty="0" smtClean="0"/>
-              <a:t> algunas partes para sus diferentes clientes.</a:t>
-            </a:r>
-          </a:p>
-          <a:p>
-            <a:r>
-              <a:rPr lang="es-PE" baseline="0" dirty="0" smtClean="0"/>
-              <a:t>Esta compañía esta compuesta por una gran cantidad de desarrolladores alrededor de equipos y desarrolladores.</a:t>
-            </a:r>
-          </a:p>
-          <a:p>
-            <a:endParaRPr lang="es-PE" baseline="0" dirty="0" smtClean="0"/>
-          </a:p>
-          <a:p>
-            <a:r>
-              <a:rPr lang="es-PE" baseline="0" dirty="0" smtClean="0"/>
-              <a:t>Se colectaron estadísticas para 2 equipos diferentes que crearon 2 funcionalidades muy similares para diferentes clientes. (Ambas funcionalidades eran muy similares en características y tamaño, y ambos equipos tenían casi la misma habilidad y experiencia). La </a:t>
-            </a:r>
-            <a:r>
-              <a:rPr lang="es-PE" baseline="0" dirty="0" err="1" smtClean="0"/>
-              <a:t>punica</a:t>
-            </a:r>
-            <a:r>
-              <a:rPr lang="es-PE" baseline="0" dirty="0" smtClean="0"/>
-              <a:t> diferencia fue q uno de los equipos utilizó </a:t>
-            </a:r>
-            <a:r>
-              <a:rPr lang="es-PE" baseline="0" dirty="0" err="1" smtClean="0"/>
-              <a:t>unit</a:t>
-            </a:r>
-            <a:r>
-              <a:rPr lang="es-PE" baseline="0" dirty="0" smtClean="0"/>
-              <a:t> </a:t>
-            </a:r>
-            <a:r>
-              <a:rPr lang="es-PE" baseline="0" dirty="0" err="1" smtClean="0"/>
-              <a:t>tests</a:t>
-            </a:r>
-            <a:r>
-              <a:rPr lang="es-PE" baseline="0" dirty="0" smtClean="0"/>
-              <a:t> y el otro no.</a:t>
-            </a:r>
-          </a:p>
-          <a:p>
-            <a:endParaRPr lang="es-PE" baseline="0" dirty="0" smtClean="0"/>
-          </a:p>
-          <a:p>
-            <a:r>
-              <a:rPr lang="es-PE" baseline="0" dirty="0" smtClean="0"/>
-              <a:t>Se tomaron 3 </a:t>
-            </a:r>
-            <a:r>
-              <a:rPr lang="es-PE" baseline="0" dirty="0" err="1" smtClean="0"/>
-              <a:t>estádisticas</a:t>
-            </a:r>
-            <a:r>
-              <a:rPr lang="es-PE" baseline="0" dirty="0" smtClean="0"/>
-              <a:t>:</a:t>
-            </a:r>
-          </a:p>
-          <a:p>
-            <a:pPr marL="171450" indent="-171450">
-              <a:buFontTx/>
-              <a:buChar char="-"/>
-            </a:pPr>
-            <a:r>
-              <a:rPr lang="es-PE" baseline="0" dirty="0" smtClean="0"/>
-              <a:t>El tiempo que le tomó a los equipos para cada fase del desarrollo del producto.</a:t>
-            </a:r>
-          </a:p>
-          <a:p>
-            <a:pPr marL="171450" indent="-171450">
-              <a:buFontTx/>
-              <a:buChar char="-"/>
-            </a:pPr>
-            <a:r>
-              <a:rPr lang="es-PE" baseline="0" dirty="0" smtClean="0"/>
-              <a:t>El tiempo total en el cuál el producto fue entregado a los clientes.</a:t>
-            </a:r>
-          </a:p>
-          <a:p>
-            <a:pPr marL="171450" indent="-171450">
-              <a:buFontTx/>
-              <a:buChar char="-"/>
-            </a:pPr>
-            <a:r>
-              <a:rPr lang="es-PE" baseline="0" dirty="0" smtClean="0"/>
-              <a:t>La cantidad de errores encontrados en el cliente luego del </a:t>
-            </a:r>
-            <a:r>
-              <a:rPr lang="es-PE" baseline="0" dirty="0" err="1" smtClean="0"/>
-              <a:t>release</a:t>
-            </a:r>
-            <a:r>
-              <a:rPr lang="es-PE" baseline="0" dirty="0" smtClean="0"/>
-              <a:t>.</a:t>
-            </a:r>
-          </a:p>
-          <a:p>
-            <a:pPr marL="171450" indent="-171450">
-              <a:buFontTx/>
-              <a:buChar char="-"/>
-            </a:pPr>
-            <a:endParaRPr lang="es-PE" baseline="0" dirty="0" smtClean="0"/>
-          </a:p>
-          <a:p>
-            <a:pPr marL="0" indent="0">
+            <a:pPr marL="0" marR="0" indent="0" algn="l" defTabSz="914400" rtl="0" eaLnBrk="1" fontAlgn="auto" latinLnBrk="0" hangingPunct="1">
+              <a:lnSpc>
+                <a:spcPct val="100000"/>
+              </a:lnSpc>
+              <a:spcBef>
+                <a:spcPts val="0"/>
+              </a:spcBef>
+              <a:spcAft>
+                <a:spcPts val="0"/>
+              </a:spcAft>
+              <a:buClrTx/>
+              <a:buSzTx/>
               <a:buFontTx/>
               <a:buNone/>
+              <a:tabLst/>
+              <a:defRPr/>
             </a:pPr>
             <a:r>
-              <a:rPr lang="es-PE" baseline="0" dirty="0" smtClean="0"/>
-              <a:t>Podemos observar que como ustedes suponían el tiempo del codificación es mayor cuando se realizan pruebas unitarias, e este caso era un equipo que recién estaba aprendiendo sobre pruebas unitarios y es por eso que el tiempo se duplicó.</a:t>
-            </a:r>
-          </a:p>
-          <a:p>
-            <a:pPr marL="0" indent="0">
+              <a:rPr lang="es-PE" dirty="0" smtClean="0">
+                <a:hlinkClick r:id="rId3"/>
+              </a:rPr>
+              <a:t>http://blog.stevensanderson.com/2009/11/04/selective-unit-testing-costs-and-benefits/</a:t>
+            </a:r>
+            <a:endParaRPr lang="es-PE" dirty="0" smtClean="0"/>
+          </a:p>
+          <a:p>
+            <a:pPr marL="0" marR="0" indent="0" algn="l" defTabSz="914400" rtl="0" eaLnBrk="1" fontAlgn="auto" latinLnBrk="0" hangingPunct="1">
+              <a:lnSpc>
+                <a:spcPct val="100000"/>
+              </a:lnSpc>
+              <a:spcBef>
+                <a:spcPts val="0"/>
+              </a:spcBef>
+              <a:spcAft>
+                <a:spcPts val="0"/>
+              </a:spcAft>
+              <a:buClrTx/>
+              <a:buSzTx/>
               <a:buFontTx/>
               <a:buNone/>
+              <a:tabLst/>
+              <a:defRPr/>
             </a:pPr>
-            <a:endParaRPr lang="es-PE" baseline="0" dirty="0" smtClean="0"/>
-          </a:p>
-          <a:p>
-            <a:pPr marL="0" indent="0">
+            <a:endParaRPr lang="en-US" sz="1200" b="0" i="0" u="sng" kern="1200" dirty="0" smtClean="0">
+              <a:solidFill>
+                <a:schemeClr val="tx1"/>
+              </a:solidFill>
+              <a:effectLst/>
+              <a:latin typeface="+mn-lt"/>
+              <a:ea typeface="+mn-ea"/>
+              <a:cs typeface="+mn-cs"/>
+            </a:endParaRPr>
+          </a:p>
+          <a:p>
+            <a:pPr marL="0" marR="0" indent="0" algn="l" defTabSz="914400" rtl="0" eaLnBrk="1" fontAlgn="auto" latinLnBrk="0" hangingPunct="1">
+              <a:lnSpc>
+                <a:spcPct val="100000"/>
+              </a:lnSpc>
+              <a:spcBef>
+                <a:spcPts val="0"/>
+              </a:spcBef>
+              <a:spcAft>
+                <a:spcPts val="0"/>
+              </a:spcAft>
+              <a:buClrTx/>
+              <a:buSzTx/>
               <a:buFontTx/>
               <a:buNone/>
+              <a:tabLst/>
+              <a:defRPr/>
             </a:pPr>
             <a:r>
-              <a:rPr lang="es-PE" baseline="0" dirty="0" smtClean="0"/>
-              <a:t>Pero podemos observar que el tiempo de las siguientes fases disminuyó considerablemente, inclusive el tiempo total de desarrollo del producto fue menor utilizando </a:t>
-            </a:r>
-            <a:r>
-              <a:rPr lang="es-PE" baseline="0" dirty="0" err="1" smtClean="0"/>
-              <a:t>unit</a:t>
-            </a:r>
-            <a:r>
-              <a:rPr lang="es-PE" baseline="0" dirty="0" smtClean="0"/>
-              <a:t> </a:t>
-            </a:r>
-            <a:r>
-              <a:rPr lang="es-PE" baseline="0" dirty="0" err="1" smtClean="0"/>
-              <a:t>tests</a:t>
-            </a:r>
-            <a:r>
-              <a:rPr lang="es-PE" baseline="0" dirty="0" smtClean="0"/>
-              <a:t>; y los bugs encontrados fueron muchísimo menores.</a:t>
-            </a:r>
-          </a:p>
-          <a:p>
-            <a:pPr marL="0" indent="0">
+              <a:rPr lang="en-US" sz="1200" b="0" i="0" u="sng" kern="1200" dirty="0" err="1" smtClean="0">
+                <a:solidFill>
+                  <a:schemeClr val="tx1"/>
+                </a:solidFill>
+                <a:effectLst/>
+                <a:latin typeface="+mn-lt"/>
+                <a:ea typeface="+mn-ea"/>
+                <a:cs typeface="+mn-cs"/>
+              </a:rPr>
+              <a:t>Lograr</a:t>
+            </a:r>
+            <a:r>
+              <a:rPr lang="en-US" sz="1200" b="0" i="0" u="sng" kern="1200" dirty="0" smtClean="0">
+                <a:solidFill>
+                  <a:schemeClr val="tx1"/>
+                </a:solidFill>
+                <a:effectLst/>
+                <a:latin typeface="+mn-lt"/>
+                <a:ea typeface="+mn-ea"/>
+                <a:cs typeface="+mn-cs"/>
+              </a:rPr>
+              <a:t> un balance </a:t>
+            </a:r>
+            <a:r>
+              <a:rPr lang="en-US" sz="1200" b="0" i="0" u="sng" kern="1200" dirty="0" err="1" smtClean="0">
+                <a:solidFill>
+                  <a:schemeClr val="tx1"/>
+                </a:solidFill>
+                <a:effectLst/>
+                <a:latin typeface="+mn-lt"/>
+                <a:ea typeface="+mn-ea"/>
+                <a:cs typeface="+mn-cs"/>
+              </a:rPr>
+              <a:t>costo</a:t>
+            </a:r>
+            <a:r>
+              <a:rPr lang="en-US" sz="1200" b="0" i="0" u="sng" kern="1200" baseline="0" dirty="0" smtClean="0">
+                <a:solidFill>
+                  <a:schemeClr val="tx1"/>
+                </a:solidFill>
+                <a:effectLst/>
+                <a:latin typeface="+mn-lt"/>
+                <a:ea typeface="+mn-ea"/>
+                <a:cs typeface="+mn-cs"/>
+              </a:rPr>
+              <a:t> – </a:t>
+            </a:r>
+            <a:r>
+              <a:rPr lang="en-US" sz="1200" b="0" i="0" u="sng" kern="1200" baseline="0" dirty="0" err="1" smtClean="0">
+                <a:solidFill>
+                  <a:schemeClr val="tx1"/>
+                </a:solidFill>
+                <a:effectLst/>
+                <a:latin typeface="+mn-lt"/>
+                <a:ea typeface="+mn-ea"/>
+                <a:cs typeface="+mn-cs"/>
+              </a:rPr>
+              <a:t>beneficio</a:t>
+            </a:r>
+            <a:r>
+              <a:rPr lang="en-US" sz="1200" b="0" i="0" u="sng" kern="1200" baseline="0" dirty="0" smtClean="0">
+                <a:solidFill>
+                  <a:schemeClr val="tx1"/>
+                </a:solidFill>
+                <a:effectLst/>
+                <a:latin typeface="+mn-lt"/>
+                <a:ea typeface="+mn-ea"/>
+                <a:cs typeface="+mn-cs"/>
+              </a:rPr>
+              <a:t>.</a:t>
+            </a:r>
+            <a:endParaRPr lang="en-US" sz="1200" b="1" i="0" kern="1200" dirty="0" smtClean="0">
+              <a:solidFill>
+                <a:schemeClr val="tx1"/>
+              </a:solidFill>
+              <a:effectLst/>
+              <a:latin typeface="+mn-lt"/>
+              <a:ea typeface="+mn-ea"/>
+              <a:cs typeface="+mn-cs"/>
+            </a:endParaRPr>
+          </a:p>
+          <a:p>
+            <a:pPr marL="0" marR="0" indent="0" algn="l" defTabSz="914400" rtl="0" eaLnBrk="1" fontAlgn="auto" latinLnBrk="0" hangingPunct="1">
+              <a:lnSpc>
+                <a:spcPct val="100000"/>
+              </a:lnSpc>
+              <a:spcBef>
+                <a:spcPts val="0"/>
+              </a:spcBef>
+              <a:spcAft>
+                <a:spcPts val="0"/>
+              </a:spcAft>
+              <a:buClrTx/>
+              <a:buSzTx/>
               <a:buFontTx/>
               <a:buNone/>
+              <a:tabLst/>
+              <a:defRPr/>
             </a:pPr>
-            <a:endParaRPr lang="es-PE" baseline="0" dirty="0" smtClean="0"/>
-          </a:p>
-          <a:p>
-            <a:pPr marL="0" indent="0">
+            <a:r>
+              <a:rPr lang="en-US" sz="1200" b="1" i="0" kern="1200" dirty="0" err="1" smtClean="0">
+                <a:solidFill>
+                  <a:schemeClr val="tx1"/>
+                </a:solidFill>
+                <a:effectLst/>
+                <a:latin typeface="+mn-lt"/>
+                <a:ea typeface="+mn-ea"/>
+                <a:cs typeface="+mn-cs"/>
+              </a:rPr>
+              <a:t>Trival</a:t>
+            </a:r>
+            <a:r>
+              <a:rPr lang="en-US" sz="1200" b="1" i="0" kern="1200" dirty="0" smtClean="0">
+                <a:solidFill>
+                  <a:schemeClr val="tx1"/>
+                </a:solidFill>
+                <a:effectLst/>
+                <a:latin typeface="+mn-lt"/>
+                <a:ea typeface="+mn-ea"/>
+                <a:cs typeface="+mn-cs"/>
+              </a:rPr>
+              <a:t> code with few dependencies (bottom left)</a:t>
+            </a:r>
+            <a:r>
+              <a:rPr lang="en-US" sz="1200" b="0" i="0" kern="1200" dirty="0" smtClean="0">
+                <a:solidFill>
+                  <a:schemeClr val="tx1"/>
+                </a:solidFill>
+                <a:effectLst/>
+                <a:latin typeface="+mn-lt"/>
+                <a:ea typeface="+mn-ea"/>
+                <a:cs typeface="+mn-cs"/>
+              </a:rPr>
+              <a:t>. We needn’t worry about this code. In cost-benefit terms, it doesn’t matter whether you unit test it or not.</a:t>
+            </a:r>
+          </a:p>
+          <a:p>
+            <a:pPr marL="0" marR="0" indent="0" algn="l" defTabSz="914400" rtl="0" eaLnBrk="1" fontAlgn="auto" latinLnBrk="0" hangingPunct="1">
+              <a:lnSpc>
+                <a:spcPct val="100000"/>
+              </a:lnSpc>
+              <a:spcBef>
+                <a:spcPts val="0"/>
+              </a:spcBef>
+              <a:spcAft>
+                <a:spcPts val="0"/>
+              </a:spcAft>
+              <a:buClrTx/>
+              <a:buSzTx/>
               <a:buFontTx/>
               <a:buNone/>
+              <a:tabLst/>
+              <a:defRPr/>
             </a:pPr>
             <a:r>
-              <a:rPr lang="es-PE" baseline="0" dirty="0" smtClean="0"/>
-              <a:t>Durante el proyecto piloto, los managers no creían que el piloto utilizando </a:t>
-            </a:r>
-            <a:r>
-              <a:rPr lang="es-PE" baseline="0" dirty="0" err="1" smtClean="0"/>
-              <a:t>unit</a:t>
-            </a:r>
-            <a:r>
-              <a:rPr lang="es-PE" baseline="0" dirty="0" smtClean="0"/>
-              <a:t> </a:t>
-            </a:r>
-            <a:r>
-              <a:rPr lang="es-PE" baseline="0" dirty="0" err="1" smtClean="0"/>
-              <a:t>tests</a:t>
-            </a:r>
-            <a:r>
-              <a:rPr lang="es-PE" baseline="0" dirty="0" smtClean="0"/>
-              <a:t> sería un éxito </a:t>
-            </a:r>
-            <a:r>
-              <a:rPr lang="es-PE" baseline="0" dirty="0" err="1" smtClean="0"/>
-              <a:t>xq</a:t>
-            </a:r>
-            <a:r>
-              <a:rPr lang="es-PE" baseline="0" dirty="0" smtClean="0"/>
-              <a:t> únicamente se fijaban en las estadísticas del tiempo de codificación. Es correcto pensar que utilizar UT incrementará el tiempo de programación </a:t>
-            </a:r>
-            <a:r>
-              <a:rPr lang="es-PE" baseline="0" dirty="0" err="1" smtClean="0"/>
-              <a:t>xq</a:t>
-            </a:r>
-            <a:r>
-              <a:rPr lang="es-PE" baseline="0" dirty="0" smtClean="0"/>
-              <a:t> estás escribiendo más código pero el tiempo total se ve reducido.</a:t>
-            </a:r>
-          </a:p>
-          <a:p>
-            <a:endParaRPr lang="es-PE" baseline="0" dirty="0" smtClean="0"/>
-          </a:p>
-          <a:p>
-            <a:endParaRPr lang="es-PE" dirty="0"/>
+              <a:rPr lang="es-PE" sz="1200" b="0" i="0" kern="1200" dirty="0" smtClean="0">
+                <a:solidFill>
+                  <a:schemeClr val="tx1"/>
+                </a:solidFill>
+                <a:effectLst/>
+                <a:latin typeface="+mn-lt"/>
+                <a:ea typeface="+mn-ea"/>
+                <a:cs typeface="+mn-cs"/>
+              </a:rPr>
+              <a:t>Por ejemplo </a:t>
+            </a:r>
+            <a:r>
+              <a:rPr lang="es-PE" sz="1200" b="0" i="0" kern="1200" dirty="0" err="1" smtClean="0">
+                <a:solidFill>
+                  <a:schemeClr val="tx1"/>
+                </a:solidFill>
+                <a:effectLst/>
+                <a:latin typeface="+mn-lt"/>
+                <a:ea typeface="+mn-ea"/>
+                <a:cs typeface="+mn-cs"/>
+              </a:rPr>
+              <a:t>getters</a:t>
+            </a:r>
+            <a:r>
+              <a:rPr lang="es-PE" sz="1200" b="0" i="0" kern="1200" dirty="0" smtClean="0">
+                <a:solidFill>
+                  <a:schemeClr val="tx1"/>
+                </a:solidFill>
+                <a:effectLst/>
+                <a:latin typeface="+mn-lt"/>
+                <a:ea typeface="+mn-ea"/>
+                <a:cs typeface="+mn-cs"/>
+              </a:rPr>
+              <a:t> o </a:t>
+            </a:r>
+            <a:r>
+              <a:rPr lang="es-PE" sz="1200" b="0" i="0" kern="1200" dirty="0" err="1" smtClean="0">
+                <a:solidFill>
+                  <a:schemeClr val="tx1"/>
+                </a:solidFill>
+                <a:effectLst/>
+                <a:latin typeface="+mn-lt"/>
+                <a:ea typeface="+mn-ea"/>
+                <a:cs typeface="+mn-cs"/>
+              </a:rPr>
+              <a:t>setters</a:t>
+            </a:r>
+            <a:r>
+              <a:rPr lang="es-PE" sz="1200" b="0" i="0" kern="1200" dirty="0" smtClean="0">
+                <a:solidFill>
+                  <a:schemeClr val="tx1"/>
+                </a:solidFill>
+                <a:effectLst/>
+                <a:latin typeface="+mn-lt"/>
+                <a:ea typeface="+mn-ea"/>
+                <a:cs typeface="+mn-cs"/>
+              </a:rPr>
+              <a:t> o propiedades solo devuelven los datos </a:t>
+            </a:r>
+            <a:endParaRPr lang="en-US" sz="1200" b="0" i="0" kern="1200" dirty="0" smtClean="0">
+              <a:solidFill>
+                <a:schemeClr val="tx1"/>
+              </a:solidFill>
+              <a:effectLst/>
+              <a:latin typeface="+mn-lt"/>
+              <a:ea typeface="+mn-ea"/>
+              <a:cs typeface="+mn-cs"/>
+            </a:endParaRPr>
+          </a:p>
+          <a:p>
+            <a:r>
+              <a:rPr lang="en-US" sz="1200" b="1" i="0" kern="1200" dirty="0" smtClean="0">
+                <a:solidFill>
+                  <a:schemeClr val="tx1"/>
+                </a:solidFill>
+                <a:effectLst/>
+                <a:latin typeface="+mn-lt"/>
+                <a:ea typeface="+mn-ea"/>
+                <a:cs typeface="+mn-cs"/>
+              </a:rPr>
+              <a:t>Complex code with few dependencies (top left)</a:t>
+            </a:r>
+            <a:r>
+              <a:rPr lang="en-US" sz="1200" b="0" i="0" kern="1200" dirty="0" smtClean="0">
+                <a:solidFill>
+                  <a:schemeClr val="tx1"/>
+                </a:solidFill>
+                <a:effectLst/>
+                <a:latin typeface="+mn-lt"/>
+                <a:ea typeface="+mn-ea"/>
+                <a:cs typeface="+mn-cs"/>
+              </a:rPr>
+              <a:t>. Typically this means self-contained algorithms for business rules or for things like sorting or parsing data. This cost-benefit argument goes strongly </a:t>
+            </a:r>
+            <a:r>
+              <a:rPr lang="en-US" sz="1200" b="1" i="0" kern="1200" dirty="0" smtClean="0">
+                <a:solidFill>
+                  <a:schemeClr val="tx1"/>
+                </a:solidFill>
+                <a:effectLst/>
+                <a:latin typeface="+mn-lt"/>
+                <a:ea typeface="+mn-ea"/>
+                <a:cs typeface="+mn-cs"/>
+              </a:rPr>
+              <a:t>in </a:t>
+            </a:r>
+            <a:r>
+              <a:rPr lang="en-US" sz="1200" b="1" i="0" kern="1200" dirty="0" err="1" smtClean="0">
+                <a:solidFill>
+                  <a:schemeClr val="tx1"/>
+                </a:solidFill>
+                <a:effectLst/>
+                <a:latin typeface="+mn-lt"/>
+                <a:ea typeface="+mn-ea"/>
+                <a:cs typeface="+mn-cs"/>
+              </a:rPr>
+              <a:t>favour</a:t>
+            </a:r>
+            <a:r>
+              <a:rPr lang="en-US" sz="1200" b="1" i="0" kern="1200" dirty="0" smtClean="0">
+                <a:solidFill>
+                  <a:schemeClr val="tx1"/>
+                </a:solidFill>
+                <a:effectLst/>
+                <a:latin typeface="+mn-lt"/>
+                <a:ea typeface="+mn-ea"/>
+                <a:cs typeface="+mn-cs"/>
+              </a:rPr>
+              <a:t> of unit testing</a:t>
+            </a:r>
+            <a:r>
+              <a:rPr lang="en-US" sz="1200" b="0" i="0" kern="1200" dirty="0" smtClean="0">
+                <a:solidFill>
+                  <a:schemeClr val="tx1"/>
+                </a:solidFill>
+                <a:effectLst/>
+                <a:latin typeface="+mn-lt"/>
+                <a:ea typeface="+mn-ea"/>
+                <a:cs typeface="+mn-cs"/>
+              </a:rPr>
+              <a:t> this code, because it’s cheap to do and highly beneficial.</a:t>
+            </a:r>
+          </a:p>
+          <a:p>
+            <a:r>
+              <a:rPr lang="en-US" sz="1200" b="1" i="0" kern="1200" dirty="0" smtClean="0">
+                <a:solidFill>
+                  <a:schemeClr val="tx1"/>
+                </a:solidFill>
+                <a:effectLst/>
+                <a:latin typeface="+mn-lt"/>
+                <a:ea typeface="+mn-ea"/>
+                <a:cs typeface="+mn-cs"/>
+              </a:rPr>
+              <a:t>Trivial code with many dependencies (bottom right)</a:t>
+            </a:r>
+            <a:r>
+              <a:rPr lang="en-US" sz="1200" b="0" i="0" kern="1200" dirty="0" smtClean="0">
+                <a:solidFill>
+                  <a:schemeClr val="tx1"/>
+                </a:solidFill>
+                <a:effectLst/>
+                <a:latin typeface="+mn-lt"/>
+                <a:ea typeface="+mn-ea"/>
+                <a:cs typeface="+mn-cs"/>
+              </a:rPr>
+              <a:t>. I’ve </a:t>
+            </a:r>
+            <a:r>
+              <a:rPr lang="en-US" sz="1200" b="0" i="0" kern="1200" dirty="0" err="1" smtClean="0">
+                <a:solidFill>
+                  <a:schemeClr val="tx1"/>
+                </a:solidFill>
+                <a:effectLst/>
+                <a:latin typeface="+mn-lt"/>
+                <a:ea typeface="+mn-ea"/>
+                <a:cs typeface="+mn-cs"/>
+              </a:rPr>
+              <a:t>labelled</a:t>
+            </a:r>
+            <a:r>
+              <a:rPr lang="en-US" sz="1200" b="0" i="0" kern="1200" dirty="0" smtClean="0">
+                <a:solidFill>
+                  <a:schemeClr val="tx1"/>
+                </a:solidFill>
+                <a:effectLst/>
+                <a:latin typeface="+mn-lt"/>
+                <a:ea typeface="+mn-ea"/>
+                <a:cs typeface="+mn-cs"/>
+              </a:rPr>
+              <a:t> this quadrant “coordinators”, because these code units tend to glue together and orchestrate interactions between other code units. This cost-benefit argument is </a:t>
+            </a:r>
+            <a:r>
+              <a:rPr lang="en-US" sz="1200" b="1" i="0" kern="1200" dirty="0" smtClean="0">
+                <a:solidFill>
+                  <a:schemeClr val="tx1"/>
+                </a:solidFill>
+                <a:effectLst/>
+                <a:latin typeface="+mn-lt"/>
+                <a:ea typeface="+mn-ea"/>
+                <a:cs typeface="+mn-cs"/>
+              </a:rPr>
+              <a:t>in </a:t>
+            </a:r>
+            <a:r>
+              <a:rPr lang="en-US" sz="1200" b="1" i="0" kern="1200" dirty="0" err="1" smtClean="0">
+                <a:solidFill>
+                  <a:schemeClr val="tx1"/>
+                </a:solidFill>
+                <a:effectLst/>
+                <a:latin typeface="+mn-lt"/>
+                <a:ea typeface="+mn-ea"/>
+                <a:cs typeface="+mn-cs"/>
+              </a:rPr>
+              <a:t>favour</a:t>
+            </a:r>
+            <a:r>
+              <a:rPr lang="en-US" sz="1200" b="1" i="0" kern="1200" dirty="0" smtClean="0">
+                <a:solidFill>
+                  <a:schemeClr val="tx1"/>
+                </a:solidFill>
+                <a:effectLst/>
+                <a:latin typeface="+mn-lt"/>
+                <a:ea typeface="+mn-ea"/>
+                <a:cs typeface="+mn-cs"/>
+              </a:rPr>
+              <a:t> of not unit testing</a:t>
+            </a:r>
+            <a:r>
+              <a:rPr lang="en-US" sz="1200" b="0" i="0" kern="1200" dirty="0" smtClean="0">
+                <a:solidFill>
+                  <a:schemeClr val="tx1"/>
+                </a:solidFill>
+                <a:effectLst/>
+                <a:latin typeface="+mn-lt"/>
+                <a:ea typeface="+mn-ea"/>
+                <a:cs typeface="+mn-cs"/>
+              </a:rPr>
+              <a:t> this code: it’s expensive to do and yields little practical benefit. Your time is finite; spend it more effectively elsewhere.</a:t>
+            </a:r>
+          </a:p>
+          <a:p>
+            <a:r>
+              <a:rPr lang="en-US" sz="1200" b="1" i="0" kern="1200" dirty="0" smtClean="0">
+                <a:solidFill>
+                  <a:schemeClr val="tx1"/>
+                </a:solidFill>
+                <a:effectLst/>
+                <a:latin typeface="+mn-lt"/>
+                <a:ea typeface="+mn-ea"/>
+                <a:cs typeface="+mn-cs"/>
+              </a:rPr>
+              <a:t>Complex code with many dependencies (top right)</a:t>
+            </a:r>
+            <a:r>
+              <a:rPr lang="en-US" sz="1200" b="0" i="0" kern="1200" dirty="0" smtClean="0">
+                <a:solidFill>
+                  <a:schemeClr val="tx1"/>
+                </a:solidFill>
+                <a:effectLst/>
+                <a:latin typeface="+mn-lt"/>
+                <a:ea typeface="+mn-ea"/>
+                <a:cs typeface="+mn-cs"/>
+              </a:rPr>
+              <a:t>. This code is very expensive to write with unit tests, but too risky to write without. Usually you can sidestep this dilemma by decomposing the code into two parts: the complex logic (algorithm) and the bit that interacts with many dependencies (coordinator).</a:t>
+            </a:r>
+          </a:p>
+          <a:p>
+            <a:pPr marL="0" indent="0" defTabSz="357188">
+              <a:buNone/>
+            </a:pPr>
+            <a:endParaRPr lang="es-PE" sz="2200" baseline="0" dirty="0" smtClean="0"/>
           </a:p>
         </p:txBody>
       </p:sp>
@@ -4980,7 +4733,7 @@
           <a:bodyPr/>
           <a:lstStyle/>
           <a:p>
-            <a:fld id="{96DE5A63-0F1F-4DC0-ADE0-CC17EBA6F230}" type="slidenum">
+            <a:fld id="{80C14895-23C8-45AE-85D5-3B35E5980A68}" type="slidenum">
               <a:rPr lang="es-PE" smtClean="0"/>
               <a:t>33</a:t>
             </a:fld>
@@ -4991,7 +4744,7 @@
     </p:spTree>
     <p:extLst>
       <p:ext uri="{BB962C8B-B14F-4D97-AF65-F5344CB8AC3E}">
-        <p14:creationId xmlns:p14="http://schemas.microsoft.com/office/powerpoint/2010/main" val="1289502795"/>
+        <p14:creationId xmlns:p14="http://schemas.microsoft.com/office/powerpoint/2010/main" val="3432092158"/>
       </p:ext>
     </p:extLst>
   </p:cSld>
@@ -5047,38 +4800,59 @@
           <a:p>
             <a:r>
               <a:rPr lang="es-PE" dirty="0" smtClean="0"/>
-              <a:t>Ya lo venimos haciendo solo que no estamos muy consientes de ellos.</a:t>
-            </a:r>
-          </a:p>
-          <a:p>
-            <a:endParaRPr lang="es-PE" dirty="0" smtClean="0"/>
-          </a:p>
-          <a:p>
-            <a:r>
-              <a:rPr lang="es-PE" dirty="0" smtClean="0"/>
-              <a:t>Escribimos</a:t>
+              <a:t>Seguramente</a:t>
             </a:r>
             <a:r>
               <a:rPr lang="es-PE" baseline="0" dirty="0" smtClean="0"/>
-              <a:t> una funcionalidad.</a:t>
-            </a:r>
+              <a:t> se preguntarán o cuando intenten aplicar esto en sus empresas les preguntarán en sus empresas, sobretodo las personas que les concierne mucho el tema del tiempo. ¿Cuánto tiempo más agrega esto a mi proyecto? </a:t>
+            </a:r>
+          </a:p>
+          <a:p>
+            <a:endParaRPr lang="es-PE" baseline="0" dirty="0" smtClean="0"/>
           </a:p>
           <a:p>
             <a:r>
               <a:rPr lang="es-PE" baseline="0" dirty="0" smtClean="0"/>
-              <a:t>Ejecutamos el programa.</a:t>
-            </a:r>
+              <a:t>Para responder a esta pregunta tenemos que pensar en términos de todo el proyecto y no únicamente en el tiempo de programación o la programación de una funcionalidad específica.</a:t>
+            </a:r>
+          </a:p>
+          <a:p>
+            <a:endParaRPr lang="es-PE" baseline="0" dirty="0" smtClean="0"/>
           </a:p>
           <a:p>
             <a:r>
               <a:rPr lang="es-PE" baseline="0" dirty="0" smtClean="0"/>
-              <a:t>Escribimos una funcionalidad</a:t>
-            </a:r>
-          </a:p>
-          <a:p>
+              <a:t>Estas son estadísticas de una compañía que comenzó a adoptar </a:t>
+            </a:r>
+            <a:r>
+              <a:rPr lang="es-PE" baseline="0" dirty="0" err="1" smtClean="0"/>
+              <a:t>unit</a:t>
+            </a:r>
             <a:r>
               <a:rPr lang="es-PE" baseline="0" dirty="0" smtClean="0"/>
-              <a:t>….</a:t>
+              <a:t> </a:t>
+            </a:r>
+            <a:r>
+              <a:rPr lang="es-PE" baseline="0" dirty="0" err="1" smtClean="0"/>
+              <a:t>testing</a:t>
+            </a:r>
+            <a:r>
+              <a:rPr lang="es-PE" baseline="0" dirty="0" smtClean="0"/>
+              <a:t> en un proyecto piloto, el piloto consistía agregar funcionalidad a una gran aplicación de facturación y </a:t>
+            </a:r>
+            <a:r>
+              <a:rPr lang="es-PE" baseline="0" dirty="0" err="1" smtClean="0"/>
+              <a:t>customizar</a:t>
+            </a:r>
+            <a:r>
+              <a:rPr lang="es-PE" baseline="0" dirty="0" smtClean="0"/>
+              <a:t> algunas partes para sus diferentes clientes.</a:t>
+            </a:r>
+          </a:p>
+          <a:p>
+            <a:r>
+              <a:rPr lang="es-PE" baseline="0" dirty="0" smtClean="0"/>
+              <a:t>Esta compañía esta compuesta por una gran cantidad de desarrolladores alrededor de equipos y desarrolladores.</a:t>
             </a:r>
           </a:p>
           <a:p>
@@ -5087,15 +4861,169 @@
           <a:p>
             <a:r>
               <a:rPr lang="es-PE" baseline="0" dirty="0" smtClean="0"/>
-              <a:t>En vez de ejecutar el programa manualmente( no repetible, toma mucho tiempo, </a:t>
+              <a:t>Se colectaron estadísticas para 2 equipos diferentes que crearon 2 funcionalidades muy similares para diferentes clientes. (Ambas funcionalidades eran muy similares en características y tamaño, y ambos equipos tenían casi la misma habilidad y experiencia). La </a:t>
             </a:r>
             <a:r>
               <a:rPr lang="es-PE" baseline="0" dirty="0" err="1" smtClean="0"/>
-              <a:t>etc</a:t>
+              <a:t>punica</a:t>
             </a:r>
             <a:r>
               <a:rPr lang="es-PE" baseline="0" dirty="0" smtClean="0"/>
-              <a:t>) </a:t>
+              <a:t> diferencia fue q uno de los equipos utilizó </a:t>
+            </a:r>
+            <a:r>
+              <a:rPr lang="es-PE" baseline="0" dirty="0" err="1" smtClean="0"/>
+              <a:t>unit</a:t>
+            </a:r>
+            <a:r>
+              <a:rPr lang="es-PE" baseline="0" dirty="0" smtClean="0"/>
+              <a:t> </a:t>
+            </a:r>
+            <a:r>
+              <a:rPr lang="es-PE" baseline="0" dirty="0" err="1" smtClean="0"/>
+              <a:t>tests</a:t>
+            </a:r>
+            <a:r>
+              <a:rPr lang="es-PE" baseline="0" dirty="0" smtClean="0"/>
+              <a:t> y el otro no.</a:t>
+            </a:r>
+          </a:p>
+          <a:p>
+            <a:endParaRPr lang="es-PE" baseline="0" dirty="0" smtClean="0"/>
+          </a:p>
+          <a:p>
+            <a:r>
+              <a:rPr lang="es-PE" baseline="0" dirty="0" smtClean="0"/>
+              <a:t>Se tomaron 3 </a:t>
+            </a:r>
+            <a:r>
+              <a:rPr lang="es-PE" baseline="0" dirty="0" err="1" smtClean="0"/>
+              <a:t>estádisticas</a:t>
+            </a:r>
+            <a:r>
+              <a:rPr lang="es-PE" baseline="0" dirty="0" smtClean="0"/>
+              <a:t>:</a:t>
+            </a:r>
+          </a:p>
+          <a:p>
+            <a:pPr marL="171450" indent="-171450">
+              <a:buFontTx/>
+              <a:buChar char="-"/>
+            </a:pPr>
+            <a:r>
+              <a:rPr lang="es-PE" baseline="0" dirty="0" smtClean="0"/>
+              <a:t>El tiempo que le tomó a los equipos para cada fase del desarrollo del producto.</a:t>
+            </a:r>
+          </a:p>
+          <a:p>
+            <a:pPr marL="171450" indent="-171450">
+              <a:buFontTx/>
+              <a:buChar char="-"/>
+            </a:pPr>
+            <a:r>
+              <a:rPr lang="es-PE" baseline="0" dirty="0" smtClean="0"/>
+              <a:t>El tiempo total en el cuál el producto fue entregado a los clientes.</a:t>
+            </a:r>
+          </a:p>
+          <a:p>
+            <a:pPr marL="171450" indent="-171450">
+              <a:buFontTx/>
+              <a:buChar char="-"/>
+            </a:pPr>
+            <a:r>
+              <a:rPr lang="es-PE" baseline="0" dirty="0" smtClean="0"/>
+              <a:t>La cantidad de errores encontrados en el cliente luego del </a:t>
+            </a:r>
+            <a:r>
+              <a:rPr lang="es-PE" baseline="0" dirty="0" err="1" smtClean="0"/>
+              <a:t>release</a:t>
+            </a:r>
+            <a:r>
+              <a:rPr lang="es-PE" baseline="0" dirty="0" smtClean="0"/>
+              <a:t>.</a:t>
+            </a:r>
+          </a:p>
+          <a:p>
+            <a:pPr marL="171450" indent="-171450">
+              <a:buFontTx/>
+              <a:buChar char="-"/>
+            </a:pPr>
+            <a:endParaRPr lang="es-PE" baseline="0" dirty="0" smtClean="0"/>
+          </a:p>
+          <a:p>
+            <a:pPr marL="0" indent="0">
+              <a:buFontTx/>
+              <a:buNone/>
+            </a:pPr>
+            <a:r>
+              <a:rPr lang="es-PE" baseline="0" dirty="0" smtClean="0"/>
+              <a:t>Podemos observar que como ustedes suponían el tiempo del codificación es mayor cuando se realizan pruebas unitarias, e este caso era un equipo que recién estaba aprendiendo sobre pruebas unitarios y es por eso que el tiempo se duplicó.</a:t>
+            </a:r>
+          </a:p>
+          <a:p>
+            <a:pPr marL="0" indent="0">
+              <a:buFontTx/>
+              <a:buNone/>
+            </a:pPr>
+            <a:endParaRPr lang="es-PE" baseline="0" dirty="0" smtClean="0"/>
+          </a:p>
+          <a:p>
+            <a:pPr marL="0" indent="0">
+              <a:buFontTx/>
+              <a:buNone/>
+            </a:pPr>
+            <a:r>
+              <a:rPr lang="es-PE" baseline="0" dirty="0" smtClean="0"/>
+              <a:t>Pero podemos observar que el tiempo de las siguientes fases disminuyó considerablemente, inclusive el tiempo total de desarrollo del producto fue menor utilizando </a:t>
+            </a:r>
+            <a:r>
+              <a:rPr lang="es-PE" baseline="0" dirty="0" err="1" smtClean="0"/>
+              <a:t>unit</a:t>
+            </a:r>
+            <a:r>
+              <a:rPr lang="es-PE" baseline="0" dirty="0" smtClean="0"/>
+              <a:t> </a:t>
+            </a:r>
+            <a:r>
+              <a:rPr lang="es-PE" baseline="0" dirty="0" err="1" smtClean="0"/>
+              <a:t>tests</a:t>
+            </a:r>
+            <a:r>
+              <a:rPr lang="es-PE" baseline="0" dirty="0" smtClean="0"/>
+              <a:t>; y los bugs encontrados fueron muchísimo menores.</a:t>
+            </a:r>
+          </a:p>
+          <a:p>
+            <a:pPr marL="0" indent="0">
+              <a:buFontTx/>
+              <a:buNone/>
+            </a:pPr>
+            <a:endParaRPr lang="es-PE" baseline="0" dirty="0" smtClean="0"/>
+          </a:p>
+          <a:p>
+            <a:pPr marL="0" indent="0">
+              <a:buFontTx/>
+              <a:buNone/>
+            </a:pPr>
+            <a:r>
+              <a:rPr lang="es-PE" baseline="0" dirty="0" smtClean="0"/>
+              <a:t>Durante el proyecto piloto, los managers no creían que el piloto utilizando </a:t>
+            </a:r>
+            <a:r>
+              <a:rPr lang="es-PE" baseline="0" dirty="0" err="1" smtClean="0"/>
+              <a:t>unit</a:t>
+            </a:r>
+            <a:r>
+              <a:rPr lang="es-PE" baseline="0" dirty="0" smtClean="0"/>
+              <a:t> </a:t>
+            </a:r>
+            <a:r>
+              <a:rPr lang="es-PE" baseline="0" dirty="0" err="1" smtClean="0"/>
+              <a:t>tests</a:t>
+            </a:r>
+            <a:r>
+              <a:rPr lang="es-PE" baseline="0" dirty="0" smtClean="0"/>
+              <a:t> sería un éxito </a:t>
             </a:r>
             <a:r>
               <a:rPr lang="es-PE" baseline="0" dirty="0" err="1" smtClean="0"/>
@@ -5103,11 +5031,16 @@
             </a:r>
             <a:r>
               <a:rPr lang="es-PE" baseline="0" dirty="0" smtClean="0"/>
-              <a:t> no escribimos un pequeñito programa automatizado que haga lo mismo.</a:t>
-            </a:r>
-          </a:p>
-          <a:p>
-            <a:endParaRPr lang="es-PE" baseline="0" dirty="0" smtClean="0"/>
+              <a:t> únicamente se fijaban en las estadísticas del tiempo de codificación. Es correcto pensar que utilizar UT incrementará el tiempo de programación </a:t>
+            </a:r>
+            <a:r>
+              <a:rPr lang="es-PE" baseline="0" dirty="0" err="1" smtClean="0"/>
+              <a:t>xq</a:t>
+            </a:r>
+            <a:r>
+              <a:rPr lang="es-PE" baseline="0" dirty="0" smtClean="0"/>
+              <a:t> estás escribiendo más código pero el tiempo total se ve reducido.</a:t>
+            </a:r>
           </a:p>
           <a:p>
             <a:endParaRPr lang="es-PE" baseline="0" dirty="0" smtClean="0"/>
@@ -5197,7 +5130,75 @@
           <a:bodyPr/>
           <a:lstStyle/>
           <a:p>
-            <a:endParaRPr lang="es-PE" noProof="0" dirty="0"/>
+            <a:r>
+              <a:rPr lang="es-PE" dirty="0" smtClean="0"/>
+              <a:t>Ya lo venimos haciendo solo que no estamos muy consientes de ellos.</a:t>
+            </a:r>
+          </a:p>
+          <a:p>
+            <a:endParaRPr lang="es-PE" dirty="0" smtClean="0"/>
+          </a:p>
+          <a:p>
+            <a:r>
+              <a:rPr lang="es-PE" dirty="0" smtClean="0"/>
+              <a:t>Escribimos</a:t>
+            </a:r>
+            <a:r>
+              <a:rPr lang="es-PE" baseline="0" dirty="0" smtClean="0"/>
+              <a:t> una funcionalidad.</a:t>
+            </a:r>
+          </a:p>
+          <a:p>
+            <a:r>
+              <a:rPr lang="es-PE" baseline="0" dirty="0" smtClean="0"/>
+              <a:t>Ejecutamos el programa.</a:t>
+            </a:r>
+          </a:p>
+          <a:p>
+            <a:r>
+              <a:rPr lang="es-PE" baseline="0" dirty="0" smtClean="0"/>
+              <a:t>Escribimos una funcionalidad</a:t>
+            </a:r>
+          </a:p>
+          <a:p>
+            <a:r>
+              <a:rPr lang="es-PE" baseline="0" dirty="0" smtClean="0"/>
+              <a:t>….</a:t>
+            </a:r>
+          </a:p>
+          <a:p>
+            <a:endParaRPr lang="es-PE" baseline="0" dirty="0" smtClean="0"/>
+          </a:p>
+          <a:p>
+            <a:r>
+              <a:rPr lang="es-PE" baseline="0" dirty="0" smtClean="0"/>
+              <a:t>En vez de ejecutar el programa manualmente( no repetible, toma mucho tiempo, </a:t>
+            </a:r>
+            <a:r>
+              <a:rPr lang="es-PE" baseline="0" dirty="0" err="1" smtClean="0"/>
+              <a:t>etc</a:t>
+            </a:r>
+            <a:r>
+              <a:rPr lang="es-PE" baseline="0" dirty="0" smtClean="0"/>
+              <a:t>) </a:t>
+            </a:r>
+            <a:r>
+              <a:rPr lang="es-PE" baseline="0" dirty="0" err="1" smtClean="0"/>
+              <a:t>xq</a:t>
+            </a:r>
+            <a:r>
+              <a:rPr lang="es-PE" baseline="0" dirty="0" smtClean="0"/>
+              <a:t> no escribimos un pequeñito programa automatizado que haga lo mismo.</a:t>
+            </a:r>
+          </a:p>
+          <a:p>
+            <a:endParaRPr lang="es-PE" baseline="0" dirty="0" smtClean="0"/>
+          </a:p>
+          <a:p>
+            <a:endParaRPr lang="es-PE" baseline="0" dirty="0" smtClean="0"/>
+          </a:p>
+          <a:p>
+            <a:endParaRPr lang="es-PE" dirty="0"/>
           </a:p>
         </p:txBody>
       </p:sp>
@@ -5216,7 +5217,7 @@
           <a:bodyPr/>
           <a:lstStyle/>
           <a:p>
-            <a:fld id="{80C14895-23C8-45AE-85D5-3B35E5980A68}" type="slidenum">
+            <a:fld id="{96DE5A63-0F1F-4DC0-ADE0-CC17EBA6F230}" type="slidenum">
               <a:rPr lang="es-PE" smtClean="0"/>
               <a:t>35</a:t>
             </a:fld>
@@ -5227,7 +5228,7 @@
     </p:spTree>
     <p:extLst>
       <p:ext uri="{BB962C8B-B14F-4D97-AF65-F5344CB8AC3E}">
-        <p14:creationId xmlns:p14="http://schemas.microsoft.com/office/powerpoint/2010/main" val="3432092158"/>
+        <p14:creationId xmlns:p14="http://schemas.microsoft.com/office/powerpoint/2010/main" val="1289502795"/>
       </p:ext>
     </p:extLst>
   </p:cSld>
@@ -5280,921 +5281,6 @@
         <p:txBody>
           <a:bodyPr/>
           <a:lstStyle/>
-          <a:p>
-            <a:r>
-              <a:rPr lang="en-US" sz="1200" b="0" i="0" kern="1200" dirty="0" smtClean="0">
-                <a:solidFill>
-                  <a:schemeClr val="tx1"/>
-                </a:solidFill>
-                <a:effectLst/>
-                <a:latin typeface="+mn-lt"/>
-                <a:ea typeface="+mn-ea"/>
-                <a:cs typeface="+mn-cs"/>
-              </a:rPr>
-              <a:t>En general </a:t>
-            </a:r>
-            <a:r>
-              <a:rPr lang="en-US" sz="1200" b="0" i="0" kern="1200" dirty="0" err="1" smtClean="0">
-                <a:solidFill>
-                  <a:schemeClr val="tx1"/>
-                </a:solidFill>
-                <a:effectLst/>
-                <a:latin typeface="+mn-lt"/>
-                <a:ea typeface="+mn-ea"/>
-                <a:cs typeface="+mn-cs"/>
-              </a:rPr>
-              <a:t>podemos</a:t>
-            </a:r>
-            <a:r>
-              <a:rPr lang="en-US" sz="1200" b="0" i="0" kern="1200" dirty="0" smtClean="0">
-                <a:solidFill>
-                  <a:schemeClr val="tx1"/>
-                </a:solidFill>
-                <a:effectLst/>
-                <a:latin typeface="+mn-lt"/>
-                <a:ea typeface="+mn-ea"/>
-                <a:cs typeface="+mn-cs"/>
-              </a:rPr>
-              <a:t> </a:t>
-            </a:r>
-            <a:r>
-              <a:rPr lang="en-US" sz="1200" b="0" i="0" kern="1200" dirty="0" err="1" smtClean="0">
-                <a:solidFill>
-                  <a:schemeClr val="tx1"/>
-                </a:solidFill>
-                <a:effectLst/>
-                <a:latin typeface="+mn-lt"/>
-                <a:ea typeface="+mn-ea"/>
-                <a:cs typeface="+mn-cs"/>
-              </a:rPr>
-              <a:t>decir</a:t>
-            </a:r>
-            <a:r>
-              <a:rPr lang="en-US" sz="1200" b="0" i="0" kern="1200" baseline="0" dirty="0" smtClean="0">
-                <a:solidFill>
-                  <a:schemeClr val="tx1"/>
-                </a:solidFill>
-                <a:effectLst/>
-                <a:latin typeface="+mn-lt"/>
-                <a:ea typeface="+mn-ea"/>
-                <a:cs typeface="+mn-cs"/>
-              </a:rPr>
-              <a:t> </a:t>
-            </a:r>
-            <a:r>
-              <a:rPr lang="en-US" sz="1200" b="0" i="0" kern="1200" baseline="0" dirty="0" err="1" smtClean="0">
-                <a:solidFill>
-                  <a:schemeClr val="tx1"/>
-                </a:solidFill>
-                <a:effectLst/>
-                <a:latin typeface="+mn-lt"/>
-                <a:ea typeface="+mn-ea"/>
-                <a:cs typeface="+mn-cs"/>
-              </a:rPr>
-              <a:t>que</a:t>
-            </a:r>
-            <a:r>
-              <a:rPr lang="en-US" sz="1200" b="0" i="0" kern="1200" baseline="0" dirty="0" smtClean="0">
-                <a:solidFill>
-                  <a:schemeClr val="tx1"/>
-                </a:solidFill>
-                <a:effectLst/>
-                <a:latin typeface="+mn-lt"/>
-                <a:ea typeface="+mn-ea"/>
-                <a:cs typeface="+mn-cs"/>
-              </a:rPr>
-              <a:t> </a:t>
-            </a:r>
-            <a:r>
-              <a:rPr lang="en-US" sz="1200" b="0" i="0" kern="1200" baseline="0" dirty="0" err="1" smtClean="0">
-                <a:solidFill>
-                  <a:schemeClr val="tx1"/>
-                </a:solidFill>
-                <a:effectLst/>
-                <a:latin typeface="+mn-lt"/>
-                <a:ea typeface="+mn-ea"/>
-                <a:cs typeface="+mn-cs"/>
-              </a:rPr>
-              <a:t>uno</a:t>
-            </a:r>
-            <a:r>
-              <a:rPr lang="en-US" sz="1200" b="0" i="0" kern="1200" baseline="0" dirty="0" smtClean="0">
-                <a:solidFill>
-                  <a:schemeClr val="tx1"/>
-                </a:solidFill>
-                <a:effectLst/>
-                <a:latin typeface="+mn-lt"/>
-                <a:ea typeface="+mn-ea"/>
-                <a:cs typeface="+mn-cs"/>
-              </a:rPr>
-              <a:t> de </a:t>
-            </a:r>
-            <a:r>
-              <a:rPr lang="en-US" sz="1200" b="0" i="0" kern="1200" baseline="0" dirty="0" err="1" smtClean="0">
-                <a:solidFill>
-                  <a:schemeClr val="tx1"/>
-                </a:solidFill>
-                <a:effectLst/>
-                <a:latin typeface="+mn-lt"/>
-                <a:ea typeface="+mn-ea"/>
-                <a:cs typeface="+mn-cs"/>
-              </a:rPr>
-              <a:t>lso</a:t>
-            </a:r>
-            <a:r>
-              <a:rPr lang="en-US" sz="1200" b="0" i="0" kern="1200" baseline="0" dirty="0" smtClean="0">
-                <a:solidFill>
-                  <a:schemeClr val="tx1"/>
-                </a:solidFill>
-                <a:effectLst/>
-                <a:latin typeface="+mn-lt"/>
-                <a:ea typeface="+mn-ea"/>
-                <a:cs typeface="+mn-cs"/>
-              </a:rPr>
-              <a:t> </a:t>
-            </a:r>
-            <a:r>
-              <a:rPr lang="en-US" sz="1200" b="0" i="0" kern="1200" baseline="0" dirty="0" err="1" smtClean="0">
-                <a:solidFill>
-                  <a:schemeClr val="tx1"/>
-                </a:solidFill>
-                <a:effectLst/>
-                <a:latin typeface="+mn-lt"/>
-                <a:ea typeface="+mn-ea"/>
-                <a:cs typeface="+mn-cs"/>
-              </a:rPr>
-              <a:t>beneficios</a:t>
-            </a:r>
-            <a:r>
-              <a:rPr lang="en-US" sz="1200" b="0" i="0" kern="1200" baseline="0" dirty="0" smtClean="0">
-                <a:solidFill>
-                  <a:schemeClr val="tx1"/>
-                </a:solidFill>
-                <a:effectLst/>
-                <a:latin typeface="+mn-lt"/>
-                <a:ea typeface="+mn-ea"/>
-                <a:cs typeface="+mn-cs"/>
-              </a:rPr>
-              <a:t> </a:t>
-            </a:r>
-            <a:r>
-              <a:rPr lang="en-US" sz="1200" b="0" i="0" kern="1200" baseline="0" dirty="0" err="1" smtClean="0">
-                <a:solidFill>
-                  <a:schemeClr val="tx1"/>
-                </a:solidFill>
-                <a:effectLst/>
-                <a:latin typeface="+mn-lt"/>
-                <a:ea typeface="+mn-ea"/>
-                <a:cs typeface="+mn-cs"/>
-              </a:rPr>
-              <a:t>es</a:t>
-            </a:r>
-            <a:r>
-              <a:rPr lang="en-US" sz="1200" b="0" i="0" kern="1200" baseline="0" dirty="0" smtClean="0">
-                <a:solidFill>
-                  <a:schemeClr val="tx1"/>
-                </a:solidFill>
-                <a:effectLst/>
-                <a:latin typeface="+mn-lt"/>
-                <a:ea typeface="+mn-ea"/>
-                <a:cs typeface="+mn-cs"/>
-              </a:rPr>
-              <a:t> </a:t>
-            </a:r>
-            <a:r>
-              <a:rPr lang="en-US" sz="1200" b="0" i="0" kern="1200" baseline="0" dirty="0" err="1" smtClean="0">
-                <a:solidFill>
-                  <a:schemeClr val="tx1"/>
-                </a:solidFill>
-                <a:effectLst/>
-                <a:latin typeface="+mn-lt"/>
-                <a:ea typeface="+mn-ea"/>
-                <a:cs typeface="+mn-cs"/>
-              </a:rPr>
-              <a:t>hacer</a:t>
-            </a:r>
-            <a:r>
-              <a:rPr lang="en-US" sz="1200" b="0" i="0" kern="1200" baseline="0" dirty="0" smtClean="0">
-                <a:solidFill>
-                  <a:schemeClr val="tx1"/>
-                </a:solidFill>
-                <a:effectLst/>
-                <a:latin typeface="+mn-lt"/>
-                <a:ea typeface="+mn-ea"/>
-                <a:cs typeface="+mn-cs"/>
-              </a:rPr>
-              <a:t> </a:t>
-            </a:r>
-            <a:r>
-              <a:rPr lang="en-US" sz="1200" b="0" i="0" kern="1200" baseline="0" dirty="0" err="1" smtClean="0">
-                <a:solidFill>
-                  <a:schemeClr val="tx1"/>
-                </a:solidFill>
-                <a:effectLst/>
-                <a:latin typeface="+mn-lt"/>
-                <a:ea typeface="+mn-ea"/>
-                <a:cs typeface="+mn-cs"/>
-              </a:rPr>
-              <a:t>que</a:t>
-            </a:r>
-            <a:r>
-              <a:rPr lang="en-US" sz="1200" b="0" i="0" kern="1200" baseline="0" dirty="0" smtClean="0">
-                <a:solidFill>
-                  <a:schemeClr val="tx1"/>
-                </a:solidFill>
-                <a:effectLst/>
-                <a:latin typeface="+mn-lt"/>
-                <a:ea typeface="+mn-ea"/>
-                <a:cs typeface="+mn-cs"/>
-              </a:rPr>
-              <a:t> el </a:t>
-            </a:r>
-            <a:r>
-              <a:rPr lang="en-US" sz="1200" b="0" i="0" kern="1200" baseline="0" dirty="0" err="1" smtClean="0">
-                <a:solidFill>
-                  <a:schemeClr val="tx1"/>
-                </a:solidFill>
-                <a:effectLst/>
-                <a:latin typeface="+mn-lt"/>
-                <a:ea typeface="+mn-ea"/>
-                <a:cs typeface="+mn-cs"/>
-              </a:rPr>
-              <a:t>cambio</a:t>
-            </a:r>
-            <a:r>
-              <a:rPr lang="en-US" sz="1200" b="0" i="0" kern="1200" baseline="0" dirty="0" smtClean="0">
-                <a:solidFill>
-                  <a:schemeClr val="tx1"/>
-                </a:solidFill>
-                <a:effectLst/>
-                <a:latin typeface="+mn-lt"/>
-                <a:ea typeface="+mn-ea"/>
-                <a:cs typeface="+mn-cs"/>
-              </a:rPr>
-              <a:t> se </a:t>
-            </a:r>
-            <a:r>
-              <a:rPr lang="en-US" sz="1200" b="0" i="0" kern="1200" baseline="0" dirty="0" err="1" smtClean="0">
-                <a:solidFill>
-                  <a:schemeClr val="tx1"/>
-                </a:solidFill>
-                <a:effectLst/>
-                <a:latin typeface="+mn-lt"/>
-                <a:ea typeface="+mn-ea"/>
-                <a:cs typeface="+mn-cs"/>
-              </a:rPr>
-              <a:t>más</a:t>
-            </a:r>
-            <a:r>
-              <a:rPr lang="en-US" sz="1200" b="0" i="0" kern="1200" baseline="0" dirty="0" smtClean="0">
-                <a:solidFill>
-                  <a:schemeClr val="tx1"/>
-                </a:solidFill>
-                <a:effectLst/>
-                <a:latin typeface="+mn-lt"/>
-                <a:ea typeface="+mn-ea"/>
-                <a:cs typeface="+mn-cs"/>
-              </a:rPr>
-              <a:t> </a:t>
-            </a:r>
-            <a:r>
-              <a:rPr lang="en-US" sz="1200" b="0" i="0" kern="1200" baseline="0" dirty="0" err="1" smtClean="0">
-                <a:solidFill>
-                  <a:schemeClr val="tx1"/>
-                </a:solidFill>
-                <a:effectLst/>
-                <a:latin typeface="+mn-lt"/>
-                <a:ea typeface="+mn-ea"/>
-                <a:cs typeface="+mn-cs"/>
-              </a:rPr>
-              <a:t>facil</a:t>
-            </a:r>
-            <a:r>
-              <a:rPr lang="en-US" sz="1200" b="0" i="0" kern="1200" baseline="0" dirty="0" smtClean="0">
-                <a:solidFill>
-                  <a:schemeClr val="tx1"/>
-                </a:solidFill>
-                <a:effectLst/>
-                <a:latin typeface="+mn-lt"/>
-                <a:ea typeface="+mn-ea"/>
-                <a:cs typeface="+mn-cs"/>
-              </a:rPr>
-              <a:t> de </a:t>
-            </a:r>
-            <a:r>
-              <a:rPr lang="en-US" sz="1200" b="0" i="0" kern="1200" baseline="0" dirty="0" err="1" smtClean="0">
-                <a:solidFill>
-                  <a:schemeClr val="tx1"/>
-                </a:solidFill>
-                <a:effectLst/>
-                <a:latin typeface="+mn-lt"/>
-                <a:ea typeface="+mn-ea"/>
-                <a:cs typeface="+mn-cs"/>
-              </a:rPr>
-              <a:t>realizar</a:t>
-            </a:r>
-            <a:r>
-              <a:rPr lang="en-US" sz="1200" b="0" i="0" kern="1200" baseline="0" dirty="0" smtClean="0">
-                <a:solidFill>
-                  <a:schemeClr val="tx1"/>
-                </a:solidFill>
-                <a:effectLst/>
-                <a:latin typeface="+mn-lt"/>
-                <a:ea typeface="+mn-ea"/>
-                <a:cs typeface="+mn-cs"/>
-              </a:rPr>
-              <a:t> (</a:t>
-            </a:r>
-            <a:r>
-              <a:rPr lang="en-US" sz="1200" b="0" i="0" kern="1200" baseline="0" dirty="0" err="1" smtClean="0">
-                <a:solidFill>
-                  <a:schemeClr val="tx1"/>
-                </a:solidFill>
-                <a:effectLst/>
-                <a:latin typeface="+mn-lt"/>
-                <a:ea typeface="+mn-ea"/>
-                <a:cs typeface="+mn-cs"/>
-              </a:rPr>
-              <a:t>funcional</a:t>
-            </a:r>
-            <a:r>
-              <a:rPr lang="en-US" sz="1200" b="0" i="0" kern="1200" baseline="0" dirty="0" smtClean="0">
-                <a:solidFill>
-                  <a:schemeClr val="tx1"/>
-                </a:solidFill>
-                <a:effectLst/>
-                <a:latin typeface="+mn-lt"/>
-                <a:ea typeface="+mn-ea"/>
-                <a:cs typeface="+mn-cs"/>
-              </a:rPr>
-              <a:t> o </a:t>
-            </a:r>
-            <a:r>
-              <a:rPr lang="en-US" sz="1200" b="0" i="0" kern="1200" baseline="0" dirty="0" err="1" smtClean="0">
-                <a:solidFill>
-                  <a:schemeClr val="tx1"/>
-                </a:solidFill>
-                <a:effectLst/>
-                <a:latin typeface="+mn-lt"/>
-                <a:ea typeface="+mn-ea"/>
-                <a:cs typeface="+mn-cs"/>
-              </a:rPr>
-              <a:t>diseño</a:t>
-            </a:r>
-            <a:r>
-              <a:rPr lang="en-US" sz="1200" b="0" i="0" kern="1200" baseline="0" dirty="0" smtClean="0">
-                <a:solidFill>
-                  <a:schemeClr val="tx1"/>
-                </a:solidFill>
-                <a:effectLst/>
-                <a:latin typeface="+mn-lt"/>
-                <a:ea typeface="+mn-ea"/>
-                <a:cs typeface="+mn-cs"/>
-              </a:rPr>
-              <a:t>). </a:t>
-            </a:r>
-            <a:r>
-              <a:rPr lang="en-US" sz="1200" b="0" i="0" kern="1200" baseline="0" dirty="0" err="1" smtClean="0">
-                <a:solidFill>
-                  <a:schemeClr val="tx1"/>
-                </a:solidFill>
-                <a:effectLst/>
-                <a:latin typeface="+mn-lt"/>
-                <a:ea typeface="+mn-ea"/>
-                <a:cs typeface="+mn-cs"/>
-              </a:rPr>
-              <a:t>Todos</a:t>
-            </a:r>
-            <a:r>
-              <a:rPr lang="en-US" sz="1200" b="0" i="0" kern="1200" baseline="0" dirty="0" smtClean="0">
-                <a:solidFill>
-                  <a:schemeClr val="tx1"/>
-                </a:solidFill>
-                <a:effectLst/>
-                <a:latin typeface="+mn-lt"/>
-                <a:ea typeface="+mn-ea"/>
-                <a:cs typeface="+mn-cs"/>
-              </a:rPr>
-              <a:t> </a:t>
-            </a:r>
-            <a:r>
-              <a:rPr lang="en-US" sz="1200" b="0" i="0" kern="1200" baseline="0" dirty="0" err="1" smtClean="0">
-                <a:solidFill>
-                  <a:schemeClr val="tx1"/>
-                </a:solidFill>
-                <a:effectLst/>
-                <a:latin typeface="+mn-lt"/>
-                <a:ea typeface="+mn-ea"/>
-                <a:cs typeface="+mn-cs"/>
-              </a:rPr>
-              <a:t>conocemos</a:t>
-            </a:r>
-            <a:r>
-              <a:rPr lang="en-US" sz="1200" b="0" i="0" kern="1200" baseline="0" dirty="0" smtClean="0">
-                <a:solidFill>
-                  <a:schemeClr val="tx1"/>
-                </a:solidFill>
-                <a:effectLst/>
-                <a:latin typeface="+mn-lt"/>
-                <a:ea typeface="+mn-ea"/>
-                <a:cs typeface="+mn-cs"/>
-              </a:rPr>
-              <a:t> la </a:t>
-            </a:r>
-            <a:r>
-              <a:rPr lang="en-US" sz="1200" b="0" i="0" kern="1200" baseline="0" dirty="0" err="1" smtClean="0">
-                <a:solidFill>
-                  <a:schemeClr val="tx1"/>
-                </a:solidFill>
-                <a:effectLst/>
-                <a:latin typeface="+mn-lt"/>
-                <a:ea typeface="+mn-ea"/>
-                <a:cs typeface="+mn-cs"/>
-              </a:rPr>
-              <a:t>curva</a:t>
-            </a:r>
-            <a:r>
-              <a:rPr lang="en-US" sz="1200" b="0" i="0" kern="1200" baseline="0" dirty="0" smtClean="0">
-                <a:solidFill>
-                  <a:schemeClr val="tx1"/>
-                </a:solidFill>
-                <a:effectLst/>
-                <a:latin typeface="+mn-lt"/>
-                <a:ea typeface="+mn-ea"/>
-                <a:cs typeface="+mn-cs"/>
-              </a:rPr>
-              <a:t> del </a:t>
-            </a:r>
-            <a:r>
-              <a:rPr lang="en-US" sz="1200" b="0" i="0" kern="1200" baseline="0" dirty="0" err="1" smtClean="0">
-                <a:solidFill>
-                  <a:schemeClr val="tx1"/>
-                </a:solidFill>
-                <a:effectLst/>
-                <a:latin typeface="+mn-lt"/>
-                <a:ea typeface="+mn-ea"/>
-                <a:cs typeface="+mn-cs"/>
-              </a:rPr>
-              <a:t>cambio</a:t>
-            </a:r>
-            <a:r>
-              <a:rPr lang="en-US" sz="1200" b="0" i="0" kern="1200" baseline="0" dirty="0" smtClean="0">
-                <a:solidFill>
-                  <a:schemeClr val="tx1"/>
-                </a:solidFill>
-                <a:effectLst/>
-                <a:latin typeface="+mn-lt"/>
-                <a:ea typeface="+mn-ea"/>
-                <a:cs typeface="+mn-cs"/>
-              </a:rPr>
-              <a:t>, </a:t>
-            </a:r>
-            <a:r>
-              <a:rPr lang="en-US" sz="1200" b="0" i="0" kern="1200" baseline="0" dirty="0" err="1" smtClean="0">
-                <a:solidFill>
-                  <a:schemeClr val="tx1"/>
-                </a:solidFill>
-                <a:effectLst/>
-                <a:latin typeface="+mn-lt"/>
-                <a:ea typeface="+mn-ea"/>
-                <a:cs typeface="+mn-cs"/>
-              </a:rPr>
-              <a:t>entonces</a:t>
-            </a:r>
-            <a:r>
-              <a:rPr lang="en-US" sz="1200" b="0" i="0" kern="1200" baseline="0" dirty="0" smtClean="0">
-                <a:solidFill>
-                  <a:schemeClr val="tx1"/>
-                </a:solidFill>
-                <a:effectLst/>
-                <a:latin typeface="+mn-lt"/>
-                <a:ea typeface="+mn-ea"/>
-                <a:cs typeface="+mn-cs"/>
-              </a:rPr>
-              <a:t> </a:t>
-            </a:r>
-            <a:r>
-              <a:rPr lang="en-US" sz="1200" b="0" i="0" kern="1200" baseline="0" dirty="0" err="1" smtClean="0">
-                <a:solidFill>
-                  <a:schemeClr val="tx1"/>
-                </a:solidFill>
-                <a:effectLst/>
-                <a:latin typeface="+mn-lt"/>
-                <a:ea typeface="+mn-ea"/>
-                <a:cs typeface="+mn-cs"/>
-              </a:rPr>
-              <a:t>cuando</a:t>
-            </a:r>
-            <a:r>
-              <a:rPr lang="en-US" sz="1200" b="0" i="0" kern="1200" baseline="0" dirty="0" smtClean="0">
-                <a:solidFill>
-                  <a:schemeClr val="tx1"/>
-                </a:solidFill>
-                <a:effectLst/>
-                <a:latin typeface="+mn-lt"/>
-                <a:ea typeface="+mn-ea"/>
-                <a:cs typeface="+mn-cs"/>
-              </a:rPr>
-              <a:t> </a:t>
-            </a:r>
-            <a:r>
-              <a:rPr lang="en-US" sz="1200" b="0" i="0" kern="1200" baseline="0" dirty="0" err="1" smtClean="0">
-                <a:solidFill>
-                  <a:schemeClr val="tx1"/>
-                </a:solidFill>
-                <a:effectLst/>
-                <a:latin typeface="+mn-lt"/>
-                <a:ea typeface="+mn-ea"/>
-                <a:cs typeface="+mn-cs"/>
-              </a:rPr>
-              <a:t>facilitamos</a:t>
-            </a:r>
-            <a:r>
-              <a:rPr lang="en-US" sz="1200" b="0" i="0" kern="1200" baseline="0" dirty="0" smtClean="0">
-                <a:solidFill>
-                  <a:schemeClr val="tx1"/>
-                </a:solidFill>
-                <a:effectLst/>
-                <a:latin typeface="+mn-lt"/>
-                <a:ea typeface="+mn-ea"/>
-                <a:cs typeface="+mn-cs"/>
-              </a:rPr>
-              <a:t> el </a:t>
-            </a:r>
-            <a:r>
-              <a:rPr lang="en-US" sz="1200" b="0" i="0" kern="1200" baseline="0" dirty="0" err="1" smtClean="0">
-                <a:solidFill>
-                  <a:schemeClr val="tx1"/>
-                </a:solidFill>
-                <a:effectLst/>
-                <a:latin typeface="+mn-lt"/>
-                <a:ea typeface="+mn-ea"/>
-                <a:cs typeface="+mn-cs"/>
-              </a:rPr>
-              <a:t>cambio</a:t>
-            </a:r>
-            <a:r>
-              <a:rPr lang="en-US" sz="1200" b="0" i="0" kern="1200" baseline="0" dirty="0" smtClean="0">
-                <a:solidFill>
-                  <a:schemeClr val="tx1"/>
-                </a:solidFill>
-                <a:effectLst/>
-                <a:latin typeface="+mn-lt"/>
-                <a:ea typeface="+mn-ea"/>
-                <a:cs typeface="+mn-cs"/>
-              </a:rPr>
-              <a:t>, </a:t>
-            </a:r>
-            <a:r>
-              <a:rPr lang="en-US" sz="1200" b="0" i="0" kern="1200" baseline="0" dirty="0" err="1" smtClean="0">
-                <a:solidFill>
-                  <a:schemeClr val="tx1"/>
-                </a:solidFill>
-                <a:effectLst/>
-                <a:latin typeface="+mn-lt"/>
-                <a:ea typeface="+mn-ea"/>
-                <a:cs typeface="+mn-cs"/>
-              </a:rPr>
-              <a:t>significa</a:t>
-            </a:r>
-            <a:r>
-              <a:rPr lang="en-US" sz="1200" b="0" i="0" kern="1200" baseline="0" dirty="0" smtClean="0">
-                <a:solidFill>
-                  <a:schemeClr val="tx1"/>
-                </a:solidFill>
-                <a:effectLst/>
-                <a:latin typeface="+mn-lt"/>
-                <a:ea typeface="+mn-ea"/>
-                <a:cs typeface="+mn-cs"/>
-              </a:rPr>
-              <a:t> </a:t>
-            </a:r>
-            <a:r>
-              <a:rPr lang="en-US" sz="1200" b="0" i="0" kern="1200" baseline="0" dirty="0" err="1" smtClean="0">
-                <a:solidFill>
-                  <a:schemeClr val="tx1"/>
-                </a:solidFill>
-                <a:effectLst/>
-                <a:latin typeface="+mn-lt"/>
-                <a:ea typeface="+mn-ea"/>
-                <a:cs typeface="+mn-cs"/>
-              </a:rPr>
-              <a:t>que</a:t>
-            </a:r>
-            <a:r>
-              <a:rPr lang="en-US" sz="1200" b="0" i="0" kern="1200" baseline="0" dirty="0" smtClean="0">
-                <a:solidFill>
-                  <a:schemeClr val="tx1"/>
-                </a:solidFill>
-                <a:effectLst/>
-                <a:latin typeface="+mn-lt"/>
-                <a:ea typeface="+mn-ea"/>
-                <a:cs typeface="+mn-cs"/>
-              </a:rPr>
-              <a:t> </a:t>
-            </a:r>
-            <a:r>
-              <a:rPr lang="en-US" sz="1200" b="0" i="0" kern="1200" baseline="0" dirty="0" err="1" smtClean="0">
-                <a:solidFill>
-                  <a:schemeClr val="tx1"/>
-                </a:solidFill>
-                <a:effectLst/>
-                <a:latin typeface="+mn-lt"/>
-                <a:ea typeface="+mn-ea"/>
-                <a:cs typeface="+mn-cs"/>
-              </a:rPr>
-              <a:t>estamos</a:t>
-            </a:r>
-            <a:r>
-              <a:rPr lang="en-US" sz="1200" b="0" i="0" kern="1200" baseline="0" dirty="0" smtClean="0">
-                <a:solidFill>
-                  <a:schemeClr val="tx1"/>
-                </a:solidFill>
-                <a:effectLst/>
-                <a:latin typeface="+mn-lt"/>
-                <a:ea typeface="+mn-ea"/>
-                <a:cs typeface="+mn-cs"/>
-              </a:rPr>
-              <a:t> </a:t>
-            </a:r>
-            <a:r>
-              <a:rPr lang="en-US" sz="1200" b="0" i="0" kern="1200" baseline="0" dirty="0" err="1" smtClean="0">
-                <a:solidFill>
-                  <a:schemeClr val="tx1"/>
-                </a:solidFill>
-                <a:effectLst/>
-                <a:latin typeface="+mn-lt"/>
-                <a:ea typeface="+mn-ea"/>
-                <a:cs typeface="+mn-cs"/>
-              </a:rPr>
-              <a:t>minimizando</a:t>
-            </a:r>
-            <a:r>
-              <a:rPr lang="en-US" sz="1200" b="0" i="0" kern="1200" baseline="0" dirty="0" smtClean="0">
-                <a:solidFill>
-                  <a:schemeClr val="tx1"/>
-                </a:solidFill>
-                <a:effectLst/>
-                <a:latin typeface="+mn-lt"/>
-                <a:ea typeface="+mn-ea"/>
-                <a:cs typeface="+mn-cs"/>
-              </a:rPr>
-              <a:t> el </a:t>
-            </a:r>
-            <a:r>
-              <a:rPr lang="en-US" sz="1200" b="0" i="0" kern="1200" baseline="0" dirty="0" err="1" smtClean="0">
-                <a:solidFill>
-                  <a:schemeClr val="tx1"/>
-                </a:solidFill>
-                <a:effectLst/>
-                <a:latin typeface="+mn-lt"/>
-                <a:ea typeface="+mn-ea"/>
-                <a:cs typeface="+mn-cs"/>
-              </a:rPr>
-              <a:t>costo</a:t>
-            </a:r>
-            <a:r>
-              <a:rPr lang="en-US" sz="1200" b="0" i="0" kern="1200" baseline="0" dirty="0" smtClean="0">
-                <a:solidFill>
-                  <a:schemeClr val="tx1"/>
-                </a:solidFill>
-                <a:effectLst/>
-                <a:latin typeface="+mn-lt"/>
-                <a:ea typeface="+mn-ea"/>
-                <a:cs typeface="+mn-cs"/>
-              </a:rPr>
-              <a:t> del </a:t>
-            </a:r>
-            <a:r>
-              <a:rPr lang="en-US" sz="1200" b="0" i="0" kern="1200" baseline="0" dirty="0" err="1" smtClean="0">
-                <a:solidFill>
-                  <a:schemeClr val="tx1"/>
-                </a:solidFill>
-                <a:effectLst/>
-                <a:latin typeface="+mn-lt"/>
-                <a:ea typeface="+mn-ea"/>
-                <a:cs typeface="+mn-cs"/>
-              </a:rPr>
-              <a:t>cambio</a:t>
-            </a:r>
-            <a:r>
-              <a:rPr lang="en-US" sz="1200" b="0" i="0" kern="1200" baseline="0" dirty="0" smtClean="0">
-                <a:solidFill>
-                  <a:schemeClr val="tx1"/>
-                </a:solidFill>
-                <a:effectLst/>
-                <a:latin typeface="+mn-lt"/>
-                <a:ea typeface="+mn-ea"/>
-                <a:cs typeface="+mn-cs"/>
-              </a:rPr>
-              <a:t>, lo </a:t>
-            </a:r>
-            <a:r>
-              <a:rPr lang="en-US" sz="1200" b="0" i="0" kern="1200" baseline="0" dirty="0" err="1" smtClean="0">
-                <a:solidFill>
-                  <a:schemeClr val="tx1"/>
-                </a:solidFill>
-                <a:effectLst/>
-                <a:latin typeface="+mn-lt"/>
-                <a:ea typeface="+mn-ea"/>
-                <a:cs typeface="+mn-cs"/>
-              </a:rPr>
-              <a:t>que</a:t>
-            </a:r>
-            <a:r>
-              <a:rPr lang="en-US" sz="1200" b="0" i="0" kern="1200" baseline="0" dirty="0" smtClean="0">
-                <a:solidFill>
-                  <a:schemeClr val="tx1"/>
-                </a:solidFill>
-                <a:effectLst/>
-                <a:latin typeface="+mn-lt"/>
-                <a:ea typeface="+mn-ea"/>
-                <a:cs typeface="+mn-cs"/>
-              </a:rPr>
-              <a:t> </a:t>
-            </a:r>
-            <a:r>
-              <a:rPr lang="en-US" sz="1200" b="0" i="0" kern="1200" baseline="0" dirty="0" err="1" smtClean="0">
-                <a:solidFill>
-                  <a:schemeClr val="tx1"/>
-                </a:solidFill>
-                <a:effectLst/>
-                <a:latin typeface="+mn-lt"/>
-                <a:ea typeface="+mn-ea"/>
-                <a:cs typeface="+mn-cs"/>
-              </a:rPr>
-              <a:t>brinda</a:t>
-            </a:r>
-            <a:r>
-              <a:rPr lang="en-US" sz="1200" b="0" i="0" kern="1200" baseline="0" dirty="0" smtClean="0">
-                <a:solidFill>
-                  <a:schemeClr val="tx1"/>
-                </a:solidFill>
-                <a:effectLst/>
-                <a:latin typeface="+mn-lt"/>
-                <a:ea typeface="+mn-ea"/>
-                <a:cs typeface="+mn-cs"/>
-              </a:rPr>
-              <a:t> </a:t>
-            </a:r>
-            <a:r>
-              <a:rPr lang="en-US" sz="1200" b="0" i="0" kern="1200" baseline="0" dirty="0" err="1" smtClean="0">
-                <a:solidFill>
-                  <a:schemeClr val="tx1"/>
-                </a:solidFill>
-                <a:effectLst/>
-                <a:latin typeface="+mn-lt"/>
-                <a:ea typeface="+mn-ea"/>
-                <a:cs typeface="+mn-cs"/>
-              </a:rPr>
-              <a:t>bastantes</a:t>
-            </a:r>
-            <a:r>
-              <a:rPr lang="en-US" sz="1200" b="0" i="0" kern="1200" baseline="0" dirty="0" smtClean="0">
-                <a:solidFill>
-                  <a:schemeClr val="tx1"/>
-                </a:solidFill>
-                <a:effectLst/>
-                <a:latin typeface="+mn-lt"/>
-                <a:ea typeface="+mn-ea"/>
-                <a:cs typeface="+mn-cs"/>
-              </a:rPr>
-              <a:t> </a:t>
-            </a:r>
-            <a:r>
-              <a:rPr lang="en-US" sz="1200" b="0" i="0" kern="1200" baseline="0" dirty="0" err="1" smtClean="0">
-                <a:solidFill>
-                  <a:schemeClr val="tx1"/>
-                </a:solidFill>
-                <a:effectLst/>
-                <a:latin typeface="+mn-lt"/>
-                <a:ea typeface="+mn-ea"/>
-                <a:cs typeface="+mn-cs"/>
-              </a:rPr>
-              <a:t>flexibilidad</a:t>
-            </a:r>
-            <a:r>
-              <a:rPr lang="en-US" sz="1200" b="0" i="0" kern="1200" baseline="0" dirty="0" smtClean="0">
-                <a:solidFill>
-                  <a:schemeClr val="tx1"/>
-                </a:solidFill>
-                <a:effectLst/>
-                <a:latin typeface="+mn-lt"/>
-                <a:ea typeface="+mn-ea"/>
-                <a:cs typeface="+mn-cs"/>
-              </a:rPr>
-              <a:t> a </a:t>
-            </a:r>
-            <a:r>
-              <a:rPr lang="en-US" sz="1200" b="0" i="0" kern="1200" baseline="0" dirty="0" err="1" smtClean="0">
-                <a:solidFill>
-                  <a:schemeClr val="tx1"/>
-                </a:solidFill>
-                <a:effectLst/>
-                <a:latin typeface="+mn-lt"/>
-                <a:ea typeface="+mn-ea"/>
-                <a:cs typeface="+mn-cs"/>
-              </a:rPr>
-              <a:t>nuestro</a:t>
-            </a:r>
-            <a:r>
-              <a:rPr lang="en-US" sz="1200" b="0" i="0" kern="1200" baseline="0" dirty="0" smtClean="0">
-                <a:solidFill>
-                  <a:schemeClr val="tx1"/>
-                </a:solidFill>
-                <a:effectLst/>
-                <a:latin typeface="+mn-lt"/>
-                <a:ea typeface="+mn-ea"/>
-                <a:cs typeface="+mn-cs"/>
-              </a:rPr>
-              <a:t> </a:t>
-            </a:r>
-            <a:r>
-              <a:rPr lang="en-US" sz="1200" b="0" i="0" kern="1200" baseline="0" dirty="0" err="1" smtClean="0">
-                <a:solidFill>
-                  <a:schemeClr val="tx1"/>
-                </a:solidFill>
-                <a:effectLst/>
-                <a:latin typeface="+mn-lt"/>
-                <a:ea typeface="+mn-ea"/>
-                <a:cs typeface="+mn-cs"/>
-              </a:rPr>
-              <a:t>proceso</a:t>
-            </a:r>
-            <a:r>
-              <a:rPr lang="en-US" sz="1200" b="0" i="0" kern="1200" baseline="0" dirty="0" smtClean="0">
-                <a:solidFill>
-                  <a:schemeClr val="tx1"/>
-                </a:solidFill>
-                <a:effectLst/>
-                <a:latin typeface="+mn-lt"/>
-                <a:ea typeface="+mn-ea"/>
-                <a:cs typeface="+mn-cs"/>
-              </a:rPr>
-              <a:t> de </a:t>
-            </a:r>
-            <a:r>
-              <a:rPr lang="en-US" sz="1200" b="0" i="0" kern="1200" baseline="0" dirty="0" err="1" smtClean="0">
-                <a:solidFill>
-                  <a:schemeClr val="tx1"/>
-                </a:solidFill>
-                <a:effectLst/>
-                <a:latin typeface="+mn-lt"/>
-                <a:ea typeface="+mn-ea"/>
-                <a:cs typeface="+mn-cs"/>
-              </a:rPr>
-              <a:t>desarrollo</a:t>
-            </a:r>
-            <a:r>
-              <a:rPr lang="en-US" sz="1200" b="0" i="0" kern="1200" baseline="0" dirty="0" smtClean="0">
-                <a:solidFill>
-                  <a:schemeClr val="tx1"/>
-                </a:solidFill>
-                <a:effectLst/>
-                <a:latin typeface="+mn-lt"/>
-                <a:ea typeface="+mn-ea"/>
-                <a:cs typeface="+mn-cs"/>
-              </a:rPr>
-              <a:t>.</a:t>
-            </a:r>
-          </a:p>
-          <a:p>
-            <a:endParaRPr lang="en-US" sz="1200" b="0" i="0" kern="1200" baseline="0" dirty="0" smtClean="0">
-              <a:solidFill>
-                <a:schemeClr val="tx1"/>
-              </a:solidFill>
-              <a:effectLst/>
-              <a:latin typeface="+mn-lt"/>
-              <a:ea typeface="+mn-ea"/>
-              <a:cs typeface="+mn-cs"/>
-            </a:endParaRPr>
-          </a:p>
-          <a:p>
-            <a:r>
-              <a:rPr lang="es-PE" dirty="0" smtClean="0">
-                <a:hlinkClick r:id="rId3"/>
-              </a:rPr>
-              <a:t>http://www.codeproject.com/Articles/5404/The-benefits-of-automated-unit-testing</a:t>
-            </a:r>
-            <a:endParaRPr lang="es-PE" dirty="0" smtClean="0"/>
-          </a:p>
-          <a:p>
-            <a:r>
-              <a:rPr lang="es-PE" dirty="0" smtClean="0">
-                <a:hlinkClick r:id="rId4"/>
-              </a:rPr>
-              <a:t>http://onjava.com/pub/a/onjava/2003/04/02/javaxpckbk.html</a:t>
-            </a:r>
-            <a:endParaRPr lang="en-US" sz="1200" b="0" i="0" kern="1200" dirty="0" smtClean="0">
-              <a:solidFill>
-                <a:schemeClr val="tx1"/>
-              </a:solidFill>
-              <a:effectLst/>
-              <a:latin typeface="+mn-lt"/>
-              <a:ea typeface="+mn-ea"/>
-              <a:cs typeface="+mn-cs"/>
-            </a:endParaRPr>
-          </a:p>
           <a:p>
             <a:endParaRPr lang="es-PE" noProof="0" dirty="0"/>
           </a:p>
@@ -6280,56 +5366,922 @@
           <a:bodyPr/>
           <a:lstStyle/>
           <a:p>
-            <a:pPr marL="0" marR="0" indent="0" algn="l" defTabSz="914400" rtl="0" eaLnBrk="1" fontAlgn="auto" latinLnBrk="0" hangingPunct="1">
-              <a:lnSpc>
-                <a:spcPct val="100000"/>
-              </a:lnSpc>
-              <a:spcBef>
-                <a:spcPts val="0"/>
-              </a:spcBef>
-              <a:spcAft>
-                <a:spcPts val="0"/>
-              </a:spcAft>
-              <a:buClrTx/>
-              <a:buSzTx/>
-              <a:buFontTx/>
-              <a:buNone/>
-              <a:tabLst/>
-              <a:defRPr/>
-            </a:pPr>
-            <a:r>
-              <a:rPr lang="es-PE" sz="1200" dirty="0" smtClean="0"/>
-              <a:t>Guide </a:t>
-            </a:r>
-            <a:r>
-              <a:rPr lang="es-PE" sz="1200" dirty="0" err="1" smtClean="0"/>
-              <a:t>Writing</a:t>
-            </a:r>
-            <a:r>
-              <a:rPr lang="es-PE" sz="1200" dirty="0" smtClean="0"/>
-              <a:t> Testeable </a:t>
-            </a:r>
-            <a:r>
-              <a:rPr lang="es-PE" sz="1200" dirty="0" err="1" smtClean="0"/>
-              <a:t>Code</a:t>
-            </a:r>
-            <a:r>
-              <a:rPr lang="es-PE" sz="1200" dirty="0" smtClean="0"/>
-              <a:t>:</a:t>
-            </a:r>
-            <a:br>
-              <a:rPr lang="es-PE" sz="1200" dirty="0" smtClean="0"/>
-            </a:br>
-            <a:r>
-              <a:rPr lang="es-PE" sz="1200" dirty="0" smtClean="0">
+            <a:r>
+              <a:rPr lang="en-US" sz="1200" b="0" i="0" kern="1200" dirty="0" smtClean="0">
+                <a:solidFill>
+                  <a:schemeClr val="tx1"/>
+                </a:solidFill>
+                <a:effectLst/>
+                <a:latin typeface="+mn-lt"/>
+                <a:ea typeface="+mn-ea"/>
+                <a:cs typeface="+mn-cs"/>
+              </a:rPr>
+              <a:t>En general </a:t>
+            </a:r>
+            <a:r>
+              <a:rPr lang="en-US" sz="1200" b="0" i="0" kern="1200" dirty="0" err="1" smtClean="0">
+                <a:solidFill>
+                  <a:schemeClr val="tx1"/>
+                </a:solidFill>
+                <a:effectLst/>
+                <a:latin typeface="+mn-lt"/>
+                <a:ea typeface="+mn-ea"/>
+                <a:cs typeface="+mn-cs"/>
+              </a:rPr>
+              <a:t>podemos</a:t>
+            </a:r>
+            <a:r>
+              <a:rPr lang="en-US" sz="1200" b="0" i="0" kern="1200" dirty="0" smtClean="0">
+                <a:solidFill>
+                  <a:schemeClr val="tx1"/>
+                </a:solidFill>
+                <a:effectLst/>
+                <a:latin typeface="+mn-lt"/>
+                <a:ea typeface="+mn-ea"/>
+                <a:cs typeface="+mn-cs"/>
+              </a:rPr>
+              <a:t> </a:t>
+            </a:r>
+            <a:r>
+              <a:rPr lang="en-US" sz="1200" b="0" i="0" kern="1200" dirty="0" err="1" smtClean="0">
+                <a:solidFill>
+                  <a:schemeClr val="tx1"/>
+                </a:solidFill>
+                <a:effectLst/>
+                <a:latin typeface="+mn-lt"/>
+                <a:ea typeface="+mn-ea"/>
+                <a:cs typeface="+mn-cs"/>
+              </a:rPr>
+              <a:t>decir</a:t>
+            </a:r>
+            <a:r>
+              <a:rPr lang="en-US" sz="1200" b="0" i="0" kern="1200" baseline="0" dirty="0" smtClean="0">
+                <a:solidFill>
+                  <a:schemeClr val="tx1"/>
+                </a:solidFill>
+                <a:effectLst/>
+                <a:latin typeface="+mn-lt"/>
+                <a:ea typeface="+mn-ea"/>
+                <a:cs typeface="+mn-cs"/>
+              </a:rPr>
+              <a:t> </a:t>
+            </a:r>
+            <a:r>
+              <a:rPr lang="en-US" sz="1200" b="0" i="0" kern="1200" baseline="0" dirty="0" err="1" smtClean="0">
+                <a:solidFill>
+                  <a:schemeClr val="tx1"/>
+                </a:solidFill>
+                <a:effectLst/>
+                <a:latin typeface="+mn-lt"/>
+                <a:ea typeface="+mn-ea"/>
+                <a:cs typeface="+mn-cs"/>
+              </a:rPr>
+              <a:t>que</a:t>
+            </a:r>
+            <a:r>
+              <a:rPr lang="en-US" sz="1200" b="0" i="0" kern="1200" baseline="0" dirty="0" smtClean="0">
+                <a:solidFill>
+                  <a:schemeClr val="tx1"/>
+                </a:solidFill>
+                <a:effectLst/>
+                <a:latin typeface="+mn-lt"/>
+                <a:ea typeface="+mn-ea"/>
+                <a:cs typeface="+mn-cs"/>
+              </a:rPr>
+              <a:t> </a:t>
+            </a:r>
+            <a:r>
+              <a:rPr lang="en-US" sz="1200" b="0" i="0" kern="1200" baseline="0" dirty="0" err="1" smtClean="0">
+                <a:solidFill>
+                  <a:schemeClr val="tx1"/>
+                </a:solidFill>
+                <a:effectLst/>
+                <a:latin typeface="+mn-lt"/>
+                <a:ea typeface="+mn-ea"/>
+                <a:cs typeface="+mn-cs"/>
+              </a:rPr>
+              <a:t>uno</a:t>
+            </a:r>
+            <a:r>
+              <a:rPr lang="en-US" sz="1200" b="0" i="0" kern="1200" baseline="0" dirty="0" smtClean="0">
+                <a:solidFill>
+                  <a:schemeClr val="tx1"/>
+                </a:solidFill>
+                <a:effectLst/>
+                <a:latin typeface="+mn-lt"/>
+                <a:ea typeface="+mn-ea"/>
+                <a:cs typeface="+mn-cs"/>
+              </a:rPr>
+              <a:t> de </a:t>
+            </a:r>
+            <a:r>
+              <a:rPr lang="en-US" sz="1200" b="0" i="0" kern="1200" baseline="0" dirty="0" err="1" smtClean="0">
+                <a:solidFill>
+                  <a:schemeClr val="tx1"/>
+                </a:solidFill>
+                <a:effectLst/>
+                <a:latin typeface="+mn-lt"/>
+                <a:ea typeface="+mn-ea"/>
+                <a:cs typeface="+mn-cs"/>
+              </a:rPr>
+              <a:t>lso</a:t>
+            </a:r>
+            <a:r>
+              <a:rPr lang="en-US" sz="1200" b="0" i="0" kern="1200" baseline="0" dirty="0" smtClean="0">
+                <a:solidFill>
+                  <a:schemeClr val="tx1"/>
+                </a:solidFill>
+                <a:effectLst/>
+                <a:latin typeface="+mn-lt"/>
+                <a:ea typeface="+mn-ea"/>
+                <a:cs typeface="+mn-cs"/>
+              </a:rPr>
+              <a:t> </a:t>
+            </a:r>
+            <a:r>
+              <a:rPr lang="en-US" sz="1200" b="0" i="0" kern="1200" baseline="0" dirty="0" err="1" smtClean="0">
+                <a:solidFill>
+                  <a:schemeClr val="tx1"/>
+                </a:solidFill>
+                <a:effectLst/>
+                <a:latin typeface="+mn-lt"/>
+                <a:ea typeface="+mn-ea"/>
+                <a:cs typeface="+mn-cs"/>
+              </a:rPr>
+              <a:t>beneficios</a:t>
+            </a:r>
+            <a:r>
+              <a:rPr lang="en-US" sz="1200" b="0" i="0" kern="1200" baseline="0" dirty="0" smtClean="0">
+                <a:solidFill>
+                  <a:schemeClr val="tx1"/>
+                </a:solidFill>
+                <a:effectLst/>
+                <a:latin typeface="+mn-lt"/>
+                <a:ea typeface="+mn-ea"/>
+                <a:cs typeface="+mn-cs"/>
+              </a:rPr>
+              <a:t> </a:t>
+            </a:r>
+            <a:r>
+              <a:rPr lang="en-US" sz="1200" b="0" i="0" kern="1200" baseline="0" dirty="0" err="1" smtClean="0">
+                <a:solidFill>
+                  <a:schemeClr val="tx1"/>
+                </a:solidFill>
+                <a:effectLst/>
+                <a:latin typeface="+mn-lt"/>
+                <a:ea typeface="+mn-ea"/>
+                <a:cs typeface="+mn-cs"/>
+              </a:rPr>
+              <a:t>es</a:t>
+            </a:r>
+            <a:r>
+              <a:rPr lang="en-US" sz="1200" b="0" i="0" kern="1200" baseline="0" dirty="0" smtClean="0">
+                <a:solidFill>
+                  <a:schemeClr val="tx1"/>
+                </a:solidFill>
+                <a:effectLst/>
+                <a:latin typeface="+mn-lt"/>
+                <a:ea typeface="+mn-ea"/>
+                <a:cs typeface="+mn-cs"/>
+              </a:rPr>
+              <a:t> </a:t>
+            </a:r>
+            <a:r>
+              <a:rPr lang="en-US" sz="1200" b="0" i="0" kern="1200" baseline="0" dirty="0" err="1" smtClean="0">
+                <a:solidFill>
+                  <a:schemeClr val="tx1"/>
+                </a:solidFill>
+                <a:effectLst/>
+                <a:latin typeface="+mn-lt"/>
+                <a:ea typeface="+mn-ea"/>
+                <a:cs typeface="+mn-cs"/>
+              </a:rPr>
+              <a:t>hacer</a:t>
+            </a:r>
+            <a:r>
+              <a:rPr lang="en-US" sz="1200" b="0" i="0" kern="1200" baseline="0" dirty="0" smtClean="0">
+                <a:solidFill>
+                  <a:schemeClr val="tx1"/>
+                </a:solidFill>
+                <a:effectLst/>
+                <a:latin typeface="+mn-lt"/>
+                <a:ea typeface="+mn-ea"/>
+                <a:cs typeface="+mn-cs"/>
+              </a:rPr>
+              <a:t> </a:t>
+            </a:r>
+            <a:r>
+              <a:rPr lang="en-US" sz="1200" b="0" i="0" kern="1200" baseline="0" dirty="0" err="1" smtClean="0">
+                <a:solidFill>
+                  <a:schemeClr val="tx1"/>
+                </a:solidFill>
+                <a:effectLst/>
+                <a:latin typeface="+mn-lt"/>
+                <a:ea typeface="+mn-ea"/>
+                <a:cs typeface="+mn-cs"/>
+              </a:rPr>
+              <a:t>que</a:t>
+            </a:r>
+            <a:r>
+              <a:rPr lang="en-US" sz="1200" b="0" i="0" kern="1200" baseline="0" dirty="0" smtClean="0">
+                <a:solidFill>
+                  <a:schemeClr val="tx1"/>
+                </a:solidFill>
+                <a:effectLst/>
+                <a:latin typeface="+mn-lt"/>
+                <a:ea typeface="+mn-ea"/>
+                <a:cs typeface="+mn-cs"/>
+              </a:rPr>
+              <a:t> el </a:t>
+            </a:r>
+            <a:r>
+              <a:rPr lang="en-US" sz="1200" b="0" i="0" kern="1200" baseline="0" dirty="0" err="1" smtClean="0">
+                <a:solidFill>
+                  <a:schemeClr val="tx1"/>
+                </a:solidFill>
+                <a:effectLst/>
+                <a:latin typeface="+mn-lt"/>
+                <a:ea typeface="+mn-ea"/>
+                <a:cs typeface="+mn-cs"/>
+              </a:rPr>
+              <a:t>cambio</a:t>
+            </a:r>
+            <a:r>
+              <a:rPr lang="en-US" sz="1200" b="0" i="0" kern="1200" baseline="0" dirty="0" smtClean="0">
+                <a:solidFill>
+                  <a:schemeClr val="tx1"/>
+                </a:solidFill>
+                <a:effectLst/>
+                <a:latin typeface="+mn-lt"/>
+                <a:ea typeface="+mn-ea"/>
+                <a:cs typeface="+mn-cs"/>
+              </a:rPr>
+              <a:t> se </a:t>
+            </a:r>
+            <a:r>
+              <a:rPr lang="en-US" sz="1200" b="0" i="0" kern="1200" baseline="0" dirty="0" err="1" smtClean="0">
+                <a:solidFill>
+                  <a:schemeClr val="tx1"/>
+                </a:solidFill>
+                <a:effectLst/>
+                <a:latin typeface="+mn-lt"/>
+                <a:ea typeface="+mn-ea"/>
+                <a:cs typeface="+mn-cs"/>
+              </a:rPr>
+              <a:t>más</a:t>
+            </a:r>
+            <a:r>
+              <a:rPr lang="en-US" sz="1200" b="0" i="0" kern="1200" baseline="0" dirty="0" smtClean="0">
+                <a:solidFill>
+                  <a:schemeClr val="tx1"/>
+                </a:solidFill>
+                <a:effectLst/>
+                <a:latin typeface="+mn-lt"/>
+                <a:ea typeface="+mn-ea"/>
+                <a:cs typeface="+mn-cs"/>
+              </a:rPr>
+              <a:t> </a:t>
+            </a:r>
+            <a:r>
+              <a:rPr lang="en-US" sz="1200" b="0" i="0" kern="1200" baseline="0" dirty="0" err="1" smtClean="0">
+                <a:solidFill>
+                  <a:schemeClr val="tx1"/>
+                </a:solidFill>
+                <a:effectLst/>
+                <a:latin typeface="+mn-lt"/>
+                <a:ea typeface="+mn-ea"/>
+                <a:cs typeface="+mn-cs"/>
+              </a:rPr>
+              <a:t>facil</a:t>
+            </a:r>
+            <a:r>
+              <a:rPr lang="en-US" sz="1200" b="0" i="0" kern="1200" baseline="0" dirty="0" smtClean="0">
+                <a:solidFill>
+                  <a:schemeClr val="tx1"/>
+                </a:solidFill>
+                <a:effectLst/>
+                <a:latin typeface="+mn-lt"/>
+                <a:ea typeface="+mn-ea"/>
+                <a:cs typeface="+mn-cs"/>
+              </a:rPr>
+              <a:t> de </a:t>
+            </a:r>
+            <a:r>
+              <a:rPr lang="en-US" sz="1200" b="0" i="0" kern="1200" baseline="0" dirty="0" err="1" smtClean="0">
+                <a:solidFill>
+                  <a:schemeClr val="tx1"/>
+                </a:solidFill>
+                <a:effectLst/>
+                <a:latin typeface="+mn-lt"/>
+                <a:ea typeface="+mn-ea"/>
+                <a:cs typeface="+mn-cs"/>
+              </a:rPr>
+              <a:t>realizar</a:t>
+            </a:r>
+            <a:r>
+              <a:rPr lang="en-US" sz="1200" b="0" i="0" kern="1200" baseline="0" dirty="0" smtClean="0">
+                <a:solidFill>
+                  <a:schemeClr val="tx1"/>
+                </a:solidFill>
+                <a:effectLst/>
+                <a:latin typeface="+mn-lt"/>
+                <a:ea typeface="+mn-ea"/>
+                <a:cs typeface="+mn-cs"/>
+              </a:rPr>
+              <a:t> (</a:t>
+            </a:r>
+            <a:r>
+              <a:rPr lang="en-US" sz="1200" b="0" i="0" kern="1200" baseline="0" dirty="0" err="1" smtClean="0">
+                <a:solidFill>
+                  <a:schemeClr val="tx1"/>
+                </a:solidFill>
+                <a:effectLst/>
+                <a:latin typeface="+mn-lt"/>
+                <a:ea typeface="+mn-ea"/>
+                <a:cs typeface="+mn-cs"/>
+              </a:rPr>
+              <a:t>funcional</a:t>
+            </a:r>
+            <a:r>
+              <a:rPr lang="en-US" sz="1200" b="0" i="0" kern="1200" baseline="0" dirty="0" smtClean="0">
+                <a:solidFill>
+                  <a:schemeClr val="tx1"/>
+                </a:solidFill>
+                <a:effectLst/>
+                <a:latin typeface="+mn-lt"/>
+                <a:ea typeface="+mn-ea"/>
+                <a:cs typeface="+mn-cs"/>
+              </a:rPr>
+              <a:t> o </a:t>
+            </a:r>
+            <a:r>
+              <a:rPr lang="en-US" sz="1200" b="0" i="0" kern="1200" baseline="0" dirty="0" err="1" smtClean="0">
+                <a:solidFill>
+                  <a:schemeClr val="tx1"/>
+                </a:solidFill>
+                <a:effectLst/>
+                <a:latin typeface="+mn-lt"/>
+                <a:ea typeface="+mn-ea"/>
+                <a:cs typeface="+mn-cs"/>
+              </a:rPr>
+              <a:t>diseño</a:t>
+            </a:r>
+            <a:r>
+              <a:rPr lang="en-US" sz="1200" b="0" i="0" kern="1200" baseline="0" dirty="0" smtClean="0">
+                <a:solidFill>
+                  <a:schemeClr val="tx1"/>
+                </a:solidFill>
+                <a:effectLst/>
+                <a:latin typeface="+mn-lt"/>
+                <a:ea typeface="+mn-ea"/>
+                <a:cs typeface="+mn-cs"/>
+              </a:rPr>
+              <a:t>). </a:t>
+            </a:r>
+            <a:r>
+              <a:rPr lang="en-US" sz="1200" b="0" i="0" kern="1200" baseline="0" dirty="0" err="1" smtClean="0">
+                <a:solidFill>
+                  <a:schemeClr val="tx1"/>
+                </a:solidFill>
+                <a:effectLst/>
+                <a:latin typeface="+mn-lt"/>
+                <a:ea typeface="+mn-ea"/>
+                <a:cs typeface="+mn-cs"/>
+              </a:rPr>
+              <a:t>Todos</a:t>
+            </a:r>
+            <a:r>
+              <a:rPr lang="en-US" sz="1200" b="0" i="0" kern="1200" baseline="0" dirty="0" smtClean="0">
+                <a:solidFill>
+                  <a:schemeClr val="tx1"/>
+                </a:solidFill>
+                <a:effectLst/>
+                <a:latin typeface="+mn-lt"/>
+                <a:ea typeface="+mn-ea"/>
+                <a:cs typeface="+mn-cs"/>
+              </a:rPr>
+              <a:t> </a:t>
+            </a:r>
+            <a:r>
+              <a:rPr lang="en-US" sz="1200" b="0" i="0" kern="1200" baseline="0" dirty="0" err="1" smtClean="0">
+                <a:solidFill>
+                  <a:schemeClr val="tx1"/>
+                </a:solidFill>
+                <a:effectLst/>
+                <a:latin typeface="+mn-lt"/>
+                <a:ea typeface="+mn-ea"/>
+                <a:cs typeface="+mn-cs"/>
+              </a:rPr>
+              <a:t>conocemos</a:t>
+            </a:r>
+            <a:r>
+              <a:rPr lang="en-US" sz="1200" b="0" i="0" kern="1200" baseline="0" dirty="0" smtClean="0">
+                <a:solidFill>
+                  <a:schemeClr val="tx1"/>
+                </a:solidFill>
+                <a:effectLst/>
+                <a:latin typeface="+mn-lt"/>
+                <a:ea typeface="+mn-ea"/>
+                <a:cs typeface="+mn-cs"/>
+              </a:rPr>
+              <a:t> la </a:t>
+            </a:r>
+            <a:r>
+              <a:rPr lang="en-US" sz="1200" b="0" i="0" kern="1200" baseline="0" dirty="0" err="1" smtClean="0">
+                <a:solidFill>
+                  <a:schemeClr val="tx1"/>
+                </a:solidFill>
+                <a:effectLst/>
+                <a:latin typeface="+mn-lt"/>
+                <a:ea typeface="+mn-ea"/>
+                <a:cs typeface="+mn-cs"/>
+              </a:rPr>
+              <a:t>curva</a:t>
+            </a:r>
+            <a:r>
+              <a:rPr lang="en-US" sz="1200" b="0" i="0" kern="1200" baseline="0" dirty="0" smtClean="0">
+                <a:solidFill>
+                  <a:schemeClr val="tx1"/>
+                </a:solidFill>
+                <a:effectLst/>
+                <a:latin typeface="+mn-lt"/>
+                <a:ea typeface="+mn-ea"/>
+                <a:cs typeface="+mn-cs"/>
+              </a:rPr>
+              <a:t> del </a:t>
+            </a:r>
+            <a:r>
+              <a:rPr lang="en-US" sz="1200" b="0" i="0" kern="1200" baseline="0" dirty="0" err="1" smtClean="0">
+                <a:solidFill>
+                  <a:schemeClr val="tx1"/>
+                </a:solidFill>
+                <a:effectLst/>
+                <a:latin typeface="+mn-lt"/>
+                <a:ea typeface="+mn-ea"/>
+                <a:cs typeface="+mn-cs"/>
+              </a:rPr>
+              <a:t>cambio</a:t>
+            </a:r>
+            <a:r>
+              <a:rPr lang="en-US" sz="1200" b="0" i="0" kern="1200" baseline="0" dirty="0" smtClean="0">
+                <a:solidFill>
+                  <a:schemeClr val="tx1"/>
+                </a:solidFill>
+                <a:effectLst/>
+                <a:latin typeface="+mn-lt"/>
+                <a:ea typeface="+mn-ea"/>
+                <a:cs typeface="+mn-cs"/>
+              </a:rPr>
+              <a:t>, </a:t>
+            </a:r>
+            <a:r>
+              <a:rPr lang="en-US" sz="1200" b="0" i="0" kern="1200" baseline="0" dirty="0" err="1" smtClean="0">
+                <a:solidFill>
+                  <a:schemeClr val="tx1"/>
+                </a:solidFill>
+                <a:effectLst/>
+                <a:latin typeface="+mn-lt"/>
+                <a:ea typeface="+mn-ea"/>
+                <a:cs typeface="+mn-cs"/>
+              </a:rPr>
+              <a:t>entonces</a:t>
+            </a:r>
+            <a:r>
+              <a:rPr lang="en-US" sz="1200" b="0" i="0" kern="1200" baseline="0" dirty="0" smtClean="0">
+                <a:solidFill>
+                  <a:schemeClr val="tx1"/>
+                </a:solidFill>
+                <a:effectLst/>
+                <a:latin typeface="+mn-lt"/>
+                <a:ea typeface="+mn-ea"/>
+                <a:cs typeface="+mn-cs"/>
+              </a:rPr>
+              <a:t> </a:t>
+            </a:r>
+            <a:r>
+              <a:rPr lang="en-US" sz="1200" b="0" i="0" kern="1200" baseline="0" dirty="0" err="1" smtClean="0">
+                <a:solidFill>
+                  <a:schemeClr val="tx1"/>
+                </a:solidFill>
+                <a:effectLst/>
+                <a:latin typeface="+mn-lt"/>
+                <a:ea typeface="+mn-ea"/>
+                <a:cs typeface="+mn-cs"/>
+              </a:rPr>
+              <a:t>cuando</a:t>
+            </a:r>
+            <a:r>
+              <a:rPr lang="en-US" sz="1200" b="0" i="0" kern="1200" baseline="0" dirty="0" smtClean="0">
+                <a:solidFill>
+                  <a:schemeClr val="tx1"/>
+                </a:solidFill>
+                <a:effectLst/>
+                <a:latin typeface="+mn-lt"/>
+                <a:ea typeface="+mn-ea"/>
+                <a:cs typeface="+mn-cs"/>
+              </a:rPr>
+              <a:t> </a:t>
+            </a:r>
+            <a:r>
+              <a:rPr lang="en-US" sz="1200" b="0" i="0" kern="1200" baseline="0" dirty="0" err="1" smtClean="0">
+                <a:solidFill>
+                  <a:schemeClr val="tx1"/>
+                </a:solidFill>
+                <a:effectLst/>
+                <a:latin typeface="+mn-lt"/>
+                <a:ea typeface="+mn-ea"/>
+                <a:cs typeface="+mn-cs"/>
+              </a:rPr>
+              <a:t>facilitamos</a:t>
+            </a:r>
+            <a:r>
+              <a:rPr lang="en-US" sz="1200" b="0" i="0" kern="1200" baseline="0" dirty="0" smtClean="0">
+                <a:solidFill>
+                  <a:schemeClr val="tx1"/>
+                </a:solidFill>
+                <a:effectLst/>
+                <a:latin typeface="+mn-lt"/>
+                <a:ea typeface="+mn-ea"/>
+                <a:cs typeface="+mn-cs"/>
+              </a:rPr>
+              <a:t> el </a:t>
+            </a:r>
+            <a:r>
+              <a:rPr lang="en-US" sz="1200" b="0" i="0" kern="1200" baseline="0" dirty="0" err="1" smtClean="0">
+                <a:solidFill>
+                  <a:schemeClr val="tx1"/>
+                </a:solidFill>
+                <a:effectLst/>
+                <a:latin typeface="+mn-lt"/>
+                <a:ea typeface="+mn-ea"/>
+                <a:cs typeface="+mn-cs"/>
+              </a:rPr>
+              <a:t>cambio</a:t>
+            </a:r>
+            <a:r>
+              <a:rPr lang="en-US" sz="1200" b="0" i="0" kern="1200" baseline="0" dirty="0" smtClean="0">
+                <a:solidFill>
+                  <a:schemeClr val="tx1"/>
+                </a:solidFill>
+                <a:effectLst/>
+                <a:latin typeface="+mn-lt"/>
+                <a:ea typeface="+mn-ea"/>
+                <a:cs typeface="+mn-cs"/>
+              </a:rPr>
+              <a:t>, </a:t>
+            </a:r>
+            <a:r>
+              <a:rPr lang="en-US" sz="1200" b="0" i="0" kern="1200" baseline="0" dirty="0" err="1" smtClean="0">
+                <a:solidFill>
+                  <a:schemeClr val="tx1"/>
+                </a:solidFill>
+                <a:effectLst/>
+                <a:latin typeface="+mn-lt"/>
+                <a:ea typeface="+mn-ea"/>
+                <a:cs typeface="+mn-cs"/>
+              </a:rPr>
+              <a:t>significa</a:t>
+            </a:r>
+            <a:r>
+              <a:rPr lang="en-US" sz="1200" b="0" i="0" kern="1200" baseline="0" dirty="0" smtClean="0">
+                <a:solidFill>
+                  <a:schemeClr val="tx1"/>
+                </a:solidFill>
+                <a:effectLst/>
+                <a:latin typeface="+mn-lt"/>
+                <a:ea typeface="+mn-ea"/>
+                <a:cs typeface="+mn-cs"/>
+              </a:rPr>
+              <a:t> </a:t>
+            </a:r>
+            <a:r>
+              <a:rPr lang="en-US" sz="1200" b="0" i="0" kern="1200" baseline="0" dirty="0" err="1" smtClean="0">
+                <a:solidFill>
+                  <a:schemeClr val="tx1"/>
+                </a:solidFill>
+                <a:effectLst/>
+                <a:latin typeface="+mn-lt"/>
+                <a:ea typeface="+mn-ea"/>
+                <a:cs typeface="+mn-cs"/>
+              </a:rPr>
+              <a:t>que</a:t>
+            </a:r>
+            <a:r>
+              <a:rPr lang="en-US" sz="1200" b="0" i="0" kern="1200" baseline="0" dirty="0" smtClean="0">
+                <a:solidFill>
+                  <a:schemeClr val="tx1"/>
+                </a:solidFill>
+                <a:effectLst/>
+                <a:latin typeface="+mn-lt"/>
+                <a:ea typeface="+mn-ea"/>
+                <a:cs typeface="+mn-cs"/>
+              </a:rPr>
+              <a:t> </a:t>
+            </a:r>
+            <a:r>
+              <a:rPr lang="en-US" sz="1200" b="0" i="0" kern="1200" baseline="0" dirty="0" err="1" smtClean="0">
+                <a:solidFill>
+                  <a:schemeClr val="tx1"/>
+                </a:solidFill>
+                <a:effectLst/>
+                <a:latin typeface="+mn-lt"/>
+                <a:ea typeface="+mn-ea"/>
+                <a:cs typeface="+mn-cs"/>
+              </a:rPr>
+              <a:t>estamos</a:t>
+            </a:r>
+            <a:r>
+              <a:rPr lang="en-US" sz="1200" b="0" i="0" kern="1200" baseline="0" dirty="0" smtClean="0">
+                <a:solidFill>
+                  <a:schemeClr val="tx1"/>
+                </a:solidFill>
+                <a:effectLst/>
+                <a:latin typeface="+mn-lt"/>
+                <a:ea typeface="+mn-ea"/>
+                <a:cs typeface="+mn-cs"/>
+              </a:rPr>
+              <a:t> </a:t>
+            </a:r>
+            <a:r>
+              <a:rPr lang="en-US" sz="1200" b="0" i="0" kern="1200" baseline="0" dirty="0" err="1" smtClean="0">
+                <a:solidFill>
+                  <a:schemeClr val="tx1"/>
+                </a:solidFill>
+                <a:effectLst/>
+                <a:latin typeface="+mn-lt"/>
+                <a:ea typeface="+mn-ea"/>
+                <a:cs typeface="+mn-cs"/>
+              </a:rPr>
+              <a:t>minimizando</a:t>
+            </a:r>
+            <a:r>
+              <a:rPr lang="en-US" sz="1200" b="0" i="0" kern="1200" baseline="0" dirty="0" smtClean="0">
+                <a:solidFill>
+                  <a:schemeClr val="tx1"/>
+                </a:solidFill>
+                <a:effectLst/>
+                <a:latin typeface="+mn-lt"/>
+                <a:ea typeface="+mn-ea"/>
+                <a:cs typeface="+mn-cs"/>
+              </a:rPr>
+              <a:t> el </a:t>
+            </a:r>
+            <a:r>
+              <a:rPr lang="en-US" sz="1200" b="0" i="0" kern="1200" baseline="0" dirty="0" err="1" smtClean="0">
+                <a:solidFill>
+                  <a:schemeClr val="tx1"/>
+                </a:solidFill>
+                <a:effectLst/>
+                <a:latin typeface="+mn-lt"/>
+                <a:ea typeface="+mn-ea"/>
+                <a:cs typeface="+mn-cs"/>
+              </a:rPr>
+              <a:t>costo</a:t>
+            </a:r>
+            <a:r>
+              <a:rPr lang="en-US" sz="1200" b="0" i="0" kern="1200" baseline="0" dirty="0" smtClean="0">
+                <a:solidFill>
+                  <a:schemeClr val="tx1"/>
+                </a:solidFill>
+                <a:effectLst/>
+                <a:latin typeface="+mn-lt"/>
+                <a:ea typeface="+mn-ea"/>
+                <a:cs typeface="+mn-cs"/>
+              </a:rPr>
+              <a:t> del </a:t>
+            </a:r>
+            <a:r>
+              <a:rPr lang="en-US" sz="1200" b="0" i="0" kern="1200" baseline="0" dirty="0" err="1" smtClean="0">
+                <a:solidFill>
+                  <a:schemeClr val="tx1"/>
+                </a:solidFill>
+                <a:effectLst/>
+                <a:latin typeface="+mn-lt"/>
+                <a:ea typeface="+mn-ea"/>
+                <a:cs typeface="+mn-cs"/>
+              </a:rPr>
+              <a:t>cambio</a:t>
+            </a:r>
+            <a:r>
+              <a:rPr lang="en-US" sz="1200" b="0" i="0" kern="1200" baseline="0" dirty="0" smtClean="0">
+                <a:solidFill>
+                  <a:schemeClr val="tx1"/>
+                </a:solidFill>
+                <a:effectLst/>
+                <a:latin typeface="+mn-lt"/>
+                <a:ea typeface="+mn-ea"/>
+                <a:cs typeface="+mn-cs"/>
+              </a:rPr>
+              <a:t>, lo </a:t>
+            </a:r>
+            <a:r>
+              <a:rPr lang="en-US" sz="1200" b="0" i="0" kern="1200" baseline="0" dirty="0" err="1" smtClean="0">
+                <a:solidFill>
+                  <a:schemeClr val="tx1"/>
+                </a:solidFill>
+                <a:effectLst/>
+                <a:latin typeface="+mn-lt"/>
+                <a:ea typeface="+mn-ea"/>
+                <a:cs typeface="+mn-cs"/>
+              </a:rPr>
+              <a:t>que</a:t>
+            </a:r>
+            <a:r>
+              <a:rPr lang="en-US" sz="1200" b="0" i="0" kern="1200" baseline="0" dirty="0" smtClean="0">
+                <a:solidFill>
+                  <a:schemeClr val="tx1"/>
+                </a:solidFill>
+                <a:effectLst/>
+                <a:latin typeface="+mn-lt"/>
+                <a:ea typeface="+mn-ea"/>
+                <a:cs typeface="+mn-cs"/>
+              </a:rPr>
+              <a:t> </a:t>
+            </a:r>
+            <a:r>
+              <a:rPr lang="en-US" sz="1200" b="0" i="0" kern="1200" baseline="0" dirty="0" err="1" smtClean="0">
+                <a:solidFill>
+                  <a:schemeClr val="tx1"/>
+                </a:solidFill>
+                <a:effectLst/>
+                <a:latin typeface="+mn-lt"/>
+                <a:ea typeface="+mn-ea"/>
+                <a:cs typeface="+mn-cs"/>
+              </a:rPr>
+              <a:t>brinda</a:t>
+            </a:r>
+            <a:r>
+              <a:rPr lang="en-US" sz="1200" b="0" i="0" kern="1200" baseline="0" dirty="0" smtClean="0">
+                <a:solidFill>
+                  <a:schemeClr val="tx1"/>
+                </a:solidFill>
+                <a:effectLst/>
+                <a:latin typeface="+mn-lt"/>
+                <a:ea typeface="+mn-ea"/>
+                <a:cs typeface="+mn-cs"/>
+              </a:rPr>
+              <a:t> </a:t>
+            </a:r>
+            <a:r>
+              <a:rPr lang="en-US" sz="1200" b="0" i="0" kern="1200" baseline="0" dirty="0" err="1" smtClean="0">
+                <a:solidFill>
+                  <a:schemeClr val="tx1"/>
+                </a:solidFill>
+                <a:effectLst/>
+                <a:latin typeface="+mn-lt"/>
+                <a:ea typeface="+mn-ea"/>
+                <a:cs typeface="+mn-cs"/>
+              </a:rPr>
+              <a:t>bastantes</a:t>
+            </a:r>
+            <a:r>
+              <a:rPr lang="en-US" sz="1200" b="0" i="0" kern="1200" baseline="0" dirty="0" smtClean="0">
+                <a:solidFill>
+                  <a:schemeClr val="tx1"/>
+                </a:solidFill>
+                <a:effectLst/>
+                <a:latin typeface="+mn-lt"/>
+                <a:ea typeface="+mn-ea"/>
+                <a:cs typeface="+mn-cs"/>
+              </a:rPr>
+              <a:t> </a:t>
+            </a:r>
+            <a:r>
+              <a:rPr lang="en-US" sz="1200" b="0" i="0" kern="1200" baseline="0" dirty="0" err="1" smtClean="0">
+                <a:solidFill>
+                  <a:schemeClr val="tx1"/>
+                </a:solidFill>
+                <a:effectLst/>
+                <a:latin typeface="+mn-lt"/>
+                <a:ea typeface="+mn-ea"/>
+                <a:cs typeface="+mn-cs"/>
+              </a:rPr>
+              <a:t>flexibilidad</a:t>
+            </a:r>
+            <a:r>
+              <a:rPr lang="en-US" sz="1200" b="0" i="0" kern="1200" baseline="0" dirty="0" smtClean="0">
+                <a:solidFill>
+                  <a:schemeClr val="tx1"/>
+                </a:solidFill>
+                <a:effectLst/>
+                <a:latin typeface="+mn-lt"/>
+                <a:ea typeface="+mn-ea"/>
+                <a:cs typeface="+mn-cs"/>
+              </a:rPr>
+              <a:t> a </a:t>
+            </a:r>
+            <a:r>
+              <a:rPr lang="en-US" sz="1200" b="0" i="0" kern="1200" baseline="0" dirty="0" err="1" smtClean="0">
+                <a:solidFill>
+                  <a:schemeClr val="tx1"/>
+                </a:solidFill>
+                <a:effectLst/>
+                <a:latin typeface="+mn-lt"/>
+                <a:ea typeface="+mn-ea"/>
+                <a:cs typeface="+mn-cs"/>
+              </a:rPr>
+              <a:t>nuestro</a:t>
+            </a:r>
+            <a:r>
+              <a:rPr lang="en-US" sz="1200" b="0" i="0" kern="1200" baseline="0" dirty="0" smtClean="0">
+                <a:solidFill>
+                  <a:schemeClr val="tx1"/>
+                </a:solidFill>
+                <a:effectLst/>
+                <a:latin typeface="+mn-lt"/>
+                <a:ea typeface="+mn-ea"/>
+                <a:cs typeface="+mn-cs"/>
+              </a:rPr>
+              <a:t> </a:t>
+            </a:r>
+            <a:r>
+              <a:rPr lang="en-US" sz="1200" b="0" i="0" kern="1200" baseline="0" dirty="0" err="1" smtClean="0">
+                <a:solidFill>
+                  <a:schemeClr val="tx1"/>
+                </a:solidFill>
+                <a:effectLst/>
+                <a:latin typeface="+mn-lt"/>
+                <a:ea typeface="+mn-ea"/>
+                <a:cs typeface="+mn-cs"/>
+              </a:rPr>
+              <a:t>proceso</a:t>
+            </a:r>
+            <a:r>
+              <a:rPr lang="en-US" sz="1200" b="0" i="0" kern="1200" baseline="0" dirty="0" smtClean="0">
+                <a:solidFill>
+                  <a:schemeClr val="tx1"/>
+                </a:solidFill>
+                <a:effectLst/>
+                <a:latin typeface="+mn-lt"/>
+                <a:ea typeface="+mn-ea"/>
+                <a:cs typeface="+mn-cs"/>
+              </a:rPr>
+              <a:t> de </a:t>
+            </a:r>
+            <a:r>
+              <a:rPr lang="en-US" sz="1200" b="0" i="0" kern="1200" baseline="0" dirty="0" err="1" smtClean="0">
+                <a:solidFill>
+                  <a:schemeClr val="tx1"/>
+                </a:solidFill>
+                <a:effectLst/>
+                <a:latin typeface="+mn-lt"/>
+                <a:ea typeface="+mn-ea"/>
+                <a:cs typeface="+mn-cs"/>
+              </a:rPr>
+              <a:t>desarrollo</a:t>
+            </a:r>
+            <a:r>
+              <a:rPr lang="en-US" sz="1200" b="0" i="0" kern="1200" baseline="0" dirty="0" smtClean="0">
+                <a:solidFill>
+                  <a:schemeClr val="tx1"/>
+                </a:solidFill>
+                <a:effectLst/>
+                <a:latin typeface="+mn-lt"/>
+                <a:ea typeface="+mn-ea"/>
+                <a:cs typeface="+mn-cs"/>
+              </a:rPr>
+              <a:t>.</a:t>
+            </a:r>
+          </a:p>
+          <a:p>
+            <a:endParaRPr lang="en-US" sz="1200" b="0" i="0" kern="1200" baseline="0" dirty="0" smtClean="0">
+              <a:solidFill>
+                <a:schemeClr val="tx1"/>
+              </a:solidFill>
+              <a:effectLst/>
+              <a:latin typeface="+mn-lt"/>
+              <a:ea typeface="+mn-ea"/>
+              <a:cs typeface="+mn-cs"/>
+            </a:endParaRPr>
+          </a:p>
+          <a:p>
+            <a:r>
+              <a:rPr lang="es-PE" dirty="0" smtClean="0">
                 <a:hlinkClick r:id="rId3"/>
               </a:rPr>
-              <a:t>http://misko.hevery.com/attachments/Guide-Writing%20Testable%20Code.pdf</a:t>
-            </a:r>
-            <a:endParaRPr lang="es-PE" sz="1200" dirty="0" smtClean="0"/>
-          </a:p>
-          <a:p>
-            <a:endParaRPr lang="es-PE" dirty="0"/>
+              <a:t>http://www.codeproject.com/Articles/5404/The-benefits-of-automated-unit-testing</a:t>
+            </a:r>
+            <a:endParaRPr lang="es-PE" dirty="0" smtClean="0"/>
+          </a:p>
+          <a:p>
+            <a:r>
+              <a:rPr lang="es-PE" dirty="0" smtClean="0">
+                <a:hlinkClick r:id="rId4"/>
+              </a:rPr>
+              <a:t>http://onjava.com/pub/a/onjava/2003/04/02/javaxpckbk.html</a:t>
+            </a:r>
+            <a:endParaRPr lang="en-US" sz="1200" b="0" i="0" kern="1200" dirty="0" smtClean="0">
+              <a:solidFill>
+                <a:schemeClr val="tx1"/>
+              </a:solidFill>
+              <a:effectLst/>
+              <a:latin typeface="+mn-lt"/>
+              <a:ea typeface="+mn-ea"/>
+              <a:cs typeface="+mn-cs"/>
+            </a:endParaRPr>
+          </a:p>
+          <a:p>
+            <a:endParaRPr lang="es-PE" noProof="0" dirty="0"/>
           </a:p>
         </p:txBody>
       </p:sp>
@@ -6413,6 +6365,55 @@
           <a:bodyPr/>
           <a:lstStyle/>
           <a:p>
+            <a:pPr marL="0" marR="0" indent="0" algn="l" defTabSz="914400" rtl="0" eaLnBrk="1" fontAlgn="auto" latinLnBrk="0" hangingPunct="1">
+              <a:lnSpc>
+                <a:spcPct val="100000"/>
+              </a:lnSpc>
+              <a:spcBef>
+                <a:spcPts val="0"/>
+              </a:spcBef>
+              <a:spcAft>
+                <a:spcPts val="0"/>
+              </a:spcAft>
+              <a:buClrTx/>
+              <a:buSzTx/>
+              <a:buFontTx/>
+              <a:buNone/>
+              <a:tabLst/>
+              <a:defRPr/>
+            </a:pPr>
+            <a:r>
+              <a:rPr lang="es-PE" sz="1200" dirty="0" smtClean="0"/>
+              <a:t>Guide </a:t>
+            </a:r>
+            <a:r>
+              <a:rPr lang="es-PE" sz="1200" dirty="0" err="1" smtClean="0"/>
+              <a:t>Writing</a:t>
+            </a:r>
+            <a:r>
+              <a:rPr lang="es-PE" sz="1200" dirty="0" smtClean="0"/>
+              <a:t> Testeable </a:t>
+            </a:r>
+            <a:r>
+              <a:rPr lang="es-PE" sz="1200" dirty="0" err="1" smtClean="0"/>
+              <a:t>Code</a:t>
+            </a:r>
+            <a:r>
+              <a:rPr lang="es-PE" sz="1200" dirty="0" smtClean="0"/>
+              <a:t>:</a:t>
+            </a:r>
+            <a:br>
+              <a:rPr lang="es-PE" sz="1200" dirty="0" smtClean="0"/>
+            </a:br>
+            <a:r>
+              <a:rPr lang="es-PE" sz="1200" dirty="0" smtClean="0">
+                <a:hlinkClick r:id="rId3"/>
+              </a:rPr>
+              <a:t>http://misko.hevery.com/attachments/Guide-Writing%20Testable%20Code.pdf</a:t>
+            </a:r>
+            <a:endParaRPr lang="es-PE" sz="1200" dirty="0" smtClean="0"/>
+          </a:p>
+          <a:p>
             <a:endParaRPr lang="es-PE" dirty="0"/>
           </a:p>
         </p:txBody>
@@ -6432,7 +6433,7 @@
           <a:bodyPr/>
           <a:lstStyle/>
           <a:p>
-            <a:fld id="{96DE5A63-0F1F-4DC0-ADE0-CC17EBA6F230}" type="slidenum">
+            <a:fld id="{80C14895-23C8-45AE-85D5-3B35E5980A68}" type="slidenum">
               <a:rPr lang="es-PE" smtClean="0"/>
               <a:t>38</a:t>
             </a:fld>
@@ -6443,7 +6444,7 @@
     </p:spTree>
     <p:extLst>
       <p:ext uri="{BB962C8B-B14F-4D97-AF65-F5344CB8AC3E}">
-        <p14:creationId xmlns:p14="http://schemas.microsoft.com/office/powerpoint/2010/main" val="1461112982"/>
+        <p14:creationId xmlns:p14="http://schemas.microsoft.com/office/powerpoint/2010/main" val="3432092158"/>
       </p:ext>
     </p:extLst>
   </p:cSld>
@@ -6497,30 +6498,6 @@
           <a:bodyPr/>
           <a:lstStyle/>
           <a:p>
-            <a:r>
-              <a:rPr lang="es-PE" baseline="0" dirty="0" smtClean="0"/>
-              <a:t>cuando estamos ilusionados luego que hemos aprendido que son test unitarios, hemos vistos algunas herramientas </a:t>
-            </a:r>
-          </a:p>
-          <a:p>
-            <a:endParaRPr lang="es-PE" baseline="0" dirty="0" smtClean="0"/>
-          </a:p>
-          <a:p>
-            <a:r>
-              <a:rPr lang="es-PE" dirty="0" smtClean="0">
-                <a:hlinkClick r:id="rId3"/>
-              </a:rPr>
-              <a:t>http://misko.hevery.com/attachments/Guide-Writing%20Testable%20Code.pdf</a:t>
-            </a:r>
-            <a:endParaRPr lang="es-PE" dirty="0" smtClean="0"/>
-          </a:p>
-          <a:p>
-            <a:r>
-              <a:rPr lang="es-PE" dirty="0" smtClean="0">
-                <a:hlinkClick r:id="rId4"/>
-              </a:rPr>
-              <a:t>http://misko.hevery.com/code-reviewers-guide/</a:t>
-            </a:r>
             <a:endParaRPr lang="es-PE" dirty="0"/>
           </a:p>
         </p:txBody>
@@ -6540,7 +6517,7 @@
           <a:bodyPr/>
           <a:lstStyle/>
           <a:p>
-            <a:fld id="{80C14895-23C8-45AE-85D5-3B35E5980A68}" type="slidenum">
+            <a:fld id="{96DE5A63-0F1F-4DC0-ADE0-CC17EBA6F230}" type="slidenum">
               <a:rPr lang="es-PE" smtClean="0"/>
               <a:t>39</a:t>
             </a:fld>
@@ -6551,7 +6528,7 @@
     </p:spTree>
     <p:extLst>
       <p:ext uri="{BB962C8B-B14F-4D97-AF65-F5344CB8AC3E}">
-        <p14:creationId xmlns:p14="http://schemas.microsoft.com/office/powerpoint/2010/main" val="3432092158"/>
+        <p14:creationId xmlns:p14="http://schemas.microsoft.com/office/powerpoint/2010/main" val="1461112982"/>
       </p:ext>
     </p:extLst>
   </p:cSld>
@@ -6803,36 +6780,28 @@
           <a:lstStyle/>
           <a:p>
             <a:r>
-              <a:rPr lang="es-PE" dirty="0" smtClean="0"/>
-              <a:t>El problema muchas</a:t>
-            </a:r>
-            <a:r>
               <a:rPr lang="es-PE" baseline="0" dirty="0" smtClean="0"/>
-              <a:t> veces no es realmente como escribir los </a:t>
-            </a:r>
-            <a:r>
-              <a:rPr lang="es-PE" baseline="0" dirty="0" err="1" smtClean="0"/>
-              <a:t>tests</a:t>
-            </a:r>
-            <a:r>
-              <a:rPr lang="es-PE" baseline="0" dirty="0" smtClean="0"/>
-              <a:t> y </a:t>
-            </a:r>
-            <a:r>
-              <a:rPr lang="es-PE" baseline="0" dirty="0" err="1" smtClean="0"/>
-              <a:t>talvez</a:t>
-            </a:r>
-            <a:r>
-              <a:rPr lang="es-PE" baseline="0" dirty="0" smtClean="0"/>
-              <a:t> </a:t>
-            </a:r>
-            <a:r>
-              <a:rPr lang="es-PE" baseline="0" dirty="0" err="1" smtClean="0"/>
-              <a:t>nisiquiera</a:t>
-            </a:r>
-            <a:r>
-              <a:rPr lang="es-PE" baseline="0" dirty="0" smtClean="0"/>
-              <a:t> los de integración, la verdadera dificultad y que requiere más de nosotros como desarrolladores o arquitectos, personas de calidad,</a:t>
+              <a:t>cuando estamos ilusionados luego que hemos aprendido que son test unitarios, hemos vistos algunas herramientas </a:t>
+            </a:r>
+          </a:p>
+          <a:p>
+            <a:endParaRPr lang="es-PE" baseline="0" dirty="0" smtClean="0"/>
+          </a:p>
+          <a:p>
+            <a:r>
+              <a:rPr lang="es-PE" dirty="0" smtClean="0">
+                <a:hlinkClick r:id="rId3"/>
+              </a:rPr>
+              <a:t>http://misko.hevery.com/attachments/Guide-Writing%20Testable%20Code.pdf</a:t>
+            </a:r>
+            <a:endParaRPr lang="es-PE" dirty="0" smtClean="0"/>
+          </a:p>
+          <a:p>
+            <a:r>
+              <a:rPr lang="es-PE" dirty="0" smtClean="0">
+                <a:hlinkClick r:id="rId4"/>
+              </a:rPr>
+              <a:t>http://misko.hevery.com/code-reviewers-guide/</a:t>
             </a:r>
             <a:endParaRPr lang="es-PE" dirty="0"/>
           </a:p>
@@ -6918,6 +6887,38 @@
           <a:bodyPr/>
           <a:lstStyle/>
           <a:p>
+            <a:r>
+              <a:rPr lang="es-PE" dirty="0" smtClean="0"/>
+              <a:t>El problema muchas</a:t>
+            </a:r>
+            <a:r>
+              <a:rPr lang="es-PE" baseline="0" dirty="0" smtClean="0"/>
+              <a:t> veces no es realmente como escribir los </a:t>
+            </a:r>
+            <a:r>
+              <a:rPr lang="es-PE" baseline="0" dirty="0" err="1" smtClean="0"/>
+              <a:t>tests</a:t>
+            </a:r>
+            <a:r>
+              <a:rPr lang="es-PE" baseline="0" dirty="0" smtClean="0"/>
+              <a:t> y </a:t>
+            </a:r>
+            <a:r>
+              <a:rPr lang="es-PE" baseline="0" dirty="0" err="1" smtClean="0"/>
+              <a:t>talvez</a:t>
+            </a:r>
+            <a:r>
+              <a:rPr lang="es-PE" baseline="0" dirty="0" smtClean="0"/>
+              <a:t> </a:t>
+            </a:r>
+            <a:r>
+              <a:rPr lang="es-PE" baseline="0" dirty="0" err="1" smtClean="0"/>
+              <a:t>nisiquiera</a:t>
+            </a:r>
+            <a:r>
+              <a:rPr lang="es-PE" baseline="0" dirty="0" smtClean="0"/>
+              <a:t> los de integración, la verdadera dificultad y que requiere más de nosotros como desarrolladores o arquitectos, personas de calidad,</a:t>
+            </a:r>
             <a:endParaRPr lang="es-PE" dirty="0"/>
           </a:p>
         </p:txBody>
@@ -7002,43 +7003,7 @@
           <a:bodyPr/>
           <a:lstStyle/>
           <a:p>
-            <a:pPr rtl="0"/>
-            <a:r>
-              <a:rPr lang="en-US" dirty="0" smtClean="0"/>
-              <a:t>The more work you do in the constructor, the hard it is to create your object in a test fixture. And if your constructor can construct other things that are hard themselves to construct, that’s even better! You want the transitive dependencies of every constructor to be enormous. Enormous is hard to get under test.</a:t>
-            </a:r>
-          </a:p>
-          <a:p>
-            <a:pPr rtl="0"/>
-            <a:endParaRPr lang="en-US" dirty="0" smtClean="0"/>
-          </a:p>
-          <a:p>
-            <a:pPr marL="0" marR="0" indent="0" algn="l" defTabSz="914400" rtl="0" eaLnBrk="1" fontAlgn="auto" latinLnBrk="0" hangingPunct="1">
-              <a:lnSpc>
-                <a:spcPct val="100000"/>
-              </a:lnSpc>
-              <a:spcBef>
-                <a:spcPts val="0"/>
-              </a:spcBef>
-              <a:spcAft>
-                <a:spcPts val="0"/>
-              </a:spcAft>
-              <a:buClrTx/>
-              <a:buSzTx/>
-              <a:buFontTx/>
-              <a:buNone/>
-              <a:tabLst/>
-              <a:defRPr/>
-            </a:pPr>
-            <a:r>
-              <a:rPr lang="es-PE" sz="1200" dirty="0" smtClean="0"/>
-              <a:t>No podemos aislar esta clase para realizar pruebas ya que su creación depende de otras clases.</a:t>
-            </a:r>
-            <a:endParaRPr lang="es-PE" sz="1200" dirty="0" smtClean="0">
-              <a:solidFill>
-                <a:srgbClr val="FF0000"/>
-              </a:solidFill>
-            </a:endParaRPr>
+            <a:endParaRPr lang="es-PE" dirty="0"/>
           </a:p>
         </p:txBody>
       </p:sp>
@@ -7124,61 +7089,41 @@
           <a:p>
             <a:pPr rtl="0"/>
             <a:r>
-              <a:rPr lang="es-PE" dirty="0" smtClean="0">
-                <a:hlinkClick r:id="rId3"/>
-              </a:rPr>
-              <a:t>http://misko.hevery.com/code-reviewers-guide/flaw-constructor-does-real-work/</a:t>
-            </a:r>
-            <a:endParaRPr lang="es-PE" dirty="0" smtClean="0"/>
+              <a:rPr lang="en-US" dirty="0" smtClean="0"/>
+              <a:t>The more work you do in the constructor, the hard it is to create your object in a test fixture. And if your constructor can construct other things that are hard themselves to construct, that’s even better! You want the transitive dependencies of every constructor to be enormous. Enormous is hard to get under test.</a:t>
+            </a:r>
           </a:p>
           <a:p>
             <a:pPr rtl="0"/>
-            <a:endParaRPr lang="es-PE" dirty="0" smtClean="0"/>
-          </a:p>
-          <a:p>
-            <a:pPr rtl="0"/>
-            <a:r>
-              <a:rPr lang="es-PE" dirty="0" smtClean="0"/>
-              <a:t>DIFFERENCE</a:t>
-            </a:r>
-            <a:r>
-              <a:rPr lang="es-PE" baseline="0" dirty="0" smtClean="0"/>
-              <a:t> FACTORY AND BUILDER</a:t>
-            </a:r>
-          </a:p>
-          <a:p>
-            <a:pPr fontAlgn="base"/>
-            <a:r>
-              <a:rPr lang="en-US" sz="1200" b="0" i="0" kern="1200" dirty="0" smtClean="0">
-                <a:solidFill>
-                  <a:schemeClr val="tx1"/>
-                </a:solidFill>
-                <a:effectLst/>
-                <a:latin typeface="+mn-lt"/>
-                <a:ea typeface="+mn-ea"/>
-                <a:cs typeface="+mn-cs"/>
-              </a:rPr>
-              <a:t>The builder design pattern describes an object that knows how to craft another object of a specific type over several steps. It holds the needed state for the target item at each intermediate step.</a:t>
-            </a:r>
-          </a:p>
-          <a:p>
-            <a:pPr fontAlgn="base"/>
-            <a:r>
-              <a:rPr lang="en-US" sz="1200" b="0" i="0" kern="1200" dirty="0" smtClean="0">
-                <a:solidFill>
-                  <a:schemeClr val="tx1"/>
-                </a:solidFill>
-                <a:effectLst/>
-                <a:latin typeface="+mn-lt"/>
-                <a:ea typeface="+mn-ea"/>
-                <a:cs typeface="+mn-cs"/>
-              </a:rPr>
-              <a:t>The factory design pattern describes an object that knows how to create several different but related kinds of object in one step, where the specific type is chosen based on given parameters.</a:t>
-            </a:r>
-          </a:p>
-          <a:p>
-            <a:pPr rtl="0"/>
-            <a:endParaRPr lang="es-PE" dirty="0" smtClean="0"/>
+            <a:endParaRPr lang="en-US" dirty="0" smtClean="0"/>
+          </a:p>
+          <a:p>
+            <a:pPr marL="0" marR="0" indent="0" algn="l" defTabSz="914400" rtl="0" eaLnBrk="1" fontAlgn="auto" latinLnBrk="0" hangingPunct="1">
+              <a:lnSpc>
+                <a:spcPct val="100000"/>
+              </a:lnSpc>
+              <a:spcBef>
+                <a:spcPts val="0"/>
+              </a:spcBef>
+              <a:spcAft>
+                <a:spcPts val="0"/>
+              </a:spcAft>
+              <a:buClrTx/>
+              <a:buSzTx/>
+              <a:buFontTx/>
+              <a:buNone/>
+              <a:tabLst/>
+              <a:defRPr/>
+            </a:pPr>
+            <a:r>
+              <a:rPr lang="es-PE" sz="1200" dirty="0" smtClean="0"/>
+              <a:t>No podemos aislar esta clase para realizar pruebas ya que su creación depende de otras clases.</a:t>
+            </a:r>
+            <a:endParaRPr lang="es-PE" sz="1200" dirty="0" smtClean="0">
+              <a:solidFill>
+                <a:srgbClr val="FF0000"/>
+              </a:solidFill>
+            </a:endParaRPr>
           </a:p>
         </p:txBody>
       </p:sp>
@@ -7263,11 +7208,62 @@
           <a:lstStyle/>
           <a:p>
             <a:pPr rtl="0"/>
-            <a:endParaRPr lang="es-PE" sz="1200" dirty="0" smtClean="0">
-              <a:solidFill>
-                <a:srgbClr val="FF0000"/>
-              </a:solidFill>
-            </a:endParaRPr>
+            <a:r>
+              <a:rPr lang="es-PE" dirty="0" smtClean="0">
+                <a:hlinkClick r:id="rId3"/>
+              </a:rPr>
+              <a:t>http://misko.hevery.com/code-reviewers-guide/flaw-constructor-does-real-work/</a:t>
+            </a:r>
+            <a:endParaRPr lang="es-PE" dirty="0" smtClean="0"/>
+          </a:p>
+          <a:p>
+            <a:pPr rtl="0"/>
+            <a:endParaRPr lang="es-PE" dirty="0" smtClean="0"/>
+          </a:p>
+          <a:p>
+            <a:pPr rtl="0"/>
+            <a:r>
+              <a:rPr lang="es-PE" dirty="0" smtClean="0"/>
+              <a:t>DIFFERENCE</a:t>
+            </a:r>
+            <a:r>
+              <a:rPr lang="es-PE" baseline="0" dirty="0" smtClean="0"/>
+              <a:t> FACTORY AND BUILDER</a:t>
+            </a:r>
+          </a:p>
+          <a:p>
+            <a:pPr fontAlgn="base"/>
+            <a:r>
+              <a:rPr lang="en-US" sz="1200" b="0" i="0" kern="1200" dirty="0" smtClean="0">
+                <a:solidFill>
+                  <a:schemeClr val="tx1"/>
+                </a:solidFill>
+                <a:effectLst/>
+                <a:latin typeface="+mn-lt"/>
+                <a:ea typeface="+mn-ea"/>
+                <a:cs typeface="+mn-cs"/>
+              </a:rPr>
+              <a:t>The builder design pattern describes an object that knows how to craft another object of a specific type over several steps. It holds the needed state for the target item at each intermediate step.</a:t>
+            </a:r>
+          </a:p>
+          <a:p>
+            <a:pPr fontAlgn="base"/>
+            <a:r>
+              <a:rPr lang="en-US" sz="1200" b="0" i="0" kern="1200" dirty="0" smtClean="0">
+                <a:solidFill>
+                  <a:schemeClr val="tx1"/>
+                </a:solidFill>
+                <a:effectLst/>
+                <a:latin typeface="+mn-lt"/>
+                <a:ea typeface="+mn-ea"/>
+                <a:cs typeface="+mn-cs"/>
+              </a:rPr>
+              <a:t>The factory design pattern describes an object that knows how to create several different but related kinds of object in one step, where the specific type is chosen based on given parameters.</a:t>
+            </a:r>
+          </a:p>
+          <a:p>
+            <a:pPr rtl="0"/>
+            <a:endParaRPr lang="es-PE" dirty="0" smtClean="0"/>
           </a:p>
         </p:txBody>
       </p:sp>
@@ -7352,53 +7348,11 @@
           <a:lstStyle/>
           <a:p>
             <a:pPr rtl="0"/>
-            <a:r>
-              <a:rPr lang="es-PE" dirty="0" smtClean="0">
-                <a:hlinkClick r:id="rId3"/>
-              </a:rPr>
-              <a:t>http://misko.hevery.com/code-reviewers-guide/flaw-digging-into-collaborators/</a:t>
-            </a:r>
-            <a:endParaRPr lang="es-PE" dirty="0" smtClean="0"/>
-          </a:p>
-          <a:p>
-            <a:pPr rtl="0"/>
-            <a:endParaRPr lang="es-PE" dirty="0" smtClean="0"/>
-          </a:p>
-          <a:p>
-            <a:pPr rtl="0"/>
-            <a:r>
-              <a:rPr lang="es-PE" dirty="0" err="1" smtClean="0"/>
-              <a:t>Law</a:t>
-            </a:r>
-            <a:r>
-              <a:rPr lang="es-PE" dirty="0" smtClean="0"/>
-              <a:t> Of </a:t>
-            </a:r>
-            <a:r>
-              <a:rPr lang="es-PE" dirty="0" err="1" smtClean="0"/>
-              <a:t>Demeter</a:t>
-            </a:r>
-            <a:r>
-              <a:rPr lang="es-PE" dirty="0" smtClean="0"/>
-              <a:t>: Es un</a:t>
-            </a:r>
-            <a:r>
-              <a:rPr lang="es-PE" baseline="0" dirty="0" smtClean="0"/>
-              <a:t> lineamiento de diseño para la correcta POO. </a:t>
-            </a:r>
-            <a:r>
-              <a:rPr lang="en-US" sz="1200" b="0" i="0" kern="1200" dirty="0" smtClean="0">
-                <a:solidFill>
-                  <a:schemeClr val="tx1"/>
-                </a:solidFill>
-                <a:effectLst/>
-                <a:latin typeface="+mn-lt"/>
-                <a:ea typeface="+mn-ea"/>
-                <a:cs typeface="+mn-cs"/>
-              </a:rPr>
-              <a:t>Only access objects you created yourself, or were passed to you as an argument. Do not access objects indirectly through other objects.</a:t>
-            </a:r>
-            <a:endParaRPr lang="es-PE" dirty="0"/>
+            <a:endParaRPr lang="es-PE" sz="1200" dirty="0" smtClean="0">
+              <a:solidFill>
+                <a:srgbClr val="FF0000"/>
+              </a:solidFill>
+            </a:endParaRPr>
           </a:p>
         </p:txBody>
       </p:sp>
@@ -7482,25 +7436,52 @@
           <a:bodyPr/>
           <a:lstStyle/>
           <a:p>
+            <a:pPr rtl="0"/>
+            <a:r>
+              <a:rPr lang="es-PE" dirty="0" smtClean="0">
+                <a:hlinkClick r:id="rId3"/>
+              </a:rPr>
+              <a:t>http://misko.hevery.com/code-reviewers-guide/flaw-digging-into-collaborators/</a:t>
+            </a:r>
+            <a:endParaRPr lang="es-PE" dirty="0" smtClean="0"/>
+          </a:p>
+          <a:p>
+            <a:pPr rtl="0"/>
+            <a:endParaRPr lang="es-PE" dirty="0" smtClean="0"/>
+          </a:p>
+          <a:p>
+            <a:pPr rtl="0"/>
             <a:r>
               <a:rPr lang="es-PE" dirty="0" err="1" smtClean="0"/>
-              <a:t>Codigo</a:t>
+              <a:t>Law</a:t>
             </a:r>
             <a:r>
               <a:rPr lang="es-PE" dirty="0" smtClean="0"/>
-              <a:t> Procedural:</a:t>
+              <a:t> Of </a:t>
+            </a:r>
+            <a:r>
+              <a:rPr lang="es-PE" dirty="0" err="1" smtClean="0"/>
+              <a:t>Demeter</a:t>
+            </a:r>
+            <a:r>
+              <a:rPr lang="es-PE" dirty="0" smtClean="0"/>
+              <a:t>: Es un</a:t>
             </a:r>
             <a:r>
               <a:rPr lang="es-PE" baseline="0" dirty="0" smtClean="0"/>
-              <a:t> No hay objetos que guardan un estado y comportamiento, solo son llamadas continuas una luego de otra que se </a:t>
-            </a:r>
-            <a:r>
-              <a:rPr lang="es-PE" baseline="0" dirty="0" err="1" smtClean="0"/>
-              <a:t>envian</a:t>
-            </a:r>
-            <a:r>
-              <a:rPr lang="es-PE" baseline="0" dirty="0" smtClean="0"/>
-              <a:t> parámetros.</a:t>
+              <a:t> lineamiento de diseño para la correcta POO. </a:t>
+            </a:r>
+            <a:r>
+              <a:rPr lang="en-US" sz="1200" b="0" i="0" kern="1200" dirty="0" smtClean="0">
+                <a:solidFill>
+                  <a:schemeClr val="tx1"/>
+                </a:solidFill>
+                <a:effectLst/>
+                <a:latin typeface="+mn-lt"/>
+                <a:ea typeface="+mn-ea"/>
+                <a:cs typeface="+mn-cs"/>
+              </a:rPr>
+              <a:t>Only access objects you created yourself, or were passed to you as an argument. Do not access objects indirectly through other objects.</a:t>
             </a:r>
             <a:endParaRPr lang="es-PE" dirty="0"/>
           </a:p>
@@ -7586,175 +7567,27 @@
           <a:bodyPr/>
           <a:lstStyle/>
           <a:p>
-            <a:pPr rtl="0"/>
-            <a:r>
-              <a:rPr lang="es-PE" dirty="0" smtClean="0">
-                <a:hlinkClick r:id="rId3"/>
-              </a:rPr>
-              <a:t>http://misko.hevery.com/code-reviewers-guide/flaw-brittle-global-state-singletons/</a:t>
-            </a:r>
-            <a:endParaRPr lang="es-PE" dirty="0" smtClean="0"/>
-          </a:p>
-          <a:p>
-            <a:pPr rtl="0"/>
-            <a:endParaRPr lang="es-PE" dirty="0" smtClean="0"/>
-          </a:p>
-          <a:p>
-            <a:pPr rtl="0"/>
-            <a:r>
-              <a:rPr lang="en-US" sz="1200" b="0" i="1" kern="1200" dirty="0" smtClean="0">
-                <a:solidFill>
-                  <a:schemeClr val="tx1"/>
-                </a:solidFill>
-                <a:effectLst/>
-                <a:latin typeface="+mn-lt"/>
-                <a:ea typeface="+mn-ea"/>
-                <a:cs typeface="+mn-cs"/>
-              </a:rPr>
-              <a:t>“The problem with using a Singleton is that it introduces a certain amount of coupling into a system — coupling that is almost always unnecessary. You are saying that your class can only collaborate with one particular implementation of a set of methods — the implementation that the Singleton provides. You will allow no substitutes. This makes it difficult to test your class in isolation from the Singleton. The very nature of test isolation assumes the ability to substitute alternative implementations… for an object’s collaborators. … [U]</a:t>
-            </a:r>
-            <a:r>
-              <a:rPr lang="en-US" sz="1200" b="0" i="1" kern="1200" dirty="0" err="1" smtClean="0">
-                <a:solidFill>
-                  <a:schemeClr val="tx1"/>
-                </a:solidFill>
-                <a:effectLst/>
-                <a:latin typeface="+mn-lt"/>
-                <a:ea typeface="+mn-ea"/>
-                <a:cs typeface="+mn-cs"/>
-              </a:rPr>
-              <a:t>nless</a:t>
-            </a:r>
-            <a:r>
-              <a:rPr lang="en-US" sz="1200" b="0" i="1" kern="1200" dirty="0" smtClean="0">
-                <a:solidFill>
-                  <a:schemeClr val="tx1"/>
-                </a:solidFill>
-                <a:effectLst/>
-                <a:latin typeface="+mn-lt"/>
-                <a:ea typeface="+mn-ea"/>
-                <a:cs typeface="+mn-cs"/>
-              </a:rPr>
-              <a:t> you change your design, you are forced to rely on the correct behavior of the Singleton in order to test any of its clients.”</a:t>
-            </a:r>
-            <a:r>
-              <a:rPr lang="en-US" sz="1200" b="0" i="0" kern="1200" dirty="0" smtClean="0">
-                <a:solidFill>
-                  <a:schemeClr val="tx1"/>
-                </a:solidFill>
-                <a:effectLst/>
-                <a:latin typeface="+mn-lt"/>
-                <a:ea typeface="+mn-ea"/>
-                <a:cs typeface="+mn-cs"/>
-              </a:rPr>
-              <a:t> [J.B. </a:t>
-            </a:r>
-            <a:r>
-              <a:rPr lang="en-US" sz="1200" b="0" i="0" kern="1200" dirty="0" err="1" smtClean="0">
-                <a:solidFill>
-                  <a:schemeClr val="tx1"/>
-                </a:solidFill>
-                <a:effectLst/>
-                <a:latin typeface="+mn-lt"/>
-                <a:ea typeface="+mn-ea"/>
-                <a:cs typeface="+mn-cs"/>
-              </a:rPr>
-              <a:t>Rainsberger</a:t>
-            </a:r>
-            <a:r>
-              <a:rPr lang="en-US" sz="1200" b="0" i="0" kern="1200" dirty="0" smtClean="0">
-                <a:solidFill>
-                  <a:schemeClr val="tx1"/>
-                </a:solidFill>
-                <a:effectLst/>
-                <a:latin typeface="+mn-lt"/>
-                <a:ea typeface="+mn-ea"/>
-                <a:cs typeface="+mn-cs"/>
-              </a:rPr>
-              <a:t>, </a:t>
-            </a:r>
-            <a:r>
-              <a:rPr lang="en-US" sz="1200" b="0" i="0" kern="1200" dirty="0" err="1" smtClean="0">
-                <a:solidFill>
-                  <a:schemeClr val="tx1"/>
-                </a:solidFill>
-                <a:effectLst/>
-                <a:latin typeface="+mn-lt"/>
-                <a:ea typeface="+mn-ea"/>
-                <a:cs typeface="+mn-cs"/>
-              </a:rPr>
-              <a:t>Junit</a:t>
-            </a:r>
-            <a:r>
-              <a:rPr lang="en-US" sz="1200" b="0" i="0" kern="1200" dirty="0" smtClean="0">
-                <a:solidFill>
-                  <a:schemeClr val="tx1"/>
-                </a:solidFill>
-                <a:effectLst/>
-                <a:latin typeface="+mn-lt"/>
-                <a:ea typeface="+mn-ea"/>
-                <a:cs typeface="+mn-cs"/>
-              </a:rPr>
-              <a:t> Recipes, Recipe 14.4]</a:t>
-            </a:r>
-          </a:p>
-          <a:p>
-            <a:pPr rtl="0"/>
-            <a:endParaRPr lang="en-US" sz="1200" b="0" i="0" kern="1200" dirty="0" smtClean="0">
-              <a:solidFill>
-                <a:schemeClr val="tx1"/>
-              </a:solidFill>
-              <a:effectLst/>
-              <a:latin typeface="+mn-lt"/>
-              <a:ea typeface="+mn-ea"/>
-              <a:cs typeface="+mn-cs"/>
-            </a:endParaRPr>
-          </a:p>
-          <a:p>
-            <a:pPr rtl="0"/>
+            <a:r>
+              <a:rPr lang="es-PE" dirty="0" err="1" smtClean="0"/>
+              <a:t>Codigo</a:t>
+            </a:r>
             <a:r>
               <a:rPr lang="es-PE" dirty="0" smtClean="0"/>
-              <a:t>File </a:t>
-            </a:r>
-            <a:r>
-              <a:rPr lang="es-PE" dirty="0" err="1" smtClean="0"/>
-              <a:t>System</a:t>
-            </a:r>
-            <a:r>
-              <a:rPr lang="es-PE" dirty="0" smtClean="0"/>
-              <a:t>,</a:t>
+              <a:t> Procedural:</a:t>
             </a:r>
             <a:r>
               <a:rPr lang="es-PE" baseline="0" dirty="0" smtClean="0"/>
-              <a:t> Dates, HTTP </a:t>
+              <a:t> No hay objetos que guardan un estado y comportamiento, solo son llamadas continuas una luego de otra que se </a:t>
             </a:r>
             <a:r>
               <a:rPr lang="es-PE" baseline="0" dirty="0" err="1" smtClean="0"/>
-              <a:t>Clients</a:t>
+              <a:t>envian</a:t>
             </a:r>
             <a:r>
               <a:rPr lang="es-PE" baseline="0" dirty="0" smtClean="0"/>
-              <a:t>, </a:t>
-            </a:r>
-            <a:r>
-              <a:rPr lang="es-PE" baseline="0" dirty="0" err="1" smtClean="0"/>
-              <a:t>etc</a:t>
-            </a:r>
-            <a:endParaRPr lang="es-PE" baseline="0" dirty="0" smtClean="0"/>
-          </a:p>
-          <a:p>
-            <a:pPr rtl="0"/>
-            <a:r>
-              <a:rPr lang="es-PE" dirty="0" smtClean="0">
-                <a:hlinkClick r:id="rId4"/>
-              </a:rPr>
-              <a:t>http://stackoverflow.com/questions/6499871/mock-file-io-static-class-in-c-sharp</a:t>
-            </a:r>
-            <a:endParaRPr lang="es-PE" dirty="0" smtClean="0"/>
-          </a:p>
-          <a:p>
-            <a:pPr rtl="0"/>
-            <a:endParaRPr lang="es-PE" dirty="0" smtClean="0"/>
+              <a:t> parámetros.</a:t>
+            </a:r>
+            <a:endParaRPr lang="es-PE" dirty="0"/>
           </a:p>
         </p:txBody>
       </p:sp>
@@ -7838,9 +7671,23 @@
           <a:bodyPr/>
           <a:lstStyle/>
           <a:p>
-            <a:pPr fontAlgn="base"/>
-            <a:r>
-              <a:rPr lang="en-US" sz="1200" b="0" i="0" kern="1200" dirty="0" smtClean="0">
+            <a:pPr rtl="0"/>
+            <a:r>
+              <a:rPr lang="es-PE" dirty="0" smtClean="0">
+                <a:hlinkClick r:id="rId3"/>
+              </a:rPr>
+              <a:t>http://misko.hevery.com/code-reviewers-guide/flaw-brittle-global-state-singletons/</a:t>
+            </a:r>
+            <a:endParaRPr lang="es-PE" dirty="0" smtClean="0"/>
+          </a:p>
+          <a:p>
+            <a:pPr rtl="0"/>
+            <a:endParaRPr lang="es-PE" dirty="0" smtClean="0"/>
+          </a:p>
+          <a:p>
+            <a:pPr rtl="0"/>
+            <a:r>
+              <a:rPr lang="en-US" sz="1200" b="0" i="1" kern="1200" dirty="0" smtClean="0">
                 <a:solidFill>
                   <a:schemeClr val="tx1"/>
                 </a:solidFill>
@@ -7849,10 +7696,10 @@
                 <a:ea typeface="+mn-ea"/>
                 <a:cs typeface="+mn-cs"/>
               </a:rPr>
-              <a:t>Think of containment as a </a:t>
-            </a:r>
-            <a:r>
-              <a:rPr lang="en-US" sz="1200" b="1" i="0" kern="1200" dirty="0" smtClean="0">
+              <a:t>“The problem with using a Singleton is that it introduces a certain amount of coupling into a system — coupling that is almost always unnecessary. You are saying that your class can only collaborate with one particular implementation of a set of methods — the implementation that the Singleton provides. You will allow no substitutes. This makes it difficult to test your class in isolation from the Singleton. The very nature of test isolation assumes the ability to substitute alternative implementations… for an object’s collaborators. … [U]</a:t>
+            </a:r>
+            <a:r>
+              <a:rPr lang="en-US" sz="1200" b="0" i="1" kern="1200" dirty="0" err="1" smtClean="0">
                 <a:solidFill>
                   <a:schemeClr val="tx1"/>
                 </a:solidFill>
@@ -7861,10 +7708,10 @@
                 <a:ea typeface="+mn-ea"/>
                 <a:cs typeface="+mn-cs"/>
               </a:rPr>
-              <a:t>has a</a:t>
-            </a:r>
-            <a:r>
-              <a:rPr lang="en-US" sz="1200" b="0" i="0" kern="1200" dirty="0" smtClean="0">
+              <a:t>nless</a:t>
+            </a:r>
+            <a:r>
+              <a:rPr lang="en-US" sz="1200" b="0" i="1" kern="1200" dirty="0" smtClean="0">
                 <a:solidFill>
                   <a:schemeClr val="tx1"/>
                 </a:solidFill>
@@ -7873,11 +7720,8 @@
                 <a:ea typeface="+mn-ea"/>
                 <a:cs typeface="+mn-cs"/>
               </a:rPr>
-              <a:t> relationship. A car "has an" engine, a person "has a" name, etc.</a:t>
-            </a:r>
-          </a:p>
-          <a:p>
-            <a:pPr fontAlgn="base"/>
+              <a:t> you change your design, you are forced to rely on the correct behavior of the Singleton in order to test any of its clients.”</a:t>
+            </a:r>
             <a:r>
               <a:rPr lang="en-US" sz="1200" b="0" i="0" kern="1200" dirty="0" smtClean="0">
                 <a:solidFill>
@@ -7888,10 +7732,10 @@
                 <a:ea typeface="+mn-ea"/>
                 <a:cs typeface="+mn-cs"/>
               </a:rPr>
-              <a:t>Think of inheritance as an </a:t>
-            </a:r>
-            <a:r>
-              <a:rPr lang="en-US" sz="1200" b="1" i="0" kern="1200" dirty="0" smtClean="0">
+              <a:t> [J.B. </a:t>
+            </a:r>
+            <a:r>
+              <a:rPr lang="en-US" sz="1200" b="0" i="0" kern="1200" dirty="0" err="1" smtClean="0">
                 <a:solidFill>
                   <a:schemeClr val="tx1"/>
                 </a:solidFill>
@@ -7900,7 +7744,7 @@
                 <a:ea typeface="+mn-ea"/>
                 <a:cs typeface="+mn-cs"/>
               </a:rPr>
-              <a:t>is a</a:t>
+              <a:t>Rainsberger</a:t>
             </a:r>
             <a:r>
               <a:rPr lang="en-US" sz="1200" b="0" i="0" kern="1200" dirty="0" smtClean="0">
@@ -7912,246 +7756,90 @@
                 <a:ea typeface="+mn-ea"/>
                 <a:cs typeface="+mn-cs"/>
               </a:rPr>
-              <a:t> relationship. A car "is a" vehicle, a person "is a" mammal, etc. </a:t>
-            </a:r>
-          </a:p>
-          <a:p>
-            <a:pPr marL="0" marR="0" indent="0" algn="l" defTabSz="914400" rtl="0" eaLnBrk="1" fontAlgn="auto" latinLnBrk="0" hangingPunct="1">
-              <a:lnSpc>
-                <a:spcPct val="100000"/>
-              </a:lnSpc>
-              <a:spcBef>
-                <a:spcPts val="0"/>
-              </a:spcBef>
-              <a:spcAft>
-                <a:spcPts val="0"/>
-              </a:spcAft>
-              <a:buClrTx/>
-              <a:buSzTx/>
-              <a:buFontTx/>
-              <a:buNone/>
-              <a:tabLst/>
-              <a:defRPr/>
-            </a:pPr>
-            <a:endParaRPr lang="es-PE" sz="1200" dirty="0" smtClean="0"/>
-          </a:p>
-          <a:p>
-            <a:pPr marL="0" marR="0" indent="0" algn="l" defTabSz="914400" rtl="0" eaLnBrk="1" fontAlgn="auto" latinLnBrk="0" hangingPunct="1">
-              <a:lnSpc>
-                <a:spcPct val="100000"/>
-              </a:lnSpc>
-              <a:spcBef>
-                <a:spcPts val="0"/>
-              </a:spcBef>
-              <a:spcAft>
-                <a:spcPts val="0"/>
-              </a:spcAft>
-              <a:buClrTx/>
-              <a:buSzTx/>
-              <a:buFontTx/>
-              <a:buNone/>
-              <a:tabLst/>
-              <a:defRPr/>
-            </a:pPr>
-            <a:r>
-              <a:rPr lang="es-PE" sz="1200" dirty="0" smtClean="0"/>
-              <a:t>La herencia crea un fuerte </a:t>
-            </a:r>
-            <a:r>
-              <a:rPr lang="es-PE" sz="1200" dirty="0" err="1" smtClean="0"/>
-              <a:t>acomplamiento</a:t>
-            </a:r>
-            <a:r>
-              <a:rPr lang="es-PE" sz="1200" dirty="0" smtClean="0"/>
-              <a:t> entre la clase padre y las subclases; las subclases deben conocer muchos detalles de implementación de la clase padre. Cuando</a:t>
-            </a:r>
-            <a:r>
-              <a:rPr lang="es-PE" sz="1200" baseline="0" dirty="0" smtClean="0"/>
-              <a:t> se hace herencia, las hijas conocen todos los métodos de la padre, mientras que en la composición solo uno o algunos.</a:t>
-            </a:r>
-          </a:p>
-          <a:p>
-            <a:pPr marL="0" marR="0" indent="0" algn="l" defTabSz="914400" rtl="0" eaLnBrk="1" fontAlgn="auto" latinLnBrk="0" hangingPunct="1">
-              <a:lnSpc>
-                <a:spcPct val="100000"/>
-              </a:lnSpc>
-              <a:spcBef>
-                <a:spcPts val="0"/>
-              </a:spcBef>
-              <a:spcAft>
-                <a:spcPts val="0"/>
-              </a:spcAft>
-              <a:buClrTx/>
-              <a:buSzTx/>
-              <a:buFontTx/>
-              <a:buNone/>
-              <a:tabLst/>
-              <a:defRPr/>
-            </a:pPr>
-            <a:endParaRPr lang="en-US" sz="1200" kern="1200" dirty="0" smtClean="0">
+              <a:t>, </a:t>
+            </a:r>
+            <a:r>
+              <a:rPr lang="en-US" sz="1200" b="0" i="0" kern="1200" dirty="0" err="1" smtClean="0">
+                <a:solidFill>
+                  <a:schemeClr val="tx1"/>
+                </a:solidFill>
+                <a:effectLst/>
+                <a:latin typeface="+mn-lt"/>
+                <a:ea typeface="+mn-ea"/>
+                <a:cs typeface="+mn-cs"/>
+              </a:rPr>
+              <a:t>Junit</a:t>
+            </a:r>
+            <a:r>
+              <a:rPr lang="en-US" sz="1200" b="0" i="0" kern="1200" dirty="0" smtClean="0">
+                <a:solidFill>
+                  <a:schemeClr val="tx1"/>
+                </a:solidFill>
+                <a:effectLst/>
+                <a:latin typeface="+mn-lt"/>
+                <a:ea typeface="+mn-ea"/>
+                <a:cs typeface="+mn-cs"/>
+              </a:rPr>
+              <a:t> Recipes, Recipe 14.4]</a:t>
+            </a:r>
+          </a:p>
+          <a:p>
+            <a:pPr rtl="0"/>
+            <a:endParaRPr lang="en-US" sz="1200" b="0" i="0" kern="1200" dirty="0" smtClean="0">
               <a:solidFill>
                 <a:schemeClr val="tx1"/>
               </a:solidFill>
+              <a:effectLst/>
               <a:latin typeface="+mn-lt"/>
               <a:ea typeface="+mn-ea"/>
               <a:cs typeface="+mn-cs"/>
             </a:endParaRPr>
           </a:p>
           <a:p>
-            <a:pPr marL="0" marR="0" indent="0" algn="l" defTabSz="914400" rtl="0" eaLnBrk="1" fontAlgn="auto" latinLnBrk="0" hangingPunct="1">
-              <a:lnSpc>
-                <a:spcPct val="100000"/>
-              </a:lnSpc>
-              <a:spcBef>
-                <a:spcPts val="0"/>
-              </a:spcBef>
-              <a:spcAft>
-                <a:spcPts val="0"/>
-              </a:spcAft>
-              <a:buClrTx/>
-              <a:buSzTx/>
-              <a:buFontTx/>
-              <a:buNone/>
-              <a:tabLst/>
-              <a:defRPr/>
-            </a:pPr>
-            <a:r>
-              <a:rPr lang="en-US" sz="1200" b="0" i="0" kern="1200" dirty="0" smtClean="0">
-                <a:solidFill>
-                  <a:schemeClr val="tx1"/>
-                </a:solidFill>
-                <a:effectLst/>
-                <a:latin typeface="+mn-lt"/>
-                <a:ea typeface="+mn-ea"/>
-                <a:cs typeface="+mn-cs"/>
-              </a:rPr>
-              <a:t>I believe that the more you start to develop using design patterns, you'll find more and more often where composition is going to be favored over inheritance. I actually believe in the </a:t>
-            </a:r>
-            <a:r>
-              <a:rPr lang="en-US" sz="1200" b="1" i="0" kern="1200" dirty="0" smtClean="0">
-                <a:solidFill>
-                  <a:schemeClr val="tx1"/>
-                </a:solidFill>
-                <a:effectLst/>
-                <a:latin typeface="+mn-lt"/>
-                <a:ea typeface="+mn-ea"/>
-                <a:cs typeface="+mn-cs"/>
-              </a:rPr>
-              <a:t>Head First: Design Patterns</a:t>
-            </a:r>
-            <a:r>
-              <a:rPr lang="en-US" sz="1200" b="0" i="0" kern="1200" dirty="0" smtClean="0">
-                <a:solidFill>
-                  <a:schemeClr val="tx1"/>
-                </a:solidFill>
-                <a:effectLst/>
-                <a:latin typeface="+mn-lt"/>
-                <a:ea typeface="+mn-ea"/>
-                <a:cs typeface="+mn-cs"/>
-              </a:rPr>
-              <a:t> book that "</a:t>
-            </a:r>
-            <a:r>
-              <a:rPr lang="en-US" sz="1200" b="0" i="1" kern="1200" dirty="0" smtClean="0">
-                <a:solidFill>
-                  <a:schemeClr val="tx1"/>
-                </a:solidFill>
-                <a:effectLst/>
-                <a:latin typeface="+mn-lt"/>
-                <a:ea typeface="+mn-ea"/>
-                <a:cs typeface="+mn-cs"/>
-              </a:rPr>
-              <a:t>Favor Composition Over Inheritance</a:t>
-            </a:r>
-            <a:r>
-              <a:rPr lang="en-US" sz="1200" b="0" i="0" kern="1200" dirty="0" smtClean="0">
-                <a:solidFill>
-                  <a:schemeClr val="tx1"/>
-                </a:solidFill>
-                <a:effectLst/>
-                <a:latin typeface="+mn-lt"/>
-                <a:ea typeface="+mn-ea"/>
-                <a:cs typeface="+mn-cs"/>
-              </a:rPr>
-              <a:t>" is one of the primary design principles.</a:t>
-            </a:r>
-            <a:endParaRPr lang="es-PE" sz="1200" dirty="0" smtClean="0"/>
-          </a:p>
-          <a:p>
-            <a:pPr marL="0" marR="0" indent="0" algn="l" defTabSz="914400" rtl="0" eaLnBrk="1" fontAlgn="auto" latinLnBrk="0" hangingPunct="1">
-              <a:lnSpc>
-                <a:spcPct val="100000"/>
-              </a:lnSpc>
-              <a:spcBef>
-                <a:spcPts val="0"/>
-              </a:spcBef>
-              <a:spcAft>
-                <a:spcPts val="0"/>
-              </a:spcAft>
-              <a:buClrTx/>
-              <a:buSzTx/>
-              <a:buFontTx/>
-              <a:buNone/>
-              <a:tabLst/>
-              <a:defRPr/>
-            </a:pPr>
-            <a:endParaRPr lang="en-US" sz="1200" kern="1200" dirty="0" smtClean="0">
-              <a:solidFill>
-                <a:schemeClr val="tx1"/>
-              </a:solidFill>
-              <a:latin typeface="+mn-lt"/>
-              <a:ea typeface="+mn-ea"/>
-              <a:cs typeface="+mn-cs"/>
-            </a:endParaRPr>
-          </a:p>
-          <a:p>
-            <a:pPr marL="0" marR="0" indent="0" algn="l" defTabSz="914400" rtl="0" eaLnBrk="1" fontAlgn="auto" latinLnBrk="0" hangingPunct="1">
-              <a:lnSpc>
-                <a:spcPct val="100000"/>
-              </a:lnSpc>
-              <a:spcBef>
-                <a:spcPts val="0"/>
-              </a:spcBef>
-              <a:spcAft>
-                <a:spcPts val="0"/>
-              </a:spcAft>
-              <a:buClrTx/>
-              <a:buSzTx/>
-              <a:buFontTx/>
-              <a:buNone/>
-              <a:tabLst/>
-              <a:defRPr/>
-            </a:pPr>
-            <a:endParaRPr lang="en-US" sz="1200" kern="1200" dirty="0" smtClean="0">
-              <a:solidFill>
-                <a:schemeClr val="tx1"/>
-              </a:solidFill>
-              <a:latin typeface="+mn-lt"/>
-              <a:ea typeface="+mn-ea"/>
-              <a:cs typeface="+mn-cs"/>
-            </a:endParaRPr>
-          </a:p>
-          <a:p>
-            <a:r>
-              <a:rPr lang="en-US" sz="1200" b="0" i="0" kern="1200" dirty="0" smtClean="0">
-                <a:solidFill>
-                  <a:schemeClr val="tx1"/>
-                </a:solidFill>
-                <a:effectLst/>
-                <a:latin typeface="+mn-lt"/>
-                <a:ea typeface="+mn-ea"/>
-                <a:cs typeface="+mn-cs"/>
-              </a:rPr>
-              <a:t>At run-time you can not chose a different inheritance, but you can chose a different composition, this is important for tests as we want to test thing in isolation.</a:t>
-            </a:r>
-            <a:endParaRPr lang="en-US" sz="1200" kern="1200" dirty="0" smtClean="0">
-              <a:solidFill>
-                <a:schemeClr val="tx1"/>
-              </a:solidFill>
-              <a:latin typeface="+mn-lt"/>
-              <a:ea typeface="+mn-ea"/>
-              <a:cs typeface="+mn-cs"/>
-            </a:endParaRPr>
+            <a:pPr rtl="0"/>
+            <a:r>
+              <a:rPr lang="es-PE" dirty="0" smtClean="0"/>
+              <a:t>File </a:t>
+            </a:r>
+            <a:r>
+              <a:rPr lang="es-PE" dirty="0" err="1" smtClean="0"/>
+              <a:t>System</a:t>
+            </a:r>
+            <a:r>
+              <a:rPr lang="es-PE" dirty="0" smtClean="0"/>
+              <a:t>,</a:t>
+            </a:r>
+            <a:r>
+              <a:rPr lang="es-PE" baseline="0" dirty="0" smtClean="0"/>
+              <a:t> Dates, HTTP </a:t>
+            </a:r>
+            <a:r>
+              <a:rPr lang="es-PE" baseline="0" dirty="0" err="1" smtClean="0"/>
+              <a:t>Clients</a:t>
+            </a:r>
+            <a:r>
+              <a:rPr lang="es-PE" baseline="0" dirty="0" smtClean="0"/>
+              <a:t>, </a:t>
+            </a:r>
+            <a:r>
+              <a:rPr lang="es-PE" baseline="0" dirty="0" err="1" smtClean="0"/>
+              <a:t>etc</a:t>
+            </a:r>
+            <a:endParaRPr lang="es-PE" baseline="0" dirty="0" smtClean="0"/>
+          </a:p>
+          <a:p>
+            <a:pPr rtl="0"/>
+            <a:r>
+              <a:rPr lang="es-PE" dirty="0" smtClean="0">
+                <a:hlinkClick r:id="rId4"/>
+              </a:rPr>
+              <a:t>http://stackoverflow.com/questions/6499871/mock-file-io-static-class-in-c-sharp</a:t>
+            </a:r>
+            <a:endParaRPr lang="es-PE" dirty="0" smtClean="0"/>
+          </a:p>
+          <a:p>
+            <a:pPr rtl="0"/>
+            <a:endParaRPr lang="es-PE" dirty="0" smtClean="0"/>
           </a:p>
         </p:txBody>
       </p:sp>
@@ -8235,8 +7923,320 @@
           <a:bodyPr/>
           <a:lstStyle/>
           <a:p>
-            <a:pPr rtl="0"/>
-            <a:endParaRPr lang="es-PE" dirty="0" smtClean="0"/>
+            <a:pPr fontAlgn="base"/>
+            <a:r>
+              <a:rPr lang="en-US" sz="1200" b="0" i="0" kern="1200" dirty="0" smtClean="0">
+                <a:solidFill>
+                  <a:schemeClr val="tx1"/>
+                </a:solidFill>
+                <a:effectLst/>
+                <a:latin typeface="+mn-lt"/>
+                <a:ea typeface="+mn-ea"/>
+                <a:cs typeface="+mn-cs"/>
+              </a:rPr>
+              <a:t>Think of containment as a </a:t>
+            </a:r>
+            <a:r>
+              <a:rPr lang="en-US" sz="1200" b="1" i="0" kern="1200" dirty="0" smtClean="0">
+                <a:solidFill>
+                  <a:schemeClr val="tx1"/>
+                </a:solidFill>
+                <a:effectLst/>
+                <a:latin typeface="+mn-lt"/>
+                <a:ea typeface="+mn-ea"/>
+                <a:cs typeface="+mn-cs"/>
+              </a:rPr>
+              <a:t>has a</a:t>
+            </a:r>
+            <a:r>
+              <a:rPr lang="en-US" sz="1200" b="0" i="0" kern="1200" dirty="0" smtClean="0">
+                <a:solidFill>
+                  <a:schemeClr val="tx1"/>
+                </a:solidFill>
+                <a:effectLst/>
+                <a:latin typeface="+mn-lt"/>
+                <a:ea typeface="+mn-ea"/>
+                <a:cs typeface="+mn-cs"/>
+              </a:rPr>
+              <a:t> relationship. A car "has an" engine, a person "has a" name, etc.</a:t>
+            </a:r>
+          </a:p>
+          <a:p>
+            <a:pPr fontAlgn="base"/>
+            <a:r>
+              <a:rPr lang="en-US" sz="1200" b="0" i="0" kern="1200" dirty="0" smtClean="0">
+                <a:solidFill>
+                  <a:schemeClr val="tx1"/>
+                </a:solidFill>
+                <a:effectLst/>
+                <a:latin typeface="+mn-lt"/>
+                <a:ea typeface="+mn-ea"/>
+                <a:cs typeface="+mn-cs"/>
+              </a:rPr>
+              <a:t>Think of inheritance as an </a:t>
+            </a:r>
+            <a:r>
+              <a:rPr lang="en-US" sz="1200" b="1" i="0" kern="1200" dirty="0" smtClean="0">
+                <a:solidFill>
+                  <a:schemeClr val="tx1"/>
+                </a:solidFill>
+                <a:effectLst/>
+                <a:latin typeface="+mn-lt"/>
+                <a:ea typeface="+mn-ea"/>
+                <a:cs typeface="+mn-cs"/>
+              </a:rPr>
+              <a:t>is a</a:t>
+            </a:r>
+            <a:r>
+              <a:rPr lang="en-US" sz="1200" b="0" i="0" kern="1200" dirty="0" smtClean="0">
+                <a:solidFill>
+                  <a:schemeClr val="tx1"/>
+                </a:solidFill>
+                <a:effectLst/>
+                <a:latin typeface="+mn-lt"/>
+                <a:ea typeface="+mn-ea"/>
+                <a:cs typeface="+mn-cs"/>
+              </a:rPr>
+              <a:t> relationship. A car "is a" vehicle, a person "is a" mammal, etc. </a:t>
+            </a:r>
+          </a:p>
+          <a:p>
+            <a:pPr marL="0" marR="0" indent="0" algn="l" defTabSz="914400" rtl="0" eaLnBrk="1" fontAlgn="auto" latinLnBrk="0" hangingPunct="1">
+              <a:lnSpc>
+                <a:spcPct val="100000"/>
+              </a:lnSpc>
+              <a:spcBef>
+                <a:spcPts val="0"/>
+              </a:spcBef>
+              <a:spcAft>
+                <a:spcPts val="0"/>
+              </a:spcAft>
+              <a:buClrTx/>
+              <a:buSzTx/>
+              <a:buFontTx/>
+              <a:buNone/>
+              <a:tabLst/>
+              <a:defRPr/>
+            </a:pPr>
+            <a:endParaRPr lang="es-PE" sz="1200" dirty="0" smtClean="0"/>
+          </a:p>
+          <a:p>
+            <a:pPr marL="0" marR="0" indent="0" algn="l" defTabSz="914400" rtl="0" eaLnBrk="1" fontAlgn="auto" latinLnBrk="0" hangingPunct="1">
+              <a:lnSpc>
+                <a:spcPct val="100000"/>
+              </a:lnSpc>
+              <a:spcBef>
+                <a:spcPts val="0"/>
+              </a:spcBef>
+              <a:spcAft>
+                <a:spcPts val="0"/>
+              </a:spcAft>
+              <a:buClrTx/>
+              <a:buSzTx/>
+              <a:buFontTx/>
+              <a:buNone/>
+              <a:tabLst/>
+              <a:defRPr/>
+            </a:pPr>
+            <a:r>
+              <a:rPr lang="es-PE" sz="1200" dirty="0" smtClean="0"/>
+              <a:t>La herencia crea un fuerte </a:t>
+            </a:r>
+            <a:r>
+              <a:rPr lang="es-PE" sz="1200" dirty="0" err="1" smtClean="0"/>
+              <a:t>acomplamiento</a:t>
+            </a:r>
+            <a:r>
+              <a:rPr lang="es-PE" sz="1200" dirty="0" smtClean="0"/>
+              <a:t> entre la clase padre y las subclases; las subclases deben conocer muchos detalles de implementación de la clase padre. Cuando</a:t>
+            </a:r>
+            <a:r>
+              <a:rPr lang="es-PE" sz="1200" baseline="0" dirty="0" smtClean="0"/>
+              <a:t> se hace herencia, las hijas conocen todos los métodos de la padre, mientras que en la composición solo uno o algunos.</a:t>
+            </a:r>
+          </a:p>
+          <a:p>
+            <a:pPr marL="0" marR="0" indent="0" algn="l" defTabSz="914400" rtl="0" eaLnBrk="1" fontAlgn="auto" latinLnBrk="0" hangingPunct="1">
+              <a:lnSpc>
+                <a:spcPct val="100000"/>
+              </a:lnSpc>
+              <a:spcBef>
+                <a:spcPts val="0"/>
+              </a:spcBef>
+              <a:spcAft>
+                <a:spcPts val="0"/>
+              </a:spcAft>
+              <a:buClrTx/>
+              <a:buSzTx/>
+              <a:buFontTx/>
+              <a:buNone/>
+              <a:tabLst/>
+              <a:defRPr/>
+            </a:pPr>
+            <a:endParaRPr lang="en-US" sz="1200" kern="1200" dirty="0" smtClean="0">
+              <a:solidFill>
+                <a:schemeClr val="tx1"/>
+              </a:solidFill>
+              <a:latin typeface="+mn-lt"/>
+              <a:ea typeface="+mn-ea"/>
+              <a:cs typeface="+mn-cs"/>
+            </a:endParaRPr>
+          </a:p>
+          <a:p>
+            <a:pPr marL="0" marR="0" indent="0" algn="l" defTabSz="914400" rtl="0" eaLnBrk="1" fontAlgn="auto" latinLnBrk="0" hangingPunct="1">
+              <a:lnSpc>
+                <a:spcPct val="100000"/>
+              </a:lnSpc>
+              <a:spcBef>
+                <a:spcPts val="0"/>
+              </a:spcBef>
+              <a:spcAft>
+                <a:spcPts val="0"/>
+              </a:spcAft>
+              <a:buClrTx/>
+              <a:buSzTx/>
+              <a:buFontTx/>
+              <a:buNone/>
+              <a:tabLst/>
+              <a:defRPr/>
+            </a:pPr>
+            <a:r>
+              <a:rPr lang="en-US" sz="1200" b="0" i="0" kern="1200" dirty="0" smtClean="0">
+                <a:solidFill>
+                  <a:schemeClr val="tx1"/>
+                </a:solidFill>
+                <a:effectLst/>
+                <a:latin typeface="+mn-lt"/>
+                <a:ea typeface="+mn-ea"/>
+                <a:cs typeface="+mn-cs"/>
+              </a:rPr>
+              <a:t>I believe that the more you start to develop using design patterns, you'll find more and more often where composition is going to be favored over inheritance. I actually believe in the </a:t>
+            </a:r>
+            <a:r>
+              <a:rPr lang="en-US" sz="1200" b="1" i="0" kern="1200" dirty="0" smtClean="0">
+                <a:solidFill>
+                  <a:schemeClr val="tx1"/>
+                </a:solidFill>
+                <a:effectLst/>
+                <a:latin typeface="+mn-lt"/>
+                <a:ea typeface="+mn-ea"/>
+                <a:cs typeface="+mn-cs"/>
+              </a:rPr>
+              <a:t>Head First: Design Patterns</a:t>
+            </a:r>
+            <a:r>
+              <a:rPr lang="en-US" sz="1200" b="0" i="0" kern="1200" dirty="0" smtClean="0">
+                <a:solidFill>
+                  <a:schemeClr val="tx1"/>
+                </a:solidFill>
+                <a:effectLst/>
+                <a:latin typeface="+mn-lt"/>
+                <a:ea typeface="+mn-ea"/>
+                <a:cs typeface="+mn-cs"/>
+              </a:rPr>
+              <a:t> book that "</a:t>
+            </a:r>
+            <a:r>
+              <a:rPr lang="en-US" sz="1200" b="0" i="1" kern="1200" dirty="0" smtClean="0">
+                <a:solidFill>
+                  <a:schemeClr val="tx1"/>
+                </a:solidFill>
+                <a:effectLst/>
+                <a:latin typeface="+mn-lt"/>
+                <a:ea typeface="+mn-ea"/>
+                <a:cs typeface="+mn-cs"/>
+              </a:rPr>
+              <a:t>Favor Composition Over Inheritance</a:t>
+            </a:r>
+            <a:r>
+              <a:rPr lang="en-US" sz="1200" b="0" i="0" kern="1200" dirty="0" smtClean="0">
+                <a:solidFill>
+                  <a:schemeClr val="tx1"/>
+                </a:solidFill>
+                <a:effectLst/>
+                <a:latin typeface="+mn-lt"/>
+                <a:ea typeface="+mn-ea"/>
+                <a:cs typeface="+mn-cs"/>
+              </a:rPr>
+              <a:t>" is one of the primary design principles.</a:t>
+            </a:r>
+            <a:endParaRPr lang="es-PE" sz="1200" dirty="0" smtClean="0"/>
+          </a:p>
+          <a:p>
+            <a:pPr marL="0" marR="0" indent="0" algn="l" defTabSz="914400" rtl="0" eaLnBrk="1" fontAlgn="auto" latinLnBrk="0" hangingPunct="1">
+              <a:lnSpc>
+                <a:spcPct val="100000"/>
+              </a:lnSpc>
+              <a:spcBef>
+                <a:spcPts val="0"/>
+              </a:spcBef>
+              <a:spcAft>
+                <a:spcPts val="0"/>
+              </a:spcAft>
+              <a:buClrTx/>
+              <a:buSzTx/>
+              <a:buFontTx/>
+              <a:buNone/>
+              <a:tabLst/>
+              <a:defRPr/>
+            </a:pPr>
+            <a:endParaRPr lang="en-US" sz="1200" kern="1200" dirty="0" smtClean="0">
+              <a:solidFill>
+                <a:schemeClr val="tx1"/>
+              </a:solidFill>
+              <a:latin typeface="+mn-lt"/>
+              <a:ea typeface="+mn-ea"/>
+              <a:cs typeface="+mn-cs"/>
+            </a:endParaRPr>
+          </a:p>
+          <a:p>
+            <a:pPr marL="0" marR="0" indent="0" algn="l" defTabSz="914400" rtl="0" eaLnBrk="1" fontAlgn="auto" latinLnBrk="0" hangingPunct="1">
+              <a:lnSpc>
+                <a:spcPct val="100000"/>
+              </a:lnSpc>
+              <a:spcBef>
+                <a:spcPts val="0"/>
+              </a:spcBef>
+              <a:spcAft>
+                <a:spcPts val="0"/>
+              </a:spcAft>
+              <a:buClrTx/>
+              <a:buSzTx/>
+              <a:buFontTx/>
+              <a:buNone/>
+              <a:tabLst/>
+              <a:defRPr/>
+            </a:pPr>
+            <a:endParaRPr lang="en-US" sz="1200" kern="1200" dirty="0" smtClean="0">
+              <a:solidFill>
+                <a:schemeClr val="tx1"/>
+              </a:solidFill>
+              <a:latin typeface="+mn-lt"/>
+              <a:ea typeface="+mn-ea"/>
+              <a:cs typeface="+mn-cs"/>
+            </a:endParaRPr>
+          </a:p>
+          <a:p>
+            <a:r>
+              <a:rPr lang="en-US" sz="1200" b="0" i="0" kern="1200" dirty="0" smtClean="0">
+                <a:solidFill>
+                  <a:schemeClr val="tx1"/>
+                </a:solidFill>
+                <a:effectLst/>
+                <a:latin typeface="+mn-lt"/>
+                <a:ea typeface="+mn-ea"/>
+                <a:cs typeface="+mn-cs"/>
+              </a:rPr>
+              <a:t>At run-time you can not chose a different inheritance, but you can chose a different composition, this is important for tests as we want to test thing in isolation.</a:t>
+            </a:r>
+            <a:endParaRPr lang="en-US" sz="1200" kern="1200" dirty="0" smtClean="0">
+              <a:solidFill>
+                <a:schemeClr val="tx1"/>
+              </a:solidFill>
+              <a:latin typeface="+mn-lt"/>
+              <a:ea typeface="+mn-ea"/>
+              <a:cs typeface="+mn-cs"/>
+            </a:endParaRPr>
           </a:p>
         </p:txBody>
       </p:sp>
@@ -8541,7 +8541,8 @@
           <a:bodyPr/>
           <a:lstStyle/>
           <a:p>
-            <a:endParaRPr lang="es-PE" dirty="0"/>
+            <a:pPr rtl="0"/>
+            <a:endParaRPr lang="es-PE" dirty="0" smtClean="0"/>
           </a:p>
         </p:txBody>
       </p:sp>
@@ -8563,6 +8564,90 @@
             <a:fld id="{80C14895-23C8-45AE-85D5-3B35E5980A68}" type="slidenum">
               <a:rPr lang="es-PE" smtClean="0"/>
               <a:t>50</a:t>
+            </a:fld>
+            <a:endParaRPr lang="es-PE"/>
+          </a:p>
+        </p:txBody>
+      </p:sp>
+    </p:spTree>
+    <p:extLst>
+      <p:ext uri="{BB962C8B-B14F-4D97-AF65-F5344CB8AC3E}">
+        <p14:creationId xmlns:p14="http://schemas.microsoft.com/office/powerpoint/2010/main" val="3432092158"/>
+      </p:ext>
+    </p:extLst>
+  </p:cSld>
+  <p:clrMapOvr>
+    <a:masterClrMapping/>
+  </p:clrMapOvr>
+</p:notes>
+</file>
+
+<file path=ppt/notesSlides/notesSlide51.xml><?xml version="1.0" encoding="utf-8"?>
+<p:notes xmlns:a="http://schemas.openxmlformats.org/drawingml/2006/main" xmlns:r="http://schemas.openxmlformats.org/officeDocument/2006/relationships" xmlns:p="http://schemas.openxmlformats.org/presentationml/2006/main">
+  <p:cSld>
+    <p:spTree>
+      <p:nvGrpSpPr>
+        <p:cNvPr id="1" name=""/>
+        <p:cNvGrpSpPr/>
+        <p:nvPr/>
+      </p:nvGrpSpPr>
+      <p:grpSpPr>
+        <a:xfrm>
+          <a:off x="0" y="0"/>
+          <a:ext cx="0" cy="0"/>
+          <a:chOff x="0" y="0"/>
+          <a:chExt cx="0" cy="0"/>
+        </a:xfrm>
+      </p:grpSpPr>
+      <p:sp>
+        <p:nvSpPr>
+          <p:cNvPr id="2" name="1 Marcador de imagen de diapositiva"/>
+          <p:cNvSpPr>
+            <a:spLocks noGrp="1" noRot="1" noChangeAspect="1"/>
+          </p:cNvSpPr>
+          <p:nvPr>
+            <p:ph type="sldImg"/>
+          </p:nvPr>
+        </p:nvSpPr>
+        <p:spPr/>
+      </p:sp>
+      <p:sp>
+        <p:nvSpPr>
+          <p:cNvPr id="3" name="2 Marcador de notas"/>
+          <p:cNvSpPr>
+            <a:spLocks noGrp="1"/>
+          </p:cNvSpPr>
+          <p:nvPr>
+            <p:ph type="body" idx="1"/>
+          </p:nvPr>
+        </p:nvSpPr>
+        <p:spPr/>
+        <p:txBody>
+          <a:bodyPr/>
+          <a:lstStyle/>
+          <a:p>
+            <a:endParaRPr lang="es-PE" dirty="0"/>
+          </a:p>
+        </p:txBody>
+      </p:sp>
+      <p:sp>
+        <p:nvSpPr>
+          <p:cNvPr id="4" name="3 Marcador de número de diapositiva"/>
+          <p:cNvSpPr>
+            <a:spLocks noGrp="1"/>
+          </p:cNvSpPr>
+          <p:nvPr>
+            <p:ph type="sldNum" sz="quarter" idx="10"/>
+          </p:nvPr>
+        </p:nvSpPr>
+        <p:spPr/>
+        <p:txBody>
+          <a:bodyPr/>
+          <a:lstStyle/>
+          <a:p>
+            <a:fld id="{80C14895-23C8-45AE-85D5-3B35E5980A68}" type="slidenum">
+              <a:rPr lang="es-PE" smtClean="0"/>
+              <a:t>51</a:t>
             </a:fld>
             <a:endParaRPr lang="es-PE"/>
           </a:p>
@@ -9310,7 +9395,7 @@
             <a:fld id="{807CB568-C05F-482F-9F26-AA302B8892DF}" type="datetimeFigureOut">
               <a:rPr lang="es-ES" smtClean="0"/>
               <a:pPr/>
-              <a:t>09/11/2012</a:t>
+              <a:t>26/01/2013</a:t>
             </a:fld>
             <a:endParaRPr lang="es-ES"/>
           </a:p>
@@ -9489,7 +9574,7 @@
             <a:fld id="{807CB568-C05F-482F-9F26-AA302B8892DF}" type="datetimeFigureOut">
               <a:rPr lang="es-ES" smtClean="0"/>
               <a:pPr/>
-              <a:t>09/11/2012</a:t>
+              <a:t>26/01/2013</a:t>
             </a:fld>
             <a:endParaRPr lang="es-ES"/>
           </a:p>
@@ -9678,7 +9763,7 @@
             <a:fld id="{807CB568-C05F-482F-9F26-AA302B8892DF}" type="datetimeFigureOut">
               <a:rPr lang="es-ES" smtClean="0"/>
               <a:pPr/>
-              <a:t>09/11/2012</a:t>
+              <a:t>26/01/2013</a:t>
             </a:fld>
             <a:endParaRPr lang="es-ES"/>
           </a:p>
@@ -9857,7 +9942,7 @@
             <a:fld id="{807CB568-C05F-482F-9F26-AA302B8892DF}" type="datetimeFigureOut">
               <a:rPr lang="es-ES" smtClean="0"/>
               <a:pPr/>
-              <a:t>09/11/2012</a:t>
+              <a:t>26/01/2013</a:t>
             </a:fld>
             <a:endParaRPr lang="es-ES"/>
           </a:p>
@@ -10112,7 +10197,7 @@
             <a:fld id="{807CB568-C05F-482F-9F26-AA302B8892DF}" type="datetimeFigureOut">
               <a:rPr lang="es-ES" smtClean="0"/>
               <a:pPr/>
-              <a:t>09/11/2012</a:t>
+              <a:t>26/01/2013</a:t>
             </a:fld>
             <a:endParaRPr lang="es-ES"/>
           </a:p>
@@ -10409,7 +10494,7 @@
             <a:fld id="{807CB568-C05F-482F-9F26-AA302B8892DF}" type="datetimeFigureOut">
               <a:rPr lang="es-ES" smtClean="0"/>
               <a:pPr/>
-              <a:t>09/11/2012</a:t>
+              <a:t>26/01/2013</a:t>
             </a:fld>
             <a:endParaRPr lang="es-ES"/>
           </a:p>
@@ -10840,7 +10925,7 @@
             <a:fld id="{807CB568-C05F-482F-9F26-AA302B8892DF}" type="datetimeFigureOut">
               <a:rPr lang="es-ES" smtClean="0"/>
               <a:pPr/>
-              <a:t>09/11/2012</a:t>
+              <a:t>26/01/2013</a:t>
             </a:fld>
             <a:endParaRPr lang="es-ES"/>
           </a:p>
@@ -10967,7 +11052,7 @@
             <a:fld id="{807CB568-C05F-482F-9F26-AA302B8892DF}" type="datetimeFigureOut">
               <a:rPr lang="es-ES" smtClean="0"/>
               <a:pPr/>
-              <a:t>09/11/2012</a:t>
+              <a:t>26/01/2013</a:t>
             </a:fld>
             <a:endParaRPr lang="es-ES"/>
           </a:p>
@@ -11071,7 +11156,7 @@
             <a:fld id="{807CB568-C05F-482F-9F26-AA302B8892DF}" type="datetimeFigureOut">
               <a:rPr lang="es-ES" smtClean="0"/>
               <a:pPr/>
-              <a:t>09/11/2012</a:t>
+              <a:t>26/01/2013</a:t>
             </a:fld>
             <a:endParaRPr lang="es-ES"/>
           </a:p>
@@ -11357,7 +11442,7 @@
             <a:fld id="{807CB568-C05F-482F-9F26-AA302B8892DF}" type="datetimeFigureOut">
               <a:rPr lang="es-ES" smtClean="0"/>
               <a:pPr/>
-              <a:t>09/11/2012</a:t>
+              <a:t>26/01/2013</a:t>
             </a:fld>
             <a:endParaRPr lang="es-ES"/>
           </a:p>
@@ -11626,7 +11711,7 @@
             <a:fld id="{807CB568-C05F-482F-9F26-AA302B8892DF}" type="datetimeFigureOut">
               <a:rPr lang="es-ES" smtClean="0"/>
               <a:pPr/>
-              <a:t>09/11/2012</a:t>
+              <a:t>26/01/2013</a:t>
             </a:fld>
             <a:endParaRPr lang="es-ES"/>
           </a:p>
@@ -11877,7 +11962,7 @@
             <a:fld id="{807CB568-C05F-482F-9F26-AA302B8892DF}" type="datetimeFigureOut">
               <a:rPr lang="es-ES" smtClean="0"/>
               <a:pPr/>
-              <a:t>09/11/2012</a:t>
+              <a:t>26/01/2013</a:t>
             </a:fld>
             <a:endParaRPr lang="es-ES"/>
           </a:p>
@@ -20590,6 +20675,461 @@
           <a:chExt cx="0" cy="0"/>
         </a:xfrm>
       </p:grpSpPr>
+      <p:pic>
+        <p:nvPicPr>
+          <p:cNvPr id="2051" name="Picture 3" descr="C:\Users\Snahider\Desktop\FullStack.png"/>
+          <p:cNvPicPr>
+            <a:picLocks noChangeAspect="1" noChangeArrowheads="1"/>
+          </p:cNvPicPr>
+          <p:nvPr/>
+        </p:nvPicPr>
+        <p:blipFill rotWithShape="1">
+          <a:blip r:embed="rId3">
+            <a:extLst>
+              <a:ext uri="{28A0092B-C50C-407E-A947-70E740481C1C}">
+                <a14:useLocalDpi xmlns:a14="http://schemas.microsoft.com/office/drawing/2010/main" val="0"/>
+              </a:ext>
+            </a:extLst>
+          </a:blip>
+          <a:srcRect b="2424"/>
+          <a:stretch/>
+        </p:blipFill>
+        <p:spPr bwMode="auto">
+          <a:xfrm>
+            <a:off x="0" y="1116178"/>
+            <a:ext cx="9144000" cy="5481174"/>
+          </a:xfrm>
+          <a:prstGeom prst="rect">
+            <a:avLst/>
+          </a:prstGeom>
+          <a:noFill/>
+          <a:extLst>
+            <a:ext uri="{909E8E84-426E-40DD-AFC4-6F175D3DCCD1}">
+              <a14:hiddenFill xmlns:a14="http://schemas.microsoft.com/office/drawing/2010/main">
+                <a:solidFill>
+                  <a:srgbClr val="FFFFFF"/>
+                </a:solidFill>
+              </a14:hiddenFill>
+            </a:ext>
+          </a:extLst>
+        </p:spPr>
+      </p:pic>
+      <p:sp>
+        <p:nvSpPr>
+          <p:cNvPr id="11" name="2 Título"/>
+          <p:cNvSpPr>
+            <a:spLocks noGrp="1"/>
+          </p:cNvSpPr>
+          <p:nvPr>
+            <p:ph type="title"/>
+          </p:nvPr>
+        </p:nvSpPr>
+        <p:spPr>
+          <a:xfrm>
+            <a:off x="457200" y="188640"/>
+            <a:ext cx="8229600" cy="792088"/>
+          </a:xfrm>
+        </p:spPr>
+        <p:txBody>
+          <a:bodyPr/>
+          <a:lstStyle/>
+          <a:p>
+            <a:r>
+              <a:rPr lang="es-PE" dirty="0" smtClean="0">
+                <a:solidFill>
+                  <a:srgbClr val="00823B"/>
+                </a:solidFill>
+              </a:rPr>
+              <a:t>¿Dónde aplicar Mocking</a:t>
+            </a:r>
+            <a:r>
+              <a:rPr lang="en-US" dirty="0" smtClean="0">
+                <a:solidFill>
+                  <a:srgbClr val="00823B"/>
+                </a:solidFill>
+              </a:rPr>
+              <a:t>?</a:t>
+            </a:r>
+            <a:endParaRPr lang="es-PE" dirty="0">
+              <a:solidFill>
+                <a:srgbClr val="00823B"/>
+              </a:solidFill>
+            </a:endParaRPr>
+          </a:p>
+        </p:txBody>
+      </p:sp>
+      <p:sp>
+        <p:nvSpPr>
+          <p:cNvPr id="7" name="6 Rectángulo redondeado"/>
+          <p:cNvSpPr/>
+          <p:nvPr/>
+        </p:nvSpPr>
+        <p:spPr>
+          <a:xfrm>
+            <a:off x="1459737" y="2765011"/>
+            <a:ext cx="3672000" cy="864000"/>
+          </a:xfrm>
+          <a:prstGeom prst="roundRect">
+            <a:avLst/>
+          </a:prstGeom>
+          <a:noFill/>
+          <a:ln w="101600">
+            <a:solidFill>
+              <a:srgbClr val="C00000"/>
+            </a:solidFill>
+            <a:prstDash val="solid"/>
+          </a:ln>
+        </p:spPr>
+        <p:style>
+          <a:lnRef idx="2">
+            <a:schemeClr val="accent2"/>
+          </a:lnRef>
+          <a:fillRef idx="1">
+            <a:schemeClr val="lt1"/>
+          </a:fillRef>
+          <a:effectRef idx="0">
+            <a:schemeClr val="accent2"/>
+          </a:effectRef>
+          <a:fontRef idx="minor">
+            <a:schemeClr val="dk1"/>
+          </a:fontRef>
+        </p:style>
+        <p:txBody>
+          <a:bodyPr rtlCol="0" anchor="ctr"/>
+          <a:lstStyle/>
+          <a:p>
+            <a:pPr algn="ctr"/>
+            <a:endParaRPr lang="es-PE">
+              <a:solidFill>
+                <a:schemeClr val="dk1"/>
+              </a:solidFill>
+            </a:endParaRPr>
+          </a:p>
+        </p:txBody>
+      </p:sp>
+      <p:sp>
+        <p:nvSpPr>
+          <p:cNvPr id="12" name="11 CuadroTexto"/>
+          <p:cNvSpPr txBox="1"/>
+          <p:nvPr/>
+        </p:nvSpPr>
+        <p:spPr>
+          <a:xfrm>
+            <a:off x="5581780" y="1397094"/>
+            <a:ext cx="3347864" cy="1815882"/>
+          </a:xfrm>
+          <a:prstGeom prst="rect">
+            <a:avLst/>
+          </a:prstGeom>
+          <a:noFill/>
+        </p:spPr>
+        <p:txBody>
+          <a:bodyPr wrap="square" rtlCol="0">
+            <a:spAutoFit/>
+          </a:bodyPr>
+          <a:lstStyle/>
+          <a:p>
+            <a:pPr algn="ctr"/>
+            <a:r>
+              <a:rPr lang="es-PE" sz="2800" b="1" dirty="0" smtClean="0">
+                <a:solidFill>
+                  <a:srgbClr val="C00000"/>
+                </a:solidFill>
+              </a:rPr>
+              <a:t>Clases con dependencias que necesiten probarse unitariamente.</a:t>
+            </a:r>
+            <a:endParaRPr lang="es-PE" sz="2800" b="1" dirty="0">
+              <a:solidFill>
+                <a:srgbClr val="C00000"/>
+              </a:solidFill>
+            </a:endParaRPr>
+          </a:p>
+        </p:txBody>
+      </p:sp>
+      <p:sp>
+        <p:nvSpPr>
+          <p:cNvPr id="6" name="5 Rectángulo redondeado"/>
+          <p:cNvSpPr/>
+          <p:nvPr/>
+        </p:nvSpPr>
+        <p:spPr>
+          <a:xfrm>
+            <a:off x="1459737" y="4077072"/>
+            <a:ext cx="3672000" cy="864000"/>
+          </a:xfrm>
+          <a:prstGeom prst="roundRect">
+            <a:avLst/>
+          </a:prstGeom>
+          <a:noFill/>
+          <a:ln w="76200">
+            <a:solidFill>
+              <a:srgbClr val="C00000"/>
+            </a:solidFill>
+            <a:prstDash val="sysDot"/>
+          </a:ln>
+        </p:spPr>
+        <p:style>
+          <a:lnRef idx="2">
+            <a:schemeClr val="accent2"/>
+          </a:lnRef>
+          <a:fillRef idx="1">
+            <a:schemeClr val="lt1"/>
+          </a:fillRef>
+          <a:effectRef idx="0">
+            <a:schemeClr val="accent2"/>
+          </a:effectRef>
+          <a:fontRef idx="minor">
+            <a:schemeClr val="dk1"/>
+          </a:fontRef>
+        </p:style>
+        <p:txBody>
+          <a:bodyPr rtlCol="0" anchor="ctr"/>
+          <a:lstStyle/>
+          <a:p>
+            <a:pPr algn="ctr"/>
+            <a:endParaRPr lang="es-PE">
+              <a:solidFill>
+                <a:schemeClr val="dk1"/>
+              </a:solidFill>
+            </a:endParaRPr>
+          </a:p>
+        </p:txBody>
+      </p:sp>
+      <p:cxnSp>
+        <p:nvCxnSpPr>
+          <p:cNvPr id="3" name="2 Conector recto de flecha"/>
+          <p:cNvCxnSpPr/>
+          <p:nvPr/>
+        </p:nvCxnSpPr>
+        <p:spPr>
+          <a:xfrm>
+            <a:off x="3278152" y="3629011"/>
+            <a:ext cx="0" cy="448061"/>
+          </a:xfrm>
+          <a:prstGeom prst="straightConnector1">
+            <a:avLst/>
+          </a:prstGeom>
+          <a:ln w="57150">
+            <a:solidFill>
+              <a:srgbClr val="C00000"/>
+            </a:solidFill>
+            <a:tailEnd type="arrow"/>
+          </a:ln>
+        </p:spPr>
+        <p:style>
+          <a:lnRef idx="1">
+            <a:schemeClr val="accent1"/>
+          </a:lnRef>
+          <a:fillRef idx="0">
+            <a:schemeClr val="accent1"/>
+          </a:fillRef>
+          <a:effectRef idx="0">
+            <a:schemeClr val="accent1"/>
+          </a:effectRef>
+          <a:fontRef idx="minor">
+            <a:schemeClr val="tx1"/>
+          </a:fontRef>
+        </p:style>
+      </p:cxnSp>
+    </p:spTree>
+    <p:extLst>
+      <p:ext uri="{BB962C8B-B14F-4D97-AF65-F5344CB8AC3E}">
+        <p14:creationId xmlns:p14="http://schemas.microsoft.com/office/powerpoint/2010/main" val="3840242865"/>
+      </p:ext>
+    </p:extLst>
+  </p:cSld>
+  <p:clrMapOvr>
+    <a:masterClrMapping/>
+  </p:clrMapOvr>
+  <mc:AlternateContent xmlns:mc="http://schemas.openxmlformats.org/markup-compatibility/2006" xmlns:p14="http://schemas.microsoft.com/office/powerpoint/2010/main">
+    <mc:Choice Requires="p14">
+      <p:transition spd="slow" p14:dur="2000"/>
+    </mc:Choice>
+    <mc:Fallback xmlns="">
+      <p:transition spd="slow"/>
+    </mc:Fallback>
+  </mc:AlternateContent>
+  <p:timing>
+    <p:tnLst>
+      <p:par>
+        <p:cTn id="1" dur="indefinite" restart="never" nodeType="tmRoot">
+          <p:childTnLst>
+            <p:seq concurrent="1" nextAc="seek">
+              <p:cTn id="2" dur="indefinite" nodeType="mainSeq">
+                <p:childTnLst>
+                  <p:par>
+                    <p:cTn id="3" fill="hold">
+                      <p:stCondLst>
+                        <p:cond delay="indefinite"/>
+                      </p:stCondLst>
+                      <p:childTnLst>
+                        <p:par>
+                          <p:cTn id="4" fill="hold">
+                            <p:stCondLst>
+                              <p:cond delay="0"/>
+                            </p:stCondLst>
+                            <p:childTnLst>
+                              <p:par>
+                                <p:cTn id="5" presetID="1" presetClass="entr" presetSubtype="0" fill="hold" grpId="0" nodeType="clickEffect">
+                                  <p:stCondLst>
+                                    <p:cond delay="0"/>
+                                  </p:stCondLst>
+                                  <p:childTnLst>
+                                    <p:set>
+                                      <p:cBhvr>
+                                        <p:cTn id="6" dur="1" fill="hold">
+                                          <p:stCondLst>
+                                            <p:cond delay="0"/>
+                                          </p:stCondLst>
+                                        </p:cTn>
+                                        <p:tgtEl>
+                                          <p:spTgt spid="7"/>
+                                        </p:tgtEl>
+                                        <p:attrNameLst>
+                                          <p:attrName>style.visibility</p:attrName>
+                                        </p:attrNameLst>
+                                      </p:cBhvr>
+                                      <p:to>
+                                        <p:strVal val="visible"/>
+                                      </p:to>
+                                    </p:set>
+                                  </p:childTnLst>
+                                </p:cTn>
+                              </p:par>
+                              <p:par>
+                                <p:cTn id="7" presetID="1" presetClass="entr" presetSubtype="0" fill="hold" grpId="0" nodeType="withEffect">
+                                  <p:stCondLst>
+                                    <p:cond delay="0"/>
+                                  </p:stCondLst>
+                                  <p:childTnLst>
+                                    <p:set>
+                                      <p:cBhvr>
+                                        <p:cTn id="8" dur="1" fill="hold">
+                                          <p:stCondLst>
+                                            <p:cond delay="0"/>
+                                          </p:stCondLst>
+                                        </p:cTn>
+                                        <p:tgtEl>
+                                          <p:spTgt spid="12"/>
+                                        </p:tgtEl>
+                                        <p:attrNameLst>
+                                          <p:attrName>style.visibility</p:attrName>
+                                        </p:attrNameLst>
+                                      </p:cBhvr>
+                                      <p:to>
+                                        <p:strVal val="visible"/>
+                                      </p:to>
+                                    </p:set>
+                                  </p:childTnLst>
+                                </p:cTn>
+                              </p:par>
+                              <p:par>
+                                <p:cTn id="9" presetID="1" presetClass="entr" presetSubtype="0" fill="hold" grpId="0" nodeType="withEffect">
+                                  <p:stCondLst>
+                                    <p:cond delay="0"/>
+                                  </p:stCondLst>
+                                  <p:childTnLst>
+                                    <p:set>
+                                      <p:cBhvr>
+                                        <p:cTn id="10" dur="1" fill="hold">
+                                          <p:stCondLst>
+                                            <p:cond delay="0"/>
+                                          </p:stCondLst>
+                                        </p:cTn>
+                                        <p:tgtEl>
+                                          <p:spTgt spid="6"/>
+                                        </p:tgtEl>
+                                        <p:attrNameLst>
+                                          <p:attrName>style.visibility</p:attrName>
+                                        </p:attrNameLst>
+                                      </p:cBhvr>
+                                      <p:to>
+                                        <p:strVal val="visible"/>
+                                      </p:to>
+                                    </p:set>
+                                  </p:childTnLst>
+                                </p:cTn>
+                              </p:par>
+                              <p:par>
+                                <p:cTn id="11" presetID="1" presetClass="entr" presetSubtype="0" fill="hold" nodeType="withEffect">
+                                  <p:stCondLst>
+                                    <p:cond delay="0"/>
+                                  </p:stCondLst>
+                                  <p:childTnLst>
+                                    <p:set>
+                                      <p:cBhvr>
+                                        <p:cTn id="12" dur="1" fill="hold">
+                                          <p:stCondLst>
+                                            <p:cond delay="0"/>
+                                          </p:stCondLst>
+                                        </p:cTn>
+                                        <p:tgtEl>
+                                          <p:spTgt spid="3"/>
+                                        </p:tgtEl>
+                                        <p:attrNameLst>
+                                          <p:attrName>style.visibility</p:attrName>
+                                        </p:attrNameLst>
+                                      </p:cBhvr>
+                                      <p:to>
+                                        <p:strVal val="visible"/>
+                                      </p:to>
+                                    </p:set>
+                                  </p:childTnLst>
+                                </p:cTn>
+                              </p:par>
+                            </p:childTnLst>
+                          </p:cTn>
+                        </p:par>
+                      </p:childTnLst>
+                    </p:cTn>
+                  </p:par>
+                </p:childTnLst>
+              </p:cTn>
+              <p:prevCondLst>
+                <p:cond evt="onPrev" delay="0">
+                  <p:tgtEl>
+                    <p:sldTgt/>
+                  </p:tgtEl>
+                </p:cond>
+              </p:prevCondLst>
+              <p:nextCondLst>
+                <p:cond evt="onNext" delay="0">
+                  <p:tgtEl>
+                    <p:sldTgt/>
+                  </p:tgtEl>
+                </p:cond>
+              </p:nextCondLst>
+            </p:seq>
+          </p:childTnLst>
+        </p:cTn>
+      </p:par>
+    </p:tnLst>
+    <p:bldLst>
+      <p:bldP spid="7" grpId="0" animBg="1"/>
+      <p:bldP spid="12" grpId="0"/>
+      <p:bldP spid="6" grpId="0" animBg="1"/>
+    </p:bldLst>
+  </p:timing>
+</p:sld>
+</file>
+
+<file path=ppt/slides/slide29.xml><?xml version="1.0" encoding="utf-8"?>
+<p:sld xmlns:a="http://schemas.openxmlformats.org/drawingml/2006/main" xmlns:r="http://schemas.openxmlformats.org/officeDocument/2006/relationships" xmlns:p="http://schemas.openxmlformats.org/presentationml/2006/main">
+  <p:cSld>
+    <p:spTree>
+      <p:nvGrpSpPr>
+        <p:cNvPr id="1" name=""/>
+        <p:cNvGrpSpPr/>
+        <p:nvPr/>
+      </p:nvGrpSpPr>
+      <p:grpSpPr>
+        <a:xfrm>
+          <a:off x="0" y="0"/>
+          <a:ext cx="0" cy="0"/>
+          <a:chOff x="0" y="0"/>
+          <a:chExt cx="0" cy="0"/>
+        </a:xfrm>
+      </p:grpSpPr>
       <p:sp>
         <p:nvSpPr>
           <p:cNvPr id="5" name="2 Título"/>
@@ -20602,7 +21142,7 @@
         </p:nvSpPr>
         <p:spPr>
           <a:xfrm>
-            <a:off x="457200" y="116632"/>
+            <a:off x="457200" y="1412776"/>
             <a:ext cx="8229600" cy="2016224"/>
           </a:xfrm>
         </p:spPr>
@@ -20651,8 +21191,8 @@
         </p:nvSpPr>
         <p:spPr bwMode="auto">
           <a:xfrm>
-            <a:off x="467544" y="2319402"/>
-            <a:ext cx="8208912" cy="3773894"/>
+            <a:off x="467544" y="3615546"/>
+            <a:ext cx="8208912" cy="1253614"/>
           </a:xfrm>
           <a:prstGeom prst="rect">
             <a:avLst/>
@@ -20825,107 +21365,40 @@
           </a:lstStyle>
           <a:p>
             <a:r>
+              <a:rPr lang="es-PE" sz="2800" dirty="0" smtClean="0"/>
+              <a:t>Utilizar </a:t>
+            </a:r>
+            <a:r>
               <a:rPr lang="es-PE" sz="2800" dirty="0" err="1" smtClean="0"/>
-              <a:t>IsEnabled</a:t>
+              <a:t>stubs</a:t>
             </a:r>
             <a:r>
               <a:rPr lang="es-PE" sz="2800" dirty="0" smtClean="0"/>
-              <a:t> debe retornar verdadero si el nivel del </a:t>
+              <a:t> y </a:t>
             </a:r>
             <a:r>
               <a:rPr lang="es-PE" sz="2800" dirty="0" err="1" smtClean="0"/>
-              <a:t>logger</a:t>
+              <a:t>mocks</a:t>
             </a:r>
             <a:r>
               <a:rPr lang="es-PE" sz="2800" dirty="0" smtClean="0"/>
-              <a:t> es INFO y el nivel del mensaje es ERROR.</a:t>
-            </a:r>
-          </a:p>
-          <a:p>
-            <a:r>
-              <a:rPr lang="es-PE" sz="2800" dirty="0" err="1"/>
-              <a:t>IsEnabled</a:t>
-            </a:r>
-            <a:r>
-              <a:rPr lang="es-PE" sz="2800" dirty="0"/>
-              <a:t> debe retornar </a:t>
+              <a:t> para realizar pruebas unitarias a la clase "</a:t>
+            </a:r>
+            <a:r>
+              <a:rPr lang="es-PE" sz="2800" dirty="0" err="1" smtClean="0"/>
+              <a:t>CostoEnvioService</a:t>
             </a:r>
             <a:r>
               <a:rPr lang="es-PE" sz="2800" dirty="0" smtClean="0"/>
-              <a:t>falso si </a:t>
-            </a:r>
-            <a:r>
-              <a:rPr lang="es-PE" sz="2800" dirty="0"/>
-              <a:t>el </a:t>
+              <a:t>" y "</a:t>
+            </a:r>
+            <a:r>
+              <a:rPr lang="es-PE" sz="2800" dirty="0" err="1" smtClean="0"/>
+              <a:t>OrdenService</a:t>
             </a:r>
             <a:r>
               <a:rPr lang="es-PE" sz="2800" dirty="0" smtClean="0"/>
-              <a:t>nivel </a:t>
-            </a:r>
-            <a:r>
-              <a:rPr lang="es-PE" sz="2800" dirty="0"/>
-              <a:t>del </a:t>
-            </a:r>
-            <a:r>
-              <a:rPr lang="es-PE" sz="2800" dirty="0" err="1" smtClean="0"/>
-              <a:t>logger</a:t>
-            </a:r>
-            <a:r>
-              <a:rPr lang="es-PE" sz="2800" dirty="0" smtClean="0"/>
-              <a:t> </a:t>
-            </a:r>
-            <a:r>
-              <a:rPr lang="es-PE" sz="2800" dirty="0"/>
-              <a:t>es INFO y el </a:t>
-            </a:r>
-            <a:r>
-              <a:rPr lang="es-PE" sz="2800" dirty="0" smtClean="0"/>
-              <a:t>nivel </a:t>
-            </a:r>
-            <a:r>
-              <a:rPr lang="es-PE" sz="2800" dirty="0"/>
-              <a:t>del mensaje es </a:t>
-            </a:r>
-            <a:r>
-              <a:rPr lang="es-PE" sz="2800" dirty="0" smtClean="0"/>
-              <a:t>DEBUG.</a:t>
-            </a:r>
-            <a:endParaRPr lang="es-PE" sz="2800" dirty="0"/>
-          </a:p>
-          <a:p>
-            <a:r>
-              <a:rPr lang="es-PE" sz="2800" dirty="0" err="1" smtClean="0"/>
-              <a:t>Write</a:t>
-            </a:r>
-            <a:r>
-              <a:rPr lang="es-PE" sz="2800" dirty="0" smtClean="0"/>
-              <a:t> </a:t>
-            </a:r>
-            <a:r>
-              <a:rPr lang="es-PE" sz="2800" dirty="0"/>
-              <a:t>debe </a:t>
-            </a:r>
-            <a:r>
-              <a:rPr lang="es-PE" sz="2800" dirty="0" smtClean="0"/>
-              <a:t>enviar un email al administrador si el nivel es ERROR.</a:t>
-            </a:r>
-          </a:p>
-          <a:p>
-            <a:r>
-              <a:rPr lang="es-PE" sz="2800" dirty="0" err="1" smtClean="0"/>
-              <a:t>Write</a:t>
-            </a:r>
-            <a:r>
-              <a:rPr lang="es-PE" sz="2800" dirty="0" smtClean="0"/>
-              <a:t> debe escribir en el archivo si el </a:t>
-            </a:r>
-            <a:r>
-              <a:rPr lang="es-PE" sz="2800" dirty="0" err="1" smtClean="0"/>
-              <a:t>logger</a:t>
-            </a:r>
-            <a:r>
-              <a:rPr lang="es-PE" sz="2800" dirty="0" smtClean="0"/>
-              <a:t> está habilitado.</a:t>
+              <a:t>"</a:t>
             </a:r>
           </a:p>
         </p:txBody>
@@ -20934,599 +21407,6 @@
     <p:extLst>
       <p:ext uri="{BB962C8B-B14F-4D97-AF65-F5344CB8AC3E}">
         <p14:creationId xmlns:p14="http://schemas.microsoft.com/office/powerpoint/2010/main" val="3006028064"/>
-      </p:ext>
-    </p:extLst>
-  </p:cSld>
-  <p:clrMapOvr>
-    <a:masterClrMapping/>
-  </p:clrMapOvr>
-  <p:timing>
-    <p:tnLst>
-      <p:par>
-        <p:cTn id="1" dur="indefinite" restart="never" nodeType="tmRoot"/>
-      </p:par>
-    </p:tnLst>
-  </p:timing>
-</p:sld>
-</file>
-
-<file path=ppt/slides/slide29.xml><?xml version="1.0" encoding="utf-8"?>
-<p:sld xmlns:a="http://schemas.openxmlformats.org/drawingml/2006/main" xmlns:r="http://schemas.openxmlformats.org/officeDocument/2006/relationships" xmlns:p="http://schemas.openxmlformats.org/presentationml/2006/main">
-  <p:cSld>
-    <p:spTree>
-      <p:nvGrpSpPr>
-        <p:cNvPr id="1" name=""/>
-        <p:cNvGrpSpPr/>
-        <p:nvPr/>
-      </p:nvGrpSpPr>
-      <p:grpSpPr>
-        <a:xfrm>
-          <a:off x="0" y="0"/>
-          <a:ext cx="0" cy="0"/>
-          <a:chOff x="0" y="0"/>
-          <a:chExt cx="0" cy="0"/>
-        </a:xfrm>
-      </p:grpSpPr>
-      <p:sp>
-        <p:nvSpPr>
-          <p:cNvPr id="3" name="2 Título"/>
-          <p:cNvSpPr>
-            <a:spLocks noGrp="1"/>
-          </p:cNvSpPr>
-          <p:nvPr>
-            <p:ph type="title"/>
-          </p:nvPr>
-        </p:nvSpPr>
-        <p:spPr>
-          <a:xfrm>
-            <a:off x="518864" y="908720"/>
-            <a:ext cx="8229600" cy="720000"/>
-          </a:xfrm>
-        </p:spPr>
-        <p:txBody>
-          <a:bodyPr/>
-          <a:lstStyle/>
-          <a:p>
-            <a:r>
-              <a:rPr lang="es-PE" dirty="0" err="1" smtClean="0">
-                <a:solidFill>
-                  <a:srgbClr val="00823B"/>
-                </a:solidFill>
-              </a:rPr>
-              <a:t>Code</a:t>
-            </a:r>
-            <a:r>
-              <a:rPr lang="es-PE" dirty="0" smtClean="0">
-                <a:solidFill>
-                  <a:srgbClr val="00823B"/>
-                </a:solidFill>
-              </a:rPr>
-              <a:t> </a:t>
-            </a:r>
-            <a:r>
-              <a:rPr lang="es-PE" dirty="0" err="1" smtClean="0">
-                <a:solidFill>
-                  <a:srgbClr val="00823B"/>
-                </a:solidFill>
-              </a:rPr>
-              <a:t>Coverage</a:t>
-            </a:r>
-            <a:endParaRPr lang="es-PE" dirty="0">
-              <a:solidFill>
-                <a:srgbClr val="00823B"/>
-              </a:solidFill>
-            </a:endParaRPr>
-          </a:p>
-        </p:txBody>
-      </p:sp>
-      <p:sp>
-        <p:nvSpPr>
-          <p:cNvPr id="6" name="5 Marcador de contenido"/>
-          <p:cNvSpPr txBox="1">
-            <a:spLocks/>
-          </p:cNvSpPr>
-          <p:nvPr/>
-        </p:nvSpPr>
-        <p:spPr bwMode="auto">
-          <a:xfrm>
-            <a:off x="565765" y="2437731"/>
-            <a:ext cx="7992888" cy="1440160"/>
-          </a:xfrm>
-          <a:prstGeom prst="rect">
-            <a:avLst/>
-          </a:prstGeom>
-          <a:noFill/>
-          <a:ln w="9525">
-            <a:noFill/>
-            <a:miter lim="800000"/>
-            <a:headEnd/>
-            <a:tailEnd/>
-          </a:ln>
-        </p:spPr>
-        <p:txBody>
-          <a:bodyPr vert="horz" wrap="square" lIns="91440" tIns="45720" rIns="91440" bIns="45720" numCol="1" anchor="t" anchorCtr="0" compatLnSpc="1">
-            <a:prstTxWarp prst="textNoShape">
-              <a:avLst/>
-            </a:prstTxWarp>
-          </a:bodyPr>
-          <a:lstStyle>
-            <a:lvl1pPr marL="342900" indent="-342900" algn="l" rtl="0" eaLnBrk="1" fontAlgn="base" hangingPunct="1">
-              <a:spcBef>
-                <a:spcPct val="20000"/>
-              </a:spcBef>
-              <a:spcAft>
-                <a:spcPct val="0"/>
-              </a:spcAft>
-              <a:buFont typeface="Arial" charset="0"/>
-              <a:buChar char="•"/>
-              <a:defRPr sz="3200" kern="1200">
-                <a:solidFill>
-                  <a:schemeClr val="tx1"/>
-                </a:solidFill>
-                <a:latin typeface="+mn-lt"/>
-                <a:ea typeface="+mn-ea"/>
-                <a:cs typeface="+mn-cs"/>
-              </a:defRPr>
-            </a:lvl1pPr>
-            <a:lvl2pPr marL="742950" indent="-285750" algn="l" rtl="0" eaLnBrk="1" fontAlgn="base" hangingPunct="1">
-              <a:spcBef>
-                <a:spcPct val="20000"/>
-              </a:spcBef>
-              <a:spcAft>
-                <a:spcPct val="0"/>
-              </a:spcAft>
-              <a:buFont typeface="Arial" charset="0"/>
-              <a:buChar char="–"/>
-              <a:defRPr sz="2800" kern="1200">
-                <a:solidFill>
-                  <a:schemeClr val="tx1"/>
-                </a:solidFill>
-                <a:latin typeface="+mn-lt"/>
-                <a:ea typeface="+mn-ea"/>
-                <a:cs typeface="+mn-cs"/>
-              </a:defRPr>
-            </a:lvl2pPr>
-            <a:lvl3pPr marL="1143000" indent="-228600" algn="l" rtl="0" eaLnBrk="1" fontAlgn="base" hangingPunct="1">
-              <a:spcBef>
-                <a:spcPct val="20000"/>
-              </a:spcBef>
-              <a:spcAft>
-                <a:spcPct val="0"/>
-              </a:spcAft>
-              <a:buFont typeface="Arial" charset="0"/>
-              <a:buChar char="•"/>
-              <a:defRPr sz="2400" kern="1200">
-                <a:solidFill>
-                  <a:schemeClr val="tx1"/>
-                </a:solidFill>
-                <a:latin typeface="+mn-lt"/>
-                <a:ea typeface="+mn-ea"/>
-                <a:cs typeface="+mn-cs"/>
-              </a:defRPr>
-            </a:lvl3pPr>
-            <a:lvl4pPr marL="1600200" indent="-228600" algn="l" rtl="0" eaLnBrk="1" fontAlgn="base" hangingPunct="1">
-              <a:spcBef>
-                <a:spcPct val="20000"/>
-              </a:spcBef>
-              <a:spcAft>
-                <a:spcPct val="0"/>
-              </a:spcAft>
-              <a:buFont typeface="Arial" charset="0"/>
-              <a:buChar char="–"/>
-              <a:defRPr sz="2000" kern="1200">
-                <a:solidFill>
-                  <a:schemeClr val="tx1"/>
-                </a:solidFill>
-                <a:latin typeface="+mn-lt"/>
-                <a:ea typeface="+mn-ea"/>
-                <a:cs typeface="+mn-cs"/>
-              </a:defRPr>
-            </a:lvl4pPr>
-            <a:lvl5pPr marL="2057400" indent="-228600" algn="l" rtl="0" eaLnBrk="1" fontAlgn="base" hangingPunct="1">
-              <a:spcBef>
-                <a:spcPct val="20000"/>
-              </a:spcBef>
-              <a:spcAft>
-                <a:spcPct val="0"/>
-              </a:spcAft>
-              <a:buFont typeface="Arial" charset="0"/>
-              <a:buChar char="»"/>
-              <a:defRPr sz="2000" kern="1200">
-                <a:solidFill>
-                  <a:schemeClr val="tx1"/>
-                </a:solidFill>
-                <a:latin typeface="+mn-lt"/>
-                <a:ea typeface="+mn-ea"/>
-                <a:cs typeface="+mn-cs"/>
-              </a:defRPr>
-            </a:lvl5pPr>
-            <a:lvl6pPr marL="2514600" indent="-228600" algn="l" defTabSz="914400" rtl="0" eaLnBrk="1" latinLnBrk="0" hangingPunct="1">
-              <a:spcBef>
-                <a:spcPct val="20000"/>
-              </a:spcBef>
-              <a:buFont typeface="Arial" pitchFamily="34" charset="0"/>
-              <a:buChar char="•"/>
-              <a:defRPr sz="2000" kern="1200">
-                <a:solidFill>
-                  <a:schemeClr val="tx1"/>
-                </a:solidFill>
-                <a:latin typeface="+mn-lt"/>
-                <a:ea typeface="+mn-ea"/>
-                <a:cs typeface="+mn-cs"/>
-              </a:defRPr>
-            </a:lvl6pPr>
-            <a:lvl7pPr marL="2971800" indent="-228600" algn="l" defTabSz="914400" rtl="0" eaLnBrk="1" latinLnBrk="0" hangingPunct="1">
-              <a:spcBef>
-                <a:spcPct val="20000"/>
-              </a:spcBef>
-              <a:buFont typeface="Arial" pitchFamily="34" charset="0"/>
-              <a:buChar char="•"/>
-              <a:defRPr sz="2000" kern="1200">
-                <a:solidFill>
-                  <a:schemeClr val="tx1"/>
-                </a:solidFill>
-                <a:latin typeface="+mn-lt"/>
-                <a:ea typeface="+mn-ea"/>
-                <a:cs typeface="+mn-cs"/>
-              </a:defRPr>
-            </a:lvl7pPr>
-            <a:lvl8pPr marL="3429000" indent="-228600" algn="l" defTabSz="914400" rtl="0" eaLnBrk="1" latinLnBrk="0" hangingPunct="1">
-              <a:spcBef>
-                <a:spcPct val="20000"/>
-              </a:spcBef>
-              <a:buFont typeface="Arial" pitchFamily="34" charset="0"/>
-              <a:buChar char="•"/>
-              <a:defRPr sz="2000" kern="1200">
-                <a:solidFill>
-                  <a:schemeClr val="tx1"/>
-                </a:solidFill>
-                <a:latin typeface="+mn-lt"/>
-                <a:ea typeface="+mn-ea"/>
-                <a:cs typeface="+mn-cs"/>
-              </a:defRPr>
-            </a:lvl8pPr>
-            <a:lvl9pPr marL="3886200" indent="-228600" algn="l" defTabSz="914400" rtl="0" eaLnBrk="1" latinLnBrk="0" hangingPunct="1">
-              <a:spcBef>
-                <a:spcPct val="20000"/>
-              </a:spcBef>
-              <a:buFont typeface="Arial" pitchFamily="34" charset="0"/>
-              <a:buChar char="•"/>
-              <a:defRPr sz="2000" kern="1200">
-                <a:solidFill>
-                  <a:schemeClr val="tx1"/>
-                </a:solidFill>
-                <a:latin typeface="+mn-lt"/>
-                <a:ea typeface="+mn-ea"/>
-                <a:cs typeface="+mn-cs"/>
-              </a:defRPr>
-            </a:lvl9pPr>
-          </a:lstStyle>
-          <a:p>
-            <a:pPr marL="0" indent="0" algn="ctr">
-              <a:buNone/>
-            </a:pPr>
-            <a:r>
-              <a:rPr lang="es-PE" sz="2800" dirty="0" smtClean="0"/>
-              <a:t>Valor cuantitativo que indica que cantidad del código ha sido ejercitada por un conjunto de casos de prueba.</a:t>
-            </a:r>
-          </a:p>
-        </p:txBody>
-      </p:sp>
-      <p:sp>
-        <p:nvSpPr>
-          <p:cNvPr id="10" name="9 Rectángulo"/>
-          <p:cNvSpPr/>
-          <p:nvPr/>
-        </p:nvSpPr>
-        <p:spPr>
-          <a:xfrm>
-            <a:off x="1071739" y="4021907"/>
-            <a:ext cx="6980940" cy="1384995"/>
-          </a:xfrm>
-          <a:prstGeom prst="rect">
-            <a:avLst/>
-          </a:prstGeom>
-        </p:spPr>
-        <p:txBody>
-          <a:bodyPr wrap="square">
-            <a:spAutoFit/>
-          </a:bodyPr>
-          <a:lstStyle/>
-          <a:p>
-            <a:pPr marL="457200" indent="-457200">
-              <a:buFont typeface="Courier New" pitchFamily="49" charset="0"/>
-              <a:buChar char="o"/>
-            </a:pPr>
-            <a:r>
-              <a:rPr lang="es-PE" sz="2800" dirty="0">
-                <a:solidFill>
-                  <a:srgbClr val="FF0000"/>
-                </a:solidFill>
-              </a:rPr>
-              <a:t>.</a:t>
-            </a:r>
-            <a:r>
-              <a:rPr lang="es-PE" sz="2800" dirty="0" smtClean="0">
-                <a:solidFill>
-                  <a:srgbClr val="FF0000"/>
-                </a:solidFill>
-              </a:rPr>
-              <a:t>NET:  </a:t>
-            </a:r>
-            <a:r>
-              <a:rPr lang="es-PE" sz="2400" dirty="0" err="1" smtClean="0"/>
-              <a:t>NCover</a:t>
-            </a:r>
-            <a:r>
-              <a:rPr lang="es-PE" sz="2400" dirty="0" smtClean="0"/>
-              <a:t>, Visual Studio, </a:t>
-            </a:r>
-            <a:r>
-              <a:rPr lang="es-PE" sz="2400" dirty="0" err="1"/>
-              <a:t>NCrunch</a:t>
-            </a:r>
-            <a:r>
-              <a:rPr lang="es-PE" sz="2400" dirty="0"/>
-              <a:t>, </a:t>
-            </a:r>
-            <a:r>
-              <a:rPr lang="es-PE" sz="2400" dirty="0" err="1"/>
-              <a:t>OpenCover</a:t>
-            </a:r>
-            <a:endParaRPr lang="es-PE" sz="2400" dirty="0" smtClean="0"/>
-          </a:p>
-          <a:p>
-            <a:pPr marL="457200" indent="-457200">
-              <a:buFont typeface="Courier New" pitchFamily="49" charset="0"/>
-              <a:buChar char="o"/>
-            </a:pPr>
-            <a:r>
-              <a:rPr lang="es-PE" sz="2800" dirty="0" smtClean="0">
-                <a:solidFill>
-                  <a:srgbClr val="FF0000"/>
-                </a:solidFill>
-              </a:rPr>
-              <a:t>Java:  </a:t>
-            </a:r>
-            <a:r>
-              <a:rPr lang="es-PE" sz="2400" dirty="0" err="1" smtClean="0"/>
-              <a:t>Clover</a:t>
-            </a:r>
-            <a:r>
-              <a:rPr lang="es-PE" sz="2400" dirty="0" smtClean="0"/>
-              <a:t>, EMMA, Cobertura</a:t>
-            </a:r>
-          </a:p>
-          <a:p>
-            <a:pPr marL="457200" indent="-457200">
-              <a:buFont typeface="Courier New" pitchFamily="49" charset="0"/>
-              <a:buChar char="o"/>
-            </a:pPr>
-            <a:r>
-              <a:rPr lang="es-PE" sz="2800" dirty="0" smtClean="0">
-                <a:solidFill>
-                  <a:srgbClr val="FF0000"/>
-                </a:solidFill>
-              </a:rPr>
-              <a:t>Ruby</a:t>
-            </a:r>
-            <a:r>
-              <a:rPr lang="es-PE" sz="2800" dirty="0">
-                <a:solidFill>
-                  <a:srgbClr val="FF0000"/>
-                </a:solidFill>
-              </a:rPr>
-              <a:t>: </a:t>
-            </a:r>
-            <a:r>
-              <a:rPr lang="es-PE" sz="2400" dirty="0" err="1" smtClean="0"/>
-              <a:t>RCov</a:t>
-            </a:r>
-            <a:endParaRPr lang="es-PE" sz="2400" dirty="0"/>
-          </a:p>
-        </p:txBody>
-      </p:sp>
-      <p:sp>
-        <p:nvSpPr>
-          <p:cNvPr id="11" name="5 Marcador de contenido"/>
-          <p:cNvSpPr txBox="1">
-            <a:spLocks/>
-          </p:cNvSpPr>
-          <p:nvPr/>
-        </p:nvSpPr>
-        <p:spPr bwMode="auto">
-          <a:xfrm>
-            <a:off x="565767" y="1772816"/>
-            <a:ext cx="7992888" cy="576064"/>
-          </a:xfrm>
-          <a:prstGeom prst="rect">
-            <a:avLst/>
-          </a:prstGeom>
-          <a:noFill/>
-          <a:ln w="9525">
-            <a:noFill/>
-            <a:miter lim="800000"/>
-            <a:headEnd/>
-            <a:tailEnd/>
-          </a:ln>
-        </p:spPr>
-        <p:txBody>
-          <a:bodyPr vert="horz" wrap="square" lIns="91440" tIns="45720" rIns="91440" bIns="45720" numCol="1" anchor="t" anchorCtr="0" compatLnSpc="1">
-            <a:prstTxWarp prst="textNoShape">
-              <a:avLst/>
-            </a:prstTxWarp>
-          </a:bodyPr>
-          <a:lstStyle>
-            <a:lvl1pPr marL="342900" indent="-342900" algn="l" rtl="0" eaLnBrk="1" fontAlgn="base" hangingPunct="1">
-              <a:spcBef>
-                <a:spcPct val="20000"/>
-              </a:spcBef>
-              <a:spcAft>
-                <a:spcPct val="0"/>
-              </a:spcAft>
-              <a:buFont typeface="Arial" charset="0"/>
-              <a:buChar char="•"/>
-              <a:defRPr sz="3200" kern="1200">
-                <a:solidFill>
-                  <a:schemeClr val="tx1"/>
-                </a:solidFill>
-                <a:latin typeface="+mn-lt"/>
-                <a:ea typeface="+mn-ea"/>
-                <a:cs typeface="+mn-cs"/>
-              </a:defRPr>
-            </a:lvl1pPr>
-            <a:lvl2pPr marL="742950" indent="-285750" algn="l" rtl="0" eaLnBrk="1" fontAlgn="base" hangingPunct="1">
-              <a:spcBef>
-                <a:spcPct val="20000"/>
-              </a:spcBef>
-              <a:spcAft>
-                <a:spcPct val="0"/>
-              </a:spcAft>
-              <a:buFont typeface="Arial" charset="0"/>
-              <a:buChar char="–"/>
-              <a:defRPr sz="2800" kern="1200">
-                <a:solidFill>
-                  <a:schemeClr val="tx1"/>
-                </a:solidFill>
-                <a:latin typeface="+mn-lt"/>
-                <a:ea typeface="+mn-ea"/>
-                <a:cs typeface="+mn-cs"/>
-              </a:defRPr>
-            </a:lvl2pPr>
-            <a:lvl3pPr marL="1143000" indent="-228600" algn="l" rtl="0" eaLnBrk="1" fontAlgn="base" hangingPunct="1">
-              <a:spcBef>
-                <a:spcPct val="20000"/>
-              </a:spcBef>
-              <a:spcAft>
-                <a:spcPct val="0"/>
-              </a:spcAft>
-              <a:buFont typeface="Arial" charset="0"/>
-              <a:buChar char="•"/>
-              <a:defRPr sz="2400" kern="1200">
-                <a:solidFill>
-                  <a:schemeClr val="tx1"/>
-                </a:solidFill>
-                <a:latin typeface="+mn-lt"/>
-                <a:ea typeface="+mn-ea"/>
-                <a:cs typeface="+mn-cs"/>
-              </a:defRPr>
-            </a:lvl3pPr>
-            <a:lvl4pPr marL="1600200" indent="-228600" algn="l" rtl="0" eaLnBrk="1" fontAlgn="base" hangingPunct="1">
-              <a:spcBef>
-                <a:spcPct val="20000"/>
-              </a:spcBef>
-              <a:spcAft>
-                <a:spcPct val="0"/>
-              </a:spcAft>
-              <a:buFont typeface="Arial" charset="0"/>
-              <a:buChar char="–"/>
-              <a:defRPr sz="2000" kern="1200">
-                <a:solidFill>
-                  <a:schemeClr val="tx1"/>
-                </a:solidFill>
-                <a:latin typeface="+mn-lt"/>
-                <a:ea typeface="+mn-ea"/>
-                <a:cs typeface="+mn-cs"/>
-              </a:defRPr>
-            </a:lvl4pPr>
-            <a:lvl5pPr marL="2057400" indent="-228600" algn="l" rtl="0" eaLnBrk="1" fontAlgn="base" hangingPunct="1">
-              <a:spcBef>
-                <a:spcPct val="20000"/>
-              </a:spcBef>
-              <a:spcAft>
-                <a:spcPct val="0"/>
-              </a:spcAft>
-              <a:buFont typeface="Arial" charset="0"/>
-              <a:buChar char="»"/>
-              <a:defRPr sz="2000" kern="1200">
-                <a:solidFill>
-                  <a:schemeClr val="tx1"/>
-                </a:solidFill>
-                <a:latin typeface="+mn-lt"/>
-                <a:ea typeface="+mn-ea"/>
-                <a:cs typeface="+mn-cs"/>
-              </a:defRPr>
-            </a:lvl5pPr>
-            <a:lvl6pPr marL="2514600" indent="-228600" algn="l" defTabSz="914400" rtl="0" eaLnBrk="1" latinLnBrk="0" hangingPunct="1">
-              <a:spcBef>
-                <a:spcPct val="20000"/>
-              </a:spcBef>
-              <a:buFont typeface="Arial" pitchFamily="34" charset="0"/>
-              <a:buChar char="•"/>
-              <a:defRPr sz="2000" kern="1200">
-                <a:solidFill>
-                  <a:schemeClr val="tx1"/>
-                </a:solidFill>
-                <a:latin typeface="+mn-lt"/>
-                <a:ea typeface="+mn-ea"/>
-                <a:cs typeface="+mn-cs"/>
-              </a:defRPr>
-            </a:lvl6pPr>
-            <a:lvl7pPr marL="2971800" indent="-228600" algn="l" defTabSz="914400" rtl="0" eaLnBrk="1" latinLnBrk="0" hangingPunct="1">
-              <a:spcBef>
-                <a:spcPct val="20000"/>
-              </a:spcBef>
-              <a:buFont typeface="Arial" pitchFamily="34" charset="0"/>
-              <a:buChar char="•"/>
-              <a:defRPr sz="2000" kern="1200">
-                <a:solidFill>
-                  <a:schemeClr val="tx1"/>
-                </a:solidFill>
-                <a:latin typeface="+mn-lt"/>
-                <a:ea typeface="+mn-ea"/>
-                <a:cs typeface="+mn-cs"/>
-              </a:defRPr>
-            </a:lvl7pPr>
-            <a:lvl8pPr marL="3429000" indent="-228600" algn="l" defTabSz="914400" rtl="0" eaLnBrk="1" latinLnBrk="0" hangingPunct="1">
-              <a:spcBef>
-                <a:spcPct val="20000"/>
-              </a:spcBef>
-              <a:buFont typeface="Arial" pitchFamily="34" charset="0"/>
-              <a:buChar char="•"/>
-              <a:defRPr sz="2000" kern="1200">
-                <a:solidFill>
-                  <a:schemeClr val="tx1"/>
-                </a:solidFill>
-                <a:latin typeface="+mn-lt"/>
-                <a:ea typeface="+mn-ea"/>
-                <a:cs typeface="+mn-cs"/>
-              </a:defRPr>
-            </a:lvl8pPr>
-            <a:lvl9pPr marL="3886200" indent="-228600" algn="l" defTabSz="914400" rtl="0" eaLnBrk="1" latinLnBrk="0" hangingPunct="1">
-              <a:spcBef>
-                <a:spcPct val="20000"/>
-              </a:spcBef>
-              <a:buFont typeface="Arial" pitchFamily="34" charset="0"/>
-              <a:buChar char="•"/>
-              <a:defRPr sz="2000" kern="1200">
-                <a:solidFill>
-                  <a:schemeClr val="tx1"/>
-                </a:solidFill>
-                <a:latin typeface="+mn-lt"/>
-                <a:ea typeface="+mn-ea"/>
-                <a:cs typeface="+mn-cs"/>
-              </a:defRPr>
-            </a:lvl9pPr>
-          </a:lstStyle>
-          <a:p>
-            <a:pPr marL="0" indent="0" algn="ctr">
-              <a:buNone/>
-            </a:pPr>
-            <a:r>
-              <a:rPr lang="es-PE" sz="2800" dirty="0" smtClean="0">
-                <a:solidFill>
-                  <a:srgbClr val="FFC000"/>
-                </a:solidFill>
-              </a:rPr>
-              <a:t>Métrica de calidad del software.</a:t>
-            </a:r>
-          </a:p>
-        </p:txBody>
-      </p:sp>
-    </p:spTree>
-    <p:extLst>
-      <p:ext uri="{BB962C8B-B14F-4D97-AF65-F5344CB8AC3E}">
-        <p14:creationId xmlns:p14="http://schemas.microsoft.com/office/powerpoint/2010/main" val="2934667508"/>
       </p:ext>
     </p:extLst>
   </p:cSld>
@@ -22075,6 +21955,599 @@
       </p:grpSpPr>
       <p:sp>
         <p:nvSpPr>
+          <p:cNvPr id="3" name="2 Título"/>
+          <p:cNvSpPr>
+            <a:spLocks noGrp="1"/>
+          </p:cNvSpPr>
+          <p:nvPr>
+            <p:ph type="title"/>
+          </p:nvPr>
+        </p:nvSpPr>
+        <p:spPr>
+          <a:xfrm>
+            <a:off x="518864" y="908720"/>
+            <a:ext cx="8229600" cy="720000"/>
+          </a:xfrm>
+        </p:spPr>
+        <p:txBody>
+          <a:bodyPr/>
+          <a:lstStyle/>
+          <a:p>
+            <a:r>
+              <a:rPr lang="es-PE" dirty="0" err="1" smtClean="0">
+                <a:solidFill>
+                  <a:srgbClr val="00823B"/>
+                </a:solidFill>
+              </a:rPr>
+              <a:t>Code</a:t>
+            </a:r>
+            <a:r>
+              <a:rPr lang="es-PE" dirty="0" smtClean="0">
+                <a:solidFill>
+                  <a:srgbClr val="00823B"/>
+                </a:solidFill>
+              </a:rPr>
+              <a:t> </a:t>
+            </a:r>
+            <a:r>
+              <a:rPr lang="es-PE" dirty="0" err="1" smtClean="0">
+                <a:solidFill>
+                  <a:srgbClr val="00823B"/>
+                </a:solidFill>
+              </a:rPr>
+              <a:t>Coverage</a:t>
+            </a:r>
+            <a:endParaRPr lang="es-PE" dirty="0">
+              <a:solidFill>
+                <a:srgbClr val="00823B"/>
+              </a:solidFill>
+            </a:endParaRPr>
+          </a:p>
+        </p:txBody>
+      </p:sp>
+      <p:sp>
+        <p:nvSpPr>
+          <p:cNvPr id="6" name="5 Marcador de contenido"/>
+          <p:cNvSpPr txBox="1">
+            <a:spLocks/>
+          </p:cNvSpPr>
+          <p:nvPr/>
+        </p:nvSpPr>
+        <p:spPr bwMode="auto">
+          <a:xfrm>
+            <a:off x="565765" y="2437731"/>
+            <a:ext cx="7992888" cy="1440160"/>
+          </a:xfrm>
+          <a:prstGeom prst="rect">
+            <a:avLst/>
+          </a:prstGeom>
+          <a:noFill/>
+          <a:ln w="9525">
+            <a:noFill/>
+            <a:miter lim="800000"/>
+            <a:headEnd/>
+            <a:tailEnd/>
+          </a:ln>
+        </p:spPr>
+        <p:txBody>
+          <a:bodyPr vert="horz" wrap="square" lIns="91440" tIns="45720" rIns="91440" bIns="45720" numCol="1" anchor="t" anchorCtr="0" compatLnSpc="1">
+            <a:prstTxWarp prst="textNoShape">
+              <a:avLst/>
+            </a:prstTxWarp>
+          </a:bodyPr>
+          <a:lstStyle>
+            <a:lvl1pPr marL="342900" indent="-342900" algn="l" rtl="0" eaLnBrk="1" fontAlgn="base" hangingPunct="1">
+              <a:spcBef>
+                <a:spcPct val="20000"/>
+              </a:spcBef>
+              <a:spcAft>
+                <a:spcPct val="0"/>
+              </a:spcAft>
+              <a:buFont typeface="Arial" charset="0"/>
+              <a:buChar char="•"/>
+              <a:defRPr sz="3200" kern="1200">
+                <a:solidFill>
+                  <a:schemeClr val="tx1"/>
+                </a:solidFill>
+                <a:latin typeface="+mn-lt"/>
+                <a:ea typeface="+mn-ea"/>
+                <a:cs typeface="+mn-cs"/>
+              </a:defRPr>
+            </a:lvl1pPr>
+            <a:lvl2pPr marL="742950" indent="-285750" algn="l" rtl="0" eaLnBrk="1" fontAlgn="base" hangingPunct="1">
+              <a:spcBef>
+                <a:spcPct val="20000"/>
+              </a:spcBef>
+              <a:spcAft>
+                <a:spcPct val="0"/>
+              </a:spcAft>
+              <a:buFont typeface="Arial" charset="0"/>
+              <a:buChar char="–"/>
+              <a:defRPr sz="2800" kern="1200">
+                <a:solidFill>
+                  <a:schemeClr val="tx1"/>
+                </a:solidFill>
+                <a:latin typeface="+mn-lt"/>
+                <a:ea typeface="+mn-ea"/>
+                <a:cs typeface="+mn-cs"/>
+              </a:defRPr>
+            </a:lvl2pPr>
+            <a:lvl3pPr marL="1143000" indent="-228600" algn="l" rtl="0" eaLnBrk="1" fontAlgn="base" hangingPunct="1">
+              <a:spcBef>
+                <a:spcPct val="20000"/>
+              </a:spcBef>
+              <a:spcAft>
+                <a:spcPct val="0"/>
+              </a:spcAft>
+              <a:buFont typeface="Arial" charset="0"/>
+              <a:buChar char="•"/>
+              <a:defRPr sz="2400" kern="1200">
+                <a:solidFill>
+                  <a:schemeClr val="tx1"/>
+                </a:solidFill>
+                <a:latin typeface="+mn-lt"/>
+                <a:ea typeface="+mn-ea"/>
+                <a:cs typeface="+mn-cs"/>
+              </a:defRPr>
+            </a:lvl3pPr>
+            <a:lvl4pPr marL="1600200" indent="-228600" algn="l" rtl="0" eaLnBrk="1" fontAlgn="base" hangingPunct="1">
+              <a:spcBef>
+                <a:spcPct val="20000"/>
+              </a:spcBef>
+              <a:spcAft>
+                <a:spcPct val="0"/>
+              </a:spcAft>
+              <a:buFont typeface="Arial" charset="0"/>
+              <a:buChar char="–"/>
+              <a:defRPr sz="2000" kern="1200">
+                <a:solidFill>
+                  <a:schemeClr val="tx1"/>
+                </a:solidFill>
+                <a:latin typeface="+mn-lt"/>
+                <a:ea typeface="+mn-ea"/>
+                <a:cs typeface="+mn-cs"/>
+              </a:defRPr>
+            </a:lvl4pPr>
+            <a:lvl5pPr marL="2057400" indent="-228600" algn="l" rtl="0" eaLnBrk="1" fontAlgn="base" hangingPunct="1">
+              <a:spcBef>
+                <a:spcPct val="20000"/>
+              </a:spcBef>
+              <a:spcAft>
+                <a:spcPct val="0"/>
+              </a:spcAft>
+              <a:buFont typeface="Arial" charset="0"/>
+              <a:buChar char="»"/>
+              <a:defRPr sz="2000" kern="1200">
+                <a:solidFill>
+                  <a:schemeClr val="tx1"/>
+                </a:solidFill>
+                <a:latin typeface="+mn-lt"/>
+                <a:ea typeface="+mn-ea"/>
+                <a:cs typeface="+mn-cs"/>
+              </a:defRPr>
+            </a:lvl5pPr>
+            <a:lvl6pPr marL="2514600" indent="-228600" algn="l" defTabSz="914400" rtl="0" eaLnBrk="1" latinLnBrk="0" hangingPunct="1">
+              <a:spcBef>
+                <a:spcPct val="20000"/>
+              </a:spcBef>
+              <a:buFont typeface="Arial" pitchFamily="34" charset="0"/>
+              <a:buChar char="•"/>
+              <a:defRPr sz="2000" kern="1200">
+                <a:solidFill>
+                  <a:schemeClr val="tx1"/>
+                </a:solidFill>
+                <a:latin typeface="+mn-lt"/>
+                <a:ea typeface="+mn-ea"/>
+                <a:cs typeface="+mn-cs"/>
+              </a:defRPr>
+            </a:lvl6pPr>
+            <a:lvl7pPr marL="2971800" indent="-228600" algn="l" defTabSz="914400" rtl="0" eaLnBrk="1" latinLnBrk="0" hangingPunct="1">
+              <a:spcBef>
+                <a:spcPct val="20000"/>
+              </a:spcBef>
+              <a:buFont typeface="Arial" pitchFamily="34" charset="0"/>
+              <a:buChar char="•"/>
+              <a:defRPr sz="2000" kern="1200">
+                <a:solidFill>
+                  <a:schemeClr val="tx1"/>
+                </a:solidFill>
+                <a:latin typeface="+mn-lt"/>
+                <a:ea typeface="+mn-ea"/>
+                <a:cs typeface="+mn-cs"/>
+              </a:defRPr>
+            </a:lvl7pPr>
+            <a:lvl8pPr marL="3429000" indent="-228600" algn="l" defTabSz="914400" rtl="0" eaLnBrk="1" latinLnBrk="0" hangingPunct="1">
+              <a:spcBef>
+                <a:spcPct val="20000"/>
+              </a:spcBef>
+              <a:buFont typeface="Arial" pitchFamily="34" charset="0"/>
+              <a:buChar char="•"/>
+              <a:defRPr sz="2000" kern="1200">
+                <a:solidFill>
+                  <a:schemeClr val="tx1"/>
+                </a:solidFill>
+                <a:latin typeface="+mn-lt"/>
+                <a:ea typeface="+mn-ea"/>
+                <a:cs typeface="+mn-cs"/>
+              </a:defRPr>
+            </a:lvl8pPr>
+            <a:lvl9pPr marL="3886200" indent="-228600" algn="l" defTabSz="914400" rtl="0" eaLnBrk="1" latinLnBrk="0" hangingPunct="1">
+              <a:spcBef>
+                <a:spcPct val="20000"/>
+              </a:spcBef>
+              <a:buFont typeface="Arial" pitchFamily="34" charset="0"/>
+              <a:buChar char="•"/>
+              <a:defRPr sz="2000" kern="1200">
+                <a:solidFill>
+                  <a:schemeClr val="tx1"/>
+                </a:solidFill>
+                <a:latin typeface="+mn-lt"/>
+                <a:ea typeface="+mn-ea"/>
+                <a:cs typeface="+mn-cs"/>
+              </a:defRPr>
+            </a:lvl9pPr>
+          </a:lstStyle>
+          <a:p>
+            <a:pPr marL="0" indent="0" algn="ctr">
+              <a:buNone/>
+            </a:pPr>
+            <a:r>
+              <a:rPr lang="es-PE" sz="2800" dirty="0" smtClean="0"/>
+              <a:t>Valor cuantitativo que indica que cantidad del código ha sido ejercitada por un conjunto de casos de prueba.</a:t>
+            </a:r>
+          </a:p>
+        </p:txBody>
+      </p:sp>
+      <p:sp>
+        <p:nvSpPr>
+          <p:cNvPr id="10" name="9 Rectángulo"/>
+          <p:cNvSpPr/>
+          <p:nvPr/>
+        </p:nvSpPr>
+        <p:spPr>
+          <a:xfrm>
+            <a:off x="1071739" y="4021907"/>
+            <a:ext cx="6980940" cy="1384995"/>
+          </a:xfrm>
+          <a:prstGeom prst="rect">
+            <a:avLst/>
+          </a:prstGeom>
+        </p:spPr>
+        <p:txBody>
+          <a:bodyPr wrap="square">
+            <a:spAutoFit/>
+          </a:bodyPr>
+          <a:lstStyle/>
+          <a:p>
+            <a:pPr marL="457200" indent="-457200">
+              <a:buFont typeface="Courier New" pitchFamily="49" charset="0"/>
+              <a:buChar char="o"/>
+            </a:pPr>
+            <a:r>
+              <a:rPr lang="es-PE" sz="2800" dirty="0">
+                <a:solidFill>
+                  <a:srgbClr val="FF0000"/>
+                </a:solidFill>
+              </a:rPr>
+              <a:t>.</a:t>
+            </a:r>
+            <a:r>
+              <a:rPr lang="es-PE" sz="2800" dirty="0" smtClean="0">
+                <a:solidFill>
+                  <a:srgbClr val="FF0000"/>
+                </a:solidFill>
+              </a:rPr>
+              <a:t>NET:  </a:t>
+            </a:r>
+            <a:r>
+              <a:rPr lang="es-PE" sz="2400" dirty="0" err="1" smtClean="0"/>
+              <a:t>NCover</a:t>
+            </a:r>
+            <a:r>
+              <a:rPr lang="es-PE" sz="2400" dirty="0" smtClean="0"/>
+              <a:t>, Visual Studio, </a:t>
+            </a:r>
+            <a:r>
+              <a:rPr lang="es-PE" sz="2400" dirty="0" err="1"/>
+              <a:t>NCrunch</a:t>
+            </a:r>
+            <a:r>
+              <a:rPr lang="es-PE" sz="2400" dirty="0"/>
+              <a:t>, </a:t>
+            </a:r>
+            <a:r>
+              <a:rPr lang="es-PE" sz="2400" dirty="0" err="1"/>
+              <a:t>OpenCover</a:t>
+            </a:r>
+            <a:endParaRPr lang="es-PE" sz="2400" dirty="0" smtClean="0"/>
+          </a:p>
+          <a:p>
+            <a:pPr marL="457200" indent="-457200">
+              <a:buFont typeface="Courier New" pitchFamily="49" charset="0"/>
+              <a:buChar char="o"/>
+            </a:pPr>
+            <a:r>
+              <a:rPr lang="es-PE" sz="2800" dirty="0" smtClean="0">
+                <a:solidFill>
+                  <a:srgbClr val="FF0000"/>
+                </a:solidFill>
+              </a:rPr>
+              <a:t>Java:  </a:t>
+            </a:r>
+            <a:r>
+              <a:rPr lang="es-PE" sz="2400" dirty="0" err="1" smtClean="0"/>
+              <a:t>Clover</a:t>
+            </a:r>
+            <a:r>
+              <a:rPr lang="es-PE" sz="2400" dirty="0" smtClean="0"/>
+              <a:t>, EMMA, Cobertura</a:t>
+            </a:r>
+          </a:p>
+          <a:p>
+            <a:pPr marL="457200" indent="-457200">
+              <a:buFont typeface="Courier New" pitchFamily="49" charset="0"/>
+              <a:buChar char="o"/>
+            </a:pPr>
+            <a:r>
+              <a:rPr lang="es-PE" sz="2800" dirty="0" smtClean="0">
+                <a:solidFill>
+                  <a:srgbClr val="FF0000"/>
+                </a:solidFill>
+              </a:rPr>
+              <a:t>Ruby</a:t>
+            </a:r>
+            <a:r>
+              <a:rPr lang="es-PE" sz="2800" dirty="0">
+                <a:solidFill>
+                  <a:srgbClr val="FF0000"/>
+                </a:solidFill>
+              </a:rPr>
+              <a:t>: </a:t>
+            </a:r>
+            <a:r>
+              <a:rPr lang="es-PE" sz="2400" dirty="0" err="1" smtClean="0"/>
+              <a:t>RCov</a:t>
+            </a:r>
+            <a:endParaRPr lang="es-PE" sz="2400" dirty="0"/>
+          </a:p>
+        </p:txBody>
+      </p:sp>
+      <p:sp>
+        <p:nvSpPr>
+          <p:cNvPr id="11" name="5 Marcador de contenido"/>
+          <p:cNvSpPr txBox="1">
+            <a:spLocks/>
+          </p:cNvSpPr>
+          <p:nvPr/>
+        </p:nvSpPr>
+        <p:spPr bwMode="auto">
+          <a:xfrm>
+            <a:off x="565767" y="1772816"/>
+            <a:ext cx="7992888" cy="576064"/>
+          </a:xfrm>
+          <a:prstGeom prst="rect">
+            <a:avLst/>
+          </a:prstGeom>
+          <a:noFill/>
+          <a:ln w="9525">
+            <a:noFill/>
+            <a:miter lim="800000"/>
+            <a:headEnd/>
+            <a:tailEnd/>
+          </a:ln>
+        </p:spPr>
+        <p:txBody>
+          <a:bodyPr vert="horz" wrap="square" lIns="91440" tIns="45720" rIns="91440" bIns="45720" numCol="1" anchor="t" anchorCtr="0" compatLnSpc="1">
+            <a:prstTxWarp prst="textNoShape">
+              <a:avLst/>
+            </a:prstTxWarp>
+          </a:bodyPr>
+          <a:lstStyle>
+            <a:lvl1pPr marL="342900" indent="-342900" algn="l" rtl="0" eaLnBrk="1" fontAlgn="base" hangingPunct="1">
+              <a:spcBef>
+                <a:spcPct val="20000"/>
+              </a:spcBef>
+              <a:spcAft>
+                <a:spcPct val="0"/>
+              </a:spcAft>
+              <a:buFont typeface="Arial" charset="0"/>
+              <a:buChar char="•"/>
+              <a:defRPr sz="3200" kern="1200">
+                <a:solidFill>
+                  <a:schemeClr val="tx1"/>
+                </a:solidFill>
+                <a:latin typeface="+mn-lt"/>
+                <a:ea typeface="+mn-ea"/>
+                <a:cs typeface="+mn-cs"/>
+              </a:defRPr>
+            </a:lvl1pPr>
+            <a:lvl2pPr marL="742950" indent="-285750" algn="l" rtl="0" eaLnBrk="1" fontAlgn="base" hangingPunct="1">
+              <a:spcBef>
+                <a:spcPct val="20000"/>
+              </a:spcBef>
+              <a:spcAft>
+                <a:spcPct val="0"/>
+              </a:spcAft>
+              <a:buFont typeface="Arial" charset="0"/>
+              <a:buChar char="–"/>
+              <a:defRPr sz="2800" kern="1200">
+                <a:solidFill>
+                  <a:schemeClr val="tx1"/>
+                </a:solidFill>
+                <a:latin typeface="+mn-lt"/>
+                <a:ea typeface="+mn-ea"/>
+                <a:cs typeface="+mn-cs"/>
+              </a:defRPr>
+            </a:lvl2pPr>
+            <a:lvl3pPr marL="1143000" indent="-228600" algn="l" rtl="0" eaLnBrk="1" fontAlgn="base" hangingPunct="1">
+              <a:spcBef>
+                <a:spcPct val="20000"/>
+              </a:spcBef>
+              <a:spcAft>
+                <a:spcPct val="0"/>
+              </a:spcAft>
+              <a:buFont typeface="Arial" charset="0"/>
+              <a:buChar char="•"/>
+              <a:defRPr sz="2400" kern="1200">
+                <a:solidFill>
+                  <a:schemeClr val="tx1"/>
+                </a:solidFill>
+                <a:latin typeface="+mn-lt"/>
+                <a:ea typeface="+mn-ea"/>
+                <a:cs typeface="+mn-cs"/>
+              </a:defRPr>
+            </a:lvl3pPr>
+            <a:lvl4pPr marL="1600200" indent="-228600" algn="l" rtl="0" eaLnBrk="1" fontAlgn="base" hangingPunct="1">
+              <a:spcBef>
+                <a:spcPct val="20000"/>
+              </a:spcBef>
+              <a:spcAft>
+                <a:spcPct val="0"/>
+              </a:spcAft>
+              <a:buFont typeface="Arial" charset="0"/>
+              <a:buChar char="–"/>
+              <a:defRPr sz="2000" kern="1200">
+                <a:solidFill>
+                  <a:schemeClr val="tx1"/>
+                </a:solidFill>
+                <a:latin typeface="+mn-lt"/>
+                <a:ea typeface="+mn-ea"/>
+                <a:cs typeface="+mn-cs"/>
+              </a:defRPr>
+            </a:lvl4pPr>
+            <a:lvl5pPr marL="2057400" indent="-228600" algn="l" rtl="0" eaLnBrk="1" fontAlgn="base" hangingPunct="1">
+              <a:spcBef>
+                <a:spcPct val="20000"/>
+              </a:spcBef>
+              <a:spcAft>
+                <a:spcPct val="0"/>
+              </a:spcAft>
+              <a:buFont typeface="Arial" charset="0"/>
+              <a:buChar char="»"/>
+              <a:defRPr sz="2000" kern="1200">
+                <a:solidFill>
+                  <a:schemeClr val="tx1"/>
+                </a:solidFill>
+                <a:latin typeface="+mn-lt"/>
+                <a:ea typeface="+mn-ea"/>
+                <a:cs typeface="+mn-cs"/>
+              </a:defRPr>
+            </a:lvl5pPr>
+            <a:lvl6pPr marL="2514600" indent="-228600" algn="l" defTabSz="914400" rtl="0" eaLnBrk="1" latinLnBrk="0" hangingPunct="1">
+              <a:spcBef>
+                <a:spcPct val="20000"/>
+              </a:spcBef>
+              <a:buFont typeface="Arial" pitchFamily="34" charset="0"/>
+              <a:buChar char="•"/>
+              <a:defRPr sz="2000" kern="1200">
+                <a:solidFill>
+                  <a:schemeClr val="tx1"/>
+                </a:solidFill>
+                <a:latin typeface="+mn-lt"/>
+                <a:ea typeface="+mn-ea"/>
+                <a:cs typeface="+mn-cs"/>
+              </a:defRPr>
+            </a:lvl6pPr>
+            <a:lvl7pPr marL="2971800" indent="-228600" algn="l" defTabSz="914400" rtl="0" eaLnBrk="1" latinLnBrk="0" hangingPunct="1">
+              <a:spcBef>
+                <a:spcPct val="20000"/>
+              </a:spcBef>
+              <a:buFont typeface="Arial" pitchFamily="34" charset="0"/>
+              <a:buChar char="•"/>
+              <a:defRPr sz="2000" kern="1200">
+                <a:solidFill>
+                  <a:schemeClr val="tx1"/>
+                </a:solidFill>
+                <a:latin typeface="+mn-lt"/>
+                <a:ea typeface="+mn-ea"/>
+                <a:cs typeface="+mn-cs"/>
+              </a:defRPr>
+            </a:lvl7pPr>
+            <a:lvl8pPr marL="3429000" indent="-228600" algn="l" defTabSz="914400" rtl="0" eaLnBrk="1" latinLnBrk="0" hangingPunct="1">
+              <a:spcBef>
+                <a:spcPct val="20000"/>
+              </a:spcBef>
+              <a:buFont typeface="Arial" pitchFamily="34" charset="0"/>
+              <a:buChar char="•"/>
+              <a:defRPr sz="2000" kern="1200">
+                <a:solidFill>
+                  <a:schemeClr val="tx1"/>
+                </a:solidFill>
+                <a:latin typeface="+mn-lt"/>
+                <a:ea typeface="+mn-ea"/>
+                <a:cs typeface="+mn-cs"/>
+              </a:defRPr>
+            </a:lvl8pPr>
+            <a:lvl9pPr marL="3886200" indent="-228600" algn="l" defTabSz="914400" rtl="0" eaLnBrk="1" latinLnBrk="0" hangingPunct="1">
+              <a:spcBef>
+                <a:spcPct val="20000"/>
+              </a:spcBef>
+              <a:buFont typeface="Arial" pitchFamily="34" charset="0"/>
+              <a:buChar char="•"/>
+              <a:defRPr sz="2000" kern="1200">
+                <a:solidFill>
+                  <a:schemeClr val="tx1"/>
+                </a:solidFill>
+                <a:latin typeface="+mn-lt"/>
+                <a:ea typeface="+mn-ea"/>
+                <a:cs typeface="+mn-cs"/>
+              </a:defRPr>
+            </a:lvl9pPr>
+          </a:lstStyle>
+          <a:p>
+            <a:pPr marL="0" indent="0" algn="ctr">
+              <a:buNone/>
+            </a:pPr>
+            <a:r>
+              <a:rPr lang="es-PE" sz="2800" dirty="0" smtClean="0">
+                <a:solidFill>
+                  <a:srgbClr val="FFC000"/>
+                </a:solidFill>
+              </a:rPr>
+              <a:t>Métrica de calidad del software.</a:t>
+            </a:r>
+          </a:p>
+        </p:txBody>
+      </p:sp>
+    </p:spTree>
+    <p:extLst>
+      <p:ext uri="{BB962C8B-B14F-4D97-AF65-F5344CB8AC3E}">
+        <p14:creationId xmlns:p14="http://schemas.microsoft.com/office/powerpoint/2010/main" val="2934667508"/>
+      </p:ext>
+    </p:extLst>
+  </p:cSld>
+  <p:clrMapOvr>
+    <a:masterClrMapping/>
+  </p:clrMapOvr>
+  <p:timing>
+    <p:tnLst>
+      <p:par>
+        <p:cTn id="1" dur="indefinite" restart="never" nodeType="tmRoot"/>
+      </p:par>
+    </p:tnLst>
+  </p:timing>
+</p:sld>
+</file>
+
+<file path=ppt/slides/slide31.xml><?xml version="1.0" encoding="utf-8"?>
+<p:sld xmlns:a="http://schemas.openxmlformats.org/drawingml/2006/main" xmlns:r="http://schemas.openxmlformats.org/officeDocument/2006/relationships" xmlns:p="http://schemas.openxmlformats.org/presentationml/2006/main">
+  <p:cSld>
+    <p:spTree>
+      <p:nvGrpSpPr>
+        <p:cNvPr id="1" name=""/>
+        <p:cNvGrpSpPr/>
+        <p:nvPr/>
+      </p:nvGrpSpPr>
+      <p:grpSpPr>
+        <a:xfrm>
+          <a:off x="0" y="0"/>
+          <a:ext cx="0" cy="0"/>
+          <a:chOff x="0" y="0"/>
+          <a:chExt cx="0" cy="0"/>
+        </a:xfrm>
+      </p:grpSpPr>
+      <p:sp>
+        <p:nvSpPr>
           <p:cNvPr id="5" name="2 Título"/>
           <p:cNvSpPr>
             <a:spLocks noGrp="1"/>
@@ -22388,7 +22861,7 @@
 </p:sld>
 </file>
 
-<file path=ppt/slides/slide31.xml><?xml version="1.0" encoding="utf-8"?>
+<file path=ppt/slides/slide32.xml><?xml version="1.0" encoding="utf-8"?>
 <p:sld xmlns:a="http://schemas.openxmlformats.org/drawingml/2006/main" xmlns:r="http://schemas.openxmlformats.org/officeDocument/2006/relationships" xmlns:p="http://schemas.openxmlformats.org/presentationml/2006/main">
   <p:cSld>
     <p:spTree>
@@ -22931,7 +23404,7 @@
 </p:sld>
 </file>
 
-<file path=ppt/slides/slide32.xml><?xml version="1.0" encoding="utf-8"?>
+<file path=ppt/slides/slide33.xml><?xml version="1.0" encoding="utf-8"?>
 <p:sld xmlns:a="http://schemas.openxmlformats.org/drawingml/2006/main" xmlns:r="http://schemas.openxmlformats.org/officeDocument/2006/relationships" xmlns:p="http://schemas.openxmlformats.org/presentationml/2006/main">
   <p:cSld>
     <p:spTree>
@@ -23634,7 +24107,7 @@
 </p:sld>
 </file>
 
-<file path=ppt/slides/slide33.xml><?xml version="1.0" encoding="utf-8"?>
+<file path=ppt/slides/slide34.xml><?xml version="1.0" encoding="utf-8"?>
 <p:sld xmlns:a="http://schemas.openxmlformats.org/drawingml/2006/main" xmlns:r="http://schemas.openxmlformats.org/officeDocument/2006/relationships" xmlns:p="http://schemas.openxmlformats.org/presentationml/2006/main">
   <p:cSld>
     <p:spTree>
@@ -24382,7 +24855,7 @@
 </p:sld>
 </file>
 
-<file path=ppt/slides/slide34.xml><?xml version="1.0" encoding="utf-8"?>
+<file path=ppt/slides/slide35.xml><?xml version="1.0" encoding="utf-8"?>
 <p:sld xmlns:a="http://schemas.openxmlformats.org/drawingml/2006/main" xmlns:r="http://schemas.openxmlformats.org/officeDocument/2006/relationships" xmlns:p="http://schemas.openxmlformats.org/presentationml/2006/main">
   <p:cSld>
     <p:spTree>
@@ -24541,7 +25014,7 @@
 </p:sld>
 </file>
 
-<file path=ppt/slides/slide35.xml><?xml version="1.0" encoding="utf-8"?>
+<file path=ppt/slides/slide36.xml><?xml version="1.0" encoding="utf-8"?>
 <p:sld xmlns:a="http://schemas.openxmlformats.org/drawingml/2006/main" xmlns:r="http://schemas.openxmlformats.org/officeDocument/2006/relationships" xmlns:p="http://schemas.openxmlformats.org/presentationml/2006/main">
   <p:cSld>
     <p:spTree>
@@ -24918,7 +25391,7 @@
 </p:sld>
 </file>
 
-<file path=ppt/slides/slide36.xml><?xml version="1.0" encoding="utf-8"?>
+<file path=ppt/slides/slide37.xml><?xml version="1.0" encoding="utf-8"?>
 <p:sld xmlns:a="http://schemas.openxmlformats.org/drawingml/2006/main" xmlns:r="http://schemas.openxmlformats.org/officeDocument/2006/relationships" xmlns:p="http://schemas.openxmlformats.org/presentationml/2006/main">
   <p:cSld>
     <p:spTree>
@@ -25378,7 +25851,7 @@
 </p:sld>
 </file>
 
-<file path=ppt/slides/slide37.xml><?xml version="1.0" encoding="utf-8"?>
+<file path=ppt/slides/slide38.xml><?xml version="1.0" encoding="utf-8"?>
 <p:sld xmlns:a="http://schemas.openxmlformats.org/drawingml/2006/main" xmlns:r="http://schemas.openxmlformats.org/officeDocument/2006/relationships" xmlns:p="http://schemas.openxmlformats.org/presentationml/2006/main">
   <p:cSld>
     <p:spTree>
@@ -25586,7 +26059,7 @@
 </p:sld>
 </file>
 
-<file path=ppt/slides/slide38.xml><?xml version="1.0" encoding="utf-8"?>
+<file path=ppt/slides/slide39.xml><?xml version="1.0" encoding="utf-8"?>
 <p:sld xmlns:a="http://schemas.openxmlformats.org/drawingml/2006/main" xmlns:r="http://schemas.openxmlformats.org/officeDocument/2006/relationships" xmlns:p="http://schemas.openxmlformats.org/presentationml/2006/main">
   <p:cSld>
     <p:spTree>
@@ -25922,7 +26395,295 @@
 </p:sld>
 </file>
 
-<file path=ppt/slides/slide39.xml><?xml version="1.0" encoding="utf-8"?>
+<file path=ppt/slides/slide4.xml><?xml version="1.0" encoding="utf-8"?>
+<p:sld xmlns:a="http://schemas.openxmlformats.org/drawingml/2006/main" xmlns:r="http://schemas.openxmlformats.org/officeDocument/2006/relationships" xmlns:p="http://schemas.openxmlformats.org/presentationml/2006/main">
+  <p:cSld>
+    <p:spTree>
+      <p:nvGrpSpPr>
+        <p:cNvPr id="1" name=""/>
+        <p:cNvGrpSpPr/>
+        <p:nvPr/>
+      </p:nvGrpSpPr>
+      <p:grpSpPr>
+        <a:xfrm>
+          <a:off x="0" y="0"/>
+          <a:ext cx="0" cy="0"/>
+          <a:chOff x="0" y="0"/>
+          <a:chExt cx="0" cy="0"/>
+        </a:xfrm>
+      </p:grpSpPr>
+      <p:sp>
+        <p:nvSpPr>
+          <p:cNvPr id="5" name="2 Título"/>
+          <p:cNvSpPr>
+            <a:spLocks noGrp="1"/>
+          </p:cNvSpPr>
+          <p:nvPr>
+            <p:ph type="title"/>
+          </p:nvPr>
+        </p:nvSpPr>
+        <p:spPr>
+          <a:xfrm>
+            <a:off x="457200" y="1772816"/>
+            <a:ext cx="8229600" cy="1800200"/>
+          </a:xfrm>
+        </p:spPr>
+        <p:txBody>
+          <a:bodyPr/>
+          <a:lstStyle/>
+          <a:p>
+            <a:r>
+              <a:rPr lang="es-PE" dirty="0" smtClean="0">
+                <a:solidFill>
+                  <a:srgbClr val="FFC000"/>
+                </a:solidFill>
+              </a:rPr>
+              <a:t>Ejercicio</a:t>
+            </a:r>
+            <a:br>
+              <a:rPr lang="es-PE" dirty="0" smtClean="0">
+                <a:solidFill>
+                  <a:srgbClr val="FFC000"/>
+                </a:solidFill>
+              </a:rPr>
+            </a:br>
+            <a:r>
+              <a:rPr lang="es-PE" dirty="0" smtClean="0">
+                <a:solidFill>
+                  <a:srgbClr val="00B050"/>
+                </a:solidFill>
+              </a:rPr>
+              <a:t>Revisar las pruebas realizadas a un código "no testeable"</a:t>
+            </a:r>
+            <a:endParaRPr lang="es-PE" dirty="0">
+              <a:solidFill>
+                <a:srgbClr val="00B050"/>
+              </a:solidFill>
+            </a:endParaRPr>
+          </a:p>
+        </p:txBody>
+      </p:sp>
+      <p:sp>
+        <p:nvSpPr>
+          <p:cNvPr id="7" name="5 Marcador de contenido"/>
+          <p:cNvSpPr txBox="1">
+            <a:spLocks/>
+          </p:cNvSpPr>
+          <p:nvPr/>
+        </p:nvSpPr>
+        <p:spPr bwMode="auto">
+          <a:xfrm>
+            <a:off x="611560" y="3923928"/>
+            <a:ext cx="7992888" cy="1080120"/>
+          </a:xfrm>
+          <a:prstGeom prst="rect">
+            <a:avLst/>
+          </a:prstGeom>
+          <a:noFill/>
+          <a:ln w="9525">
+            <a:noFill/>
+            <a:miter lim="800000"/>
+            <a:headEnd/>
+            <a:tailEnd/>
+          </a:ln>
+        </p:spPr>
+        <p:txBody>
+          <a:bodyPr vert="horz" wrap="square" lIns="91440" tIns="45720" rIns="91440" bIns="45720" numCol="1" anchor="t" anchorCtr="0" compatLnSpc="1">
+            <a:prstTxWarp prst="textNoShape">
+              <a:avLst/>
+            </a:prstTxWarp>
+          </a:bodyPr>
+          <a:lstStyle>
+            <a:lvl1pPr marL="342900" indent="-342900" algn="l" rtl="0" eaLnBrk="1" fontAlgn="base" hangingPunct="1">
+              <a:spcBef>
+                <a:spcPct val="20000"/>
+              </a:spcBef>
+              <a:spcAft>
+                <a:spcPct val="0"/>
+              </a:spcAft>
+              <a:buFont typeface="Arial" charset="0"/>
+              <a:buChar char="•"/>
+              <a:defRPr sz="3200" kern="1200">
+                <a:solidFill>
+                  <a:schemeClr val="tx1"/>
+                </a:solidFill>
+                <a:latin typeface="+mn-lt"/>
+                <a:ea typeface="+mn-ea"/>
+                <a:cs typeface="+mn-cs"/>
+              </a:defRPr>
+            </a:lvl1pPr>
+            <a:lvl2pPr marL="742950" indent="-285750" algn="l" rtl="0" eaLnBrk="1" fontAlgn="base" hangingPunct="1">
+              <a:spcBef>
+                <a:spcPct val="20000"/>
+              </a:spcBef>
+              <a:spcAft>
+                <a:spcPct val="0"/>
+              </a:spcAft>
+              <a:buFont typeface="Arial" charset="0"/>
+              <a:buChar char="–"/>
+              <a:defRPr sz="2800" kern="1200">
+                <a:solidFill>
+                  <a:schemeClr val="tx1"/>
+                </a:solidFill>
+                <a:latin typeface="+mn-lt"/>
+                <a:ea typeface="+mn-ea"/>
+                <a:cs typeface="+mn-cs"/>
+              </a:defRPr>
+            </a:lvl2pPr>
+            <a:lvl3pPr marL="1143000" indent="-228600" algn="l" rtl="0" eaLnBrk="1" fontAlgn="base" hangingPunct="1">
+              <a:spcBef>
+                <a:spcPct val="20000"/>
+              </a:spcBef>
+              <a:spcAft>
+                <a:spcPct val="0"/>
+              </a:spcAft>
+              <a:buFont typeface="Arial" charset="0"/>
+              <a:buChar char="•"/>
+              <a:defRPr sz="2400" kern="1200">
+                <a:solidFill>
+                  <a:schemeClr val="tx1"/>
+                </a:solidFill>
+                <a:latin typeface="+mn-lt"/>
+                <a:ea typeface="+mn-ea"/>
+                <a:cs typeface="+mn-cs"/>
+              </a:defRPr>
+            </a:lvl3pPr>
+            <a:lvl4pPr marL="1600200" indent="-228600" algn="l" rtl="0" eaLnBrk="1" fontAlgn="base" hangingPunct="1">
+              <a:spcBef>
+                <a:spcPct val="20000"/>
+              </a:spcBef>
+              <a:spcAft>
+                <a:spcPct val="0"/>
+              </a:spcAft>
+              <a:buFont typeface="Arial" charset="0"/>
+              <a:buChar char="–"/>
+              <a:defRPr sz="2000" kern="1200">
+                <a:solidFill>
+                  <a:schemeClr val="tx1"/>
+                </a:solidFill>
+                <a:latin typeface="+mn-lt"/>
+                <a:ea typeface="+mn-ea"/>
+                <a:cs typeface="+mn-cs"/>
+              </a:defRPr>
+            </a:lvl4pPr>
+            <a:lvl5pPr marL="2057400" indent="-228600" algn="l" rtl="0" eaLnBrk="1" fontAlgn="base" hangingPunct="1">
+              <a:spcBef>
+                <a:spcPct val="20000"/>
+              </a:spcBef>
+              <a:spcAft>
+                <a:spcPct val="0"/>
+              </a:spcAft>
+              <a:buFont typeface="Arial" charset="0"/>
+              <a:buChar char="»"/>
+              <a:defRPr sz="2000" kern="1200">
+                <a:solidFill>
+                  <a:schemeClr val="tx1"/>
+                </a:solidFill>
+                <a:latin typeface="+mn-lt"/>
+                <a:ea typeface="+mn-ea"/>
+                <a:cs typeface="+mn-cs"/>
+              </a:defRPr>
+            </a:lvl5pPr>
+            <a:lvl6pPr marL="2514600" indent="-228600" algn="l" defTabSz="914400" rtl="0" eaLnBrk="1" latinLnBrk="0" hangingPunct="1">
+              <a:spcBef>
+                <a:spcPct val="20000"/>
+              </a:spcBef>
+              <a:buFont typeface="Arial" pitchFamily="34" charset="0"/>
+              <a:buChar char="•"/>
+              <a:defRPr sz="2000" kern="1200">
+                <a:solidFill>
+                  <a:schemeClr val="tx1"/>
+                </a:solidFill>
+                <a:latin typeface="+mn-lt"/>
+                <a:ea typeface="+mn-ea"/>
+                <a:cs typeface="+mn-cs"/>
+              </a:defRPr>
+            </a:lvl6pPr>
+            <a:lvl7pPr marL="2971800" indent="-228600" algn="l" defTabSz="914400" rtl="0" eaLnBrk="1" latinLnBrk="0" hangingPunct="1">
+              <a:spcBef>
+                <a:spcPct val="20000"/>
+              </a:spcBef>
+              <a:buFont typeface="Arial" pitchFamily="34" charset="0"/>
+              <a:buChar char="•"/>
+              <a:defRPr sz="2000" kern="1200">
+                <a:solidFill>
+                  <a:schemeClr val="tx1"/>
+                </a:solidFill>
+                <a:latin typeface="+mn-lt"/>
+                <a:ea typeface="+mn-ea"/>
+                <a:cs typeface="+mn-cs"/>
+              </a:defRPr>
+            </a:lvl7pPr>
+            <a:lvl8pPr marL="3429000" indent="-228600" algn="l" defTabSz="914400" rtl="0" eaLnBrk="1" latinLnBrk="0" hangingPunct="1">
+              <a:spcBef>
+                <a:spcPct val="20000"/>
+              </a:spcBef>
+              <a:buFont typeface="Arial" pitchFamily="34" charset="0"/>
+              <a:buChar char="•"/>
+              <a:defRPr sz="2000" kern="1200">
+                <a:solidFill>
+                  <a:schemeClr val="tx1"/>
+                </a:solidFill>
+                <a:latin typeface="+mn-lt"/>
+                <a:ea typeface="+mn-ea"/>
+                <a:cs typeface="+mn-cs"/>
+              </a:defRPr>
+            </a:lvl8pPr>
+            <a:lvl9pPr marL="3886200" indent="-228600" algn="l" defTabSz="914400" rtl="0" eaLnBrk="1" latinLnBrk="0" hangingPunct="1">
+              <a:spcBef>
+                <a:spcPct val="20000"/>
+              </a:spcBef>
+              <a:buFont typeface="Arial" pitchFamily="34" charset="0"/>
+              <a:buChar char="•"/>
+              <a:defRPr sz="2000" kern="1200">
+                <a:solidFill>
+                  <a:schemeClr val="tx1"/>
+                </a:solidFill>
+                <a:latin typeface="+mn-lt"/>
+                <a:ea typeface="+mn-ea"/>
+                <a:cs typeface="+mn-cs"/>
+              </a:defRPr>
+            </a:lvl9pPr>
+          </a:lstStyle>
+          <a:p>
+            <a:pPr marL="0" indent="0" algn="ctr">
+              <a:buNone/>
+            </a:pPr>
+            <a:r>
+              <a:rPr lang="es-PE" sz="2800" dirty="0" smtClean="0"/>
+              <a:t>¿Cuál es el problema del código de producción?</a:t>
+            </a:r>
+            <a:br>
+              <a:rPr lang="es-PE" sz="2800" dirty="0" smtClean="0"/>
+            </a:br>
+            <a:r>
+              <a:rPr lang="es-PE" sz="2800" dirty="0" smtClean="0"/>
+              <a:t>"Es un código muy acoplado"</a:t>
+            </a:r>
+          </a:p>
+        </p:txBody>
+      </p:sp>
+    </p:spTree>
+    <p:extLst>
+      <p:ext uri="{BB962C8B-B14F-4D97-AF65-F5344CB8AC3E}">
+        <p14:creationId xmlns:p14="http://schemas.microsoft.com/office/powerpoint/2010/main" val="3858874753"/>
+      </p:ext>
+    </p:extLst>
+  </p:cSld>
+  <p:clrMapOvr>
+    <a:masterClrMapping/>
+  </p:clrMapOvr>
+  <p:timing>
+    <p:tnLst>
+      <p:par>
+        <p:cTn id="1" dur="indefinite" restart="never" nodeType="tmRoot"/>
+      </p:par>
+    </p:tnLst>
+  </p:timing>
+</p:sld>
+</file>
+
+<file path=ppt/slides/slide40.xml><?xml version="1.0" encoding="utf-8"?>
 <p:sld xmlns:a="http://schemas.openxmlformats.org/drawingml/2006/main" xmlns:r="http://schemas.openxmlformats.org/officeDocument/2006/relationships" xmlns:p="http://schemas.openxmlformats.org/presentationml/2006/main">
   <p:cSld>
     <p:spTree>
@@ -26031,295 +26792,7 @@
 </p:sld>
 </file>
 
-<file path=ppt/slides/slide4.xml><?xml version="1.0" encoding="utf-8"?>
-<p:sld xmlns:a="http://schemas.openxmlformats.org/drawingml/2006/main" xmlns:r="http://schemas.openxmlformats.org/officeDocument/2006/relationships" xmlns:p="http://schemas.openxmlformats.org/presentationml/2006/main">
-  <p:cSld>
-    <p:spTree>
-      <p:nvGrpSpPr>
-        <p:cNvPr id="1" name=""/>
-        <p:cNvGrpSpPr/>
-        <p:nvPr/>
-      </p:nvGrpSpPr>
-      <p:grpSpPr>
-        <a:xfrm>
-          <a:off x="0" y="0"/>
-          <a:ext cx="0" cy="0"/>
-          <a:chOff x="0" y="0"/>
-          <a:chExt cx="0" cy="0"/>
-        </a:xfrm>
-      </p:grpSpPr>
-      <p:sp>
-        <p:nvSpPr>
-          <p:cNvPr id="5" name="2 Título"/>
-          <p:cNvSpPr>
-            <a:spLocks noGrp="1"/>
-          </p:cNvSpPr>
-          <p:nvPr>
-            <p:ph type="title"/>
-          </p:nvPr>
-        </p:nvSpPr>
-        <p:spPr>
-          <a:xfrm>
-            <a:off x="457200" y="1772816"/>
-            <a:ext cx="8229600" cy="1800200"/>
-          </a:xfrm>
-        </p:spPr>
-        <p:txBody>
-          <a:bodyPr/>
-          <a:lstStyle/>
-          <a:p>
-            <a:r>
-              <a:rPr lang="es-PE" dirty="0" smtClean="0">
-                <a:solidFill>
-                  <a:srgbClr val="FFC000"/>
-                </a:solidFill>
-              </a:rPr>
-              <a:t>Ejercicio</a:t>
-            </a:r>
-            <a:br>
-              <a:rPr lang="es-PE" dirty="0" smtClean="0">
-                <a:solidFill>
-                  <a:srgbClr val="FFC000"/>
-                </a:solidFill>
-              </a:rPr>
-            </a:br>
-            <a:r>
-              <a:rPr lang="es-PE" dirty="0" smtClean="0">
-                <a:solidFill>
-                  <a:srgbClr val="00B050"/>
-                </a:solidFill>
-              </a:rPr>
-              <a:t>Revisar las pruebas realizadas a un código "no testeable"</a:t>
-            </a:r>
-            <a:endParaRPr lang="es-PE" dirty="0">
-              <a:solidFill>
-                <a:srgbClr val="00B050"/>
-              </a:solidFill>
-            </a:endParaRPr>
-          </a:p>
-        </p:txBody>
-      </p:sp>
-      <p:sp>
-        <p:nvSpPr>
-          <p:cNvPr id="7" name="5 Marcador de contenido"/>
-          <p:cNvSpPr txBox="1">
-            <a:spLocks/>
-          </p:cNvSpPr>
-          <p:nvPr/>
-        </p:nvSpPr>
-        <p:spPr bwMode="auto">
-          <a:xfrm>
-            <a:off x="611560" y="3923928"/>
-            <a:ext cx="7992888" cy="1080120"/>
-          </a:xfrm>
-          <a:prstGeom prst="rect">
-            <a:avLst/>
-          </a:prstGeom>
-          <a:noFill/>
-          <a:ln w="9525">
-            <a:noFill/>
-            <a:miter lim="800000"/>
-            <a:headEnd/>
-            <a:tailEnd/>
-          </a:ln>
-        </p:spPr>
-        <p:txBody>
-          <a:bodyPr vert="horz" wrap="square" lIns="91440" tIns="45720" rIns="91440" bIns="45720" numCol="1" anchor="t" anchorCtr="0" compatLnSpc="1">
-            <a:prstTxWarp prst="textNoShape">
-              <a:avLst/>
-            </a:prstTxWarp>
-          </a:bodyPr>
-          <a:lstStyle>
-            <a:lvl1pPr marL="342900" indent="-342900" algn="l" rtl="0" eaLnBrk="1" fontAlgn="base" hangingPunct="1">
-              <a:spcBef>
-                <a:spcPct val="20000"/>
-              </a:spcBef>
-              <a:spcAft>
-                <a:spcPct val="0"/>
-              </a:spcAft>
-              <a:buFont typeface="Arial" charset="0"/>
-              <a:buChar char="•"/>
-              <a:defRPr sz="3200" kern="1200">
-                <a:solidFill>
-                  <a:schemeClr val="tx1"/>
-                </a:solidFill>
-                <a:latin typeface="+mn-lt"/>
-                <a:ea typeface="+mn-ea"/>
-                <a:cs typeface="+mn-cs"/>
-              </a:defRPr>
-            </a:lvl1pPr>
-            <a:lvl2pPr marL="742950" indent="-285750" algn="l" rtl="0" eaLnBrk="1" fontAlgn="base" hangingPunct="1">
-              <a:spcBef>
-                <a:spcPct val="20000"/>
-              </a:spcBef>
-              <a:spcAft>
-                <a:spcPct val="0"/>
-              </a:spcAft>
-              <a:buFont typeface="Arial" charset="0"/>
-              <a:buChar char="–"/>
-              <a:defRPr sz="2800" kern="1200">
-                <a:solidFill>
-                  <a:schemeClr val="tx1"/>
-                </a:solidFill>
-                <a:latin typeface="+mn-lt"/>
-                <a:ea typeface="+mn-ea"/>
-                <a:cs typeface="+mn-cs"/>
-              </a:defRPr>
-            </a:lvl2pPr>
-            <a:lvl3pPr marL="1143000" indent="-228600" algn="l" rtl="0" eaLnBrk="1" fontAlgn="base" hangingPunct="1">
-              <a:spcBef>
-                <a:spcPct val="20000"/>
-              </a:spcBef>
-              <a:spcAft>
-                <a:spcPct val="0"/>
-              </a:spcAft>
-              <a:buFont typeface="Arial" charset="0"/>
-              <a:buChar char="•"/>
-              <a:defRPr sz="2400" kern="1200">
-                <a:solidFill>
-                  <a:schemeClr val="tx1"/>
-                </a:solidFill>
-                <a:latin typeface="+mn-lt"/>
-                <a:ea typeface="+mn-ea"/>
-                <a:cs typeface="+mn-cs"/>
-              </a:defRPr>
-            </a:lvl3pPr>
-            <a:lvl4pPr marL="1600200" indent="-228600" algn="l" rtl="0" eaLnBrk="1" fontAlgn="base" hangingPunct="1">
-              <a:spcBef>
-                <a:spcPct val="20000"/>
-              </a:spcBef>
-              <a:spcAft>
-                <a:spcPct val="0"/>
-              </a:spcAft>
-              <a:buFont typeface="Arial" charset="0"/>
-              <a:buChar char="–"/>
-              <a:defRPr sz="2000" kern="1200">
-                <a:solidFill>
-                  <a:schemeClr val="tx1"/>
-                </a:solidFill>
-                <a:latin typeface="+mn-lt"/>
-                <a:ea typeface="+mn-ea"/>
-                <a:cs typeface="+mn-cs"/>
-              </a:defRPr>
-            </a:lvl4pPr>
-            <a:lvl5pPr marL="2057400" indent="-228600" algn="l" rtl="0" eaLnBrk="1" fontAlgn="base" hangingPunct="1">
-              <a:spcBef>
-                <a:spcPct val="20000"/>
-              </a:spcBef>
-              <a:spcAft>
-                <a:spcPct val="0"/>
-              </a:spcAft>
-              <a:buFont typeface="Arial" charset="0"/>
-              <a:buChar char="»"/>
-              <a:defRPr sz="2000" kern="1200">
-                <a:solidFill>
-                  <a:schemeClr val="tx1"/>
-                </a:solidFill>
-                <a:latin typeface="+mn-lt"/>
-                <a:ea typeface="+mn-ea"/>
-                <a:cs typeface="+mn-cs"/>
-              </a:defRPr>
-            </a:lvl5pPr>
-            <a:lvl6pPr marL="2514600" indent="-228600" algn="l" defTabSz="914400" rtl="0" eaLnBrk="1" latinLnBrk="0" hangingPunct="1">
-              <a:spcBef>
-                <a:spcPct val="20000"/>
-              </a:spcBef>
-              <a:buFont typeface="Arial" pitchFamily="34" charset="0"/>
-              <a:buChar char="•"/>
-              <a:defRPr sz="2000" kern="1200">
-                <a:solidFill>
-                  <a:schemeClr val="tx1"/>
-                </a:solidFill>
-                <a:latin typeface="+mn-lt"/>
-                <a:ea typeface="+mn-ea"/>
-                <a:cs typeface="+mn-cs"/>
-              </a:defRPr>
-            </a:lvl6pPr>
-            <a:lvl7pPr marL="2971800" indent="-228600" algn="l" defTabSz="914400" rtl="0" eaLnBrk="1" latinLnBrk="0" hangingPunct="1">
-              <a:spcBef>
-                <a:spcPct val="20000"/>
-              </a:spcBef>
-              <a:buFont typeface="Arial" pitchFamily="34" charset="0"/>
-              <a:buChar char="•"/>
-              <a:defRPr sz="2000" kern="1200">
-                <a:solidFill>
-                  <a:schemeClr val="tx1"/>
-                </a:solidFill>
-                <a:latin typeface="+mn-lt"/>
-                <a:ea typeface="+mn-ea"/>
-                <a:cs typeface="+mn-cs"/>
-              </a:defRPr>
-            </a:lvl7pPr>
-            <a:lvl8pPr marL="3429000" indent="-228600" algn="l" defTabSz="914400" rtl="0" eaLnBrk="1" latinLnBrk="0" hangingPunct="1">
-              <a:spcBef>
-                <a:spcPct val="20000"/>
-              </a:spcBef>
-              <a:buFont typeface="Arial" pitchFamily="34" charset="0"/>
-              <a:buChar char="•"/>
-              <a:defRPr sz="2000" kern="1200">
-                <a:solidFill>
-                  <a:schemeClr val="tx1"/>
-                </a:solidFill>
-                <a:latin typeface="+mn-lt"/>
-                <a:ea typeface="+mn-ea"/>
-                <a:cs typeface="+mn-cs"/>
-              </a:defRPr>
-            </a:lvl8pPr>
-            <a:lvl9pPr marL="3886200" indent="-228600" algn="l" defTabSz="914400" rtl="0" eaLnBrk="1" latinLnBrk="0" hangingPunct="1">
-              <a:spcBef>
-                <a:spcPct val="20000"/>
-              </a:spcBef>
-              <a:buFont typeface="Arial" pitchFamily="34" charset="0"/>
-              <a:buChar char="•"/>
-              <a:defRPr sz="2000" kern="1200">
-                <a:solidFill>
-                  <a:schemeClr val="tx1"/>
-                </a:solidFill>
-                <a:latin typeface="+mn-lt"/>
-                <a:ea typeface="+mn-ea"/>
-                <a:cs typeface="+mn-cs"/>
-              </a:defRPr>
-            </a:lvl9pPr>
-          </a:lstStyle>
-          <a:p>
-            <a:pPr marL="0" indent="0" algn="ctr">
-              <a:buNone/>
-            </a:pPr>
-            <a:r>
-              <a:rPr lang="es-PE" sz="2800" dirty="0" smtClean="0"/>
-              <a:t>¿Cuál es el problema del código de producción?</a:t>
-            </a:r>
-            <a:br>
-              <a:rPr lang="es-PE" sz="2800" dirty="0" smtClean="0"/>
-            </a:br>
-            <a:r>
-              <a:rPr lang="es-PE" sz="2800" dirty="0" smtClean="0"/>
-              <a:t>"Es un código muy acoplado"</a:t>
-            </a:r>
-          </a:p>
-        </p:txBody>
-      </p:sp>
-    </p:spTree>
-    <p:extLst>
-      <p:ext uri="{BB962C8B-B14F-4D97-AF65-F5344CB8AC3E}">
-        <p14:creationId xmlns:p14="http://schemas.microsoft.com/office/powerpoint/2010/main" val="3858874753"/>
-      </p:ext>
-    </p:extLst>
-  </p:cSld>
-  <p:clrMapOvr>
-    <a:masterClrMapping/>
-  </p:clrMapOvr>
-  <p:timing>
-    <p:tnLst>
-      <p:par>
-        <p:cTn id="1" dur="indefinite" restart="never" nodeType="tmRoot"/>
-      </p:par>
-    </p:tnLst>
-  </p:timing>
-</p:sld>
-</file>
-
-<file path=ppt/slides/slide40.xml><?xml version="1.0" encoding="utf-8"?>
+<file path=ppt/slides/slide41.xml><?xml version="1.0" encoding="utf-8"?>
 <p:sld xmlns:a="http://schemas.openxmlformats.org/drawingml/2006/main" xmlns:r="http://schemas.openxmlformats.org/officeDocument/2006/relationships" xmlns:p="http://schemas.openxmlformats.org/presentationml/2006/main">
   <p:cSld>
     <p:spTree>
@@ -26473,7 +26946,7 @@
 </p:sld>
 </file>
 
-<file path=ppt/slides/slide41.xml><?xml version="1.0" encoding="utf-8"?>
+<file path=ppt/slides/slide42.xml><?xml version="1.0" encoding="utf-8"?>
 <p:sld xmlns:a="http://schemas.openxmlformats.org/drawingml/2006/main" xmlns:r="http://schemas.openxmlformats.org/officeDocument/2006/relationships" xmlns:p="http://schemas.openxmlformats.org/presentationml/2006/main">
   <p:cSld>
     <p:spTree>
@@ -26629,7 +27102,7 @@
 </p:sld>
 </file>
 
-<file path=ppt/slides/slide42.xml><?xml version="1.0" encoding="utf-8"?>
+<file path=ppt/slides/slide43.xml><?xml version="1.0" encoding="utf-8"?>
 <p:sld xmlns:a="http://schemas.openxmlformats.org/drawingml/2006/main" xmlns:r="http://schemas.openxmlformats.org/officeDocument/2006/relationships" xmlns:p="http://schemas.openxmlformats.org/presentationml/2006/main">
   <p:cSld>
     <p:spTree>
@@ -26825,7 +27298,7 @@
 </p:sld>
 </file>
 
-<file path=ppt/slides/slide43.xml><?xml version="1.0" encoding="utf-8"?>
+<file path=ppt/slides/slide44.xml><?xml version="1.0" encoding="utf-8"?>
 <p:sld xmlns:a="http://schemas.openxmlformats.org/drawingml/2006/main" xmlns:r="http://schemas.openxmlformats.org/officeDocument/2006/relationships" xmlns:p="http://schemas.openxmlformats.org/presentationml/2006/main">
   <p:cSld>
     <p:spTree>
@@ -27211,7 +27684,7 @@
 </p:sld>
 </file>
 
-<file path=ppt/slides/slide44.xml><?xml version="1.0" encoding="utf-8"?>
+<file path=ppt/slides/slide45.xml><?xml version="1.0" encoding="utf-8"?>
 <p:sld xmlns:a="http://schemas.openxmlformats.org/drawingml/2006/main" xmlns:r="http://schemas.openxmlformats.org/officeDocument/2006/relationships" xmlns:p="http://schemas.openxmlformats.org/presentationml/2006/main">
   <p:cSld>
     <p:spTree>
@@ -27400,7 +27873,7 @@
       </p:sp>
       <p:pic>
         <p:nvPicPr>
-          <p:cNvPr id="1028" name="Picture 4"/>
+          <p:cNvPr id="1026" name="Picture 2"/>
           <p:cNvPicPr>
             <a:picLocks noChangeAspect="1" noChangeArrowheads="1"/>
           </p:cNvPicPr>
@@ -27421,18 +27894,17 @@
         </p:blipFill>
         <p:spPr bwMode="auto">
           <a:xfrm>
-            <a:off x="916094" y="1124744"/>
-            <a:ext cx="7334250" cy="3305175"/>
+            <a:off x="1213352" y="1188408"/>
+            <a:ext cx="6651244" cy="3068737"/>
           </a:xfrm>
           <a:prstGeom prst="rect">
             <a:avLst/>
           </a:prstGeom>
+          <a:noFill/>
           <a:ln>
             <a:noFill/>
           </a:ln>
-          <a:effectLst>
-            <a:softEdge rad="112500"/>
-          </a:effectLst>
+          <a:effectLst/>
           <a:extLst>
             <a:ext uri="{909E8E84-426E-40DD-AFC4-6F175D3DCCD1}">
               <a14:hiddenFill xmlns:a14="http://schemas.microsoft.com/office/drawing/2010/main">
@@ -27483,7 +27955,7 @@
 </p:sld>
 </file>
 
-<file path=ppt/slides/slide45.xml><?xml version="1.0" encoding="utf-8"?>
+<file path=ppt/slides/slide46.xml><?xml version="1.0" encoding="utf-8"?>
 <p:sld xmlns:a="http://schemas.openxmlformats.org/drawingml/2006/main" xmlns:r="http://schemas.openxmlformats.org/officeDocument/2006/relationships" xmlns:p="http://schemas.openxmlformats.org/presentationml/2006/main">
   <p:cSld>
     <p:spTree>
@@ -27509,7 +27981,7 @@
         <p:spPr>
           <a:xfrm>
             <a:off x="501366" y="1052736"/>
-            <a:ext cx="8175090" cy="5447645"/>
+            <a:ext cx="8175090" cy="5078313"/>
           </a:xfrm>
           <a:prstGeom prst="rect">
             <a:avLst/>
@@ -27549,41 +28021,6 @@
             <a:r>
               <a:rPr lang="es-PE" sz="2400" dirty="0" smtClean="0"/>
               <a:t>Más de un "." en las llamadas de  métodos. </a:t>
-            </a:r>
-            <a:br>
-              <a:rPr lang="es-PE" sz="2400" dirty="0" smtClean="0"/>
-            </a:br>
-            <a:r>
-              <a:rPr lang="es-PE" sz="2400" dirty="0" err="1" smtClean="0"/>
-              <a:t>Ejm</a:t>
-            </a:r>
-            <a:r>
-              <a:rPr lang="es-PE" sz="2400" dirty="0" smtClean="0"/>
-              <a:t>: </a:t>
-            </a:r>
-            <a:r>
-              <a:rPr lang="es-PE" sz="2400" dirty="0" err="1" smtClean="0"/>
-              <a:t>GetUserManager.GetUser</a:t>
-            </a:r>
-            <a:r>
-              <a:rPr lang="es-PE" sz="2400" dirty="0" smtClean="0"/>
-              <a:t>(1).</a:t>
-            </a:r>
-            <a:r>
-              <a:rPr lang="es-PE" sz="2400" dirty="0" err="1" smtClean="0"/>
-              <a:t>Profile</a:t>
-            </a:r>
-            <a:r>
-              <a:rPr lang="es-PE" sz="2400" dirty="0" smtClean="0"/>
-              <a:t>().</a:t>
-            </a:r>
-            <a:r>
-              <a:rPr lang="es-PE" sz="2400" dirty="0" err="1" smtClean="0"/>
-              <a:t>IsAdmin</a:t>
-            </a:r>
-            <a:r>
-              <a:rPr lang="es-PE" sz="2400" dirty="0" smtClean="0"/>
-              <a:t>.</a:t>
             </a:r>
           </a:p>
           <a:p>
@@ -27959,7 +28396,7 @@
 </p:sld>
 </file>
 
-<file path=ppt/slides/slide46.xml><?xml version="1.0" encoding="utf-8"?>
+<file path=ppt/slides/slide47.xml><?xml version="1.0" encoding="utf-8"?>
 <p:sld xmlns:a="http://schemas.openxmlformats.org/drawingml/2006/main" xmlns:r="http://schemas.openxmlformats.org/officeDocument/2006/relationships" xmlns:p="http://schemas.openxmlformats.org/presentationml/2006/main">
   <p:cSld>
     <p:spTree>
@@ -28240,7 +28677,7 @@
 </p:sld>
 </file>
 
-<file path=ppt/slides/slide47.xml><?xml version="1.0" encoding="utf-8"?>
+<file path=ppt/slides/slide48.xml><?xml version="1.0" encoding="utf-8"?>
 <p:sld xmlns:a="http://schemas.openxmlformats.org/drawingml/2006/main" xmlns:r="http://schemas.openxmlformats.org/officeDocument/2006/relationships" xmlns:p="http://schemas.openxmlformats.org/presentationml/2006/main">
   <p:cSld>
     <p:spTree>
@@ -28629,13 +29066,18 @@
               <a:t> </a:t>
             </a:r>
             <a:r>
-              <a:rPr lang="es-PE" dirty="0">
+              <a:rPr lang="es-PE" dirty="0" smtClean="0">
                 <a:solidFill>
                   <a:srgbClr val="00823B"/>
                 </a:solidFill>
               </a:rPr>
-              <a:t>No realizar trabajo en el constructor</a:t>
-            </a:r>
+              <a:t>Evitar Campos y Métodos Estáticos</a:t>
+            </a:r>
+            <a:endParaRPr lang="es-PE" dirty="0">
+              <a:solidFill>
+                <a:srgbClr val="00823B"/>
+              </a:solidFill>
+            </a:endParaRPr>
           </a:p>
         </p:txBody>
       </p:sp>
@@ -28659,7 +29101,7 @@
 </p:sld>
 </file>
 
-<file path=ppt/slides/slide48.xml><?xml version="1.0" encoding="utf-8"?>
+<file path=ppt/slides/slide49.xml><?xml version="1.0" encoding="utf-8"?>
 <p:sld xmlns:a="http://schemas.openxmlformats.org/drawingml/2006/main" xmlns:r="http://schemas.openxmlformats.org/officeDocument/2006/relationships" xmlns:p="http://schemas.openxmlformats.org/presentationml/2006/main">
   <p:cSld>
     <p:spTree>
@@ -28983,224 +29425,6 @@
     <p:extLst>
       <p:ext uri="{BB962C8B-B14F-4D97-AF65-F5344CB8AC3E}">
         <p14:creationId xmlns:p14="http://schemas.microsoft.com/office/powerpoint/2010/main" val="1831207956"/>
-      </p:ext>
-    </p:extLst>
-  </p:cSld>
-  <p:clrMapOvr>
-    <a:masterClrMapping/>
-  </p:clrMapOvr>
-  <p:timing>
-    <p:tnLst>
-      <p:par>
-        <p:cTn id="1" dur="indefinite" restart="never" nodeType="tmRoot"/>
-      </p:par>
-    </p:tnLst>
-  </p:timing>
-</p:sld>
-</file>
-
-<file path=ppt/slides/slide49.xml><?xml version="1.0" encoding="utf-8"?>
-<p:sld xmlns:a="http://schemas.openxmlformats.org/drawingml/2006/main" xmlns:r="http://schemas.openxmlformats.org/officeDocument/2006/relationships" xmlns:p="http://schemas.openxmlformats.org/presentationml/2006/main">
-  <p:cSld>
-    <p:spTree>
-      <p:nvGrpSpPr>
-        <p:cNvPr id="1" name=""/>
-        <p:cNvGrpSpPr/>
-        <p:nvPr/>
-      </p:nvGrpSpPr>
-      <p:grpSpPr>
-        <a:xfrm>
-          <a:off x="0" y="0"/>
-          <a:ext cx="0" cy="0"/>
-          <a:chOff x="0" y="0"/>
-          <a:chExt cx="0" cy="0"/>
-        </a:xfrm>
-      </p:grpSpPr>
-      <p:sp>
-        <p:nvSpPr>
-          <p:cNvPr id="8" name="7 CuadroTexto"/>
-          <p:cNvSpPr txBox="1"/>
-          <p:nvPr/>
-        </p:nvSpPr>
-        <p:spPr>
-          <a:xfrm>
-            <a:off x="501366" y="1149707"/>
-            <a:ext cx="8175090" cy="5078313"/>
-          </a:xfrm>
-          <a:prstGeom prst="rect">
-            <a:avLst/>
-          </a:prstGeom>
-          <a:noFill/>
-        </p:spPr>
-        <p:txBody>
-          <a:bodyPr wrap="square" rtlCol="0">
-            <a:spAutoFit/>
-          </a:bodyPr>
-          <a:lstStyle/>
-          <a:p>
-            <a:r>
-              <a:rPr lang="es-PE" sz="2800" b="1" dirty="0" smtClean="0">
-                <a:solidFill>
-                  <a:srgbClr val="FFC000"/>
-                </a:solidFill>
-              </a:rPr>
-              <a:t>Señales</a:t>
-            </a:r>
-          </a:p>
-          <a:p>
-            <a:pPr lvl="1" indent="-457200">
-              <a:buFont typeface="Wingdings" pitchFamily="2" charset="2"/>
-              <a:buChar char="§"/>
-            </a:pPr>
-            <a:r>
-              <a:rPr lang="es-PE" sz="2400" dirty="0" smtClean="0"/>
-              <a:t>Herencia como una forma fácil de reutilizar comportamiento.</a:t>
-            </a:r>
-            <a:endParaRPr lang="es-PE" sz="2400" dirty="0"/>
-          </a:p>
-          <a:p>
-            <a:pPr lvl="1" indent="-457200">
-              <a:buFont typeface="Wingdings" pitchFamily="2" charset="2"/>
-              <a:buChar char="§"/>
-            </a:pPr>
-            <a:endParaRPr lang="es-PE" sz="2400" dirty="0"/>
-          </a:p>
-          <a:p>
-            <a:r>
-              <a:rPr lang="es-PE" sz="2800" b="1" dirty="0">
-                <a:solidFill>
-                  <a:srgbClr val="FFC000"/>
-                </a:solidFill>
-              </a:rPr>
-              <a:t>Problemas</a:t>
-            </a:r>
-          </a:p>
-          <a:p>
-            <a:pPr marL="457200" indent="-457200">
-              <a:buFont typeface="Wingdings" pitchFamily="2" charset="2"/>
-              <a:buChar char="§"/>
-            </a:pPr>
-            <a:r>
-              <a:rPr lang="es-PE" sz="2400" dirty="0" smtClean="0"/>
-              <a:t>Introduce acoplamiento que no permite remplazar objetos de la jerarquía de la herencia.</a:t>
-            </a:r>
-          </a:p>
-          <a:p>
-            <a:pPr marL="457200" indent="-457200">
-              <a:buFont typeface="Wingdings" pitchFamily="2" charset="2"/>
-              <a:buChar char="§"/>
-            </a:pPr>
-            <a:endParaRPr lang="es-PE" sz="2400" dirty="0"/>
-          </a:p>
-          <a:p>
-            <a:r>
-              <a:rPr lang="es-PE" sz="2800" b="1" dirty="0">
-                <a:solidFill>
-                  <a:srgbClr val="FFC000"/>
-                </a:solidFill>
-              </a:rPr>
-              <a:t>Solución</a:t>
-            </a:r>
-          </a:p>
-          <a:p>
-            <a:pPr marL="342900" indent="-342900">
-              <a:buFont typeface="Arial" pitchFamily="34" charset="0"/>
-              <a:buChar char="•"/>
-            </a:pPr>
-            <a:r>
-              <a:rPr lang="es-PE" sz="2400" dirty="0" smtClean="0"/>
-              <a:t>El propósito de la herencia es el polimorfismo y no la reutilización. </a:t>
-            </a:r>
-            <a:r>
-              <a:rPr lang="es-PE" sz="2400" dirty="0"/>
-              <a:t> </a:t>
-            </a:r>
-            <a:r>
-              <a:rPr lang="es-PE" sz="2400" dirty="0" smtClean="0"/>
-              <a:t/>
-            </a:r>
-            <a:br>
-              <a:rPr lang="es-PE" sz="2400" dirty="0" smtClean="0"/>
-            </a:br>
-            <a:r>
-              <a:rPr lang="es-PE" sz="2400" dirty="0" smtClean="0"/>
-              <a:t>Sino se está tomando ventaja del polimorfismo usar composición.</a:t>
-            </a:r>
-          </a:p>
-        </p:txBody>
-      </p:sp>
-      <p:sp>
-        <p:nvSpPr>
-          <p:cNvPr id="4" name="2 Título"/>
-          <p:cNvSpPr>
-            <a:spLocks noGrp="1"/>
-          </p:cNvSpPr>
-          <p:nvPr>
-            <p:ph type="title"/>
-          </p:nvPr>
-        </p:nvSpPr>
-        <p:spPr>
-          <a:xfrm>
-            <a:off x="431540" y="146612"/>
-            <a:ext cx="8229600" cy="834116"/>
-          </a:xfrm>
-        </p:spPr>
-        <p:txBody>
-          <a:bodyPr/>
-          <a:lstStyle/>
-          <a:p>
-            <a:r>
-              <a:rPr lang="es-PE" dirty="0" err="1" smtClean="0">
-                <a:solidFill>
-                  <a:srgbClr val="00823B"/>
-                </a:solidFill>
-              </a:rPr>
-              <a:t>Composition</a:t>
-            </a:r>
-            <a:r>
-              <a:rPr lang="es-PE" dirty="0" smtClean="0">
-                <a:solidFill>
-                  <a:srgbClr val="00823B"/>
-                </a:solidFill>
-              </a:rPr>
-              <a:t> </a:t>
-            </a:r>
-            <a:r>
-              <a:rPr lang="es-PE" dirty="0" err="1" smtClean="0">
-                <a:solidFill>
-                  <a:srgbClr val="00823B"/>
-                </a:solidFill>
-              </a:rPr>
-              <a:t>over</a:t>
-            </a:r>
-            <a:r>
-              <a:rPr lang="es-PE" dirty="0" smtClean="0">
-                <a:solidFill>
-                  <a:srgbClr val="00823B"/>
-                </a:solidFill>
-              </a:rPr>
-              <a:t> </a:t>
-            </a:r>
-            <a:r>
-              <a:rPr lang="es-PE" dirty="0" err="1" smtClean="0">
-                <a:solidFill>
-                  <a:srgbClr val="00823B"/>
-                </a:solidFill>
-              </a:rPr>
-              <a:t>Inheritance</a:t>
-            </a:r>
-            <a:endParaRPr lang="es-PE" dirty="0">
-              <a:solidFill>
-                <a:srgbClr val="00823B"/>
-              </a:solidFill>
-            </a:endParaRPr>
-          </a:p>
-        </p:txBody>
-      </p:sp>
-    </p:spTree>
-    <p:extLst>
-      <p:ext uri="{BB962C8B-B14F-4D97-AF65-F5344CB8AC3E}">
-        <p14:creationId xmlns:p14="http://schemas.microsoft.com/office/powerpoint/2010/main" val="2743756488"/>
       </p:ext>
     </p:extLst>
   </p:cSld>
@@ -29585,6 +29809,224 @@
 </file>
 
 <file path=ppt/slides/slide50.xml><?xml version="1.0" encoding="utf-8"?>
+<p:sld xmlns:a="http://schemas.openxmlformats.org/drawingml/2006/main" xmlns:r="http://schemas.openxmlformats.org/officeDocument/2006/relationships" xmlns:p="http://schemas.openxmlformats.org/presentationml/2006/main">
+  <p:cSld>
+    <p:spTree>
+      <p:nvGrpSpPr>
+        <p:cNvPr id="1" name=""/>
+        <p:cNvGrpSpPr/>
+        <p:nvPr/>
+      </p:nvGrpSpPr>
+      <p:grpSpPr>
+        <a:xfrm>
+          <a:off x="0" y="0"/>
+          <a:ext cx="0" cy="0"/>
+          <a:chOff x="0" y="0"/>
+          <a:chExt cx="0" cy="0"/>
+        </a:xfrm>
+      </p:grpSpPr>
+      <p:sp>
+        <p:nvSpPr>
+          <p:cNvPr id="8" name="7 CuadroTexto"/>
+          <p:cNvSpPr txBox="1"/>
+          <p:nvPr/>
+        </p:nvSpPr>
+        <p:spPr>
+          <a:xfrm>
+            <a:off x="501366" y="1149707"/>
+            <a:ext cx="8175090" cy="5078313"/>
+          </a:xfrm>
+          <a:prstGeom prst="rect">
+            <a:avLst/>
+          </a:prstGeom>
+          <a:noFill/>
+        </p:spPr>
+        <p:txBody>
+          <a:bodyPr wrap="square" rtlCol="0">
+            <a:spAutoFit/>
+          </a:bodyPr>
+          <a:lstStyle/>
+          <a:p>
+            <a:r>
+              <a:rPr lang="es-PE" sz="2800" b="1" dirty="0" smtClean="0">
+                <a:solidFill>
+                  <a:srgbClr val="FFC000"/>
+                </a:solidFill>
+              </a:rPr>
+              <a:t>Señales</a:t>
+            </a:r>
+          </a:p>
+          <a:p>
+            <a:pPr lvl="1" indent="-457200">
+              <a:buFont typeface="Wingdings" pitchFamily="2" charset="2"/>
+              <a:buChar char="§"/>
+            </a:pPr>
+            <a:r>
+              <a:rPr lang="es-PE" sz="2400" dirty="0" smtClean="0"/>
+              <a:t>Herencia como una forma fácil de reutilizar comportamiento.</a:t>
+            </a:r>
+            <a:endParaRPr lang="es-PE" sz="2400" dirty="0"/>
+          </a:p>
+          <a:p>
+            <a:pPr lvl="1" indent="-457200">
+              <a:buFont typeface="Wingdings" pitchFamily="2" charset="2"/>
+              <a:buChar char="§"/>
+            </a:pPr>
+            <a:endParaRPr lang="es-PE" sz="2400" dirty="0"/>
+          </a:p>
+          <a:p>
+            <a:r>
+              <a:rPr lang="es-PE" sz="2800" b="1" dirty="0">
+                <a:solidFill>
+                  <a:srgbClr val="FFC000"/>
+                </a:solidFill>
+              </a:rPr>
+              <a:t>Problemas</a:t>
+            </a:r>
+          </a:p>
+          <a:p>
+            <a:pPr marL="457200" indent="-457200">
+              <a:buFont typeface="Wingdings" pitchFamily="2" charset="2"/>
+              <a:buChar char="§"/>
+            </a:pPr>
+            <a:r>
+              <a:rPr lang="es-PE" sz="2400" dirty="0" smtClean="0"/>
+              <a:t>Introduce acoplamiento que no permite remplazar objetos de la jerarquía de la herencia.</a:t>
+            </a:r>
+          </a:p>
+          <a:p>
+            <a:pPr marL="457200" indent="-457200">
+              <a:buFont typeface="Wingdings" pitchFamily="2" charset="2"/>
+              <a:buChar char="§"/>
+            </a:pPr>
+            <a:endParaRPr lang="es-PE" sz="2400" dirty="0"/>
+          </a:p>
+          <a:p>
+            <a:r>
+              <a:rPr lang="es-PE" sz="2800" b="1" dirty="0">
+                <a:solidFill>
+                  <a:srgbClr val="FFC000"/>
+                </a:solidFill>
+              </a:rPr>
+              <a:t>Solución</a:t>
+            </a:r>
+          </a:p>
+          <a:p>
+            <a:pPr marL="342900" indent="-342900">
+              <a:buFont typeface="Arial" pitchFamily="34" charset="0"/>
+              <a:buChar char="•"/>
+            </a:pPr>
+            <a:r>
+              <a:rPr lang="es-PE" sz="2400" dirty="0" smtClean="0"/>
+              <a:t>El propósito de la herencia es el polimorfismo y no la reutilización. </a:t>
+            </a:r>
+            <a:r>
+              <a:rPr lang="es-PE" sz="2400" dirty="0"/>
+              <a:t> </a:t>
+            </a:r>
+            <a:r>
+              <a:rPr lang="es-PE" sz="2400" dirty="0" smtClean="0"/>
+              <a:t/>
+            </a:r>
+            <a:br>
+              <a:rPr lang="es-PE" sz="2400" dirty="0" smtClean="0"/>
+            </a:br>
+            <a:r>
+              <a:rPr lang="es-PE" sz="2400" dirty="0" smtClean="0"/>
+              <a:t>Sino se está tomando ventaja del polimorfismo usar composición.</a:t>
+            </a:r>
+          </a:p>
+        </p:txBody>
+      </p:sp>
+      <p:sp>
+        <p:nvSpPr>
+          <p:cNvPr id="4" name="2 Título"/>
+          <p:cNvSpPr>
+            <a:spLocks noGrp="1"/>
+          </p:cNvSpPr>
+          <p:nvPr>
+            <p:ph type="title"/>
+          </p:nvPr>
+        </p:nvSpPr>
+        <p:spPr>
+          <a:xfrm>
+            <a:off x="431540" y="146612"/>
+            <a:ext cx="8229600" cy="834116"/>
+          </a:xfrm>
+        </p:spPr>
+        <p:txBody>
+          <a:bodyPr/>
+          <a:lstStyle/>
+          <a:p>
+            <a:r>
+              <a:rPr lang="es-PE" dirty="0" err="1" smtClean="0">
+                <a:solidFill>
+                  <a:srgbClr val="00823B"/>
+                </a:solidFill>
+              </a:rPr>
+              <a:t>Composition</a:t>
+            </a:r>
+            <a:r>
+              <a:rPr lang="es-PE" dirty="0" smtClean="0">
+                <a:solidFill>
+                  <a:srgbClr val="00823B"/>
+                </a:solidFill>
+              </a:rPr>
+              <a:t> </a:t>
+            </a:r>
+            <a:r>
+              <a:rPr lang="es-PE" dirty="0" err="1" smtClean="0">
+                <a:solidFill>
+                  <a:srgbClr val="00823B"/>
+                </a:solidFill>
+              </a:rPr>
+              <a:t>over</a:t>
+            </a:r>
+            <a:r>
+              <a:rPr lang="es-PE" dirty="0" smtClean="0">
+                <a:solidFill>
+                  <a:srgbClr val="00823B"/>
+                </a:solidFill>
+              </a:rPr>
+              <a:t> </a:t>
+            </a:r>
+            <a:r>
+              <a:rPr lang="es-PE" dirty="0" err="1" smtClean="0">
+                <a:solidFill>
+                  <a:srgbClr val="00823B"/>
+                </a:solidFill>
+              </a:rPr>
+              <a:t>Inheritance</a:t>
+            </a:r>
+            <a:endParaRPr lang="es-PE" dirty="0">
+              <a:solidFill>
+                <a:srgbClr val="00823B"/>
+              </a:solidFill>
+            </a:endParaRPr>
+          </a:p>
+        </p:txBody>
+      </p:sp>
+    </p:spTree>
+    <p:extLst>
+      <p:ext uri="{BB962C8B-B14F-4D97-AF65-F5344CB8AC3E}">
+        <p14:creationId xmlns:p14="http://schemas.microsoft.com/office/powerpoint/2010/main" val="2743756488"/>
+      </p:ext>
+    </p:extLst>
+  </p:cSld>
+  <p:clrMapOvr>
+    <a:masterClrMapping/>
+  </p:clrMapOvr>
+  <p:timing>
+    <p:tnLst>
+      <p:par>
+        <p:cTn id="1" dur="indefinite" restart="never" nodeType="tmRoot"/>
+      </p:par>
+    </p:tnLst>
+  </p:timing>
+</p:sld>
+</file>
+
+<file path=ppt/slides/slide51.xml><?xml version="1.0" encoding="utf-8"?>
 <p:sld xmlns:a="http://schemas.openxmlformats.org/drawingml/2006/main" xmlns:r="http://schemas.openxmlformats.org/officeDocument/2006/relationships" xmlns:p="http://schemas.openxmlformats.org/presentationml/2006/main">
   <p:cSld>
     <p:spTree>

--- a/Diapositivas/2. Mocking.pptx
+++ b/Diapositivas/2. Mocking.pptx
@@ -294,7 +294,7 @@
           <a:p>
             <a:fld id="{63D5FC4C-9EE1-4746-A368-724F618FC790}" type="datetimeFigureOut">
               <a:rPr lang="es-PE" smtClean="0"/>
-              <a:t>26/01/2013</a:t>
+              <a:t>02/02/2013</a:t>
             </a:fld>
             <a:endParaRPr lang="es-PE"/>
           </a:p>
@@ -3044,108 +3044,6 @@
               <a:buFontTx/>
               <a:buNone/>
             </a:pPr>
-            <a:r>
-              <a:rPr lang="es-PE" noProof="0" dirty="0" smtClean="0"/>
-              <a:t>Explicar </a:t>
-            </a:r>
-            <a:r>
-              <a:rPr lang="es-PE" noProof="0" dirty="0" err="1" smtClean="0"/>
-              <a:t>xq</a:t>
-            </a:r>
-            <a:r>
-              <a:rPr lang="es-PE" noProof="0" dirty="0" smtClean="0"/>
-              <a:t> prefiero utilizar interfaces para </a:t>
-            </a:r>
-            <a:r>
-              <a:rPr lang="es-PE" noProof="0" dirty="0" err="1" smtClean="0"/>
-              <a:t>mockear</a:t>
-            </a:r>
-            <a:r>
-              <a:rPr lang="es-PE" noProof="0" dirty="0" smtClean="0"/>
-              <a:t> y no clases</a:t>
-            </a:r>
-            <a:r>
-              <a:rPr lang="es-PE" baseline="0" noProof="0" dirty="0" smtClean="0"/>
-              <a:t> concretas.</a:t>
-            </a:r>
-          </a:p>
-          <a:p>
-            <a:pPr marL="0" indent="0">
-              <a:buFontTx/>
-              <a:buNone/>
-            </a:pPr>
-            <a:endParaRPr lang="es-PE" baseline="0" noProof="0" dirty="0" smtClean="0"/>
-          </a:p>
-          <a:p>
-            <a:pPr marL="171450" indent="-171450">
-              <a:buFontTx/>
-              <a:buChar char="-"/>
-            </a:pPr>
-            <a:r>
-              <a:rPr lang="es-PE" baseline="0" noProof="0" dirty="0" smtClean="0"/>
-              <a:t>Crear solo la firma de test</a:t>
-            </a:r>
-          </a:p>
-          <a:p>
-            <a:pPr marL="171450" indent="-171450">
-              <a:buFontTx/>
-              <a:buChar char="-"/>
-            </a:pPr>
-            <a:r>
-              <a:rPr lang="es-PE" baseline="0" noProof="0" dirty="0" smtClean="0"/>
-              <a:t>Realizar la inyección y la inversión(en java el último paso extraer la interfaz y usar tipo base)</a:t>
-            </a:r>
-          </a:p>
-          <a:p>
-            <a:pPr marL="171450" indent="-171450">
-              <a:buFontTx/>
-              <a:buChar char="-"/>
-            </a:pPr>
-            <a:r>
-              <a:rPr lang="es-PE" baseline="0" noProof="0" dirty="0" smtClean="0"/>
-              <a:t>Terminar el test</a:t>
-            </a:r>
-          </a:p>
-          <a:p>
-            <a:pPr marL="171450" indent="-171450">
-              <a:buFontTx/>
-              <a:buChar char="-"/>
-            </a:pPr>
-            <a:endParaRPr lang="es-PE" baseline="0" noProof="0" dirty="0" smtClean="0"/>
-          </a:p>
-          <a:p>
-            <a:pPr marL="0" indent="0">
-              <a:buFontTx/>
-              <a:buNone/>
-            </a:pPr>
-            <a:r>
-              <a:rPr lang="es-PE" baseline="0" noProof="0" dirty="0" smtClean="0"/>
-              <a:t>En el tercer test darse cuenta que pasa con la mantenibilidad, las herramientas ayudan, pero si lo estuvieras haciendo a mano, tendrías que modificar todos tus </a:t>
-            </a:r>
-            <a:r>
-              <a:rPr lang="es-PE" baseline="0" noProof="0" dirty="0" err="1" smtClean="0"/>
-              <a:t>tests</a:t>
-            </a:r>
-            <a:r>
-              <a:rPr lang="es-PE" baseline="0" noProof="0" dirty="0" smtClean="0"/>
-              <a:t>, y que pasa si esa clase estuviera por toda la </a:t>
-            </a:r>
-            <a:r>
-              <a:rPr lang="es-PE" baseline="0" noProof="0" dirty="0" err="1" smtClean="0"/>
-              <a:t>aplícación</a:t>
-            </a:r>
-            <a:r>
-              <a:rPr lang="es-PE" baseline="0" noProof="0" dirty="0" smtClean="0"/>
-              <a:t>? (hacer el cambio a </a:t>
-            </a:r>
-            <a:r>
-              <a:rPr lang="es-PE" baseline="0" noProof="0" dirty="0" err="1" smtClean="0"/>
-              <a:t>setup</a:t>
-            </a:r>
-            <a:r>
-              <a:rPr lang="es-PE" baseline="0" noProof="0" dirty="0" smtClean="0"/>
-              <a:t> terminando el tercer test pero antes de ejecutarlo)</a:t>
-            </a:r>
             <a:endParaRPr lang="es-PE" noProof="0" dirty="0"/>
           </a:p>
         </p:txBody>
@@ -9395,7 +9293,7 @@
             <a:fld id="{807CB568-C05F-482F-9F26-AA302B8892DF}" type="datetimeFigureOut">
               <a:rPr lang="es-ES" smtClean="0"/>
               <a:pPr/>
-              <a:t>26/01/2013</a:t>
+              <a:t>02/02/2013</a:t>
             </a:fld>
             <a:endParaRPr lang="es-ES"/>
           </a:p>
@@ -9574,7 +9472,7 @@
             <a:fld id="{807CB568-C05F-482F-9F26-AA302B8892DF}" type="datetimeFigureOut">
               <a:rPr lang="es-ES" smtClean="0"/>
               <a:pPr/>
-              <a:t>26/01/2013</a:t>
+              <a:t>02/02/2013</a:t>
             </a:fld>
             <a:endParaRPr lang="es-ES"/>
           </a:p>
@@ -9763,7 +9661,7 @@
             <a:fld id="{807CB568-C05F-482F-9F26-AA302B8892DF}" type="datetimeFigureOut">
               <a:rPr lang="es-ES" smtClean="0"/>
               <a:pPr/>
-              <a:t>26/01/2013</a:t>
+              <a:t>02/02/2013</a:t>
             </a:fld>
             <a:endParaRPr lang="es-ES"/>
           </a:p>
@@ -9942,7 +9840,7 @@
             <a:fld id="{807CB568-C05F-482F-9F26-AA302B8892DF}" type="datetimeFigureOut">
               <a:rPr lang="es-ES" smtClean="0"/>
               <a:pPr/>
-              <a:t>26/01/2013</a:t>
+              <a:t>02/02/2013</a:t>
             </a:fld>
             <a:endParaRPr lang="es-ES"/>
           </a:p>
@@ -10197,7 +10095,7 @@
             <a:fld id="{807CB568-C05F-482F-9F26-AA302B8892DF}" type="datetimeFigureOut">
               <a:rPr lang="es-ES" smtClean="0"/>
               <a:pPr/>
-              <a:t>26/01/2013</a:t>
+              <a:t>02/02/2013</a:t>
             </a:fld>
             <a:endParaRPr lang="es-ES"/>
           </a:p>
@@ -10494,7 +10392,7 @@
             <a:fld id="{807CB568-C05F-482F-9F26-AA302B8892DF}" type="datetimeFigureOut">
               <a:rPr lang="es-ES" smtClean="0"/>
               <a:pPr/>
-              <a:t>26/01/2013</a:t>
+              <a:t>02/02/2013</a:t>
             </a:fld>
             <a:endParaRPr lang="es-ES"/>
           </a:p>
@@ -10925,7 +10823,7 @@
             <a:fld id="{807CB568-C05F-482F-9F26-AA302B8892DF}" type="datetimeFigureOut">
               <a:rPr lang="es-ES" smtClean="0"/>
               <a:pPr/>
-              <a:t>26/01/2013</a:t>
+              <a:t>02/02/2013</a:t>
             </a:fld>
             <a:endParaRPr lang="es-ES"/>
           </a:p>
@@ -11052,7 +10950,7 @@
             <a:fld id="{807CB568-C05F-482F-9F26-AA302B8892DF}" type="datetimeFigureOut">
               <a:rPr lang="es-ES" smtClean="0"/>
               <a:pPr/>
-              <a:t>26/01/2013</a:t>
+              <a:t>02/02/2013</a:t>
             </a:fld>
             <a:endParaRPr lang="es-ES"/>
           </a:p>
@@ -11156,7 +11054,7 @@
             <a:fld id="{807CB568-C05F-482F-9F26-AA302B8892DF}" type="datetimeFigureOut">
               <a:rPr lang="es-ES" smtClean="0"/>
               <a:pPr/>
-              <a:t>26/01/2013</a:t>
+              <a:t>02/02/2013</a:t>
             </a:fld>
             <a:endParaRPr lang="es-ES"/>
           </a:p>
@@ -11442,7 +11340,7 @@
             <a:fld id="{807CB568-C05F-482F-9F26-AA302B8892DF}" type="datetimeFigureOut">
               <a:rPr lang="es-ES" smtClean="0"/>
               <a:pPr/>
-              <a:t>26/01/2013</a:t>
+              <a:t>02/02/2013</a:t>
             </a:fld>
             <a:endParaRPr lang="es-ES"/>
           </a:p>
@@ -11711,7 +11609,7 @@
             <a:fld id="{807CB568-C05F-482F-9F26-AA302B8892DF}" type="datetimeFigureOut">
               <a:rPr lang="es-ES" smtClean="0"/>
               <a:pPr/>
-              <a:t>26/01/2013</a:t>
+              <a:t>02/02/2013</a:t>
             </a:fld>
             <a:endParaRPr lang="es-ES"/>
           </a:p>
@@ -11962,7 +11860,7 @@
             <a:fld id="{807CB568-C05F-482F-9F26-AA302B8892DF}" type="datetimeFigureOut">
               <a:rPr lang="es-ES" smtClean="0"/>
               <a:pPr/>
-              <a:t>26/01/2013</a:t>
+              <a:t>02/02/2013</a:t>
             </a:fld>
             <a:endParaRPr lang="es-ES"/>
           </a:p>
@@ -29063,15 +28961,7 @@
                   <a:srgbClr val="00823B"/>
                 </a:solidFill>
               </a:rPr>
-              <a:t> </a:t>
-            </a:r>
-            <a:r>
-              <a:rPr lang="es-PE" dirty="0" smtClean="0">
-                <a:solidFill>
-                  <a:srgbClr val="00823B"/>
-                </a:solidFill>
-              </a:rPr>
-              <a:t>Evitar Campos y Métodos Estáticos</a:t>
+              <a:t> Evitar Campos y Métodos Estáticos</a:t>
             </a:r>
             <a:endParaRPr lang="es-PE" dirty="0">
               <a:solidFill>

--- a/Diapositivas/2. Mocking.pptx
+++ b/Diapositivas/2. Mocking.pptx
@@ -5,7 +5,7 @@
     <p:sldMasterId id="2147483684" r:id="rId1"/>
   </p:sldMasterIdLst>
   <p:notesMasterIdLst>
-    <p:notesMasterId r:id="rId53"/>
+    <p:notesMasterId r:id="rId54"/>
   </p:notesMasterIdLst>
   <p:sldIdLst>
     <p:sldId id="684" r:id="rId2"/>
@@ -59,6 +59,7 @@
     <p:sldId id="639" r:id="rId50"/>
     <p:sldId id="640" r:id="rId51"/>
     <p:sldId id="658" r:id="rId52"/>
+    <p:sldId id="686" r:id="rId53"/>
   </p:sldIdLst>
   <p:sldSz cx="9144000" cy="6858000" type="screen4x3"/>
   <p:notesSz cx="6858000" cy="9144000"/>
@@ -294,7 +295,7 @@
           <a:p>
             <a:fld id="{63D5FC4C-9EE1-4746-A368-724F618FC790}" type="datetimeFigureOut">
               <a:rPr lang="es-PE" smtClean="0"/>
-              <a:t>02/02/2013</a:t>
+              <a:t>05/02/2013</a:t>
             </a:fld>
             <a:endParaRPr lang="es-PE"/>
           </a:p>
@@ -8564,6 +8565,90 @@
 </p:notes>
 </file>
 
+<file path=ppt/notesSlides/notesSlide52.xml><?xml version="1.0" encoding="utf-8"?>
+<p:notes xmlns:a="http://schemas.openxmlformats.org/drawingml/2006/main" xmlns:r="http://schemas.openxmlformats.org/officeDocument/2006/relationships" xmlns:p="http://schemas.openxmlformats.org/presentationml/2006/main">
+  <p:cSld>
+    <p:spTree>
+      <p:nvGrpSpPr>
+        <p:cNvPr id="1" name=""/>
+        <p:cNvGrpSpPr/>
+        <p:nvPr/>
+      </p:nvGrpSpPr>
+      <p:grpSpPr>
+        <a:xfrm>
+          <a:off x="0" y="0"/>
+          <a:ext cx="0" cy="0"/>
+          <a:chOff x="0" y="0"/>
+          <a:chExt cx="0" cy="0"/>
+        </a:xfrm>
+      </p:grpSpPr>
+      <p:sp>
+        <p:nvSpPr>
+          <p:cNvPr id="2" name="1 Marcador de imagen de diapositiva"/>
+          <p:cNvSpPr>
+            <a:spLocks noGrp="1" noRot="1" noChangeAspect="1"/>
+          </p:cNvSpPr>
+          <p:nvPr>
+            <p:ph type="sldImg"/>
+          </p:nvPr>
+        </p:nvSpPr>
+        <p:spPr/>
+      </p:sp>
+      <p:sp>
+        <p:nvSpPr>
+          <p:cNvPr id="3" name="2 Marcador de notas"/>
+          <p:cNvSpPr>
+            <a:spLocks noGrp="1"/>
+          </p:cNvSpPr>
+          <p:nvPr>
+            <p:ph type="body" idx="1"/>
+          </p:nvPr>
+        </p:nvSpPr>
+        <p:spPr/>
+        <p:txBody>
+          <a:bodyPr/>
+          <a:lstStyle/>
+          <a:p>
+            <a:endParaRPr lang="es-PE" dirty="0"/>
+          </a:p>
+        </p:txBody>
+      </p:sp>
+      <p:sp>
+        <p:nvSpPr>
+          <p:cNvPr id="4" name="3 Marcador de número de diapositiva"/>
+          <p:cNvSpPr>
+            <a:spLocks noGrp="1"/>
+          </p:cNvSpPr>
+          <p:nvPr>
+            <p:ph type="sldNum" sz="quarter" idx="10"/>
+          </p:nvPr>
+        </p:nvSpPr>
+        <p:spPr/>
+        <p:txBody>
+          <a:bodyPr/>
+          <a:lstStyle/>
+          <a:p>
+            <a:fld id="{96DE5A63-0F1F-4DC0-ADE0-CC17EBA6F230}" type="slidenum">
+              <a:rPr lang="es-PE" smtClean="0"/>
+              <a:t>52</a:t>
+            </a:fld>
+            <a:endParaRPr lang="es-PE"/>
+          </a:p>
+        </p:txBody>
+      </p:sp>
+    </p:spTree>
+    <p:extLst>
+      <p:ext uri="{BB962C8B-B14F-4D97-AF65-F5344CB8AC3E}">
+        <p14:creationId xmlns:p14="http://schemas.microsoft.com/office/powerpoint/2010/main" val="1461112982"/>
+      </p:ext>
+    </p:extLst>
+  </p:cSld>
+  <p:clrMapOvr>
+    <a:masterClrMapping/>
+  </p:clrMapOvr>
+</p:notes>
+</file>
+
 <file path=ppt/notesSlides/notesSlide6.xml><?xml version="1.0" encoding="utf-8"?>
 <p:notes xmlns:a="http://schemas.openxmlformats.org/drawingml/2006/main" xmlns:r="http://schemas.openxmlformats.org/officeDocument/2006/relationships" xmlns:p="http://schemas.openxmlformats.org/presentationml/2006/main">
   <p:cSld>
@@ -9293,7 +9378,7 @@
             <a:fld id="{807CB568-C05F-482F-9F26-AA302B8892DF}" type="datetimeFigureOut">
               <a:rPr lang="es-ES" smtClean="0"/>
               <a:pPr/>
-              <a:t>02/02/2013</a:t>
+              <a:t>05/02/2013</a:t>
             </a:fld>
             <a:endParaRPr lang="es-ES"/>
           </a:p>
@@ -9472,7 +9557,7 @@
             <a:fld id="{807CB568-C05F-482F-9F26-AA302B8892DF}" type="datetimeFigureOut">
               <a:rPr lang="es-ES" smtClean="0"/>
               <a:pPr/>
-              <a:t>02/02/2013</a:t>
+              <a:t>05/02/2013</a:t>
             </a:fld>
             <a:endParaRPr lang="es-ES"/>
           </a:p>
@@ -9661,7 +9746,7 @@
             <a:fld id="{807CB568-C05F-482F-9F26-AA302B8892DF}" type="datetimeFigureOut">
               <a:rPr lang="es-ES" smtClean="0"/>
               <a:pPr/>
-              <a:t>02/02/2013</a:t>
+              <a:t>05/02/2013</a:t>
             </a:fld>
             <a:endParaRPr lang="es-ES"/>
           </a:p>
@@ -9840,7 +9925,7 @@
             <a:fld id="{807CB568-C05F-482F-9F26-AA302B8892DF}" type="datetimeFigureOut">
               <a:rPr lang="es-ES" smtClean="0"/>
               <a:pPr/>
-              <a:t>02/02/2013</a:t>
+              <a:t>05/02/2013</a:t>
             </a:fld>
             <a:endParaRPr lang="es-ES"/>
           </a:p>
@@ -10095,7 +10180,7 @@
             <a:fld id="{807CB568-C05F-482F-9F26-AA302B8892DF}" type="datetimeFigureOut">
               <a:rPr lang="es-ES" smtClean="0"/>
               <a:pPr/>
-              <a:t>02/02/2013</a:t>
+              <a:t>05/02/2013</a:t>
             </a:fld>
             <a:endParaRPr lang="es-ES"/>
           </a:p>
@@ -10392,7 +10477,7 @@
             <a:fld id="{807CB568-C05F-482F-9F26-AA302B8892DF}" type="datetimeFigureOut">
               <a:rPr lang="es-ES" smtClean="0"/>
               <a:pPr/>
-              <a:t>02/02/2013</a:t>
+              <a:t>05/02/2013</a:t>
             </a:fld>
             <a:endParaRPr lang="es-ES"/>
           </a:p>
@@ -10823,7 +10908,7 @@
             <a:fld id="{807CB568-C05F-482F-9F26-AA302B8892DF}" type="datetimeFigureOut">
               <a:rPr lang="es-ES" smtClean="0"/>
               <a:pPr/>
-              <a:t>02/02/2013</a:t>
+              <a:t>05/02/2013</a:t>
             </a:fld>
             <a:endParaRPr lang="es-ES"/>
           </a:p>
@@ -10950,7 +11035,7 @@
             <a:fld id="{807CB568-C05F-482F-9F26-AA302B8892DF}" type="datetimeFigureOut">
               <a:rPr lang="es-ES" smtClean="0"/>
               <a:pPr/>
-              <a:t>02/02/2013</a:t>
+              <a:t>05/02/2013</a:t>
             </a:fld>
             <a:endParaRPr lang="es-ES"/>
           </a:p>
@@ -11054,7 +11139,7 @@
             <a:fld id="{807CB568-C05F-482F-9F26-AA302B8892DF}" type="datetimeFigureOut">
               <a:rPr lang="es-ES" smtClean="0"/>
               <a:pPr/>
-              <a:t>02/02/2013</a:t>
+              <a:t>05/02/2013</a:t>
             </a:fld>
             <a:endParaRPr lang="es-ES"/>
           </a:p>
@@ -11340,7 +11425,7 @@
             <a:fld id="{807CB568-C05F-482F-9F26-AA302B8892DF}" type="datetimeFigureOut">
               <a:rPr lang="es-ES" smtClean="0"/>
               <a:pPr/>
-              <a:t>02/02/2013</a:t>
+              <a:t>05/02/2013</a:t>
             </a:fld>
             <a:endParaRPr lang="es-ES"/>
           </a:p>
@@ -11609,7 +11694,7 @@
             <a:fld id="{807CB568-C05F-482F-9F26-AA302B8892DF}" type="datetimeFigureOut">
               <a:rPr lang="es-ES" smtClean="0"/>
               <a:pPr/>
-              <a:t>02/02/2013</a:t>
+              <a:t>05/02/2013</a:t>
             </a:fld>
             <a:endParaRPr lang="es-ES"/>
           </a:p>
@@ -11860,7 +11945,7 @@
             <a:fld id="{807CB568-C05F-482F-9F26-AA302B8892DF}" type="datetimeFigureOut">
               <a:rPr lang="es-ES" smtClean="0"/>
               <a:pPr/>
-              <a:t>02/02/2013</a:t>
+              <a:t>05/02/2013</a:t>
             </a:fld>
             <a:endParaRPr lang="es-ES"/>
           </a:p>
@@ -18036,7 +18121,7 @@
               <a:t>Email: </a:t>
             </a:r>
             <a:r>
-              <a:rPr lang="en-US" sz="2000" dirty="0" smtClean="0">
+              <a:rPr lang="en-US" sz="2000" dirty="0">
                 <a:solidFill>
                   <a:srgbClr val="FFC000"/>
                 </a:solidFill>
@@ -18044,16 +18129,8 @@
                 <a:ea typeface="Calibri" pitchFamily="34" charset="0"/>
                 <a:cs typeface="Arial" pitchFamily="34" charset="0"/>
               </a:rPr>
-              <a:t>snahider@gmail.com</a:t>
-            </a:r>
-            <a:endParaRPr lang="en-US" sz="2000" dirty="0">
-              <a:solidFill>
-                <a:srgbClr val="FFC000"/>
-              </a:solidFill>
-              <a:latin typeface="Trebuchet MS" pitchFamily="34" charset="0"/>
-              <a:ea typeface="Calibri" pitchFamily="34" charset="0"/>
-              <a:cs typeface="Arial" pitchFamily="34" charset="0"/>
-            </a:endParaRPr>
+              <a:t>angel.nunez.salazar@gmail.com</a:t>
+            </a:r>
           </a:p>
           <a:p>
             <a:pPr lvl="0" algn="r" eaLnBrk="0" fontAlgn="base" hangingPunct="0">
@@ -26162,7 +26239,7 @@
               <a:t>Email: </a:t>
             </a:r>
             <a:r>
-              <a:rPr lang="en-US" sz="2000" dirty="0" smtClean="0">
+              <a:rPr lang="en-US" sz="2000" dirty="0">
                 <a:solidFill>
                   <a:srgbClr val="FFC000"/>
                 </a:solidFill>
@@ -26170,16 +26247,8 @@
                 <a:ea typeface="Calibri" pitchFamily="34" charset="0"/>
                 <a:cs typeface="Arial" pitchFamily="34" charset="0"/>
               </a:rPr>
-              <a:t>snahider@gmail.com</a:t>
-            </a:r>
-            <a:endParaRPr lang="en-US" sz="2000" dirty="0">
-              <a:solidFill>
-                <a:srgbClr val="FFC000"/>
-              </a:solidFill>
-              <a:latin typeface="Trebuchet MS" pitchFamily="34" charset="0"/>
-              <a:ea typeface="Calibri" pitchFamily="34" charset="0"/>
-              <a:cs typeface="Arial" pitchFamily="34" charset="0"/>
-            </a:endParaRPr>
+              <a:t>angel.nunez.salazar@gmail.com</a:t>
+            </a:r>
           </a:p>
           <a:p>
             <a:pPr lvl="0" algn="r" eaLnBrk="0" fontAlgn="base" hangingPunct="0">
@@ -28036,7 +28105,11 @@
             </a:pPr>
             <a:r>
               <a:rPr lang="es-PE" sz="2400" dirty="0" smtClean="0"/>
-              <a:t>Ingresar directamente como parámetro el objeto en interés.</a:t>
+              <a:t>Utilizar directamente </a:t>
+            </a:r>
+            <a:r>
+              <a:rPr lang="es-PE" sz="2400" dirty="0" smtClean="0"/>
+              <a:t>como parámetro el objeto en interés.</a:t>
             </a:r>
           </a:p>
         </p:txBody>
@@ -30034,6 +30107,319 @@
     <p:extLst>
       <p:ext uri="{BB962C8B-B14F-4D97-AF65-F5344CB8AC3E}">
         <p14:creationId xmlns:p14="http://schemas.microsoft.com/office/powerpoint/2010/main" val="102593121"/>
+      </p:ext>
+    </p:extLst>
+  </p:cSld>
+  <p:clrMapOvr>
+    <a:masterClrMapping/>
+  </p:clrMapOvr>
+  <p:timing>
+    <p:tnLst>
+      <p:par>
+        <p:cTn id="1" dur="indefinite" restart="never" nodeType="tmRoot"/>
+      </p:par>
+    </p:tnLst>
+  </p:timing>
+</p:sld>
+</file>
+
+<file path=ppt/slides/slide52.xml><?xml version="1.0" encoding="utf-8"?>
+<p:sld xmlns:a="http://schemas.openxmlformats.org/drawingml/2006/main" xmlns:r="http://schemas.openxmlformats.org/officeDocument/2006/relationships" xmlns:p="http://schemas.openxmlformats.org/presentationml/2006/main">
+  <p:cSld>
+    <p:spTree>
+      <p:nvGrpSpPr>
+        <p:cNvPr id="1" name=""/>
+        <p:cNvGrpSpPr/>
+        <p:nvPr/>
+      </p:nvGrpSpPr>
+      <p:grpSpPr>
+        <a:xfrm>
+          <a:off x="0" y="0"/>
+          <a:ext cx="0" cy="0"/>
+          <a:chOff x="0" y="0"/>
+          <a:chExt cx="0" cy="0"/>
+        </a:xfrm>
+      </p:grpSpPr>
+      <p:sp>
+        <p:nvSpPr>
+          <p:cNvPr id="2" name="1 Título"/>
+          <p:cNvSpPr>
+            <a:spLocks noGrp="1"/>
+          </p:cNvSpPr>
+          <p:nvPr>
+            <p:ph type="ctrTitle"/>
+          </p:nvPr>
+        </p:nvSpPr>
+        <p:spPr>
+          <a:xfrm>
+            <a:off x="472008" y="1124744"/>
+            <a:ext cx="8204448" cy="3600400"/>
+          </a:xfrm>
+        </p:spPr>
+        <p:txBody>
+          <a:bodyPr/>
+          <a:lstStyle/>
+          <a:p>
+            <a:r>
+              <a:rPr lang="en-US" sz="7200" b="1" dirty="0" smtClean="0">
+                <a:solidFill>
+                  <a:srgbClr val="FF0000"/>
+                </a:solidFill>
+              </a:rPr>
+              <a:t>Dependency Injection Containers</a:t>
+            </a:r>
+            <a:r>
+              <a:rPr lang="en-US" sz="8000" b="1" dirty="0" smtClean="0">
+                <a:solidFill>
+                  <a:srgbClr val="FF0000"/>
+                </a:solidFill>
+              </a:rPr>
+              <a:t/>
+            </a:r>
+            <a:br>
+              <a:rPr lang="en-US" sz="8000" b="1" dirty="0" smtClean="0">
+                <a:solidFill>
+                  <a:srgbClr val="FF0000"/>
+                </a:solidFill>
+              </a:rPr>
+            </a:br>
+            <a:r>
+              <a:rPr lang="en-US" sz="5400" b="1" dirty="0"/>
+              <a:t>Test Automation</a:t>
+            </a:r>
+            <a:endParaRPr lang="en-US" sz="5400" b="1" dirty="0">
+              <a:solidFill>
+                <a:srgbClr val="FF0000"/>
+              </a:solidFill>
+            </a:endParaRPr>
+          </a:p>
+        </p:txBody>
+      </p:sp>
+      <p:sp>
+        <p:nvSpPr>
+          <p:cNvPr id="5" name="2 Subtítulo"/>
+          <p:cNvSpPr txBox="1">
+            <a:spLocks/>
+          </p:cNvSpPr>
+          <p:nvPr/>
+        </p:nvSpPr>
+        <p:spPr bwMode="auto">
+          <a:xfrm>
+            <a:off x="179512" y="5407164"/>
+            <a:ext cx="3214709" cy="515717"/>
+          </a:xfrm>
+          <a:prstGeom prst="rect">
+            <a:avLst/>
+          </a:prstGeom>
+          <a:noFill/>
+          <a:ln w="9525">
+            <a:noFill/>
+            <a:miter lim="800000"/>
+            <a:headEnd/>
+            <a:tailEnd/>
+          </a:ln>
+        </p:spPr>
+        <p:txBody>
+          <a:bodyPr vert="horz" wrap="square" lIns="91440" tIns="45720" rIns="91440" bIns="45720" numCol="1" rtlCol="0" anchor="t" anchorCtr="0" compatLnSpc="1">
+            <a:prstTxWarp prst="textNoShape">
+              <a:avLst/>
+            </a:prstTxWarp>
+            <a:noAutofit/>
+          </a:bodyPr>
+          <a:lstStyle/>
+          <a:p>
+            <a:pPr marL="0" marR="0" lvl="0" indent="0" algn="ctr" defTabSz="914400" rtl="0" eaLnBrk="1" fontAlgn="auto" latinLnBrk="0" hangingPunct="1">
+              <a:lnSpc>
+                <a:spcPct val="100000"/>
+              </a:lnSpc>
+              <a:spcBef>
+                <a:spcPct val="20000"/>
+              </a:spcBef>
+              <a:spcAft>
+                <a:spcPts val="0"/>
+              </a:spcAft>
+              <a:buClrTx/>
+              <a:buSzTx/>
+              <a:buFont typeface="Arial" pitchFamily="34" charset="0"/>
+              <a:buNone/>
+              <a:tabLst/>
+              <a:defRPr/>
+            </a:pPr>
+            <a:r>
+              <a:rPr kumimoji="0" lang="es-PE" sz="2600" b="1" i="0" u="none" strike="noStrike" kern="1200" cap="none" spc="0" normalizeH="0" baseline="0" noProof="0" dirty="0" smtClean="0">
+                <a:ln>
+                  <a:noFill/>
+                </a:ln>
+                <a:solidFill>
+                  <a:srgbClr val="00B050"/>
+                </a:solidFill>
+                <a:effectLst/>
+                <a:uLnTx/>
+                <a:uFillTx/>
+              </a:rPr>
+              <a:t>Angel Núñez Salazar</a:t>
+            </a:r>
+          </a:p>
+        </p:txBody>
+      </p:sp>
+      <p:sp>
+        <p:nvSpPr>
+          <p:cNvPr id="7" name="Rectangle 1"/>
+          <p:cNvSpPr>
+            <a:spLocks noChangeArrowheads="1"/>
+          </p:cNvSpPr>
+          <p:nvPr/>
+        </p:nvSpPr>
+        <p:spPr bwMode="auto">
+          <a:xfrm>
+            <a:off x="3715072" y="5157192"/>
+            <a:ext cx="5105400" cy="1015663"/>
+          </a:xfrm>
+          <a:prstGeom prst="rect">
+            <a:avLst/>
+          </a:prstGeom>
+          <a:noFill/>
+          <a:ln w="9525">
+            <a:noFill/>
+            <a:miter lim="800000"/>
+            <a:headEnd/>
+            <a:tailEnd/>
+          </a:ln>
+          <a:effectLst/>
+        </p:spPr>
+        <p:txBody>
+          <a:bodyPr vert="horz" wrap="square" lIns="91440" tIns="45720" rIns="91440" bIns="45720" numCol="1" anchor="ctr" anchorCtr="0" compatLnSpc="1">
+            <a:prstTxWarp prst="textNoShape">
+              <a:avLst/>
+            </a:prstTxWarp>
+            <a:spAutoFit/>
+          </a:bodyPr>
+          <a:lstStyle/>
+          <a:p>
+            <a:pPr lvl="0" algn="r" fontAlgn="base">
+              <a:spcBef>
+                <a:spcPct val="0"/>
+              </a:spcBef>
+              <a:spcAft>
+                <a:spcPct val="0"/>
+              </a:spcAft>
+            </a:pPr>
+            <a:r>
+              <a:rPr lang="en-US" sz="2000" dirty="0" smtClean="0">
+                <a:latin typeface="Trebuchet MS" pitchFamily="34" charset="0"/>
+                <a:ea typeface="Calibri" pitchFamily="34" charset="0"/>
+                <a:cs typeface="Arial" pitchFamily="34" charset="0"/>
+              </a:rPr>
+              <a:t>Email: </a:t>
+            </a:r>
+            <a:r>
+              <a:rPr lang="en-US" sz="2000" dirty="0">
+                <a:solidFill>
+                  <a:srgbClr val="FFC000"/>
+                </a:solidFill>
+                <a:latin typeface="Trebuchet MS" pitchFamily="34" charset="0"/>
+                <a:ea typeface="Calibri" pitchFamily="34" charset="0"/>
+                <a:cs typeface="Arial" pitchFamily="34" charset="0"/>
+              </a:rPr>
+              <a:t>angel.nunez.salazar@gmail.com</a:t>
+            </a:r>
+          </a:p>
+          <a:p>
+            <a:pPr lvl="0" algn="r" eaLnBrk="0" fontAlgn="base" hangingPunct="0">
+              <a:spcBef>
+                <a:spcPct val="0"/>
+              </a:spcBef>
+              <a:spcAft>
+                <a:spcPct val="0"/>
+              </a:spcAft>
+            </a:pPr>
+            <a:r>
+              <a:rPr lang="en-US" sz="2000" dirty="0" smtClean="0">
+                <a:latin typeface="Trebuchet MS" pitchFamily="34" charset="0"/>
+                <a:ea typeface="Calibri" pitchFamily="34" charset="0"/>
+                <a:cs typeface="Arial" pitchFamily="34" charset="0"/>
+              </a:rPr>
+              <a:t>Blog: </a:t>
+            </a:r>
+            <a:r>
+              <a:rPr lang="en-US" sz="2000" dirty="0">
+                <a:solidFill>
+                  <a:srgbClr val="FFC000"/>
+                </a:solidFill>
+                <a:latin typeface="Trebuchet MS" pitchFamily="34" charset="0"/>
+                <a:ea typeface="Calibri" pitchFamily="34" charset="0"/>
+                <a:cs typeface="Arial" pitchFamily="34" charset="0"/>
+              </a:rPr>
+              <a:t>http://</a:t>
+            </a:r>
+            <a:r>
+              <a:rPr lang="en-US" sz="2000" dirty="0" smtClean="0">
+                <a:solidFill>
+                  <a:srgbClr val="FFC000"/>
+                </a:solidFill>
+                <a:latin typeface="Trebuchet MS" pitchFamily="34" charset="0"/>
+                <a:ea typeface="Calibri" pitchFamily="34" charset="0"/>
+                <a:cs typeface="Arial" pitchFamily="34" charset="0"/>
+              </a:rPr>
+              <a:t>snahider.blogspot.com</a:t>
+            </a:r>
+          </a:p>
+          <a:p>
+            <a:pPr lvl="0" algn="r" eaLnBrk="0" fontAlgn="base" hangingPunct="0">
+              <a:spcBef>
+                <a:spcPct val="0"/>
+              </a:spcBef>
+              <a:spcAft>
+                <a:spcPct val="0"/>
+              </a:spcAft>
+            </a:pPr>
+            <a:r>
+              <a:rPr lang="en-US" sz="2000" dirty="0" smtClean="0">
+                <a:latin typeface="Trebuchet MS" pitchFamily="34" charset="0"/>
+                <a:ea typeface="Calibri" pitchFamily="34" charset="0"/>
+                <a:cs typeface="Arial" pitchFamily="34" charset="0"/>
+              </a:rPr>
+              <a:t>Twitter: </a:t>
+            </a:r>
+            <a:r>
+              <a:rPr lang="en-US" sz="2000" dirty="0" smtClean="0">
+                <a:solidFill>
+                  <a:srgbClr val="FFC000"/>
+                </a:solidFill>
+                <a:latin typeface="Trebuchet MS" pitchFamily="34" charset="0"/>
+                <a:ea typeface="Calibri" pitchFamily="34" charset="0"/>
+                <a:cs typeface="Arial" pitchFamily="34" charset="0"/>
+              </a:rPr>
+              <a:t>@</a:t>
+            </a:r>
+            <a:r>
+              <a:rPr lang="en-US" sz="2000" dirty="0" err="1" smtClean="0">
+                <a:solidFill>
+                  <a:srgbClr val="FFC000"/>
+                </a:solidFill>
+                <a:latin typeface="Trebuchet MS" pitchFamily="34" charset="0"/>
+                <a:ea typeface="Calibri" pitchFamily="34" charset="0"/>
+                <a:cs typeface="Arial" pitchFamily="34" charset="0"/>
+              </a:rPr>
+              <a:t>snahider</a:t>
+            </a:r>
+            <a:r>
+              <a:rPr lang="en-US" sz="2000" dirty="0" smtClean="0">
+                <a:solidFill>
+                  <a:srgbClr val="FFC000"/>
+                </a:solidFill>
+                <a:latin typeface="Trebuchet MS" pitchFamily="34" charset="0"/>
+                <a:cs typeface="Arial" pitchFamily="34" charset="0"/>
+              </a:rPr>
+              <a:t> </a:t>
+            </a:r>
+          </a:p>
+        </p:txBody>
+      </p:sp>
+    </p:spTree>
+    <p:extLst>
+      <p:ext uri="{BB962C8B-B14F-4D97-AF65-F5344CB8AC3E}">
+        <p14:creationId xmlns:p14="http://schemas.microsoft.com/office/powerpoint/2010/main" val="3530689545"/>
       </p:ext>
     </p:extLst>
   </p:cSld>

--- a/Diapositivas/2. Mocking.pptx
+++ b/Diapositivas/2. Mocking.pptx
@@ -5,7 +5,7 @@
     <p:sldMasterId id="2147483684" r:id="rId1"/>
   </p:sldMasterIdLst>
   <p:notesMasterIdLst>
-    <p:notesMasterId r:id="rId54"/>
+    <p:notesMasterId r:id="rId40"/>
   </p:notesMasterIdLst>
   <p:sldIdLst>
     <p:sldId id="684" r:id="rId2"/>
@@ -46,20 +46,6 @@
     <p:sldId id="626" r:id="rId37"/>
     <p:sldId id="627" r:id="rId38"/>
     <p:sldId id="586" r:id="rId39"/>
-    <p:sldId id="629" r:id="rId40"/>
-    <p:sldId id="630" r:id="rId41"/>
-    <p:sldId id="631" r:id="rId42"/>
-    <p:sldId id="632" r:id="rId43"/>
-    <p:sldId id="633" r:id="rId44"/>
-    <p:sldId id="634" r:id="rId45"/>
-    <p:sldId id="635" r:id="rId46"/>
-    <p:sldId id="636" r:id="rId47"/>
-    <p:sldId id="637" r:id="rId48"/>
-    <p:sldId id="638" r:id="rId49"/>
-    <p:sldId id="639" r:id="rId50"/>
-    <p:sldId id="640" r:id="rId51"/>
-    <p:sldId id="658" r:id="rId52"/>
-    <p:sldId id="686" r:id="rId53"/>
   </p:sldIdLst>
   <p:sldSz cx="9144000" cy="6858000" type="screen4x3"/>
   <p:notesSz cx="6858000" cy="9144000"/>
@@ -186,33 +172,6 @@
 </p:cmLst>
 </file>
 
-<file path=ppt/comments/comment3.xml><?xml version="1.0" encoding="utf-8"?>
-<p:cmLst xmlns:a="http://schemas.openxmlformats.org/drawingml/2006/main" xmlns:r="http://schemas.openxmlformats.org/officeDocument/2006/relationships" xmlns:p="http://schemas.openxmlformats.org/presentationml/2006/main">
-  <p:cm authorId="0" dt="2012-08-24T13:40:16.034" idx="15">
-    <p:pos x="10" y="10"/>
-    <p:text>Crear un ejemplo de código</p:text>
-  </p:cm>
-</p:cmLst>
-</file>
-
-<file path=ppt/comments/comment4.xml><?xml version="1.0" encoding="utf-8"?>
-<p:cmLst xmlns:a="http://schemas.openxmlformats.org/drawingml/2006/main" xmlns:r="http://schemas.openxmlformats.org/officeDocument/2006/relationships" xmlns:p="http://schemas.openxmlformats.org/presentationml/2006/main">
-  <p:cm authorId="0" dt="2012-08-24T13:40:27.865" idx="16">
-    <p:pos x="10" y="10"/>
-    <p:text>Cambiar el ejemplo de código</p:text>
-  </p:cm>
-</p:cmLst>
-</file>
-
-<file path=ppt/comments/comment5.xml><?xml version="1.0" encoding="utf-8"?>
-<p:cmLst xmlns:a="http://schemas.openxmlformats.org/drawingml/2006/main" xmlns:r="http://schemas.openxmlformats.org/officeDocument/2006/relationships" xmlns:p="http://schemas.openxmlformats.org/presentationml/2006/main">
-  <p:cm authorId="0" dt="2012-08-22T17:59:56.774" idx="18">
-    <p:pos x="10" y="10"/>
-    <p:text> Organizar mejor esta diapositiva</p:text>
-  </p:cm>
-</p:cmLst>
-</file>
-
 <file path=ppt/notesMasters/notesMaster1.xml><?xml version="1.0" encoding="utf-8"?>
 <p:notesMaster xmlns:a="http://schemas.openxmlformats.org/drawingml/2006/main" xmlns:r="http://schemas.openxmlformats.org/officeDocument/2006/relationships" xmlns:p="http://schemas.openxmlformats.org/presentationml/2006/main">
   <p:cSld>
@@ -295,7 +254,7 @@
           <a:p>
             <a:fld id="{63D5FC4C-9EE1-4746-A368-724F618FC790}" type="datetimeFigureOut">
               <a:rPr lang="es-PE" smtClean="0"/>
-              <a:t>05/02/2013</a:t>
+              <a:t>12/04/2013</a:t>
             </a:fld>
             <a:endParaRPr lang="es-PE"/>
           </a:p>
@@ -6353,90 +6312,6 @@
 </p:notes>
 </file>
 
-<file path=ppt/notesSlides/notesSlide39.xml><?xml version="1.0" encoding="utf-8"?>
-<p:notes xmlns:a="http://schemas.openxmlformats.org/drawingml/2006/main" xmlns:r="http://schemas.openxmlformats.org/officeDocument/2006/relationships" xmlns:p="http://schemas.openxmlformats.org/presentationml/2006/main">
-  <p:cSld>
-    <p:spTree>
-      <p:nvGrpSpPr>
-        <p:cNvPr id="1" name=""/>
-        <p:cNvGrpSpPr/>
-        <p:nvPr/>
-      </p:nvGrpSpPr>
-      <p:grpSpPr>
-        <a:xfrm>
-          <a:off x="0" y="0"/>
-          <a:ext cx="0" cy="0"/>
-          <a:chOff x="0" y="0"/>
-          <a:chExt cx="0" cy="0"/>
-        </a:xfrm>
-      </p:grpSpPr>
-      <p:sp>
-        <p:nvSpPr>
-          <p:cNvPr id="2" name="1 Marcador de imagen de diapositiva"/>
-          <p:cNvSpPr>
-            <a:spLocks noGrp="1" noRot="1" noChangeAspect="1"/>
-          </p:cNvSpPr>
-          <p:nvPr>
-            <p:ph type="sldImg"/>
-          </p:nvPr>
-        </p:nvSpPr>
-        <p:spPr/>
-      </p:sp>
-      <p:sp>
-        <p:nvSpPr>
-          <p:cNvPr id="3" name="2 Marcador de notas"/>
-          <p:cNvSpPr>
-            <a:spLocks noGrp="1"/>
-          </p:cNvSpPr>
-          <p:nvPr>
-            <p:ph type="body" idx="1"/>
-          </p:nvPr>
-        </p:nvSpPr>
-        <p:spPr/>
-        <p:txBody>
-          <a:bodyPr/>
-          <a:lstStyle/>
-          <a:p>
-            <a:endParaRPr lang="es-PE" dirty="0"/>
-          </a:p>
-        </p:txBody>
-      </p:sp>
-      <p:sp>
-        <p:nvSpPr>
-          <p:cNvPr id="4" name="3 Marcador de número de diapositiva"/>
-          <p:cNvSpPr>
-            <a:spLocks noGrp="1"/>
-          </p:cNvSpPr>
-          <p:nvPr>
-            <p:ph type="sldNum" sz="quarter" idx="10"/>
-          </p:nvPr>
-        </p:nvSpPr>
-        <p:spPr/>
-        <p:txBody>
-          <a:bodyPr/>
-          <a:lstStyle/>
-          <a:p>
-            <a:fld id="{96DE5A63-0F1F-4DC0-ADE0-CC17EBA6F230}" type="slidenum">
-              <a:rPr lang="es-PE" smtClean="0"/>
-              <a:t>39</a:t>
-            </a:fld>
-            <a:endParaRPr lang="es-PE"/>
-          </a:p>
-        </p:txBody>
-      </p:sp>
-    </p:spTree>
-    <p:extLst>
-      <p:ext uri="{BB962C8B-B14F-4D97-AF65-F5344CB8AC3E}">
-        <p14:creationId xmlns:p14="http://schemas.microsoft.com/office/powerpoint/2010/main" val="1461112982"/>
-      </p:ext>
-    </p:extLst>
-  </p:cSld>
-  <p:clrMapOvr>
-    <a:masterClrMapping/>
-  </p:clrMapOvr>
-</p:notes>
-</file>
-
 <file path=ppt/notesSlides/notesSlide4.xml><?xml version="1.0" encoding="utf-8"?>
 <p:notes xmlns:a="http://schemas.openxmlformats.org/drawingml/2006/main" xmlns:r="http://schemas.openxmlformats.org/officeDocument/2006/relationships" xmlns:p="http://schemas.openxmlformats.org/presentationml/2006/main">
   <p:cSld>
@@ -6616,1547 +6491,6 @@
             <a:fld id="{80C14895-23C8-45AE-85D5-3B35E5980A68}" type="slidenum">
               <a:rPr lang="es-PE" smtClean="0"/>
               <a:t>4</a:t>
-            </a:fld>
-            <a:endParaRPr lang="es-PE"/>
-          </a:p>
-        </p:txBody>
-      </p:sp>
-    </p:spTree>
-    <p:extLst>
-      <p:ext uri="{BB962C8B-B14F-4D97-AF65-F5344CB8AC3E}">
-        <p14:creationId xmlns:p14="http://schemas.microsoft.com/office/powerpoint/2010/main" val="3432092158"/>
-      </p:ext>
-    </p:extLst>
-  </p:cSld>
-  <p:clrMapOvr>
-    <a:masterClrMapping/>
-  </p:clrMapOvr>
-</p:notes>
-</file>
-
-<file path=ppt/notesSlides/notesSlide40.xml><?xml version="1.0" encoding="utf-8"?>
-<p:notes xmlns:a="http://schemas.openxmlformats.org/drawingml/2006/main" xmlns:r="http://schemas.openxmlformats.org/officeDocument/2006/relationships" xmlns:p="http://schemas.openxmlformats.org/presentationml/2006/main">
-  <p:cSld>
-    <p:spTree>
-      <p:nvGrpSpPr>
-        <p:cNvPr id="1" name=""/>
-        <p:cNvGrpSpPr/>
-        <p:nvPr/>
-      </p:nvGrpSpPr>
-      <p:grpSpPr>
-        <a:xfrm>
-          <a:off x="0" y="0"/>
-          <a:ext cx="0" cy="0"/>
-          <a:chOff x="0" y="0"/>
-          <a:chExt cx="0" cy="0"/>
-        </a:xfrm>
-      </p:grpSpPr>
-      <p:sp>
-        <p:nvSpPr>
-          <p:cNvPr id="2" name="1 Marcador de imagen de diapositiva"/>
-          <p:cNvSpPr>
-            <a:spLocks noGrp="1" noRot="1" noChangeAspect="1"/>
-          </p:cNvSpPr>
-          <p:nvPr>
-            <p:ph type="sldImg"/>
-          </p:nvPr>
-        </p:nvSpPr>
-        <p:spPr/>
-      </p:sp>
-      <p:sp>
-        <p:nvSpPr>
-          <p:cNvPr id="3" name="2 Marcador de notas"/>
-          <p:cNvSpPr>
-            <a:spLocks noGrp="1"/>
-          </p:cNvSpPr>
-          <p:nvPr>
-            <p:ph type="body" idx="1"/>
-          </p:nvPr>
-        </p:nvSpPr>
-        <p:spPr/>
-        <p:txBody>
-          <a:bodyPr/>
-          <a:lstStyle/>
-          <a:p>
-            <a:r>
-              <a:rPr lang="es-PE" baseline="0" dirty="0" smtClean="0"/>
-              <a:t>cuando estamos ilusionados luego que hemos aprendido que son test unitarios, hemos vistos algunas herramientas </a:t>
-            </a:r>
-          </a:p>
-          <a:p>
-            <a:endParaRPr lang="es-PE" baseline="0" dirty="0" smtClean="0"/>
-          </a:p>
-          <a:p>
-            <a:r>
-              <a:rPr lang="es-PE" dirty="0" smtClean="0">
-                <a:hlinkClick r:id="rId3"/>
-              </a:rPr>
-              <a:t>http://misko.hevery.com/attachments/Guide-Writing%20Testable%20Code.pdf</a:t>
-            </a:r>
-            <a:endParaRPr lang="es-PE" dirty="0" smtClean="0"/>
-          </a:p>
-          <a:p>
-            <a:r>
-              <a:rPr lang="es-PE" dirty="0" smtClean="0">
-                <a:hlinkClick r:id="rId4"/>
-              </a:rPr>
-              <a:t>http://misko.hevery.com/code-reviewers-guide/</a:t>
-            </a:r>
-            <a:endParaRPr lang="es-PE" dirty="0"/>
-          </a:p>
-        </p:txBody>
-      </p:sp>
-      <p:sp>
-        <p:nvSpPr>
-          <p:cNvPr id="4" name="3 Marcador de número de diapositiva"/>
-          <p:cNvSpPr>
-            <a:spLocks noGrp="1"/>
-          </p:cNvSpPr>
-          <p:nvPr>
-            <p:ph type="sldNum" sz="quarter" idx="10"/>
-          </p:nvPr>
-        </p:nvSpPr>
-        <p:spPr/>
-        <p:txBody>
-          <a:bodyPr/>
-          <a:lstStyle/>
-          <a:p>
-            <a:fld id="{80C14895-23C8-45AE-85D5-3B35E5980A68}" type="slidenum">
-              <a:rPr lang="es-PE" smtClean="0"/>
-              <a:t>40</a:t>
-            </a:fld>
-            <a:endParaRPr lang="es-PE"/>
-          </a:p>
-        </p:txBody>
-      </p:sp>
-    </p:spTree>
-    <p:extLst>
-      <p:ext uri="{BB962C8B-B14F-4D97-AF65-F5344CB8AC3E}">
-        <p14:creationId xmlns:p14="http://schemas.microsoft.com/office/powerpoint/2010/main" val="3432092158"/>
-      </p:ext>
-    </p:extLst>
-  </p:cSld>
-  <p:clrMapOvr>
-    <a:masterClrMapping/>
-  </p:clrMapOvr>
-</p:notes>
-</file>
-
-<file path=ppt/notesSlides/notesSlide41.xml><?xml version="1.0" encoding="utf-8"?>
-<p:notes xmlns:a="http://schemas.openxmlformats.org/drawingml/2006/main" xmlns:r="http://schemas.openxmlformats.org/officeDocument/2006/relationships" xmlns:p="http://schemas.openxmlformats.org/presentationml/2006/main">
-  <p:cSld>
-    <p:spTree>
-      <p:nvGrpSpPr>
-        <p:cNvPr id="1" name=""/>
-        <p:cNvGrpSpPr/>
-        <p:nvPr/>
-      </p:nvGrpSpPr>
-      <p:grpSpPr>
-        <a:xfrm>
-          <a:off x="0" y="0"/>
-          <a:ext cx="0" cy="0"/>
-          <a:chOff x="0" y="0"/>
-          <a:chExt cx="0" cy="0"/>
-        </a:xfrm>
-      </p:grpSpPr>
-      <p:sp>
-        <p:nvSpPr>
-          <p:cNvPr id="2" name="1 Marcador de imagen de diapositiva"/>
-          <p:cNvSpPr>
-            <a:spLocks noGrp="1" noRot="1" noChangeAspect="1"/>
-          </p:cNvSpPr>
-          <p:nvPr>
-            <p:ph type="sldImg"/>
-          </p:nvPr>
-        </p:nvSpPr>
-        <p:spPr/>
-      </p:sp>
-      <p:sp>
-        <p:nvSpPr>
-          <p:cNvPr id="3" name="2 Marcador de notas"/>
-          <p:cNvSpPr>
-            <a:spLocks noGrp="1"/>
-          </p:cNvSpPr>
-          <p:nvPr>
-            <p:ph type="body" idx="1"/>
-          </p:nvPr>
-        </p:nvSpPr>
-        <p:spPr/>
-        <p:txBody>
-          <a:bodyPr/>
-          <a:lstStyle/>
-          <a:p>
-            <a:r>
-              <a:rPr lang="es-PE" dirty="0" smtClean="0"/>
-              <a:t>El problema muchas</a:t>
-            </a:r>
-            <a:r>
-              <a:rPr lang="es-PE" baseline="0" dirty="0" smtClean="0"/>
-              <a:t> veces no es realmente como escribir los </a:t>
-            </a:r>
-            <a:r>
-              <a:rPr lang="es-PE" baseline="0" dirty="0" err="1" smtClean="0"/>
-              <a:t>tests</a:t>
-            </a:r>
-            <a:r>
-              <a:rPr lang="es-PE" baseline="0" dirty="0" smtClean="0"/>
-              <a:t> y </a:t>
-            </a:r>
-            <a:r>
-              <a:rPr lang="es-PE" baseline="0" dirty="0" err="1" smtClean="0"/>
-              <a:t>talvez</a:t>
-            </a:r>
-            <a:r>
-              <a:rPr lang="es-PE" baseline="0" dirty="0" smtClean="0"/>
-              <a:t> </a:t>
-            </a:r>
-            <a:r>
-              <a:rPr lang="es-PE" baseline="0" dirty="0" err="1" smtClean="0"/>
-              <a:t>nisiquiera</a:t>
-            </a:r>
-            <a:r>
-              <a:rPr lang="es-PE" baseline="0" dirty="0" smtClean="0"/>
-              <a:t> los de integración, la verdadera dificultad y que requiere más de nosotros como desarrolladores o arquitectos, personas de calidad,</a:t>
-            </a:r>
-            <a:endParaRPr lang="es-PE" dirty="0"/>
-          </a:p>
-        </p:txBody>
-      </p:sp>
-      <p:sp>
-        <p:nvSpPr>
-          <p:cNvPr id="4" name="3 Marcador de número de diapositiva"/>
-          <p:cNvSpPr>
-            <a:spLocks noGrp="1"/>
-          </p:cNvSpPr>
-          <p:nvPr>
-            <p:ph type="sldNum" sz="quarter" idx="10"/>
-          </p:nvPr>
-        </p:nvSpPr>
-        <p:spPr/>
-        <p:txBody>
-          <a:bodyPr/>
-          <a:lstStyle/>
-          <a:p>
-            <a:fld id="{80C14895-23C8-45AE-85D5-3B35E5980A68}" type="slidenum">
-              <a:rPr lang="es-PE" smtClean="0"/>
-              <a:t>41</a:t>
-            </a:fld>
-            <a:endParaRPr lang="es-PE"/>
-          </a:p>
-        </p:txBody>
-      </p:sp>
-    </p:spTree>
-    <p:extLst>
-      <p:ext uri="{BB962C8B-B14F-4D97-AF65-F5344CB8AC3E}">
-        <p14:creationId xmlns:p14="http://schemas.microsoft.com/office/powerpoint/2010/main" val="3432092158"/>
-      </p:ext>
-    </p:extLst>
-  </p:cSld>
-  <p:clrMapOvr>
-    <a:masterClrMapping/>
-  </p:clrMapOvr>
-</p:notes>
-</file>
-
-<file path=ppt/notesSlides/notesSlide42.xml><?xml version="1.0" encoding="utf-8"?>
-<p:notes xmlns:a="http://schemas.openxmlformats.org/drawingml/2006/main" xmlns:r="http://schemas.openxmlformats.org/officeDocument/2006/relationships" xmlns:p="http://schemas.openxmlformats.org/presentationml/2006/main">
-  <p:cSld>
-    <p:spTree>
-      <p:nvGrpSpPr>
-        <p:cNvPr id="1" name=""/>
-        <p:cNvGrpSpPr/>
-        <p:nvPr/>
-      </p:nvGrpSpPr>
-      <p:grpSpPr>
-        <a:xfrm>
-          <a:off x="0" y="0"/>
-          <a:ext cx="0" cy="0"/>
-          <a:chOff x="0" y="0"/>
-          <a:chExt cx="0" cy="0"/>
-        </a:xfrm>
-      </p:grpSpPr>
-      <p:sp>
-        <p:nvSpPr>
-          <p:cNvPr id="2" name="1 Marcador de imagen de diapositiva"/>
-          <p:cNvSpPr>
-            <a:spLocks noGrp="1" noRot="1" noChangeAspect="1"/>
-          </p:cNvSpPr>
-          <p:nvPr>
-            <p:ph type="sldImg"/>
-          </p:nvPr>
-        </p:nvSpPr>
-        <p:spPr/>
-      </p:sp>
-      <p:sp>
-        <p:nvSpPr>
-          <p:cNvPr id="3" name="2 Marcador de notas"/>
-          <p:cNvSpPr>
-            <a:spLocks noGrp="1"/>
-          </p:cNvSpPr>
-          <p:nvPr>
-            <p:ph type="body" idx="1"/>
-          </p:nvPr>
-        </p:nvSpPr>
-        <p:spPr/>
-        <p:txBody>
-          <a:bodyPr/>
-          <a:lstStyle/>
-          <a:p>
-            <a:endParaRPr lang="es-PE" dirty="0"/>
-          </a:p>
-        </p:txBody>
-      </p:sp>
-      <p:sp>
-        <p:nvSpPr>
-          <p:cNvPr id="4" name="3 Marcador de número de diapositiva"/>
-          <p:cNvSpPr>
-            <a:spLocks noGrp="1"/>
-          </p:cNvSpPr>
-          <p:nvPr>
-            <p:ph type="sldNum" sz="quarter" idx="10"/>
-          </p:nvPr>
-        </p:nvSpPr>
-        <p:spPr/>
-        <p:txBody>
-          <a:bodyPr/>
-          <a:lstStyle/>
-          <a:p>
-            <a:fld id="{80C14895-23C8-45AE-85D5-3B35E5980A68}" type="slidenum">
-              <a:rPr lang="es-PE" smtClean="0"/>
-              <a:t>42</a:t>
-            </a:fld>
-            <a:endParaRPr lang="es-PE"/>
-          </a:p>
-        </p:txBody>
-      </p:sp>
-    </p:spTree>
-    <p:extLst>
-      <p:ext uri="{BB962C8B-B14F-4D97-AF65-F5344CB8AC3E}">
-        <p14:creationId xmlns:p14="http://schemas.microsoft.com/office/powerpoint/2010/main" val="3432092158"/>
-      </p:ext>
-    </p:extLst>
-  </p:cSld>
-  <p:clrMapOvr>
-    <a:masterClrMapping/>
-  </p:clrMapOvr>
-</p:notes>
-</file>
-
-<file path=ppt/notesSlides/notesSlide43.xml><?xml version="1.0" encoding="utf-8"?>
-<p:notes xmlns:a="http://schemas.openxmlformats.org/drawingml/2006/main" xmlns:r="http://schemas.openxmlformats.org/officeDocument/2006/relationships" xmlns:p="http://schemas.openxmlformats.org/presentationml/2006/main">
-  <p:cSld>
-    <p:spTree>
-      <p:nvGrpSpPr>
-        <p:cNvPr id="1" name=""/>
-        <p:cNvGrpSpPr/>
-        <p:nvPr/>
-      </p:nvGrpSpPr>
-      <p:grpSpPr>
-        <a:xfrm>
-          <a:off x="0" y="0"/>
-          <a:ext cx="0" cy="0"/>
-          <a:chOff x="0" y="0"/>
-          <a:chExt cx="0" cy="0"/>
-        </a:xfrm>
-      </p:grpSpPr>
-      <p:sp>
-        <p:nvSpPr>
-          <p:cNvPr id="2" name="1 Marcador de imagen de diapositiva"/>
-          <p:cNvSpPr>
-            <a:spLocks noGrp="1" noRot="1" noChangeAspect="1"/>
-          </p:cNvSpPr>
-          <p:nvPr>
-            <p:ph type="sldImg"/>
-          </p:nvPr>
-        </p:nvSpPr>
-        <p:spPr/>
-      </p:sp>
-      <p:sp>
-        <p:nvSpPr>
-          <p:cNvPr id="3" name="2 Marcador de notas"/>
-          <p:cNvSpPr>
-            <a:spLocks noGrp="1"/>
-          </p:cNvSpPr>
-          <p:nvPr>
-            <p:ph type="body" idx="1"/>
-          </p:nvPr>
-        </p:nvSpPr>
-        <p:spPr/>
-        <p:txBody>
-          <a:bodyPr/>
-          <a:lstStyle/>
-          <a:p>
-            <a:pPr rtl="0"/>
-            <a:r>
-              <a:rPr lang="en-US" dirty="0" smtClean="0"/>
-              <a:t>The more work you do in the constructor, the hard it is to create your object in a test fixture. And if your constructor can construct other things that are hard themselves to construct, that’s even better! You want the transitive dependencies of every constructor to be enormous. Enormous is hard to get under test.</a:t>
-            </a:r>
-          </a:p>
-          <a:p>
-            <a:pPr rtl="0"/>
-            <a:endParaRPr lang="en-US" dirty="0" smtClean="0"/>
-          </a:p>
-          <a:p>
-            <a:pPr marL="0" marR="0" indent="0" algn="l" defTabSz="914400" rtl="0" eaLnBrk="1" fontAlgn="auto" latinLnBrk="0" hangingPunct="1">
-              <a:lnSpc>
-                <a:spcPct val="100000"/>
-              </a:lnSpc>
-              <a:spcBef>
-                <a:spcPts val="0"/>
-              </a:spcBef>
-              <a:spcAft>
-                <a:spcPts val="0"/>
-              </a:spcAft>
-              <a:buClrTx/>
-              <a:buSzTx/>
-              <a:buFontTx/>
-              <a:buNone/>
-              <a:tabLst/>
-              <a:defRPr/>
-            </a:pPr>
-            <a:r>
-              <a:rPr lang="es-PE" sz="1200" dirty="0" smtClean="0"/>
-              <a:t>No podemos aislar esta clase para realizar pruebas ya que su creación depende de otras clases.</a:t>
-            </a:r>
-            <a:endParaRPr lang="es-PE" sz="1200" dirty="0" smtClean="0">
-              <a:solidFill>
-                <a:srgbClr val="FF0000"/>
-              </a:solidFill>
-            </a:endParaRPr>
-          </a:p>
-        </p:txBody>
-      </p:sp>
-      <p:sp>
-        <p:nvSpPr>
-          <p:cNvPr id="4" name="3 Marcador de número de diapositiva"/>
-          <p:cNvSpPr>
-            <a:spLocks noGrp="1"/>
-          </p:cNvSpPr>
-          <p:nvPr>
-            <p:ph type="sldNum" sz="quarter" idx="10"/>
-          </p:nvPr>
-        </p:nvSpPr>
-        <p:spPr/>
-        <p:txBody>
-          <a:bodyPr/>
-          <a:lstStyle/>
-          <a:p>
-            <a:fld id="{80C14895-23C8-45AE-85D5-3B35E5980A68}" type="slidenum">
-              <a:rPr lang="es-PE" smtClean="0"/>
-              <a:t>43</a:t>
-            </a:fld>
-            <a:endParaRPr lang="es-PE"/>
-          </a:p>
-        </p:txBody>
-      </p:sp>
-    </p:spTree>
-    <p:extLst>
-      <p:ext uri="{BB962C8B-B14F-4D97-AF65-F5344CB8AC3E}">
-        <p14:creationId xmlns:p14="http://schemas.microsoft.com/office/powerpoint/2010/main" val="3432092158"/>
-      </p:ext>
-    </p:extLst>
-  </p:cSld>
-  <p:clrMapOvr>
-    <a:masterClrMapping/>
-  </p:clrMapOvr>
-</p:notes>
-</file>
-
-<file path=ppt/notesSlides/notesSlide44.xml><?xml version="1.0" encoding="utf-8"?>
-<p:notes xmlns:a="http://schemas.openxmlformats.org/drawingml/2006/main" xmlns:r="http://schemas.openxmlformats.org/officeDocument/2006/relationships" xmlns:p="http://schemas.openxmlformats.org/presentationml/2006/main">
-  <p:cSld>
-    <p:spTree>
-      <p:nvGrpSpPr>
-        <p:cNvPr id="1" name=""/>
-        <p:cNvGrpSpPr/>
-        <p:nvPr/>
-      </p:nvGrpSpPr>
-      <p:grpSpPr>
-        <a:xfrm>
-          <a:off x="0" y="0"/>
-          <a:ext cx="0" cy="0"/>
-          <a:chOff x="0" y="0"/>
-          <a:chExt cx="0" cy="0"/>
-        </a:xfrm>
-      </p:grpSpPr>
-      <p:sp>
-        <p:nvSpPr>
-          <p:cNvPr id="2" name="1 Marcador de imagen de diapositiva"/>
-          <p:cNvSpPr>
-            <a:spLocks noGrp="1" noRot="1" noChangeAspect="1"/>
-          </p:cNvSpPr>
-          <p:nvPr>
-            <p:ph type="sldImg"/>
-          </p:nvPr>
-        </p:nvSpPr>
-        <p:spPr/>
-      </p:sp>
-      <p:sp>
-        <p:nvSpPr>
-          <p:cNvPr id="3" name="2 Marcador de notas"/>
-          <p:cNvSpPr>
-            <a:spLocks noGrp="1"/>
-          </p:cNvSpPr>
-          <p:nvPr>
-            <p:ph type="body" idx="1"/>
-          </p:nvPr>
-        </p:nvSpPr>
-        <p:spPr/>
-        <p:txBody>
-          <a:bodyPr/>
-          <a:lstStyle/>
-          <a:p>
-            <a:pPr rtl="0"/>
-            <a:r>
-              <a:rPr lang="es-PE" dirty="0" smtClean="0">
-                <a:hlinkClick r:id="rId3"/>
-              </a:rPr>
-              <a:t>http://misko.hevery.com/code-reviewers-guide/flaw-constructor-does-real-work/</a:t>
-            </a:r>
-            <a:endParaRPr lang="es-PE" dirty="0" smtClean="0"/>
-          </a:p>
-          <a:p>
-            <a:pPr rtl="0"/>
-            <a:endParaRPr lang="es-PE" dirty="0" smtClean="0"/>
-          </a:p>
-          <a:p>
-            <a:pPr rtl="0"/>
-            <a:r>
-              <a:rPr lang="es-PE" dirty="0" smtClean="0"/>
-              <a:t>DIFFERENCE</a:t>
-            </a:r>
-            <a:r>
-              <a:rPr lang="es-PE" baseline="0" dirty="0" smtClean="0"/>
-              <a:t> FACTORY AND BUILDER</a:t>
-            </a:r>
-          </a:p>
-          <a:p>
-            <a:pPr fontAlgn="base"/>
-            <a:r>
-              <a:rPr lang="en-US" sz="1200" b="0" i="0" kern="1200" dirty="0" smtClean="0">
-                <a:solidFill>
-                  <a:schemeClr val="tx1"/>
-                </a:solidFill>
-                <a:effectLst/>
-                <a:latin typeface="+mn-lt"/>
-                <a:ea typeface="+mn-ea"/>
-                <a:cs typeface="+mn-cs"/>
-              </a:rPr>
-              <a:t>The builder design pattern describes an object that knows how to craft another object of a specific type over several steps. It holds the needed state for the target item at each intermediate step.</a:t>
-            </a:r>
-          </a:p>
-          <a:p>
-            <a:pPr fontAlgn="base"/>
-            <a:r>
-              <a:rPr lang="en-US" sz="1200" b="0" i="0" kern="1200" dirty="0" smtClean="0">
-                <a:solidFill>
-                  <a:schemeClr val="tx1"/>
-                </a:solidFill>
-                <a:effectLst/>
-                <a:latin typeface="+mn-lt"/>
-                <a:ea typeface="+mn-ea"/>
-                <a:cs typeface="+mn-cs"/>
-              </a:rPr>
-              <a:t>The factory design pattern describes an object that knows how to create several different but related kinds of object in one step, where the specific type is chosen based on given parameters.</a:t>
-            </a:r>
-          </a:p>
-          <a:p>
-            <a:pPr rtl="0"/>
-            <a:endParaRPr lang="es-PE" dirty="0" smtClean="0"/>
-          </a:p>
-        </p:txBody>
-      </p:sp>
-      <p:sp>
-        <p:nvSpPr>
-          <p:cNvPr id="4" name="3 Marcador de número de diapositiva"/>
-          <p:cNvSpPr>
-            <a:spLocks noGrp="1"/>
-          </p:cNvSpPr>
-          <p:nvPr>
-            <p:ph type="sldNum" sz="quarter" idx="10"/>
-          </p:nvPr>
-        </p:nvSpPr>
-        <p:spPr/>
-        <p:txBody>
-          <a:bodyPr/>
-          <a:lstStyle/>
-          <a:p>
-            <a:fld id="{80C14895-23C8-45AE-85D5-3B35E5980A68}" type="slidenum">
-              <a:rPr lang="es-PE" smtClean="0"/>
-              <a:t>44</a:t>
-            </a:fld>
-            <a:endParaRPr lang="es-PE"/>
-          </a:p>
-        </p:txBody>
-      </p:sp>
-    </p:spTree>
-    <p:extLst>
-      <p:ext uri="{BB962C8B-B14F-4D97-AF65-F5344CB8AC3E}">
-        <p14:creationId xmlns:p14="http://schemas.microsoft.com/office/powerpoint/2010/main" val="3432092158"/>
-      </p:ext>
-    </p:extLst>
-  </p:cSld>
-  <p:clrMapOvr>
-    <a:masterClrMapping/>
-  </p:clrMapOvr>
-</p:notes>
-</file>
-
-<file path=ppt/notesSlides/notesSlide45.xml><?xml version="1.0" encoding="utf-8"?>
-<p:notes xmlns:a="http://schemas.openxmlformats.org/drawingml/2006/main" xmlns:r="http://schemas.openxmlformats.org/officeDocument/2006/relationships" xmlns:p="http://schemas.openxmlformats.org/presentationml/2006/main">
-  <p:cSld>
-    <p:spTree>
-      <p:nvGrpSpPr>
-        <p:cNvPr id="1" name=""/>
-        <p:cNvGrpSpPr/>
-        <p:nvPr/>
-      </p:nvGrpSpPr>
-      <p:grpSpPr>
-        <a:xfrm>
-          <a:off x="0" y="0"/>
-          <a:ext cx="0" cy="0"/>
-          <a:chOff x="0" y="0"/>
-          <a:chExt cx="0" cy="0"/>
-        </a:xfrm>
-      </p:grpSpPr>
-      <p:sp>
-        <p:nvSpPr>
-          <p:cNvPr id="2" name="1 Marcador de imagen de diapositiva"/>
-          <p:cNvSpPr>
-            <a:spLocks noGrp="1" noRot="1" noChangeAspect="1"/>
-          </p:cNvSpPr>
-          <p:nvPr>
-            <p:ph type="sldImg"/>
-          </p:nvPr>
-        </p:nvSpPr>
-        <p:spPr/>
-      </p:sp>
-      <p:sp>
-        <p:nvSpPr>
-          <p:cNvPr id="3" name="2 Marcador de notas"/>
-          <p:cNvSpPr>
-            <a:spLocks noGrp="1"/>
-          </p:cNvSpPr>
-          <p:nvPr>
-            <p:ph type="body" idx="1"/>
-          </p:nvPr>
-        </p:nvSpPr>
-        <p:spPr/>
-        <p:txBody>
-          <a:bodyPr/>
-          <a:lstStyle/>
-          <a:p>
-            <a:pPr rtl="0"/>
-            <a:endParaRPr lang="es-PE" sz="1200" dirty="0" smtClean="0">
-              <a:solidFill>
-                <a:srgbClr val="FF0000"/>
-              </a:solidFill>
-            </a:endParaRPr>
-          </a:p>
-        </p:txBody>
-      </p:sp>
-      <p:sp>
-        <p:nvSpPr>
-          <p:cNvPr id="4" name="3 Marcador de número de diapositiva"/>
-          <p:cNvSpPr>
-            <a:spLocks noGrp="1"/>
-          </p:cNvSpPr>
-          <p:nvPr>
-            <p:ph type="sldNum" sz="quarter" idx="10"/>
-          </p:nvPr>
-        </p:nvSpPr>
-        <p:spPr/>
-        <p:txBody>
-          <a:bodyPr/>
-          <a:lstStyle/>
-          <a:p>
-            <a:fld id="{80C14895-23C8-45AE-85D5-3B35E5980A68}" type="slidenum">
-              <a:rPr lang="es-PE" smtClean="0"/>
-              <a:t>45</a:t>
-            </a:fld>
-            <a:endParaRPr lang="es-PE"/>
-          </a:p>
-        </p:txBody>
-      </p:sp>
-    </p:spTree>
-    <p:extLst>
-      <p:ext uri="{BB962C8B-B14F-4D97-AF65-F5344CB8AC3E}">
-        <p14:creationId xmlns:p14="http://schemas.microsoft.com/office/powerpoint/2010/main" val="3432092158"/>
-      </p:ext>
-    </p:extLst>
-  </p:cSld>
-  <p:clrMapOvr>
-    <a:masterClrMapping/>
-  </p:clrMapOvr>
-</p:notes>
-</file>
-
-<file path=ppt/notesSlides/notesSlide46.xml><?xml version="1.0" encoding="utf-8"?>
-<p:notes xmlns:a="http://schemas.openxmlformats.org/drawingml/2006/main" xmlns:r="http://schemas.openxmlformats.org/officeDocument/2006/relationships" xmlns:p="http://schemas.openxmlformats.org/presentationml/2006/main">
-  <p:cSld>
-    <p:spTree>
-      <p:nvGrpSpPr>
-        <p:cNvPr id="1" name=""/>
-        <p:cNvGrpSpPr/>
-        <p:nvPr/>
-      </p:nvGrpSpPr>
-      <p:grpSpPr>
-        <a:xfrm>
-          <a:off x="0" y="0"/>
-          <a:ext cx="0" cy="0"/>
-          <a:chOff x="0" y="0"/>
-          <a:chExt cx="0" cy="0"/>
-        </a:xfrm>
-      </p:grpSpPr>
-      <p:sp>
-        <p:nvSpPr>
-          <p:cNvPr id="2" name="1 Marcador de imagen de diapositiva"/>
-          <p:cNvSpPr>
-            <a:spLocks noGrp="1" noRot="1" noChangeAspect="1"/>
-          </p:cNvSpPr>
-          <p:nvPr>
-            <p:ph type="sldImg"/>
-          </p:nvPr>
-        </p:nvSpPr>
-        <p:spPr/>
-      </p:sp>
-      <p:sp>
-        <p:nvSpPr>
-          <p:cNvPr id="3" name="2 Marcador de notas"/>
-          <p:cNvSpPr>
-            <a:spLocks noGrp="1"/>
-          </p:cNvSpPr>
-          <p:nvPr>
-            <p:ph type="body" idx="1"/>
-          </p:nvPr>
-        </p:nvSpPr>
-        <p:spPr/>
-        <p:txBody>
-          <a:bodyPr/>
-          <a:lstStyle/>
-          <a:p>
-            <a:pPr rtl="0"/>
-            <a:r>
-              <a:rPr lang="es-PE" dirty="0" smtClean="0">
-                <a:hlinkClick r:id="rId3"/>
-              </a:rPr>
-              <a:t>http://misko.hevery.com/code-reviewers-guide/flaw-digging-into-collaborators/</a:t>
-            </a:r>
-            <a:endParaRPr lang="es-PE" dirty="0" smtClean="0"/>
-          </a:p>
-          <a:p>
-            <a:pPr rtl="0"/>
-            <a:endParaRPr lang="es-PE" dirty="0" smtClean="0"/>
-          </a:p>
-          <a:p>
-            <a:pPr rtl="0"/>
-            <a:r>
-              <a:rPr lang="es-PE" dirty="0" err="1" smtClean="0"/>
-              <a:t>Law</a:t>
-            </a:r>
-            <a:r>
-              <a:rPr lang="es-PE" dirty="0" smtClean="0"/>
-              <a:t> Of </a:t>
-            </a:r>
-            <a:r>
-              <a:rPr lang="es-PE" dirty="0" err="1" smtClean="0"/>
-              <a:t>Demeter</a:t>
-            </a:r>
-            <a:r>
-              <a:rPr lang="es-PE" dirty="0" smtClean="0"/>
-              <a:t>: Es un</a:t>
-            </a:r>
-            <a:r>
-              <a:rPr lang="es-PE" baseline="0" dirty="0" smtClean="0"/>
-              <a:t> lineamiento de diseño para la correcta POO. </a:t>
-            </a:r>
-            <a:r>
-              <a:rPr lang="en-US" sz="1200" b="0" i="0" kern="1200" dirty="0" smtClean="0">
-                <a:solidFill>
-                  <a:schemeClr val="tx1"/>
-                </a:solidFill>
-                <a:effectLst/>
-                <a:latin typeface="+mn-lt"/>
-                <a:ea typeface="+mn-ea"/>
-                <a:cs typeface="+mn-cs"/>
-              </a:rPr>
-              <a:t>Only access objects you created yourself, or were passed to you as an argument. Do not access objects indirectly through other objects.</a:t>
-            </a:r>
-            <a:endParaRPr lang="es-PE" dirty="0"/>
-          </a:p>
-        </p:txBody>
-      </p:sp>
-      <p:sp>
-        <p:nvSpPr>
-          <p:cNvPr id="4" name="3 Marcador de número de diapositiva"/>
-          <p:cNvSpPr>
-            <a:spLocks noGrp="1"/>
-          </p:cNvSpPr>
-          <p:nvPr>
-            <p:ph type="sldNum" sz="quarter" idx="10"/>
-          </p:nvPr>
-        </p:nvSpPr>
-        <p:spPr/>
-        <p:txBody>
-          <a:bodyPr/>
-          <a:lstStyle/>
-          <a:p>
-            <a:fld id="{80C14895-23C8-45AE-85D5-3B35E5980A68}" type="slidenum">
-              <a:rPr lang="es-PE" smtClean="0"/>
-              <a:t>46</a:t>
-            </a:fld>
-            <a:endParaRPr lang="es-PE"/>
-          </a:p>
-        </p:txBody>
-      </p:sp>
-    </p:spTree>
-    <p:extLst>
-      <p:ext uri="{BB962C8B-B14F-4D97-AF65-F5344CB8AC3E}">
-        <p14:creationId xmlns:p14="http://schemas.microsoft.com/office/powerpoint/2010/main" val="3432092158"/>
-      </p:ext>
-    </p:extLst>
-  </p:cSld>
-  <p:clrMapOvr>
-    <a:masterClrMapping/>
-  </p:clrMapOvr>
-</p:notes>
-</file>
-
-<file path=ppt/notesSlides/notesSlide47.xml><?xml version="1.0" encoding="utf-8"?>
-<p:notes xmlns:a="http://schemas.openxmlformats.org/drawingml/2006/main" xmlns:r="http://schemas.openxmlformats.org/officeDocument/2006/relationships" xmlns:p="http://schemas.openxmlformats.org/presentationml/2006/main">
-  <p:cSld>
-    <p:spTree>
-      <p:nvGrpSpPr>
-        <p:cNvPr id="1" name=""/>
-        <p:cNvGrpSpPr/>
-        <p:nvPr/>
-      </p:nvGrpSpPr>
-      <p:grpSpPr>
-        <a:xfrm>
-          <a:off x="0" y="0"/>
-          <a:ext cx="0" cy="0"/>
-          <a:chOff x="0" y="0"/>
-          <a:chExt cx="0" cy="0"/>
-        </a:xfrm>
-      </p:grpSpPr>
-      <p:sp>
-        <p:nvSpPr>
-          <p:cNvPr id="2" name="1 Marcador de imagen de diapositiva"/>
-          <p:cNvSpPr>
-            <a:spLocks noGrp="1" noRot="1" noChangeAspect="1"/>
-          </p:cNvSpPr>
-          <p:nvPr>
-            <p:ph type="sldImg"/>
-          </p:nvPr>
-        </p:nvSpPr>
-        <p:spPr/>
-      </p:sp>
-      <p:sp>
-        <p:nvSpPr>
-          <p:cNvPr id="3" name="2 Marcador de notas"/>
-          <p:cNvSpPr>
-            <a:spLocks noGrp="1"/>
-          </p:cNvSpPr>
-          <p:nvPr>
-            <p:ph type="body" idx="1"/>
-          </p:nvPr>
-        </p:nvSpPr>
-        <p:spPr/>
-        <p:txBody>
-          <a:bodyPr/>
-          <a:lstStyle/>
-          <a:p>
-            <a:r>
-              <a:rPr lang="es-PE" dirty="0" err="1" smtClean="0"/>
-              <a:t>Codigo</a:t>
-            </a:r>
-            <a:r>
-              <a:rPr lang="es-PE" dirty="0" smtClean="0"/>
-              <a:t> Procedural:</a:t>
-            </a:r>
-            <a:r>
-              <a:rPr lang="es-PE" baseline="0" dirty="0" smtClean="0"/>
-              <a:t> No hay objetos que guardan un estado y comportamiento, solo son llamadas continuas una luego de otra que se </a:t>
-            </a:r>
-            <a:r>
-              <a:rPr lang="es-PE" baseline="0" dirty="0" err="1" smtClean="0"/>
-              <a:t>envian</a:t>
-            </a:r>
-            <a:r>
-              <a:rPr lang="es-PE" baseline="0" dirty="0" smtClean="0"/>
-              <a:t> parámetros.</a:t>
-            </a:r>
-            <a:endParaRPr lang="es-PE" dirty="0"/>
-          </a:p>
-        </p:txBody>
-      </p:sp>
-      <p:sp>
-        <p:nvSpPr>
-          <p:cNvPr id="4" name="3 Marcador de número de diapositiva"/>
-          <p:cNvSpPr>
-            <a:spLocks noGrp="1"/>
-          </p:cNvSpPr>
-          <p:nvPr>
-            <p:ph type="sldNum" sz="quarter" idx="10"/>
-          </p:nvPr>
-        </p:nvSpPr>
-        <p:spPr/>
-        <p:txBody>
-          <a:bodyPr/>
-          <a:lstStyle/>
-          <a:p>
-            <a:fld id="{80C14895-23C8-45AE-85D5-3B35E5980A68}" type="slidenum">
-              <a:rPr lang="es-PE" smtClean="0"/>
-              <a:t>47</a:t>
-            </a:fld>
-            <a:endParaRPr lang="es-PE"/>
-          </a:p>
-        </p:txBody>
-      </p:sp>
-    </p:spTree>
-    <p:extLst>
-      <p:ext uri="{BB962C8B-B14F-4D97-AF65-F5344CB8AC3E}">
-        <p14:creationId xmlns:p14="http://schemas.microsoft.com/office/powerpoint/2010/main" val="3432092158"/>
-      </p:ext>
-    </p:extLst>
-  </p:cSld>
-  <p:clrMapOvr>
-    <a:masterClrMapping/>
-  </p:clrMapOvr>
-</p:notes>
-</file>
-
-<file path=ppt/notesSlides/notesSlide48.xml><?xml version="1.0" encoding="utf-8"?>
-<p:notes xmlns:a="http://schemas.openxmlformats.org/drawingml/2006/main" xmlns:r="http://schemas.openxmlformats.org/officeDocument/2006/relationships" xmlns:p="http://schemas.openxmlformats.org/presentationml/2006/main">
-  <p:cSld>
-    <p:spTree>
-      <p:nvGrpSpPr>
-        <p:cNvPr id="1" name=""/>
-        <p:cNvGrpSpPr/>
-        <p:nvPr/>
-      </p:nvGrpSpPr>
-      <p:grpSpPr>
-        <a:xfrm>
-          <a:off x="0" y="0"/>
-          <a:ext cx="0" cy="0"/>
-          <a:chOff x="0" y="0"/>
-          <a:chExt cx="0" cy="0"/>
-        </a:xfrm>
-      </p:grpSpPr>
-      <p:sp>
-        <p:nvSpPr>
-          <p:cNvPr id="2" name="1 Marcador de imagen de diapositiva"/>
-          <p:cNvSpPr>
-            <a:spLocks noGrp="1" noRot="1" noChangeAspect="1"/>
-          </p:cNvSpPr>
-          <p:nvPr>
-            <p:ph type="sldImg"/>
-          </p:nvPr>
-        </p:nvSpPr>
-        <p:spPr/>
-      </p:sp>
-      <p:sp>
-        <p:nvSpPr>
-          <p:cNvPr id="3" name="2 Marcador de notas"/>
-          <p:cNvSpPr>
-            <a:spLocks noGrp="1"/>
-          </p:cNvSpPr>
-          <p:nvPr>
-            <p:ph type="body" idx="1"/>
-          </p:nvPr>
-        </p:nvSpPr>
-        <p:spPr/>
-        <p:txBody>
-          <a:bodyPr/>
-          <a:lstStyle/>
-          <a:p>
-            <a:pPr rtl="0"/>
-            <a:r>
-              <a:rPr lang="es-PE" dirty="0" smtClean="0">
-                <a:hlinkClick r:id="rId3"/>
-              </a:rPr>
-              <a:t>http://misko.hevery.com/code-reviewers-guide/flaw-brittle-global-state-singletons/</a:t>
-            </a:r>
-            <a:endParaRPr lang="es-PE" dirty="0" smtClean="0"/>
-          </a:p>
-          <a:p>
-            <a:pPr rtl="0"/>
-            <a:endParaRPr lang="es-PE" dirty="0" smtClean="0"/>
-          </a:p>
-          <a:p>
-            <a:pPr rtl="0"/>
-            <a:r>
-              <a:rPr lang="en-US" sz="1200" b="0" i="1" kern="1200" dirty="0" smtClean="0">
-                <a:solidFill>
-                  <a:schemeClr val="tx1"/>
-                </a:solidFill>
-                <a:effectLst/>
-                <a:latin typeface="+mn-lt"/>
-                <a:ea typeface="+mn-ea"/>
-                <a:cs typeface="+mn-cs"/>
-              </a:rPr>
-              <a:t>“The problem with using a Singleton is that it introduces a certain amount of coupling into a system — coupling that is almost always unnecessary. You are saying that your class can only collaborate with one particular implementation of a set of methods — the implementation that the Singleton provides. You will allow no substitutes. This makes it difficult to test your class in isolation from the Singleton. The very nature of test isolation assumes the ability to substitute alternative implementations… for an object’s collaborators. … [U]</a:t>
-            </a:r>
-            <a:r>
-              <a:rPr lang="en-US" sz="1200" b="0" i="1" kern="1200" dirty="0" err="1" smtClean="0">
-                <a:solidFill>
-                  <a:schemeClr val="tx1"/>
-                </a:solidFill>
-                <a:effectLst/>
-                <a:latin typeface="+mn-lt"/>
-                <a:ea typeface="+mn-ea"/>
-                <a:cs typeface="+mn-cs"/>
-              </a:rPr>
-              <a:t>nless</a:t>
-            </a:r>
-            <a:r>
-              <a:rPr lang="en-US" sz="1200" b="0" i="1" kern="1200" dirty="0" smtClean="0">
-                <a:solidFill>
-                  <a:schemeClr val="tx1"/>
-                </a:solidFill>
-                <a:effectLst/>
-                <a:latin typeface="+mn-lt"/>
-                <a:ea typeface="+mn-ea"/>
-                <a:cs typeface="+mn-cs"/>
-              </a:rPr>
-              <a:t> you change your design, you are forced to rely on the correct behavior of the Singleton in order to test any of its clients.”</a:t>
-            </a:r>
-            <a:r>
-              <a:rPr lang="en-US" sz="1200" b="0" i="0" kern="1200" dirty="0" smtClean="0">
-                <a:solidFill>
-                  <a:schemeClr val="tx1"/>
-                </a:solidFill>
-                <a:effectLst/>
-                <a:latin typeface="+mn-lt"/>
-                <a:ea typeface="+mn-ea"/>
-                <a:cs typeface="+mn-cs"/>
-              </a:rPr>
-              <a:t> [J.B. </a:t>
-            </a:r>
-            <a:r>
-              <a:rPr lang="en-US" sz="1200" b="0" i="0" kern="1200" dirty="0" err="1" smtClean="0">
-                <a:solidFill>
-                  <a:schemeClr val="tx1"/>
-                </a:solidFill>
-                <a:effectLst/>
-                <a:latin typeface="+mn-lt"/>
-                <a:ea typeface="+mn-ea"/>
-                <a:cs typeface="+mn-cs"/>
-              </a:rPr>
-              <a:t>Rainsberger</a:t>
-            </a:r>
-            <a:r>
-              <a:rPr lang="en-US" sz="1200" b="0" i="0" kern="1200" dirty="0" smtClean="0">
-                <a:solidFill>
-                  <a:schemeClr val="tx1"/>
-                </a:solidFill>
-                <a:effectLst/>
-                <a:latin typeface="+mn-lt"/>
-                <a:ea typeface="+mn-ea"/>
-                <a:cs typeface="+mn-cs"/>
-              </a:rPr>
-              <a:t>, </a:t>
-            </a:r>
-            <a:r>
-              <a:rPr lang="en-US" sz="1200" b="0" i="0" kern="1200" dirty="0" err="1" smtClean="0">
-                <a:solidFill>
-                  <a:schemeClr val="tx1"/>
-                </a:solidFill>
-                <a:effectLst/>
-                <a:latin typeface="+mn-lt"/>
-                <a:ea typeface="+mn-ea"/>
-                <a:cs typeface="+mn-cs"/>
-              </a:rPr>
-              <a:t>Junit</a:t>
-            </a:r>
-            <a:r>
-              <a:rPr lang="en-US" sz="1200" b="0" i="0" kern="1200" dirty="0" smtClean="0">
-                <a:solidFill>
-                  <a:schemeClr val="tx1"/>
-                </a:solidFill>
-                <a:effectLst/>
-                <a:latin typeface="+mn-lt"/>
-                <a:ea typeface="+mn-ea"/>
-                <a:cs typeface="+mn-cs"/>
-              </a:rPr>
-              <a:t> Recipes, Recipe 14.4]</a:t>
-            </a:r>
-          </a:p>
-          <a:p>
-            <a:pPr rtl="0"/>
-            <a:endParaRPr lang="en-US" sz="1200" b="0" i="0" kern="1200" dirty="0" smtClean="0">
-              <a:solidFill>
-                <a:schemeClr val="tx1"/>
-              </a:solidFill>
-              <a:effectLst/>
-              <a:latin typeface="+mn-lt"/>
-              <a:ea typeface="+mn-ea"/>
-              <a:cs typeface="+mn-cs"/>
-            </a:endParaRPr>
-          </a:p>
-          <a:p>
-            <a:pPr rtl="0"/>
-            <a:r>
-              <a:rPr lang="es-PE" dirty="0" smtClean="0"/>
-              <a:t>File </a:t>
-            </a:r>
-            <a:r>
-              <a:rPr lang="es-PE" dirty="0" err="1" smtClean="0"/>
-              <a:t>System</a:t>
-            </a:r>
-            <a:r>
-              <a:rPr lang="es-PE" dirty="0" smtClean="0"/>
-              <a:t>,</a:t>
-            </a:r>
-            <a:r>
-              <a:rPr lang="es-PE" baseline="0" dirty="0" smtClean="0"/>
-              <a:t> Dates, HTTP </a:t>
-            </a:r>
-            <a:r>
-              <a:rPr lang="es-PE" baseline="0" dirty="0" err="1" smtClean="0"/>
-              <a:t>Clients</a:t>
-            </a:r>
-            <a:r>
-              <a:rPr lang="es-PE" baseline="0" dirty="0" smtClean="0"/>
-              <a:t>, </a:t>
-            </a:r>
-            <a:r>
-              <a:rPr lang="es-PE" baseline="0" dirty="0" err="1" smtClean="0"/>
-              <a:t>etc</a:t>
-            </a:r>
-            <a:endParaRPr lang="es-PE" baseline="0" dirty="0" smtClean="0"/>
-          </a:p>
-          <a:p>
-            <a:pPr rtl="0"/>
-            <a:r>
-              <a:rPr lang="es-PE" dirty="0" smtClean="0">
-                <a:hlinkClick r:id="rId4"/>
-              </a:rPr>
-              <a:t>http://stackoverflow.com/questions/6499871/mock-file-io-static-class-in-c-sharp</a:t>
-            </a:r>
-            <a:endParaRPr lang="es-PE" dirty="0" smtClean="0"/>
-          </a:p>
-          <a:p>
-            <a:pPr rtl="0"/>
-            <a:endParaRPr lang="es-PE" dirty="0" smtClean="0"/>
-          </a:p>
-        </p:txBody>
-      </p:sp>
-      <p:sp>
-        <p:nvSpPr>
-          <p:cNvPr id="4" name="3 Marcador de número de diapositiva"/>
-          <p:cNvSpPr>
-            <a:spLocks noGrp="1"/>
-          </p:cNvSpPr>
-          <p:nvPr>
-            <p:ph type="sldNum" sz="quarter" idx="10"/>
-          </p:nvPr>
-        </p:nvSpPr>
-        <p:spPr/>
-        <p:txBody>
-          <a:bodyPr/>
-          <a:lstStyle/>
-          <a:p>
-            <a:fld id="{80C14895-23C8-45AE-85D5-3B35E5980A68}" type="slidenum">
-              <a:rPr lang="es-PE" smtClean="0"/>
-              <a:t>48</a:t>
-            </a:fld>
-            <a:endParaRPr lang="es-PE"/>
-          </a:p>
-        </p:txBody>
-      </p:sp>
-    </p:spTree>
-    <p:extLst>
-      <p:ext uri="{BB962C8B-B14F-4D97-AF65-F5344CB8AC3E}">
-        <p14:creationId xmlns:p14="http://schemas.microsoft.com/office/powerpoint/2010/main" val="3432092158"/>
-      </p:ext>
-    </p:extLst>
-  </p:cSld>
-  <p:clrMapOvr>
-    <a:masterClrMapping/>
-  </p:clrMapOvr>
-</p:notes>
-</file>
-
-<file path=ppt/notesSlides/notesSlide49.xml><?xml version="1.0" encoding="utf-8"?>
-<p:notes xmlns:a="http://schemas.openxmlformats.org/drawingml/2006/main" xmlns:r="http://schemas.openxmlformats.org/officeDocument/2006/relationships" xmlns:p="http://schemas.openxmlformats.org/presentationml/2006/main">
-  <p:cSld>
-    <p:spTree>
-      <p:nvGrpSpPr>
-        <p:cNvPr id="1" name=""/>
-        <p:cNvGrpSpPr/>
-        <p:nvPr/>
-      </p:nvGrpSpPr>
-      <p:grpSpPr>
-        <a:xfrm>
-          <a:off x="0" y="0"/>
-          <a:ext cx="0" cy="0"/>
-          <a:chOff x="0" y="0"/>
-          <a:chExt cx="0" cy="0"/>
-        </a:xfrm>
-      </p:grpSpPr>
-      <p:sp>
-        <p:nvSpPr>
-          <p:cNvPr id="2" name="1 Marcador de imagen de diapositiva"/>
-          <p:cNvSpPr>
-            <a:spLocks noGrp="1" noRot="1" noChangeAspect="1"/>
-          </p:cNvSpPr>
-          <p:nvPr>
-            <p:ph type="sldImg"/>
-          </p:nvPr>
-        </p:nvSpPr>
-        <p:spPr/>
-      </p:sp>
-      <p:sp>
-        <p:nvSpPr>
-          <p:cNvPr id="3" name="2 Marcador de notas"/>
-          <p:cNvSpPr>
-            <a:spLocks noGrp="1"/>
-          </p:cNvSpPr>
-          <p:nvPr>
-            <p:ph type="body" idx="1"/>
-          </p:nvPr>
-        </p:nvSpPr>
-        <p:spPr/>
-        <p:txBody>
-          <a:bodyPr/>
-          <a:lstStyle/>
-          <a:p>
-            <a:pPr fontAlgn="base"/>
-            <a:r>
-              <a:rPr lang="en-US" sz="1200" b="0" i="0" kern="1200" dirty="0" smtClean="0">
-                <a:solidFill>
-                  <a:schemeClr val="tx1"/>
-                </a:solidFill>
-                <a:effectLst/>
-                <a:latin typeface="+mn-lt"/>
-                <a:ea typeface="+mn-ea"/>
-                <a:cs typeface="+mn-cs"/>
-              </a:rPr>
-              <a:t>Think of containment as a </a:t>
-            </a:r>
-            <a:r>
-              <a:rPr lang="en-US" sz="1200" b="1" i="0" kern="1200" dirty="0" smtClean="0">
-                <a:solidFill>
-                  <a:schemeClr val="tx1"/>
-                </a:solidFill>
-                <a:effectLst/>
-                <a:latin typeface="+mn-lt"/>
-                <a:ea typeface="+mn-ea"/>
-                <a:cs typeface="+mn-cs"/>
-              </a:rPr>
-              <a:t>has a</a:t>
-            </a:r>
-            <a:r>
-              <a:rPr lang="en-US" sz="1200" b="0" i="0" kern="1200" dirty="0" smtClean="0">
-                <a:solidFill>
-                  <a:schemeClr val="tx1"/>
-                </a:solidFill>
-                <a:effectLst/>
-                <a:latin typeface="+mn-lt"/>
-                <a:ea typeface="+mn-ea"/>
-                <a:cs typeface="+mn-cs"/>
-              </a:rPr>
-              <a:t> relationship. A car "has an" engine, a person "has a" name, etc.</a:t>
-            </a:r>
-          </a:p>
-          <a:p>
-            <a:pPr fontAlgn="base"/>
-            <a:r>
-              <a:rPr lang="en-US" sz="1200" b="0" i="0" kern="1200" dirty="0" smtClean="0">
-                <a:solidFill>
-                  <a:schemeClr val="tx1"/>
-                </a:solidFill>
-                <a:effectLst/>
-                <a:latin typeface="+mn-lt"/>
-                <a:ea typeface="+mn-ea"/>
-                <a:cs typeface="+mn-cs"/>
-              </a:rPr>
-              <a:t>Think of inheritance as an </a:t>
-            </a:r>
-            <a:r>
-              <a:rPr lang="en-US" sz="1200" b="1" i="0" kern="1200" dirty="0" smtClean="0">
-                <a:solidFill>
-                  <a:schemeClr val="tx1"/>
-                </a:solidFill>
-                <a:effectLst/>
-                <a:latin typeface="+mn-lt"/>
-                <a:ea typeface="+mn-ea"/>
-                <a:cs typeface="+mn-cs"/>
-              </a:rPr>
-              <a:t>is a</a:t>
-            </a:r>
-            <a:r>
-              <a:rPr lang="en-US" sz="1200" b="0" i="0" kern="1200" dirty="0" smtClean="0">
-                <a:solidFill>
-                  <a:schemeClr val="tx1"/>
-                </a:solidFill>
-                <a:effectLst/>
-                <a:latin typeface="+mn-lt"/>
-                <a:ea typeface="+mn-ea"/>
-                <a:cs typeface="+mn-cs"/>
-              </a:rPr>
-              <a:t> relationship. A car "is a" vehicle, a person "is a" mammal, etc. </a:t>
-            </a:r>
-          </a:p>
-          <a:p>
-            <a:pPr marL="0" marR="0" indent="0" algn="l" defTabSz="914400" rtl="0" eaLnBrk="1" fontAlgn="auto" latinLnBrk="0" hangingPunct="1">
-              <a:lnSpc>
-                <a:spcPct val="100000"/>
-              </a:lnSpc>
-              <a:spcBef>
-                <a:spcPts val="0"/>
-              </a:spcBef>
-              <a:spcAft>
-                <a:spcPts val="0"/>
-              </a:spcAft>
-              <a:buClrTx/>
-              <a:buSzTx/>
-              <a:buFontTx/>
-              <a:buNone/>
-              <a:tabLst/>
-              <a:defRPr/>
-            </a:pPr>
-            <a:endParaRPr lang="es-PE" sz="1200" dirty="0" smtClean="0"/>
-          </a:p>
-          <a:p>
-            <a:pPr marL="0" marR="0" indent="0" algn="l" defTabSz="914400" rtl="0" eaLnBrk="1" fontAlgn="auto" latinLnBrk="0" hangingPunct="1">
-              <a:lnSpc>
-                <a:spcPct val="100000"/>
-              </a:lnSpc>
-              <a:spcBef>
-                <a:spcPts val="0"/>
-              </a:spcBef>
-              <a:spcAft>
-                <a:spcPts val="0"/>
-              </a:spcAft>
-              <a:buClrTx/>
-              <a:buSzTx/>
-              <a:buFontTx/>
-              <a:buNone/>
-              <a:tabLst/>
-              <a:defRPr/>
-            </a:pPr>
-            <a:r>
-              <a:rPr lang="es-PE" sz="1200" dirty="0" smtClean="0"/>
-              <a:t>La herencia crea un fuerte </a:t>
-            </a:r>
-            <a:r>
-              <a:rPr lang="es-PE" sz="1200" dirty="0" err="1" smtClean="0"/>
-              <a:t>acomplamiento</a:t>
-            </a:r>
-            <a:r>
-              <a:rPr lang="es-PE" sz="1200" dirty="0" smtClean="0"/>
-              <a:t> entre la clase padre y las subclases; las subclases deben conocer muchos detalles de implementación de la clase padre. Cuando</a:t>
-            </a:r>
-            <a:r>
-              <a:rPr lang="es-PE" sz="1200" baseline="0" dirty="0" smtClean="0"/>
-              <a:t> se hace herencia, las hijas conocen todos los métodos de la padre, mientras que en la composición solo uno o algunos.</a:t>
-            </a:r>
-          </a:p>
-          <a:p>
-            <a:pPr marL="0" marR="0" indent="0" algn="l" defTabSz="914400" rtl="0" eaLnBrk="1" fontAlgn="auto" latinLnBrk="0" hangingPunct="1">
-              <a:lnSpc>
-                <a:spcPct val="100000"/>
-              </a:lnSpc>
-              <a:spcBef>
-                <a:spcPts val="0"/>
-              </a:spcBef>
-              <a:spcAft>
-                <a:spcPts val="0"/>
-              </a:spcAft>
-              <a:buClrTx/>
-              <a:buSzTx/>
-              <a:buFontTx/>
-              <a:buNone/>
-              <a:tabLst/>
-              <a:defRPr/>
-            </a:pPr>
-            <a:endParaRPr lang="en-US" sz="1200" kern="1200" dirty="0" smtClean="0">
-              <a:solidFill>
-                <a:schemeClr val="tx1"/>
-              </a:solidFill>
-              <a:latin typeface="+mn-lt"/>
-              <a:ea typeface="+mn-ea"/>
-              <a:cs typeface="+mn-cs"/>
-            </a:endParaRPr>
-          </a:p>
-          <a:p>
-            <a:pPr marL="0" marR="0" indent="0" algn="l" defTabSz="914400" rtl="0" eaLnBrk="1" fontAlgn="auto" latinLnBrk="0" hangingPunct="1">
-              <a:lnSpc>
-                <a:spcPct val="100000"/>
-              </a:lnSpc>
-              <a:spcBef>
-                <a:spcPts val="0"/>
-              </a:spcBef>
-              <a:spcAft>
-                <a:spcPts val="0"/>
-              </a:spcAft>
-              <a:buClrTx/>
-              <a:buSzTx/>
-              <a:buFontTx/>
-              <a:buNone/>
-              <a:tabLst/>
-              <a:defRPr/>
-            </a:pPr>
-            <a:r>
-              <a:rPr lang="en-US" sz="1200" b="0" i="0" kern="1200" dirty="0" smtClean="0">
-                <a:solidFill>
-                  <a:schemeClr val="tx1"/>
-                </a:solidFill>
-                <a:effectLst/>
-                <a:latin typeface="+mn-lt"/>
-                <a:ea typeface="+mn-ea"/>
-                <a:cs typeface="+mn-cs"/>
-              </a:rPr>
-              <a:t>I believe that the more you start to develop using design patterns, you'll find more and more often where composition is going to be favored over inheritance. I actually believe in the </a:t>
-            </a:r>
-            <a:r>
-              <a:rPr lang="en-US" sz="1200" b="1" i="0" kern="1200" dirty="0" smtClean="0">
-                <a:solidFill>
-                  <a:schemeClr val="tx1"/>
-                </a:solidFill>
-                <a:effectLst/>
-                <a:latin typeface="+mn-lt"/>
-                <a:ea typeface="+mn-ea"/>
-                <a:cs typeface="+mn-cs"/>
-              </a:rPr>
-              <a:t>Head First: Design Patterns</a:t>
-            </a:r>
-            <a:r>
-              <a:rPr lang="en-US" sz="1200" b="0" i="0" kern="1200" dirty="0" smtClean="0">
-                <a:solidFill>
-                  <a:schemeClr val="tx1"/>
-                </a:solidFill>
-                <a:effectLst/>
-                <a:latin typeface="+mn-lt"/>
-                <a:ea typeface="+mn-ea"/>
-                <a:cs typeface="+mn-cs"/>
-              </a:rPr>
-              <a:t> book that "</a:t>
-            </a:r>
-            <a:r>
-              <a:rPr lang="en-US" sz="1200" b="0" i="1" kern="1200" dirty="0" smtClean="0">
-                <a:solidFill>
-                  <a:schemeClr val="tx1"/>
-                </a:solidFill>
-                <a:effectLst/>
-                <a:latin typeface="+mn-lt"/>
-                <a:ea typeface="+mn-ea"/>
-                <a:cs typeface="+mn-cs"/>
-              </a:rPr>
-              <a:t>Favor Composition Over Inheritance</a:t>
-            </a:r>
-            <a:r>
-              <a:rPr lang="en-US" sz="1200" b="0" i="0" kern="1200" dirty="0" smtClean="0">
-                <a:solidFill>
-                  <a:schemeClr val="tx1"/>
-                </a:solidFill>
-                <a:effectLst/>
-                <a:latin typeface="+mn-lt"/>
-                <a:ea typeface="+mn-ea"/>
-                <a:cs typeface="+mn-cs"/>
-              </a:rPr>
-              <a:t>" is one of the primary design principles.</a:t>
-            </a:r>
-            <a:endParaRPr lang="es-PE" sz="1200" dirty="0" smtClean="0"/>
-          </a:p>
-          <a:p>
-            <a:pPr marL="0" marR="0" indent="0" algn="l" defTabSz="914400" rtl="0" eaLnBrk="1" fontAlgn="auto" latinLnBrk="0" hangingPunct="1">
-              <a:lnSpc>
-                <a:spcPct val="100000"/>
-              </a:lnSpc>
-              <a:spcBef>
-                <a:spcPts val="0"/>
-              </a:spcBef>
-              <a:spcAft>
-                <a:spcPts val="0"/>
-              </a:spcAft>
-              <a:buClrTx/>
-              <a:buSzTx/>
-              <a:buFontTx/>
-              <a:buNone/>
-              <a:tabLst/>
-              <a:defRPr/>
-            </a:pPr>
-            <a:endParaRPr lang="en-US" sz="1200" kern="1200" dirty="0" smtClean="0">
-              <a:solidFill>
-                <a:schemeClr val="tx1"/>
-              </a:solidFill>
-              <a:latin typeface="+mn-lt"/>
-              <a:ea typeface="+mn-ea"/>
-              <a:cs typeface="+mn-cs"/>
-            </a:endParaRPr>
-          </a:p>
-          <a:p>
-            <a:pPr marL="0" marR="0" indent="0" algn="l" defTabSz="914400" rtl="0" eaLnBrk="1" fontAlgn="auto" latinLnBrk="0" hangingPunct="1">
-              <a:lnSpc>
-                <a:spcPct val="100000"/>
-              </a:lnSpc>
-              <a:spcBef>
-                <a:spcPts val="0"/>
-              </a:spcBef>
-              <a:spcAft>
-                <a:spcPts val="0"/>
-              </a:spcAft>
-              <a:buClrTx/>
-              <a:buSzTx/>
-              <a:buFontTx/>
-              <a:buNone/>
-              <a:tabLst/>
-              <a:defRPr/>
-            </a:pPr>
-            <a:endParaRPr lang="en-US" sz="1200" kern="1200" dirty="0" smtClean="0">
-              <a:solidFill>
-                <a:schemeClr val="tx1"/>
-              </a:solidFill>
-              <a:latin typeface="+mn-lt"/>
-              <a:ea typeface="+mn-ea"/>
-              <a:cs typeface="+mn-cs"/>
-            </a:endParaRPr>
-          </a:p>
-          <a:p>
-            <a:r>
-              <a:rPr lang="en-US" sz="1200" b="0" i="0" kern="1200" dirty="0" smtClean="0">
-                <a:solidFill>
-                  <a:schemeClr val="tx1"/>
-                </a:solidFill>
-                <a:effectLst/>
-                <a:latin typeface="+mn-lt"/>
-                <a:ea typeface="+mn-ea"/>
-                <a:cs typeface="+mn-cs"/>
-              </a:rPr>
-              <a:t>At run-time you can not chose a different inheritance, but you can chose a different composition, this is important for tests as we want to test thing in isolation.</a:t>
-            </a:r>
-            <a:endParaRPr lang="en-US" sz="1200" kern="1200" dirty="0" smtClean="0">
-              <a:solidFill>
-                <a:schemeClr val="tx1"/>
-              </a:solidFill>
-              <a:latin typeface="+mn-lt"/>
-              <a:ea typeface="+mn-ea"/>
-              <a:cs typeface="+mn-cs"/>
-            </a:endParaRPr>
-          </a:p>
-        </p:txBody>
-      </p:sp>
-      <p:sp>
-        <p:nvSpPr>
-          <p:cNvPr id="4" name="3 Marcador de número de diapositiva"/>
-          <p:cNvSpPr>
-            <a:spLocks noGrp="1"/>
-          </p:cNvSpPr>
-          <p:nvPr>
-            <p:ph type="sldNum" sz="quarter" idx="10"/>
-          </p:nvPr>
-        </p:nvSpPr>
-        <p:spPr/>
-        <p:txBody>
-          <a:bodyPr/>
-          <a:lstStyle/>
-          <a:p>
-            <a:fld id="{80C14895-23C8-45AE-85D5-3B35E5980A68}" type="slidenum">
-              <a:rPr lang="es-PE" smtClean="0"/>
-              <a:t>49</a:t>
             </a:fld>
             <a:endParaRPr lang="es-PE"/>
           </a:p>
@@ -8396,259 +6730,6 @@
 </p:notes>
 </file>
 
-<file path=ppt/notesSlides/notesSlide50.xml><?xml version="1.0" encoding="utf-8"?>
-<p:notes xmlns:a="http://schemas.openxmlformats.org/drawingml/2006/main" xmlns:r="http://schemas.openxmlformats.org/officeDocument/2006/relationships" xmlns:p="http://schemas.openxmlformats.org/presentationml/2006/main">
-  <p:cSld>
-    <p:spTree>
-      <p:nvGrpSpPr>
-        <p:cNvPr id="1" name=""/>
-        <p:cNvGrpSpPr/>
-        <p:nvPr/>
-      </p:nvGrpSpPr>
-      <p:grpSpPr>
-        <a:xfrm>
-          <a:off x="0" y="0"/>
-          <a:ext cx="0" cy="0"/>
-          <a:chOff x="0" y="0"/>
-          <a:chExt cx="0" cy="0"/>
-        </a:xfrm>
-      </p:grpSpPr>
-      <p:sp>
-        <p:nvSpPr>
-          <p:cNvPr id="2" name="1 Marcador de imagen de diapositiva"/>
-          <p:cNvSpPr>
-            <a:spLocks noGrp="1" noRot="1" noChangeAspect="1"/>
-          </p:cNvSpPr>
-          <p:nvPr>
-            <p:ph type="sldImg"/>
-          </p:nvPr>
-        </p:nvSpPr>
-        <p:spPr/>
-      </p:sp>
-      <p:sp>
-        <p:nvSpPr>
-          <p:cNvPr id="3" name="2 Marcador de notas"/>
-          <p:cNvSpPr>
-            <a:spLocks noGrp="1"/>
-          </p:cNvSpPr>
-          <p:nvPr>
-            <p:ph type="body" idx="1"/>
-          </p:nvPr>
-        </p:nvSpPr>
-        <p:spPr/>
-        <p:txBody>
-          <a:bodyPr/>
-          <a:lstStyle/>
-          <a:p>
-            <a:pPr rtl="0"/>
-            <a:endParaRPr lang="es-PE" dirty="0" smtClean="0"/>
-          </a:p>
-        </p:txBody>
-      </p:sp>
-      <p:sp>
-        <p:nvSpPr>
-          <p:cNvPr id="4" name="3 Marcador de número de diapositiva"/>
-          <p:cNvSpPr>
-            <a:spLocks noGrp="1"/>
-          </p:cNvSpPr>
-          <p:nvPr>
-            <p:ph type="sldNum" sz="quarter" idx="10"/>
-          </p:nvPr>
-        </p:nvSpPr>
-        <p:spPr/>
-        <p:txBody>
-          <a:bodyPr/>
-          <a:lstStyle/>
-          <a:p>
-            <a:fld id="{80C14895-23C8-45AE-85D5-3B35E5980A68}" type="slidenum">
-              <a:rPr lang="es-PE" smtClean="0"/>
-              <a:t>50</a:t>
-            </a:fld>
-            <a:endParaRPr lang="es-PE"/>
-          </a:p>
-        </p:txBody>
-      </p:sp>
-    </p:spTree>
-    <p:extLst>
-      <p:ext uri="{BB962C8B-B14F-4D97-AF65-F5344CB8AC3E}">
-        <p14:creationId xmlns:p14="http://schemas.microsoft.com/office/powerpoint/2010/main" val="3432092158"/>
-      </p:ext>
-    </p:extLst>
-  </p:cSld>
-  <p:clrMapOvr>
-    <a:masterClrMapping/>
-  </p:clrMapOvr>
-</p:notes>
-</file>
-
-<file path=ppt/notesSlides/notesSlide51.xml><?xml version="1.0" encoding="utf-8"?>
-<p:notes xmlns:a="http://schemas.openxmlformats.org/drawingml/2006/main" xmlns:r="http://schemas.openxmlformats.org/officeDocument/2006/relationships" xmlns:p="http://schemas.openxmlformats.org/presentationml/2006/main">
-  <p:cSld>
-    <p:spTree>
-      <p:nvGrpSpPr>
-        <p:cNvPr id="1" name=""/>
-        <p:cNvGrpSpPr/>
-        <p:nvPr/>
-      </p:nvGrpSpPr>
-      <p:grpSpPr>
-        <a:xfrm>
-          <a:off x="0" y="0"/>
-          <a:ext cx="0" cy="0"/>
-          <a:chOff x="0" y="0"/>
-          <a:chExt cx="0" cy="0"/>
-        </a:xfrm>
-      </p:grpSpPr>
-      <p:sp>
-        <p:nvSpPr>
-          <p:cNvPr id="2" name="1 Marcador de imagen de diapositiva"/>
-          <p:cNvSpPr>
-            <a:spLocks noGrp="1" noRot="1" noChangeAspect="1"/>
-          </p:cNvSpPr>
-          <p:nvPr>
-            <p:ph type="sldImg"/>
-          </p:nvPr>
-        </p:nvSpPr>
-        <p:spPr/>
-      </p:sp>
-      <p:sp>
-        <p:nvSpPr>
-          <p:cNvPr id="3" name="2 Marcador de notas"/>
-          <p:cNvSpPr>
-            <a:spLocks noGrp="1"/>
-          </p:cNvSpPr>
-          <p:nvPr>
-            <p:ph type="body" idx="1"/>
-          </p:nvPr>
-        </p:nvSpPr>
-        <p:spPr/>
-        <p:txBody>
-          <a:bodyPr/>
-          <a:lstStyle/>
-          <a:p>
-            <a:endParaRPr lang="es-PE" dirty="0"/>
-          </a:p>
-        </p:txBody>
-      </p:sp>
-      <p:sp>
-        <p:nvSpPr>
-          <p:cNvPr id="4" name="3 Marcador de número de diapositiva"/>
-          <p:cNvSpPr>
-            <a:spLocks noGrp="1"/>
-          </p:cNvSpPr>
-          <p:nvPr>
-            <p:ph type="sldNum" sz="quarter" idx="10"/>
-          </p:nvPr>
-        </p:nvSpPr>
-        <p:spPr/>
-        <p:txBody>
-          <a:bodyPr/>
-          <a:lstStyle/>
-          <a:p>
-            <a:fld id="{80C14895-23C8-45AE-85D5-3B35E5980A68}" type="slidenum">
-              <a:rPr lang="es-PE" smtClean="0"/>
-              <a:t>51</a:t>
-            </a:fld>
-            <a:endParaRPr lang="es-PE"/>
-          </a:p>
-        </p:txBody>
-      </p:sp>
-    </p:spTree>
-    <p:extLst>
-      <p:ext uri="{BB962C8B-B14F-4D97-AF65-F5344CB8AC3E}">
-        <p14:creationId xmlns:p14="http://schemas.microsoft.com/office/powerpoint/2010/main" val="3432092158"/>
-      </p:ext>
-    </p:extLst>
-  </p:cSld>
-  <p:clrMapOvr>
-    <a:masterClrMapping/>
-  </p:clrMapOvr>
-</p:notes>
-</file>
-
-<file path=ppt/notesSlides/notesSlide52.xml><?xml version="1.0" encoding="utf-8"?>
-<p:notes xmlns:a="http://schemas.openxmlformats.org/drawingml/2006/main" xmlns:r="http://schemas.openxmlformats.org/officeDocument/2006/relationships" xmlns:p="http://schemas.openxmlformats.org/presentationml/2006/main">
-  <p:cSld>
-    <p:spTree>
-      <p:nvGrpSpPr>
-        <p:cNvPr id="1" name=""/>
-        <p:cNvGrpSpPr/>
-        <p:nvPr/>
-      </p:nvGrpSpPr>
-      <p:grpSpPr>
-        <a:xfrm>
-          <a:off x="0" y="0"/>
-          <a:ext cx="0" cy="0"/>
-          <a:chOff x="0" y="0"/>
-          <a:chExt cx="0" cy="0"/>
-        </a:xfrm>
-      </p:grpSpPr>
-      <p:sp>
-        <p:nvSpPr>
-          <p:cNvPr id="2" name="1 Marcador de imagen de diapositiva"/>
-          <p:cNvSpPr>
-            <a:spLocks noGrp="1" noRot="1" noChangeAspect="1"/>
-          </p:cNvSpPr>
-          <p:nvPr>
-            <p:ph type="sldImg"/>
-          </p:nvPr>
-        </p:nvSpPr>
-        <p:spPr/>
-      </p:sp>
-      <p:sp>
-        <p:nvSpPr>
-          <p:cNvPr id="3" name="2 Marcador de notas"/>
-          <p:cNvSpPr>
-            <a:spLocks noGrp="1"/>
-          </p:cNvSpPr>
-          <p:nvPr>
-            <p:ph type="body" idx="1"/>
-          </p:nvPr>
-        </p:nvSpPr>
-        <p:spPr/>
-        <p:txBody>
-          <a:bodyPr/>
-          <a:lstStyle/>
-          <a:p>
-            <a:endParaRPr lang="es-PE" dirty="0"/>
-          </a:p>
-        </p:txBody>
-      </p:sp>
-      <p:sp>
-        <p:nvSpPr>
-          <p:cNvPr id="4" name="3 Marcador de número de diapositiva"/>
-          <p:cNvSpPr>
-            <a:spLocks noGrp="1"/>
-          </p:cNvSpPr>
-          <p:nvPr>
-            <p:ph type="sldNum" sz="quarter" idx="10"/>
-          </p:nvPr>
-        </p:nvSpPr>
-        <p:spPr/>
-        <p:txBody>
-          <a:bodyPr/>
-          <a:lstStyle/>
-          <a:p>
-            <a:fld id="{96DE5A63-0F1F-4DC0-ADE0-CC17EBA6F230}" type="slidenum">
-              <a:rPr lang="es-PE" smtClean="0"/>
-              <a:t>52</a:t>
-            </a:fld>
-            <a:endParaRPr lang="es-PE"/>
-          </a:p>
-        </p:txBody>
-      </p:sp>
-    </p:spTree>
-    <p:extLst>
-      <p:ext uri="{BB962C8B-B14F-4D97-AF65-F5344CB8AC3E}">
-        <p14:creationId xmlns:p14="http://schemas.microsoft.com/office/powerpoint/2010/main" val="1461112982"/>
-      </p:ext>
-    </p:extLst>
-  </p:cSld>
-  <p:clrMapOvr>
-    <a:masterClrMapping/>
-  </p:clrMapOvr>
-</p:notes>
-</file>
-
 <file path=ppt/notesSlides/notesSlide6.xml><?xml version="1.0" encoding="utf-8"?>
 <p:notes xmlns:a="http://schemas.openxmlformats.org/drawingml/2006/main" xmlns:r="http://schemas.openxmlformats.org/officeDocument/2006/relationships" xmlns:p="http://schemas.openxmlformats.org/presentationml/2006/main">
   <p:cSld>
@@ -9378,7 +7459,7 @@
             <a:fld id="{807CB568-C05F-482F-9F26-AA302B8892DF}" type="datetimeFigureOut">
               <a:rPr lang="es-ES" smtClean="0"/>
               <a:pPr/>
-              <a:t>05/02/2013</a:t>
+              <a:t>12/04/2013</a:t>
             </a:fld>
             <a:endParaRPr lang="es-ES"/>
           </a:p>
@@ -9557,7 +7638,7 @@
             <a:fld id="{807CB568-C05F-482F-9F26-AA302B8892DF}" type="datetimeFigureOut">
               <a:rPr lang="es-ES" smtClean="0"/>
               <a:pPr/>
-              <a:t>05/02/2013</a:t>
+              <a:t>12/04/2013</a:t>
             </a:fld>
             <a:endParaRPr lang="es-ES"/>
           </a:p>
@@ -9746,7 +7827,7 @@
             <a:fld id="{807CB568-C05F-482F-9F26-AA302B8892DF}" type="datetimeFigureOut">
               <a:rPr lang="es-ES" smtClean="0"/>
               <a:pPr/>
-              <a:t>05/02/2013</a:t>
+              <a:t>12/04/2013</a:t>
             </a:fld>
             <a:endParaRPr lang="es-ES"/>
           </a:p>
@@ -9925,7 +8006,7 @@
             <a:fld id="{807CB568-C05F-482F-9F26-AA302B8892DF}" type="datetimeFigureOut">
               <a:rPr lang="es-ES" smtClean="0"/>
               <a:pPr/>
-              <a:t>05/02/2013</a:t>
+              <a:t>12/04/2013</a:t>
             </a:fld>
             <a:endParaRPr lang="es-ES"/>
           </a:p>
@@ -10180,7 +8261,7 @@
             <a:fld id="{807CB568-C05F-482F-9F26-AA302B8892DF}" type="datetimeFigureOut">
               <a:rPr lang="es-ES" smtClean="0"/>
               <a:pPr/>
-              <a:t>05/02/2013</a:t>
+              <a:t>12/04/2013</a:t>
             </a:fld>
             <a:endParaRPr lang="es-ES"/>
           </a:p>
@@ -10477,7 +8558,7 @@
             <a:fld id="{807CB568-C05F-482F-9F26-AA302B8892DF}" type="datetimeFigureOut">
               <a:rPr lang="es-ES" smtClean="0"/>
               <a:pPr/>
-              <a:t>05/02/2013</a:t>
+              <a:t>12/04/2013</a:t>
             </a:fld>
             <a:endParaRPr lang="es-ES"/>
           </a:p>
@@ -10908,7 +8989,7 @@
             <a:fld id="{807CB568-C05F-482F-9F26-AA302B8892DF}" type="datetimeFigureOut">
               <a:rPr lang="es-ES" smtClean="0"/>
               <a:pPr/>
-              <a:t>05/02/2013</a:t>
+              <a:t>12/04/2013</a:t>
             </a:fld>
             <a:endParaRPr lang="es-ES"/>
           </a:p>
@@ -11035,7 +9116,7 @@
             <a:fld id="{807CB568-C05F-482F-9F26-AA302B8892DF}" type="datetimeFigureOut">
               <a:rPr lang="es-ES" smtClean="0"/>
               <a:pPr/>
-              <a:t>05/02/2013</a:t>
+              <a:t>12/04/2013</a:t>
             </a:fld>
             <a:endParaRPr lang="es-ES"/>
           </a:p>
@@ -11139,7 +9220,7 @@
             <a:fld id="{807CB568-C05F-482F-9F26-AA302B8892DF}" type="datetimeFigureOut">
               <a:rPr lang="es-ES" smtClean="0"/>
               <a:pPr/>
-              <a:t>05/02/2013</a:t>
+              <a:t>12/04/2013</a:t>
             </a:fld>
             <a:endParaRPr lang="es-ES"/>
           </a:p>
@@ -11425,7 +9506,7 @@
             <a:fld id="{807CB568-C05F-482F-9F26-AA302B8892DF}" type="datetimeFigureOut">
               <a:rPr lang="es-ES" smtClean="0"/>
               <a:pPr/>
-              <a:t>05/02/2013</a:t>
+              <a:t>12/04/2013</a:t>
             </a:fld>
             <a:endParaRPr lang="es-ES"/>
           </a:p>
@@ -11694,7 +9775,7 @@
             <a:fld id="{807CB568-C05F-482F-9F26-AA302B8892DF}" type="datetimeFigureOut">
               <a:rPr lang="es-ES" smtClean="0"/>
               <a:pPr/>
-              <a:t>05/02/2013</a:t>
+              <a:t>12/04/2013</a:t>
             </a:fld>
             <a:endParaRPr lang="es-ES"/>
           </a:p>
@@ -11945,7 +10026,7 @@
             <a:fld id="{807CB568-C05F-482F-9F26-AA302B8892DF}" type="datetimeFigureOut">
               <a:rPr lang="es-ES" smtClean="0"/>
               <a:pPr/>
-              <a:t>05/02/2013</a:t>
+              <a:t>12/04/2013</a:t>
             </a:fld>
             <a:endParaRPr lang="es-ES"/>
           </a:p>
@@ -26034,334 +24115,6 @@
 </p:sld>
 </file>
 
-<file path=ppt/slides/slide39.xml><?xml version="1.0" encoding="utf-8"?>
-<p:sld xmlns:a="http://schemas.openxmlformats.org/drawingml/2006/main" xmlns:r="http://schemas.openxmlformats.org/officeDocument/2006/relationships" xmlns:p="http://schemas.openxmlformats.org/presentationml/2006/main">
-  <p:cSld>
-    <p:spTree>
-      <p:nvGrpSpPr>
-        <p:cNvPr id="1" name=""/>
-        <p:cNvGrpSpPr/>
-        <p:nvPr/>
-      </p:nvGrpSpPr>
-      <p:grpSpPr>
-        <a:xfrm>
-          <a:off x="0" y="0"/>
-          <a:ext cx="0" cy="0"/>
-          <a:chOff x="0" y="0"/>
-          <a:chExt cx="0" cy="0"/>
-        </a:xfrm>
-      </p:grpSpPr>
-      <p:sp>
-        <p:nvSpPr>
-          <p:cNvPr id="2" name="1 Título"/>
-          <p:cNvSpPr>
-            <a:spLocks noGrp="1"/>
-          </p:cNvSpPr>
-          <p:nvPr>
-            <p:ph type="ctrTitle"/>
-          </p:nvPr>
-        </p:nvSpPr>
-        <p:spPr>
-          <a:xfrm>
-            <a:off x="472008" y="1268760"/>
-            <a:ext cx="8204448" cy="2592288"/>
-          </a:xfrm>
-        </p:spPr>
-        <p:txBody>
-          <a:bodyPr/>
-          <a:lstStyle/>
-          <a:p>
-            <a:r>
-              <a:rPr lang="en-US" sz="11500" b="1" dirty="0" smtClean="0">
-                <a:solidFill>
-                  <a:srgbClr val="FF0000"/>
-                </a:solidFill>
-              </a:rPr>
-              <a:t>Design for</a:t>
-            </a:r>
-            <a:br>
-              <a:rPr lang="en-US" sz="11500" b="1" dirty="0" smtClean="0">
-                <a:solidFill>
-                  <a:srgbClr val="FF0000"/>
-                </a:solidFill>
-              </a:rPr>
-            </a:br>
-            <a:r>
-              <a:rPr lang="en-US" sz="11500" b="1" dirty="0" err="1" smtClean="0">
-                <a:solidFill>
-                  <a:srgbClr val="FF0000"/>
-                </a:solidFill>
-              </a:rPr>
-              <a:t>Testeability</a:t>
-            </a:r>
-            <a:r>
-              <a:rPr lang="en-US" sz="11500" b="1" dirty="0" smtClean="0">
-                <a:solidFill>
-                  <a:srgbClr val="FF0000"/>
-                </a:solidFill>
-              </a:rPr>
-              <a:t/>
-            </a:r>
-            <a:br>
-              <a:rPr lang="en-US" sz="11500" b="1" dirty="0" smtClean="0">
-                <a:solidFill>
-                  <a:srgbClr val="FF0000"/>
-                </a:solidFill>
-              </a:rPr>
-            </a:br>
-            <a:r>
-              <a:rPr lang="en-US" sz="7200" b="1" dirty="0"/>
-              <a:t>Test Automation</a:t>
-            </a:r>
-            <a:endParaRPr lang="en-US" sz="7200" b="1" dirty="0">
-              <a:solidFill>
-                <a:srgbClr val="FF0000"/>
-              </a:solidFill>
-            </a:endParaRPr>
-          </a:p>
-        </p:txBody>
-      </p:sp>
-      <p:sp>
-        <p:nvSpPr>
-          <p:cNvPr id="5" name="2 Subtítulo"/>
-          <p:cNvSpPr txBox="1">
-            <a:spLocks/>
-          </p:cNvSpPr>
-          <p:nvPr/>
-        </p:nvSpPr>
-        <p:spPr bwMode="auto">
-          <a:xfrm>
-            <a:off x="179512" y="5407164"/>
-            <a:ext cx="3214709" cy="515717"/>
-          </a:xfrm>
-          <a:prstGeom prst="rect">
-            <a:avLst/>
-          </a:prstGeom>
-          <a:noFill/>
-          <a:ln w="9525">
-            <a:noFill/>
-            <a:miter lim="800000"/>
-            <a:headEnd/>
-            <a:tailEnd/>
-          </a:ln>
-        </p:spPr>
-        <p:txBody>
-          <a:bodyPr vert="horz" wrap="square" lIns="91440" tIns="45720" rIns="91440" bIns="45720" numCol="1" rtlCol="0" anchor="t" anchorCtr="0" compatLnSpc="1">
-            <a:prstTxWarp prst="textNoShape">
-              <a:avLst/>
-            </a:prstTxWarp>
-            <a:noAutofit/>
-          </a:bodyPr>
-          <a:lstStyle/>
-          <a:p>
-            <a:pPr marL="0" marR="0" lvl="0" indent="0" algn="ctr" defTabSz="914400" rtl="0" eaLnBrk="1" fontAlgn="auto" latinLnBrk="0" hangingPunct="1">
-              <a:lnSpc>
-                <a:spcPct val="100000"/>
-              </a:lnSpc>
-              <a:spcBef>
-                <a:spcPct val="20000"/>
-              </a:spcBef>
-              <a:spcAft>
-                <a:spcPts val="0"/>
-              </a:spcAft>
-              <a:buClrTx/>
-              <a:buSzTx/>
-              <a:buFont typeface="Arial" pitchFamily="34" charset="0"/>
-              <a:buNone/>
-              <a:tabLst/>
-              <a:defRPr/>
-            </a:pPr>
-            <a:r>
-              <a:rPr kumimoji="0" lang="es-PE" sz="2600" b="1" i="0" u="none" strike="noStrike" kern="1200" cap="none" spc="0" normalizeH="0" baseline="0" noProof="0" dirty="0" smtClean="0">
-                <a:ln>
-                  <a:noFill/>
-                </a:ln>
-                <a:solidFill>
-                  <a:srgbClr val="00B050"/>
-                </a:solidFill>
-                <a:effectLst/>
-                <a:uLnTx/>
-                <a:uFillTx/>
-              </a:rPr>
-              <a:t>Angel Núñez Salazar</a:t>
-            </a:r>
-          </a:p>
-        </p:txBody>
-      </p:sp>
-      <p:sp>
-        <p:nvSpPr>
-          <p:cNvPr id="7" name="Rectangle 1"/>
-          <p:cNvSpPr>
-            <a:spLocks noChangeArrowheads="1"/>
-          </p:cNvSpPr>
-          <p:nvPr/>
-        </p:nvSpPr>
-        <p:spPr bwMode="auto">
-          <a:xfrm>
-            <a:off x="3715072" y="5157192"/>
-            <a:ext cx="5105400" cy="1015663"/>
-          </a:xfrm>
-          <a:prstGeom prst="rect">
-            <a:avLst/>
-          </a:prstGeom>
-          <a:noFill/>
-          <a:ln w="9525">
-            <a:noFill/>
-            <a:miter lim="800000"/>
-            <a:headEnd/>
-            <a:tailEnd/>
-          </a:ln>
-          <a:effectLst/>
-        </p:spPr>
-        <p:txBody>
-          <a:bodyPr vert="horz" wrap="square" lIns="91440" tIns="45720" rIns="91440" bIns="45720" numCol="1" anchor="ctr" anchorCtr="0" compatLnSpc="1">
-            <a:prstTxWarp prst="textNoShape">
-              <a:avLst/>
-            </a:prstTxWarp>
-            <a:spAutoFit/>
-          </a:bodyPr>
-          <a:lstStyle/>
-          <a:p>
-            <a:pPr lvl="0" algn="r" fontAlgn="base">
-              <a:spcBef>
-                <a:spcPct val="0"/>
-              </a:spcBef>
-              <a:spcAft>
-                <a:spcPct val="0"/>
-              </a:spcAft>
-            </a:pPr>
-            <a:r>
-              <a:rPr lang="en-US" sz="2000" dirty="0" smtClean="0">
-                <a:latin typeface="Trebuchet MS" pitchFamily="34" charset="0"/>
-                <a:ea typeface="Calibri" pitchFamily="34" charset="0"/>
-                <a:cs typeface="Arial" pitchFamily="34" charset="0"/>
-              </a:rPr>
-              <a:t>Email: </a:t>
-            </a:r>
-            <a:r>
-              <a:rPr lang="en-US" sz="2000" dirty="0">
-                <a:solidFill>
-                  <a:srgbClr val="FFC000"/>
-                </a:solidFill>
-                <a:latin typeface="Trebuchet MS" pitchFamily="34" charset="0"/>
-                <a:ea typeface="Calibri" pitchFamily="34" charset="0"/>
-                <a:cs typeface="Arial" pitchFamily="34" charset="0"/>
-              </a:rPr>
-              <a:t>angel.nunez.salazar@gmail.com</a:t>
-            </a:r>
-          </a:p>
-          <a:p>
-            <a:pPr lvl="0" algn="r" eaLnBrk="0" fontAlgn="base" hangingPunct="0">
-              <a:spcBef>
-                <a:spcPct val="0"/>
-              </a:spcBef>
-              <a:spcAft>
-                <a:spcPct val="0"/>
-              </a:spcAft>
-            </a:pPr>
-            <a:r>
-              <a:rPr lang="en-US" sz="2000" dirty="0" smtClean="0">
-                <a:latin typeface="Trebuchet MS" pitchFamily="34" charset="0"/>
-                <a:ea typeface="Calibri" pitchFamily="34" charset="0"/>
-                <a:cs typeface="Arial" pitchFamily="34" charset="0"/>
-              </a:rPr>
-              <a:t>Blog: </a:t>
-            </a:r>
-            <a:r>
-              <a:rPr lang="en-US" sz="2000" dirty="0">
-                <a:solidFill>
-                  <a:srgbClr val="FFC000"/>
-                </a:solidFill>
-                <a:latin typeface="Trebuchet MS" pitchFamily="34" charset="0"/>
-                <a:ea typeface="Calibri" pitchFamily="34" charset="0"/>
-                <a:cs typeface="Arial" pitchFamily="34" charset="0"/>
-              </a:rPr>
-              <a:t>http://</a:t>
-            </a:r>
-            <a:r>
-              <a:rPr lang="en-US" sz="2000" dirty="0" smtClean="0">
-                <a:solidFill>
-                  <a:srgbClr val="FFC000"/>
-                </a:solidFill>
-                <a:latin typeface="Trebuchet MS" pitchFamily="34" charset="0"/>
-                <a:ea typeface="Calibri" pitchFamily="34" charset="0"/>
-                <a:cs typeface="Arial" pitchFamily="34" charset="0"/>
-              </a:rPr>
-              <a:t>snahider.blogspot.com</a:t>
-            </a:r>
-          </a:p>
-          <a:p>
-            <a:pPr lvl="0" algn="r" eaLnBrk="0" fontAlgn="base" hangingPunct="0">
-              <a:spcBef>
-                <a:spcPct val="0"/>
-              </a:spcBef>
-              <a:spcAft>
-                <a:spcPct val="0"/>
-              </a:spcAft>
-            </a:pPr>
-            <a:r>
-              <a:rPr lang="en-US" sz="2000" dirty="0" smtClean="0">
-                <a:latin typeface="Trebuchet MS" pitchFamily="34" charset="0"/>
-                <a:ea typeface="Calibri" pitchFamily="34" charset="0"/>
-                <a:cs typeface="Arial" pitchFamily="34" charset="0"/>
-              </a:rPr>
-              <a:t>Twitter: </a:t>
-            </a:r>
-            <a:r>
-              <a:rPr lang="en-US" sz="2000" dirty="0" smtClean="0">
-                <a:solidFill>
-                  <a:srgbClr val="FFC000"/>
-                </a:solidFill>
-                <a:latin typeface="Trebuchet MS" pitchFamily="34" charset="0"/>
-                <a:ea typeface="Calibri" pitchFamily="34" charset="0"/>
-                <a:cs typeface="Arial" pitchFamily="34" charset="0"/>
-              </a:rPr>
-              <a:t>@</a:t>
-            </a:r>
-            <a:r>
-              <a:rPr lang="en-US" sz="2000" dirty="0" err="1" smtClean="0">
-                <a:solidFill>
-                  <a:srgbClr val="FFC000"/>
-                </a:solidFill>
-                <a:latin typeface="Trebuchet MS" pitchFamily="34" charset="0"/>
-                <a:ea typeface="Calibri" pitchFamily="34" charset="0"/>
-                <a:cs typeface="Arial" pitchFamily="34" charset="0"/>
-              </a:rPr>
-              <a:t>snahider</a:t>
-            </a:r>
-            <a:r>
-              <a:rPr lang="en-US" sz="2000" dirty="0" smtClean="0">
-                <a:solidFill>
-                  <a:srgbClr val="FFC000"/>
-                </a:solidFill>
-                <a:latin typeface="Trebuchet MS" pitchFamily="34" charset="0"/>
-                <a:cs typeface="Arial" pitchFamily="34" charset="0"/>
-              </a:rPr>
-              <a:t> </a:t>
-            </a:r>
-          </a:p>
-        </p:txBody>
-      </p:sp>
-    </p:spTree>
-    <p:extLst>
-      <p:ext uri="{BB962C8B-B14F-4D97-AF65-F5344CB8AC3E}">
-        <p14:creationId xmlns:p14="http://schemas.microsoft.com/office/powerpoint/2010/main" val="417568029"/>
-      </p:ext>
-    </p:extLst>
-  </p:cSld>
-  <p:clrMapOvr>
-    <a:masterClrMapping/>
-  </p:clrMapOvr>
-  <p:timing>
-    <p:tnLst>
-      <p:par>
-        <p:cTn id="1" dur="indefinite" restart="never" nodeType="tmRoot"/>
-      </p:par>
-    </p:tnLst>
-  </p:timing>
-</p:sld>
-</file>
-
 <file path=ppt/slides/slide4.xml><?xml version="1.0" encoding="utf-8"?>
 <p:sld xmlns:a="http://schemas.openxmlformats.org/drawingml/2006/main" xmlns:r="http://schemas.openxmlformats.org/officeDocument/2006/relationships" xmlns:p="http://schemas.openxmlformats.org/presentationml/2006/main">
   <p:cSld>
@@ -26634,2760 +24387,6 @@
     <p:extLst>
       <p:ext uri="{BB962C8B-B14F-4D97-AF65-F5344CB8AC3E}">
         <p14:creationId xmlns:p14="http://schemas.microsoft.com/office/powerpoint/2010/main" val="3858874753"/>
-      </p:ext>
-    </p:extLst>
-  </p:cSld>
-  <p:clrMapOvr>
-    <a:masterClrMapping/>
-  </p:clrMapOvr>
-  <p:timing>
-    <p:tnLst>
-      <p:par>
-        <p:cTn id="1" dur="indefinite" restart="never" nodeType="tmRoot"/>
-      </p:par>
-    </p:tnLst>
-  </p:timing>
-</p:sld>
-</file>
-
-<file path=ppt/slides/slide40.xml><?xml version="1.0" encoding="utf-8"?>
-<p:sld xmlns:a="http://schemas.openxmlformats.org/drawingml/2006/main" xmlns:r="http://schemas.openxmlformats.org/officeDocument/2006/relationships" xmlns:p="http://schemas.openxmlformats.org/presentationml/2006/main">
-  <p:cSld>
-    <p:spTree>
-      <p:nvGrpSpPr>
-        <p:cNvPr id="1" name=""/>
-        <p:cNvGrpSpPr/>
-        <p:nvPr/>
-      </p:nvGrpSpPr>
-      <p:grpSpPr>
-        <a:xfrm>
-          <a:off x="0" y="0"/>
-          <a:ext cx="0" cy="0"/>
-          <a:chOff x="0" y="0"/>
-          <a:chExt cx="0" cy="0"/>
-        </a:xfrm>
-      </p:grpSpPr>
-      <p:sp>
-        <p:nvSpPr>
-          <p:cNvPr id="5" name="2 Título"/>
-          <p:cNvSpPr>
-            <a:spLocks noGrp="1"/>
-          </p:cNvSpPr>
-          <p:nvPr>
-            <p:ph type="title"/>
-          </p:nvPr>
-        </p:nvSpPr>
-        <p:spPr>
-          <a:xfrm>
-            <a:off x="565772" y="836712"/>
-            <a:ext cx="8229600" cy="1143000"/>
-          </a:xfrm>
-        </p:spPr>
-        <p:txBody>
-          <a:bodyPr/>
-          <a:lstStyle/>
-          <a:p>
-            <a:r>
-              <a:rPr lang="es-PE" dirty="0" smtClean="0">
-                <a:solidFill>
-                  <a:srgbClr val="00823B"/>
-                </a:solidFill>
-              </a:rPr>
-              <a:t>¿ Como escribimos código que sea fácil de probar ?</a:t>
-            </a:r>
-            <a:endParaRPr lang="es-PE" dirty="0">
-              <a:solidFill>
-                <a:srgbClr val="00823B"/>
-              </a:solidFill>
-            </a:endParaRPr>
-          </a:p>
-        </p:txBody>
-      </p:sp>
-      <p:pic>
-        <p:nvPicPr>
-          <p:cNvPr id="3" name="2 Imagen"/>
-          <p:cNvPicPr>
-            <a:picLocks noChangeAspect="1"/>
-          </p:cNvPicPr>
-          <p:nvPr/>
-        </p:nvPicPr>
-        <p:blipFill>
-          <a:blip r:embed="rId3">
-            <a:extLst>
-              <a:ext uri="{28A0092B-C50C-407E-A947-70E740481C1C}">
-                <a14:useLocalDpi xmlns:a14="http://schemas.microsoft.com/office/drawing/2010/main" val="0"/>
-              </a:ext>
-            </a:extLst>
-          </a:blip>
-          <a:stretch>
-            <a:fillRect/>
-          </a:stretch>
-        </p:blipFill>
-        <p:spPr>
-          <a:xfrm>
-            <a:off x="2978772" y="2564904"/>
-            <a:ext cx="3403600" cy="3403600"/>
-          </a:xfrm>
-          <a:prstGeom prst="rect">
-            <a:avLst/>
-          </a:prstGeom>
-          <a:ln>
-            <a:noFill/>
-          </a:ln>
-          <a:effectLst>
-            <a:softEdge rad="112500"/>
-          </a:effectLst>
-        </p:spPr>
-      </p:pic>
-    </p:spTree>
-    <p:extLst>
-      <p:ext uri="{BB962C8B-B14F-4D97-AF65-F5344CB8AC3E}">
-        <p14:creationId xmlns:p14="http://schemas.microsoft.com/office/powerpoint/2010/main" val="4289157598"/>
-      </p:ext>
-    </p:extLst>
-  </p:cSld>
-  <p:clrMapOvr>
-    <a:masterClrMapping/>
-  </p:clrMapOvr>
-  <p:timing>
-    <p:tnLst>
-      <p:par>
-        <p:cTn id="1" dur="indefinite" restart="never" nodeType="tmRoot"/>
-      </p:par>
-    </p:tnLst>
-  </p:timing>
-</p:sld>
-</file>
-
-<file path=ppt/slides/slide41.xml><?xml version="1.0" encoding="utf-8"?>
-<p:sld xmlns:a="http://schemas.openxmlformats.org/drawingml/2006/main" xmlns:r="http://schemas.openxmlformats.org/officeDocument/2006/relationships" xmlns:p="http://schemas.openxmlformats.org/presentationml/2006/main">
-  <p:cSld>
-    <p:spTree>
-      <p:nvGrpSpPr>
-        <p:cNvPr id="1" name=""/>
-        <p:cNvGrpSpPr/>
-        <p:nvPr/>
-      </p:nvGrpSpPr>
-      <p:grpSpPr>
-        <a:xfrm>
-          <a:off x="0" y="0"/>
-          <a:ext cx="0" cy="0"/>
-          <a:chOff x="0" y="0"/>
-          <a:chExt cx="0" cy="0"/>
-        </a:xfrm>
-      </p:grpSpPr>
-      <p:sp>
-        <p:nvSpPr>
-          <p:cNvPr id="5" name="2 Título"/>
-          <p:cNvSpPr>
-            <a:spLocks noGrp="1"/>
-          </p:cNvSpPr>
-          <p:nvPr>
-            <p:ph type="title"/>
-          </p:nvPr>
-        </p:nvSpPr>
-        <p:spPr>
-          <a:xfrm>
-            <a:off x="539552" y="1772816"/>
-            <a:ext cx="8229600" cy="3024336"/>
-          </a:xfrm>
-        </p:spPr>
-        <p:txBody>
-          <a:bodyPr/>
-          <a:lstStyle/>
-          <a:p>
-            <a:r>
-              <a:rPr lang="es-PE" sz="4000" i="1" dirty="0" smtClean="0"/>
-              <a:t>«No hay ningún secreto en cómo escribir los </a:t>
-            </a:r>
-            <a:r>
-              <a:rPr lang="es-PE" sz="4000" i="1" dirty="0" err="1" smtClean="0"/>
-              <a:t>tests</a:t>
-            </a:r>
-            <a:r>
-              <a:rPr lang="es-PE" sz="4000" i="1" dirty="0" smtClean="0"/>
-              <a:t>,</a:t>
-            </a:r>
-            <a:r>
-              <a:rPr lang="es-PE" i="1" dirty="0" smtClean="0">
-                <a:solidFill>
-                  <a:srgbClr val="FFC000"/>
-                </a:solidFill>
-              </a:rPr>
-              <a:t/>
-            </a:r>
-            <a:br>
-              <a:rPr lang="es-PE" i="1" dirty="0" smtClean="0">
-                <a:solidFill>
-                  <a:srgbClr val="FFC000"/>
-                </a:solidFill>
-              </a:rPr>
-            </a:br>
-            <a:r>
-              <a:rPr lang="es-PE" i="1" dirty="0" smtClean="0">
-                <a:solidFill>
-                  <a:srgbClr val="FF0000"/>
-                </a:solidFill>
-              </a:rPr>
-              <a:t>solo hay secretos en cómo escribir código testeable.»</a:t>
-            </a:r>
-            <a:endParaRPr lang="es-PE" i="1" dirty="0">
-              <a:solidFill>
-                <a:srgbClr val="FF0000"/>
-              </a:solidFill>
-            </a:endParaRPr>
-          </a:p>
-        </p:txBody>
-      </p:sp>
-      <p:sp>
-        <p:nvSpPr>
-          <p:cNvPr id="2" name="1 CuadroTexto"/>
-          <p:cNvSpPr txBox="1"/>
-          <p:nvPr/>
-        </p:nvSpPr>
-        <p:spPr>
-          <a:xfrm>
-            <a:off x="6876256" y="4782199"/>
-            <a:ext cx="1600182" cy="400110"/>
-          </a:xfrm>
-          <a:prstGeom prst="rect">
-            <a:avLst/>
-          </a:prstGeom>
-          <a:noFill/>
-        </p:spPr>
-        <p:txBody>
-          <a:bodyPr wrap="none" rtlCol="0">
-            <a:spAutoFit/>
-          </a:bodyPr>
-          <a:lstStyle/>
-          <a:p>
-            <a:r>
-              <a:rPr lang="es-PE" sz="2000" dirty="0" err="1" smtClean="0">
-                <a:solidFill>
-                  <a:srgbClr val="FFC000"/>
-                </a:solidFill>
-              </a:rPr>
-              <a:t>Misko</a:t>
-            </a:r>
-            <a:r>
-              <a:rPr lang="es-PE" sz="2000" dirty="0" smtClean="0">
-                <a:solidFill>
-                  <a:srgbClr val="FFC000"/>
-                </a:solidFill>
-              </a:rPr>
-              <a:t> </a:t>
-            </a:r>
-            <a:r>
-              <a:rPr lang="es-PE" sz="2000" dirty="0" err="1" smtClean="0">
-                <a:solidFill>
-                  <a:srgbClr val="FFC000"/>
-                </a:solidFill>
-              </a:rPr>
-              <a:t>Hevery</a:t>
-            </a:r>
-            <a:endParaRPr lang="es-PE" sz="2000" dirty="0">
-              <a:solidFill>
-                <a:srgbClr val="FFC000"/>
-              </a:solidFill>
-            </a:endParaRPr>
-          </a:p>
-        </p:txBody>
-      </p:sp>
-    </p:spTree>
-    <p:extLst>
-      <p:ext uri="{BB962C8B-B14F-4D97-AF65-F5344CB8AC3E}">
-        <p14:creationId xmlns:p14="http://schemas.microsoft.com/office/powerpoint/2010/main" val="4062923459"/>
-      </p:ext>
-    </p:extLst>
-  </p:cSld>
-  <p:clrMapOvr>
-    <a:masterClrMapping/>
-  </p:clrMapOvr>
-  <p:timing>
-    <p:tnLst>
-      <p:par>
-        <p:cTn id="1" dur="indefinite" restart="never" nodeType="tmRoot"/>
-      </p:par>
-    </p:tnLst>
-  </p:timing>
-</p:sld>
-</file>
-
-<file path=ppt/slides/slide42.xml><?xml version="1.0" encoding="utf-8"?>
-<p:sld xmlns:a="http://schemas.openxmlformats.org/drawingml/2006/main" xmlns:r="http://schemas.openxmlformats.org/officeDocument/2006/relationships" xmlns:p="http://schemas.openxmlformats.org/presentationml/2006/main">
-  <p:cSld>
-    <p:spTree>
-      <p:nvGrpSpPr>
-        <p:cNvPr id="1" name=""/>
-        <p:cNvGrpSpPr/>
-        <p:nvPr/>
-      </p:nvGrpSpPr>
-      <p:grpSpPr>
-        <a:xfrm>
-          <a:off x="0" y="0"/>
-          <a:ext cx="0" cy="0"/>
-          <a:chOff x="0" y="0"/>
-          <a:chExt cx="0" cy="0"/>
-        </a:xfrm>
-      </p:grpSpPr>
-      <p:sp>
-        <p:nvSpPr>
-          <p:cNvPr id="5" name="2 Título"/>
-          <p:cNvSpPr>
-            <a:spLocks noGrp="1"/>
-          </p:cNvSpPr>
-          <p:nvPr>
-            <p:ph type="title"/>
-          </p:nvPr>
-        </p:nvSpPr>
-        <p:spPr>
-          <a:xfrm>
-            <a:off x="539552" y="1325086"/>
-            <a:ext cx="8229600" cy="1143000"/>
-          </a:xfrm>
-        </p:spPr>
-        <p:txBody>
-          <a:bodyPr/>
-          <a:lstStyle/>
-          <a:p>
-            <a:r>
-              <a:rPr lang="es-PE" dirty="0" smtClean="0">
-                <a:solidFill>
-                  <a:srgbClr val="00823B"/>
-                </a:solidFill>
-              </a:rPr>
-              <a:t>Como podemos mejorar la testeabilidad</a:t>
-            </a:r>
-            <a:endParaRPr lang="es-PE" dirty="0">
-              <a:solidFill>
-                <a:srgbClr val="00823B"/>
-              </a:solidFill>
-            </a:endParaRPr>
-          </a:p>
-        </p:txBody>
-      </p:sp>
-      <p:sp>
-        <p:nvSpPr>
-          <p:cNvPr id="2" name="1 CuadroTexto"/>
-          <p:cNvSpPr txBox="1"/>
-          <p:nvPr/>
-        </p:nvSpPr>
-        <p:spPr>
-          <a:xfrm>
-            <a:off x="683568" y="2924944"/>
-            <a:ext cx="7776864" cy="2246769"/>
-          </a:xfrm>
-          <a:prstGeom prst="rect">
-            <a:avLst/>
-          </a:prstGeom>
-          <a:noFill/>
-        </p:spPr>
-        <p:txBody>
-          <a:bodyPr wrap="square" rtlCol="0">
-            <a:spAutoFit/>
-          </a:bodyPr>
-          <a:lstStyle/>
-          <a:p>
-            <a:pPr marL="571500" indent="-571500">
-              <a:buFont typeface="Arial" pitchFamily="34" charset="0"/>
-              <a:buChar char="•"/>
-            </a:pPr>
-            <a:r>
-              <a:rPr lang="es-ES" sz="2800" dirty="0">
-                <a:solidFill>
-                  <a:srgbClr val="FF0000"/>
-                </a:solidFill>
-              </a:rPr>
-              <a:t>Aislar las dependencias e inyectarlas</a:t>
-            </a:r>
-            <a:r>
-              <a:rPr lang="es-ES" sz="2800" dirty="0" smtClean="0">
-                <a:solidFill>
-                  <a:srgbClr val="FF0000"/>
-                </a:solidFill>
-              </a:rPr>
-              <a:t>.</a:t>
-            </a:r>
-          </a:p>
-          <a:p>
-            <a:pPr marL="571500" indent="-571500">
-              <a:buFont typeface="Arial" pitchFamily="34" charset="0"/>
-              <a:buChar char="•"/>
-            </a:pPr>
-            <a:r>
-              <a:rPr lang="es-ES" sz="2800" dirty="0" smtClean="0"/>
-              <a:t>No realizar trabajo en el constructor.</a:t>
-            </a:r>
-          </a:p>
-          <a:p>
-            <a:pPr marL="571500" indent="-571500">
-              <a:buFont typeface="Arial" pitchFamily="34" charset="0"/>
-              <a:buChar char="•"/>
-            </a:pPr>
-            <a:r>
-              <a:rPr lang="es-ES" sz="2800" dirty="0" smtClean="0"/>
-              <a:t>Preferir la composición sobre la herencia.</a:t>
-            </a:r>
-          </a:p>
-          <a:p>
-            <a:pPr marL="571500" indent="-571500">
-              <a:buFont typeface="Arial" pitchFamily="34" charset="0"/>
-              <a:buChar char="•"/>
-            </a:pPr>
-            <a:r>
-              <a:rPr lang="es-ES" sz="2800" dirty="0" smtClean="0"/>
-              <a:t>Evitar métodos y clases estáticas o el patrón </a:t>
-            </a:r>
-            <a:r>
-              <a:rPr lang="es-ES" sz="2800" dirty="0" err="1" smtClean="0"/>
-              <a:t>singleton</a:t>
-            </a:r>
-            <a:r>
-              <a:rPr lang="es-ES" sz="2800" dirty="0" smtClean="0"/>
-              <a:t>.</a:t>
-            </a:r>
-          </a:p>
-        </p:txBody>
-      </p:sp>
-    </p:spTree>
-    <p:extLst>
-      <p:ext uri="{BB962C8B-B14F-4D97-AF65-F5344CB8AC3E}">
-        <p14:creationId xmlns:p14="http://schemas.microsoft.com/office/powerpoint/2010/main" val="1197780413"/>
-      </p:ext>
-    </p:extLst>
-  </p:cSld>
-  <p:clrMapOvr>
-    <a:masterClrMapping/>
-  </p:clrMapOvr>
-  <p:timing>
-    <p:tnLst>
-      <p:par>
-        <p:cTn id="1" dur="indefinite" restart="never" nodeType="tmRoot"/>
-      </p:par>
-    </p:tnLst>
-  </p:timing>
-</p:sld>
-</file>
-
-<file path=ppt/slides/slide43.xml><?xml version="1.0" encoding="utf-8"?>
-<p:sld xmlns:a="http://schemas.openxmlformats.org/drawingml/2006/main" xmlns:r="http://schemas.openxmlformats.org/officeDocument/2006/relationships" xmlns:p="http://schemas.openxmlformats.org/presentationml/2006/main">
-  <p:cSld>
-    <p:spTree>
-      <p:nvGrpSpPr>
-        <p:cNvPr id="1" name=""/>
-        <p:cNvGrpSpPr/>
-        <p:nvPr/>
-      </p:nvGrpSpPr>
-      <p:grpSpPr>
-        <a:xfrm>
-          <a:off x="0" y="0"/>
-          <a:ext cx="0" cy="0"/>
-          <a:chOff x="0" y="0"/>
-          <a:chExt cx="0" cy="0"/>
-        </a:xfrm>
-      </p:grpSpPr>
-      <p:sp>
-        <p:nvSpPr>
-          <p:cNvPr id="5" name="2 Título"/>
-          <p:cNvSpPr>
-            <a:spLocks noGrp="1"/>
-          </p:cNvSpPr>
-          <p:nvPr>
-            <p:ph type="title"/>
-          </p:nvPr>
-        </p:nvSpPr>
-        <p:spPr>
-          <a:xfrm>
-            <a:off x="179512" y="332656"/>
-            <a:ext cx="8712968" cy="844646"/>
-          </a:xfrm>
-        </p:spPr>
-        <p:txBody>
-          <a:bodyPr/>
-          <a:lstStyle/>
-          <a:p>
-            <a:r>
-              <a:rPr lang="es-PE" dirty="0" smtClean="0">
-                <a:solidFill>
-                  <a:srgbClr val="00823B"/>
-                </a:solidFill>
-              </a:rPr>
-              <a:t>No realizar </a:t>
-            </a:r>
-            <a:r>
-              <a:rPr lang="es-PE" dirty="0">
-                <a:solidFill>
-                  <a:srgbClr val="00823B"/>
-                </a:solidFill>
-              </a:rPr>
-              <a:t>t</a:t>
-            </a:r>
-            <a:r>
-              <a:rPr lang="es-PE" dirty="0" smtClean="0">
-                <a:solidFill>
-                  <a:srgbClr val="00823B"/>
-                </a:solidFill>
-              </a:rPr>
-              <a:t>rabajo en el constructor</a:t>
-            </a:r>
-            <a:endParaRPr lang="es-PE" dirty="0">
-              <a:solidFill>
-                <a:srgbClr val="00823B"/>
-              </a:solidFill>
-            </a:endParaRPr>
-          </a:p>
-        </p:txBody>
-      </p:sp>
-      <p:sp>
-        <p:nvSpPr>
-          <p:cNvPr id="8" name="7 CuadroTexto"/>
-          <p:cNvSpPr txBox="1"/>
-          <p:nvPr/>
-        </p:nvSpPr>
-        <p:spPr>
-          <a:xfrm>
-            <a:off x="428909" y="5355213"/>
-            <a:ext cx="8220131" cy="954107"/>
-          </a:xfrm>
-          <a:prstGeom prst="rect">
-            <a:avLst/>
-          </a:prstGeom>
-          <a:noFill/>
-        </p:spPr>
-        <p:txBody>
-          <a:bodyPr wrap="square" rtlCol="0">
-            <a:spAutoFit/>
-          </a:bodyPr>
-          <a:lstStyle/>
-          <a:p>
-            <a:pPr algn="ctr"/>
-            <a:r>
-              <a:rPr lang="es-PE" sz="2800" dirty="0" smtClean="0">
-                <a:solidFill>
-                  <a:srgbClr val="FF0000"/>
-                </a:solidFill>
-              </a:rPr>
-              <a:t>Mientras </a:t>
-            </a:r>
-            <a:r>
-              <a:rPr lang="es-PE" sz="2800" dirty="0">
-                <a:solidFill>
-                  <a:srgbClr val="FF0000"/>
-                </a:solidFill>
-              </a:rPr>
-              <a:t>más trabajo hagamos en el constructor, más difícil será crear el objeto para hacer pruebas con el.</a:t>
-            </a:r>
-          </a:p>
-        </p:txBody>
-      </p:sp>
-      <p:pic>
-        <p:nvPicPr>
-          <p:cNvPr id="1026" name="Picture 2"/>
-          <p:cNvPicPr>
-            <a:picLocks noChangeAspect="1" noChangeArrowheads="1"/>
-          </p:cNvPicPr>
-          <p:nvPr/>
-        </p:nvPicPr>
-        <p:blipFill>
-          <a:blip r:embed="rId3">
-            <a:extLst>
-              <a:ext uri="{28A0092B-C50C-407E-A947-70E740481C1C}">
-                <a14:useLocalDpi xmlns:a14="http://schemas.microsoft.com/office/drawing/2010/main" val="0"/>
-              </a:ext>
-            </a:extLst>
-          </a:blip>
-          <a:srcRect/>
-          <a:stretch>
-            <a:fillRect/>
-          </a:stretch>
-        </p:blipFill>
-        <p:spPr bwMode="auto">
-          <a:xfrm>
-            <a:off x="831393" y="1220754"/>
-            <a:ext cx="7415162" cy="4008446"/>
-          </a:xfrm>
-          <a:prstGeom prst="rect">
-            <a:avLst/>
-          </a:prstGeom>
-          <a:ln>
-            <a:noFill/>
-          </a:ln>
-          <a:effectLst>
-            <a:softEdge rad="112500"/>
-          </a:effectLst>
-          <a:extLst>
-            <a:ext uri="{909E8E84-426E-40DD-AFC4-6F175D3DCCD1}">
-              <a14:hiddenFill xmlns:a14="http://schemas.microsoft.com/office/drawing/2010/main">
-                <a:solidFill>
-                  <a:schemeClr val="accent1"/>
-                </a:solidFill>
-              </a14:hiddenFill>
-            </a:ext>
-            <a:ext uri="{91240B29-F687-4F45-9708-019B960494DF}">
-              <a14:hiddenLine xmlns:a14="http://schemas.microsoft.com/office/drawing/2010/main" w="9525">
-                <a:solidFill>
-                  <a:schemeClr val="tx1"/>
-                </a:solidFill>
-                <a:miter lim="800000"/>
-                <a:headEnd/>
-                <a:tailEnd/>
-              </a14:hiddenLine>
-            </a:ext>
-            <a:ext uri="{AF507438-7753-43E0-B8FC-AC1667EBCBE1}">
-              <a14:hiddenEffects xmlns:a14="http://schemas.microsoft.com/office/drawing/2010/main">
-                <a:effectLst>
-                  <a:outerShdw dist="35921" dir="2700000" algn="ctr" rotWithShape="0">
-                    <a:schemeClr val="bg2"/>
-                  </a:outerShdw>
-                </a:effectLst>
-              </a14:hiddenEffects>
-            </a:ext>
-          </a:extLst>
-        </p:spPr>
-      </p:pic>
-    </p:spTree>
-    <p:extLst>
-      <p:ext uri="{BB962C8B-B14F-4D97-AF65-F5344CB8AC3E}">
-        <p14:creationId xmlns:p14="http://schemas.microsoft.com/office/powerpoint/2010/main" val="3023901499"/>
-      </p:ext>
-    </p:extLst>
-  </p:cSld>
-  <p:clrMapOvr>
-    <a:masterClrMapping/>
-  </p:clrMapOvr>
-  <p:timing>
-    <p:tnLst>
-      <p:par>
-        <p:cTn id="1" dur="indefinite" restart="never" nodeType="tmRoot"/>
-      </p:par>
-    </p:tnLst>
-  </p:timing>
-</p:sld>
-</file>
-
-<file path=ppt/slides/slide44.xml><?xml version="1.0" encoding="utf-8"?>
-<p:sld xmlns:a="http://schemas.openxmlformats.org/drawingml/2006/main" xmlns:r="http://schemas.openxmlformats.org/officeDocument/2006/relationships" xmlns:p="http://schemas.openxmlformats.org/presentationml/2006/main">
-  <p:cSld>
-    <p:spTree>
-      <p:nvGrpSpPr>
-        <p:cNvPr id="1" name=""/>
-        <p:cNvGrpSpPr/>
-        <p:nvPr/>
-      </p:nvGrpSpPr>
-      <p:grpSpPr>
-        <a:xfrm>
-          <a:off x="0" y="0"/>
-          <a:ext cx="0" cy="0"/>
-          <a:chOff x="0" y="0"/>
-          <a:chExt cx="0" cy="0"/>
-        </a:xfrm>
-      </p:grpSpPr>
-      <p:sp>
-        <p:nvSpPr>
-          <p:cNvPr id="8" name="7 CuadroTexto"/>
-          <p:cNvSpPr txBox="1"/>
-          <p:nvPr/>
-        </p:nvSpPr>
-        <p:spPr>
-          <a:xfrm>
-            <a:off x="501366" y="1240299"/>
-            <a:ext cx="8175090" cy="5078313"/>
-          </a:xfrm>
-          <a:prstGeom prst="rect">
-            <a:avLst/>
-          </a:prstGeom>
-          <a:noFill/>
-        </p:spPr>
-        <p:txBody>
-          <a:bodyPr wrap="square" rtlCol="0">
-            <a:spAutoFit/>
-          </a:bodyPr>
-          <a:lstStyle/>
-          <a:p>
-            <a:r>
-              <a:rPr lang="es-PE" sz="2800" b="1" dirty="0" smtClean="0">
-                <a:solidFill>
-                  <a:srgbClr val="FFC000"/>
-                </a:solidFill>
-              </a:rPr>
-              <a:t>Señales</a:t>
-            </a:r>
-          </a:p>
-          <a:p>
-            <a:pPr lvl="1" indent="-457200">
-              <a:buFont typeface="Wingdings" pitchFamily="2" charset="2"/>
-              <a:buChar char="§"/>
-            </a:pPr>
-            <a:r>
-              <a:rPr lang="es-PE" sz="2400" dirty="0"/>
-              <a:t>El operador New en el constructor.</a:t>
-            </a:r>
-          </a:p>
-          <a:p>
-            <a:pPr lvl="1" indent="-457200">
-              <a:buFont typeface="Wingdings" pitchFamily="2" charset="2"/>
-              <a:buChar char="§"/>
-            </a:pPr>
-            <a:r>
-              <a:rPr lang="es-PE" sz="2400" dirty="0"/>
-              <a:t>Cualquier tipo de lógica (condicionales, iteraciones</a:t>
-            </a:r>
-            <a:r>
-              <a:rPr lang="es-PE" sz="2400" dirty="0" smtClean="0"/>
-              <a:t>).</a:t>
-            </a:r>
-          </a:p>
-          <a:p>
-            <a:pPr lvl="1" indent="-457200">
-              <a:buFont typeface="Wingdings" pitchFamily="2" charset="2"/>
-              <a:buChar char="§"/>
-            </a:pPr>
-            <a:r>
-              <a:rPr lang="es-PE" sz="2400" dirty="0" smtClean="0"/>
-              <a:t>Construir </a:t>
-            </a:r>
-            <a:r>
-              <a:rPr lang="es-PE" sz="2400" dirty="0"/>
-              <a:t>un grafo complejo de objetos en el constructor</a:t>
-            </a:r>
-            <a:r>
-              <a:rPr lang="es-PE" sz="2400" dirty="0" smtClean="0"/>
-              <a:t>.</a:t>
-            </a:r>
-          </a:p>
-          <a:p>
-            <a:pPr lvl="1" indent="-457200">
-              <a:buFont typeface="Wingdings" pitchFamily="2" charset="2"/>
-              <a:buChar char="§"/>
-            </a:pPr>
-            <a:r>
-              <a:rPr lang="es-PE" sz="2400" dirty="0"/>
-              <a:t>Cualquier cosa adicional a solo asignar parámetros</a:t>
-            </a:r>
-            <a:r>
-              <a:rPr lang="es-PE" sz="2400" dirty="0" smtClean="0"/>
-              <a:t>.</a:t>
-            </a:r>
-          </a:p>
-          <a:p>
-            <a:pPr lvl="1" indent="-457200">
-              <a:buFont typeface="Wingdings" pitchFamily="2" charset="2"/>
-              <a:buChar char="§"/>
-            </a:pPr>
-            <a:endParaRPr lang="es-PE" sz="2400" dirty="0"/>
-          </a:p>
-          <a:p>
-            <a:r>
-              <a:rPr lang="es-PE" sz="2800" b="1" dirty="0">
-                <a:solidFill>
-                  <a:srgbClr val="FFC000"/>
-                </a:solidFill>
-              </a:rPr>
-              <a:t>Problemas</a:t>
-            </a:r>
-          </a:p>
-          <a:p>
-            <a:pPr marL="457200" indent="-457200">
-              <a:buFont typeface="Wingdings" pitchFamily="2" charset="2"/>
-              <a:buChar char="§"/>
-            </a:pPr>
-            <a:r>
-              <a:rPr lang="es-PE" sz="2400" dirty="0" smtClean="0"/>
-              <a:t>Nos fuerza a realizar trabajo y utilizar dependencias innecesarias en los </a:t>
-            </a:r>
-            <a:r>
-              <a:rPr lang="es-PE" sz="2400" dirty="0" err="1" smtClean="0"/>
-              <a:t>tests</a:t>
-            </a:r>
-            <a:r>
-              <a:rPr lang="es-PE" sz="2400" dirty="0" smtClean="0"/>
-              <a:t>.</a:t>
-            </a:r>
-          </a:p>
-          <a:p>
-            <a:pPr marL="457200" indent="-457200">
-              <a:buFont typeface="Wingdings" pitchFamily="2" charset="2"/>
-              <a:buChar char="§"/>
-            </a:pPr>
-            <a:endParaRPr lang="es-PE" sz="2400" dirty="0"/>
-          </a:p>
-          <a:p>
-            <a:r>
-              <a:rPr lang="es-PE" sz="2800" b="1" dirty="0">
-                <a:solidFill>
-                  <a:srgbClr val="FFC000"/>
-                </a:solidFill>
-              </a:rPr>
-              <a:t>Solución</a:t>
-            </a:r>
-          </a:p>
-          <a:p>
-            <a:pPr marL="342900" indent="-342900">
-              <a:buFont typeface="Arial" pitchFamily="34" charset="0"/>
-              <a:buChar char="•"/>
-            </a:pPr>
-            <a:r>
-              <a:rPr lang="es-PE" sz="2400" dirty="0" smtClean="0"/>
-              <a:t>Pasar los objetos directamente.</a:t>
-            </a:r>
-          </a:p>
-          <a:p>
-            <a:pPr marL="342900" indent="-342900">
-              <a:buFont typeface="Arial" pitchFamily="34" charset="0"/>
-              <a:buChar char="•"/>
-            </a:pPr>
-            <a:r>
-              <a:rPr lang="es-PE" sz="2400" dirty="0" smtClean="0"/>
-              <a:t>Utilizar un objeto "Factory"  o "</a:t>
-            </a:r>
-            <a:r>
-              <a:rPr lang="es-PE" sz="2400" dirty="0" err="1" smtClean="0"/>
-              <a:t>Builder</a:t>
-            </a:r>
-            <a:r>
-              <a:rPr lang="es-PE" sz="2400" dirty="0" smtClean="0"/>
-              <a:t>".</a:t>
-            </a:r>
-          </a:p>
-        </p:txBody>
-      </p:sp>
-      <p:sp>
-        <p:nvSpPr>
-          <p:cNvPr id="6" name="2 Título"/>
-          <p:cNvSpPr txBox="1">
-            <a:spLocks/>
-          </p:cNvSpPr>
-          <p:nvPr/>
-        </p:nvSpPr>
-        <p:spPr bwMode="auto">
-          <a:xfrm>
-            <a:off x="179512" y="188640"/>
-            <a:ext cx="8712968" cy="792088"/>
-          </a:xfrm>
-          <a:prstGeom prst="rect">
-            <a:avLst/>
-          </a:prstGeom>
-          <a:noFill/>
-          <a:ln w="9525">
-            <a:noFill/>
-            <a:miter lim="800000"/>
-            <a:headEnd/>
-            <a:tailEnd/>
-          </a:ln>
-        </p:spPr>
-        <p:txBody>
-          <a:bodyPr vert="horz" wrap="square" lIns="91440" tIns="45720" rIns="91440" bIns="45720" numCol="1" anchor="ctr" anchorCtr="0" compatLnSpc="1">
-            <a:prstTxWarp prst="textNoShape">
-              <a:avLst/>
-            </a:prstTxWarp>
-          </a:bodyPr>
-          <a:lstStyle>
-            <a:lvl1pPr algn="ctr" rtl="0" eaLnBrk="1" fontAlgn="base" hangingPunct="1">
-              <a:spcBef>
-                <a:spcPct val="0"/>
-              </a:spcBef>
-              <a:spcAft>
-                <a:spcPct val="0"/>
-              </a:spcAft>
-              <a:defRPr sz="4400" kern="1200">
-                <a:solidFill>
-                  <a:schemeClr val="tx1"/>
-                </a:solidFill>
-                <a:latin typeface="+mj-lt"/>
-                <a:ea typeface="+mj-ea"/>
-                <a:cs typeface="+mj-cs"/>
-              </a:defRPr>
-            </a:lvl1pPr>
-            <a:lvl2pPr algn="ctr" rtl="0" eaLnBrk="1" fontAlgn="base" hangingPunct="1">
-              <a:spcBef>
-                <a:spcPct val="0"/>
-              </a:spcBef>
-              <a:spcAft>
-                <a:spcPct val="0"/>
-              </a:spcAft>
-              <a:defRPr sz="4400">
-                <a:solidFill>
-                  <a:schemeClr val="tx1"/>
-                </a:solidFill>
-                <a:latin typeface="Calibri" pitchFamily="34" charset="0"/>
-              </a:defRPr>
-            </a:lvl2pPr>
-            <a:lvl3pPr algn="ctr" rtl="0" eaLnBrk="1" fontAlgn="base" hangingPunct="1">
-              <a:spcBef>
-                <a:spcPct val="0"/>
-              </a:spcBef>
-              <a:spcAft>
-                <a:spcPct val="0"/>
-              </a:spcAft>
-              <a:defRPr sz="4400">
-                <a:solidFill>
-                  <a:schemeClr val="tx1"/>
-                </a:solidFill>
-                <a:latin typeface="Calibri" pitchFamily="34" charset="0"/>
-              </a:defRPr>
-            </a:lvl3pPr>
-            <a:lvl4pPr algn="ctr" rtl="0" eaLnBrk="1" fontAlgn="base" hangingPunct="1">
-              <a:spcBef>
-                <a:spcPct val="0"/>
-              </a:spcBef>
-              <a:spcAft>
-                <a:spcPct val="0"/>
-              </a:spcAft>
-              <a:defRPr sz="4400">
-                <a:solidFill>
-                  <a:schemeClr val="tx1"/>
-                </a:solidFill>
-                <a:latin typeface="Calibri" pitchFamily="34" charset="0"/>
-              </a:defRPr>
-            </a:lvl4pPr>
-            <a:lvl5pPr algn="ctr" rtl="0" eaLnBrk="1" fontAlgn="base" hangingPunct="1">
-              <a:spcBef>
-                <a:spcPct val="0"/>
-              </a:spcBef>
-              <a:spcAft>
-                <a:spcPct val="0"/>
-              </a:spcAft>
-              <a:defRPr sz="4400">
-                <a:solidFill>
-                  <a:schemeClr val="tx1"/>
-                </a:solidFill>
-                <a:latin typeface="Calibri" pitchFamily="34" charset="0"/>
-              </a:defRPr>
-            </a:lvl5pPr>
-            <a:lvl6pPr marL="457200" algn="ctr" rtl="0" eaLnBrk="1" fontAlgn="base" hangingPunct="1">
-              <a:spcBef>
-                <a:spcPct val="0"/>
-              </a:spcBef>
-              <a:spcAft>
-                <a:spcPct val="0"/>
-              </a:spcAft>
-              <a:defRPr sz="4400">
-                <a:solidFill>
-                  <a:schemeClr val="tx1"/>
-                </a:solidFill>
-                <a:latin typeface="Calibri" pitchFamily="34" charset="0"/>
-              </a:defRPr>
-            </a:lvl6pPr>
-            <a:lvl7pPr marL="914400" algn="ctr" rtl="0" eaLnBrk="1" fontAlgn="base" hangingPunct="1">
-              <a:spcBef>
-                <a:spcPct val="0"/>
-              </a:spcBef>
-              <a:spcAft>
-                <a:spcPct val="0"/>
-              </a:spcAft>
-              <a:defRPr sz="4400">
-                <a:solidFill>
-                  <a:schemeClr val="tx1"/>
-                </a:solidFill>
-                <a:latin typeface="Calibri" pitchFamily="34" charset="0"/>
-              </a:defRPr>
-            </a:lvl7pPr>
-            <a:lvl8pPr marL="1371600" algn="ctr" rtl="0" eaLnBrk="1" fontAlgn="base" hangingPunct="1">
-              <a:spcBef>
-                <a:spcPct val="0"/>
-              </a:spcBef>
-              <a:spcAft>
-                <a:spcPct val="0"/>
-              </a:spcAft>
-              <a:defRPr sz="4400">
-                <a:solidFill>
-                  <a:schemeClr val="tx1"/>
-                </a:solidFill>
-                <a:latin typeface="Calibri" pitchFamily="34" charset="0"/>
-              </a:defRPr>
-            </a:lvl8pPr>
-            <a:lvl9pPr marL="1828800" algn="ctr" rtl="0" eaLnBrk="1" fontAlgn="base" hangingPunct="1">
-              <a:spcBef>
-                <a:spcPct val="0"/>
-              </a:spcBef>
-              <a:spcAft>
-                <a:spcPct val="0"/>
-              </a:spcAft>
-              <a:defRPr sz="4400">
-                <a:solidFill>
-                  <a:schemeClr val="tx1"/>
-                </a:solidFill>
-                <a:latin typeface="Calibri" pitchFamily="34" charset="0"/>
-              </a:defRPr>
-            </a:lvl9pPr>
-          </a:lstStyle>
-          <a:p>
-            <a:r>
-              <a:rPr lang="es-PE" dirty="0" smtClean="0">
-                <a:solidFill>
-                  <a:srgbClr val="00823B"/>
-                </a:solidFill>
-              </a:rPr>
-              <a:t> </a:t>
-            </a:r>
-            <a:r>
-              <a:rPr lang="es-PE" dirty="0">
-                <a:solidFill>
-                  <a:srgbClr val="00823B"/>
-                </a:solidFill>
-              </a:rPr>
-              <a:t>No realizar trabajo en el constructor</a:t>
-            </a:r>
-          </a:p>
-        </p:txBody>
-      </p:sp>
-    </p:spTree>
-    <p:extLst>
-      <p:ext uri="{BB962C8B-B14F-4D97-AF65-F5344CB8AC3E}">
-        <p14:creationId xmlns:p14="http://schemas.microsoft.com/office/powerpoint/2010/main" val="2422461658"/>
-      </p:ext>
-    </p:extLst>
-  </p:cSld>
-  <p:clrMapOvr>
-    <a:masterClrMapping/>
-  </p:clrMapOvr>
-  <p:timing>
-    <p:tnLst>
-      <p:par>
-        <p:cTn id="1" dur="indefinite" restart="never" nodeType="tmRoot"/>
-      </p:par>
-    </p:tnLst>
-  </p:timing>
-</p:sld>
-</file>
-
-<file path=ppt/slides/slide45.xml><?xml version="1.0" encoding="utf-8"?>
-<p:sld xmlns:a="http://schemas.openxmlformats.org/drawingml/2006/main" xmlns:r="http://schemas.openxmlformats.org/officeDocument/2006/relationships" xmlns:p="http://schemas.openxmlformats.org/presentationml/2006/main">
-  <p:cSld>
-    <p:spTree>
-      <p:nvGrpSpPr>
-        <p:cNvPr id="1" name=""/>
-        <p:cNvGrpSpPr/>
-        <p:nvPr/>
-      </p:nvGrpSpPr>
-      <p:grpSpPr>
-        <a:xfrm>
-          <a:off x="0" y="0"/>
-          <a:ext cx="0" cy="0"/>
-          <a:chOff x="0" y="0"/>
-          <a:chExt cx="0" cy="0"/>
-        </a:xfrm>
-      </p:grpSpPr>
-      <p:sp>
-        <p:nvSpPr>
-          <p:cNvPr id="5" name="2 Título"/>
-          <p:cNvSpPr>
-            <a:spLocks noGrp="1"/>
-          </p:cNvSpPr>
-          <p:nvPr>
-            <p:ph type="title"/>
-          </p:nvPr>
-        </p:nvSpPr>
-        <p:spPr>
-          <a:xfrm>
-            <a:off x="179512" y="116632"/>
-            <a:ext cx="8712968" cy="936104"/>
-          </a:xfrm>
-        </p:spPr>
-        <p:txBody>
-          <a:bodyPr/>
-          <a:lstStyle/>
-          <a:p>
-            <a:r>
-              <a:rPr lang="es-PE" dirty="0" smtClean="0">
-                <a:solidFill>
-                  <a:srgbClr val="00823B"/>
-                </a:solidFill>
-              </a:rPr>
-              <a:t> </a:t>
-            </a:r>
-            <a:r>
-              <a:rPr lang="es-PE" dirty="0" err="1" smtClean="0">
-                <a:solidFill>
-                  <a:srgbClr val="00823B"/>
-                </a:solidFill>
-              </a:rPr>
-              <a:t>Digging</a:t>
-            </a:r>
-            <a:r>
-              <a:rPr lang="es-PE" dirty="0" smtClean="0">
-                <a:solidFill>
-                  <a:srgbClr val="00823B"/>
-                </a:solidFill>
-              </a:rPr>
-              <a:t> </a:t>
-            </a:r>
-            <a:r>
-              <a:rPr lang="es-PE" dirty="0" err="1" smtClean="0">
-                <a:solidFill>
-                  <a:srgbClr val="00823B"/>
-                </a:solidFill>
-              </a:rPr>
-              <a:t>into</a:t>
-            </a:r>
-            <a:r>
-              <a:rPr lang="es-PE" dirty="0" smtClean="0">
-                <a:solidFill>
-                  <a:srgbClr val="00823B"/>
-                </a:solidFill>
-              </a:rPr>
-              <a:t> </a:t>
-            </a:r>
-            <a:r>
-              <a:rPr lang="es-PE" dirty="0" err="1" smtClean="0">
-                <a:solidFill>
-                  <a:srgbClr val="00823B"/>
-                </a:solidFill>
-              </a:rPr>
-              <a:t>the</a:t>
-            </a:r>
-            <a:r>
-              <a:rPr lang="es-PE" dirty="0" smtClean="0">
-                <a:solidFill>
-                  <a:srgbClr val="00823B"/>
-                </a:solidFill>
-              </a:rPr>
-              <a:t> </a:t>
-            </a:r>
-            <a:r>
-              <a:rPr lang="es-PE" dirty="0" err="1" smtClean="0">
-                <a:solidFill>
-                  <a:srgbClr val="00823B"/>
-                </a:solidFill>
-              </a:rPr>
-              <a:t>Collaborators</a:t>
-            </a:r>
-            <a:endParaRPr lang="es-PE" dirty="0">
-              <a:solidFill>
-                <a:srgbClr val="00823B"/>
-              </a:solidFill>
-            </a:endParaRPr>
-          </a:p>
-        </p:txBody>
-      </p:sp>
-      <p:sp>
-        <p:nvSpPr>
-          <p:cNvPr id="8" name="7 CuadroTexto"/>
-          <p:cNvSpPr txBox="1"/>
-          <p:nvPr/>
-        </p:nvSpPr>
-        <p:spPr>
-          <a:xfrm>
-            <a:off x="428909" y="4437112"/>
-            <a:ext cx="8220131" cy="2246769"/>
-          </a:xfrm>
-          <a:prstGeom prst="rect">
-            <a:avLst/>
-          </a:prstGeom>
-          <a:noFill/>
-        </p:spPr>
-        <p:txBody>
-          <a:bodyPr wrap="square" rtlCol="0">
-            <a:spAutoFit/>
-          </a:bodyPr>
-          <a:lstStyle/>
-          <a:p>
-            <a:pPr algn="ctr"/>
-            <a:r>
-              <a:rPr lang="es-PE" sz="2800" dirty="0" smtClean="0"/>
-              <a:t>No obtener el objeto </a:t>
-            </a:r>
-            <a:r>
-              <a:rPr lang="es-PE" sz="2800" dirty="0"/>
-              <a:t>en interés </a:t>
-            </a:r>
-            <a:r>
-              <a:rPr lang="es-PE" sz="2800" dirty="0" smtClean="0"/>
-              <a:t>navegando a través </a:t>
-            </a:r>
-            <a:r>
-              <a:rPr lang="es-PE" sz="2800" dirty="0"/>
-              <a:t>del </a:t>
-            </a:r>
-            <a:r>
-              <a:rPr lang="es-PE" sz="2800" dirty="0" smtClean="0"/>
-              <a:t>todo el grafo de objetos.</a:t>
-            </a:r>
-          </a:p>
-          <a:p>
-            <a:pPr algn="ctr"/>
-            <a:endParaRPr lang="es-PE" sz="2800" dirty="0" smtClean="0"/>
-          </a:p>
-          <a:p>
-            <a:pPr algn="ctr"/>
-            <a:r>
-              <a:rPr lang="es-PE" sz="2800" dirty="0" smtClean="0"/>
-              <a:t>Cada objeto por el cuál naveguemos será un objeto adicional que debemos instanciar en el </a:t>
-            </a:r>
-            <a:r>
-              <a:rPr lang="es-PE" sz="2800" dirty="0" err="1" smtClean="0"/>
-              <a:t>setup</a:t>
-            </a:r>
-            <a:r>
-              <a:rPr lang="es-PE" sz="2800" dirty="0"/>
-              <a:t> </a:t>
-            </a:r>
-            <a:r>
-              <a:rPr lang="es-PE" sz="2800" dirty="0" smtClean="0"/>
-              <a:t>del </a:t>
-            </a:r>
-            <a:r>
-              <a:rPr lang="es-PE" sz="2800" dirty="0" err="1" smtClean="0"/>
-              <a:t>tests</a:t>
-            </a:r>
-            <a:r>
-              <a:rPr lang="es-PE" sz="2800" dirty="0" smtClean="0"/>
-              <a:t>.</a:t>
-            </a:r>
-            <a:endParaRPr lang="es-PE" sz="2800" dirty="0"/>
-          </a:p>
-        </p:txBody>
-      </p:sp>
-      <p:pic>
-        <p:nvPicPr>
-          <p:cNvPr id="1026" name="Picture 2"/>
-          <p:cNvPicPr>
-            <a:picLocks noChangeAspect="1" noChangeArrowheads="1"/>
-          </p:cNvPicPr>
-          <p:nvPr/>
-        </p:nvPicPr>
-        <p:blipFill>
-          <a:blip r:embed="rId3">
-            <a:extLst>
-              <a:ext uri="{28A0092B-C50C-407E-A947-70E740481C1C}">
-                <a14:useLocalDpi xmlns:a14="http://schemas.microsoft.com/office/drawing/2010/main" val="0"/>
-              </a:ext>
-            </a:extLst>
-          </a:blip>
-          <a:srcRect/>
-          <a:stretch>
-            <a:fillRect/>
-          </a:stretch>
-        </p:blipFill>
-        <p:spPr bwMode="auto">
-          <a:xfrm>
-            <a:off x="1213352" y="1188408"/>
-            <a:ext cx="6651244" cy="3068737"/>
-          </a:xfrm>
-          <a:prstGeom prst="rect">
-            <a:avLst/>
-          </a:prstGeom>
-          <a:noFill/>
-          <a:ln>
-            <a:noFill/>
-          </a:ln>
-          <a:effectLst/>
-          <a:extLst>
-            <a:ext uri="{909E8E84-426E-40DD-AFC4-6F175D3DCCD1}">
-              <a14:hiddenFill xmlns:a14="http://schemas.microsoft.com/office/drawing/2010/main">
-                <a:solidFill>
-                  <a:schemeClr val="accent1"/>
-                </a:solidFill>
-              </a14:hiddenFill>
-            </a:ext>
-            <a:ext uri="{91240B29-F687-4F45-9708-019B960494DF}">
-              <a14:hiddenLine xmlns:a14="http://schemas.microsoft.com/office/drawing/2010/main" w="9525">
-                <a:solidFill>
-                  <a:schemeClr val="tx1"/>
-                </a:solidFill>
-                <a:miter lim="800000"/>
-                <a:headEnd/>
-                <a:tailEnd/>
-              </a14:hiddenLine>
-            </a:ext>
-            <a:ext uri="{AF507438-7753-43E0-B8FC-AC1667EBCBE1}">
-              <a14:hiddenEffects xmlns:a14="http://schemas.microsoft.com/office/drawing/2010/main">
-                <a:effectLst>
-                  <a:outerShdw dist="35921" dir="2700000" algn="ctr" rotWithShape="0">
-                    <a:schemeClr val="bg2"/>
-                  </a:outerShdw>
-                </a:effectLst>
-              </a14:hiddenEffects>
-            </a:ext>
-          </a:extLst>
-        </p:spPr>
-      </p:pic>
-    </p:spTree>
-    <p:extLst>
-      <p:ext uri="{BB962C8B-B14F-4D97-AF65-F5344CB8AC3E}">
-        <p14:creationId xmlns:p14="http://schemas.microsoft.com/office/powerpoint/2010/main" val="1014911343"/>
-      </p:ext>
-    </p:extLst>
-  </p:cSld>
-  <p:clrMapOvr>
-    <a:masterClrMapping/>
-  </p:clrMapOvr>
-  <p:timing>
-    <p:tnLst>
-      <p:par>
-        <p:cTn id="1" dur="indefinite" restart="never" nodeType="tmRoot"/>
-      </p:par>
-    </p:tnLst>
-  </p:timing>
-</p:sld>
-</file>
-
-<file path=ppt/slides/slide46.xml><?xml version="1.0" encoding="utf-8"?>
-<p:sld xmlns:a="http://schemas.openxmlformats.org/drawingml/2006/main" xmlns:r="http://schemas.openxmlformats.org/officeDocument/2006/relationships" xmlns:p="http://schemas.openxmlformats.org/presentationml/2006/main">
-  <p:cSld>
-    <p:spTree>
-      <p:nvGrpSpPr>
-        <p:cNvPr id="1" name=""/>
-        <p:cNvGrpSpPr/>
-        <p:nvPr/>
-      </p:nvGrpSpPr>
-      <p:grpSpPr>
-        <a:xfrm>
-          <a:off x="0" y="0"/>
-          <a:ext cx="0" cy="0"/>
-          <a:chOff x="0" y="0"/>
-          <a:chExt cx="0" cy="0"/>
-        </a:xfrm>
-      </p:grpSpPr>
-      <p:sp>
-        <p:nvSpPr>
-          <p:cNvPr id="8" name="7 CuadroTexto"/>
-          <p:cNvSpPr txBox="1"/>
-          <p:nvPr/>
-        </p:nvSpPr>
-        <p:spPr>
-          <a:xfrm>
-            <a:off x="501366" y="1052736"/>
-            <a:ext cx="8175090" cy="5078313"/>
-          </a:xfrm>
-          <a:prstGeom prst="rect">
-            <a:avLst/>
-          </a:prstGeom>
-          <a:noFill/>
-        </p:spPr>
-        <p:txBody>
-          <a:bodyPr wrap="square" rtlCol="0">
-            <a:spAutoFit/>
-          </a:bodyPr>
-          <a:lstStyle/>
-          <a:p>
-            <a:r>
-              <a:rPr lang="es-PE" sz="2800" b="1" dirty="0" smtClean="0">
-                <a:solidFill>
-                  <a:srgbClr val="FFC000"/>
-                </a:solidFill>
-              </a:rPr>
-              <a:t>Señales</a:t>
-            </a:r>
-          </a:p>
-          <a:p>
-            <a:pPr marL="457200" indent="-457200">
-              <a:buFont typeface="Wingdings" pitchFamily="2" charset="2"/>
-              <a:buChar char="§"/>
-            </a:pPr>
-            <a:r>
-              <a:rPr lang="es-PE" sz="2400" dirty="0" smtClean="0"/>
-              <a:t>Parámetros que no son usados directamente, solo son usados para acceder a otro objeto.</a:t>
-            </a:r>
-          </a:p>
-          <a:p>
-            <a:pPr marL="457200" indent="-457200">
-              <a:buFont typeface="Wingdings" pitchFamily="2" charset="2"/>
-              <a:buChar char="§"/>
-            </a:pPr>
-            <a:r>
-              <a:rPr lang="es-PE" sz="2400" dirty="0" smtClean="0"/>
-              <a:t>Más de un "." en las llamadas de  métodos. </a:t>
-            </a:r>
-          </a:p>
-          <a:p>
-            <a:pPr marL="457200" indent="-457200">
-              <a:buFont typeface="Wingdings" pitchFamily="2" charset="2"/>
-              <a:buChar char="§"/>
-            </a:pPr>
-            <a:r>
-              <a:rPr lang="es-PE" sz="2400" dirty="0" smtClean="0"/>
-              <a:t>Violación a "</a:t>
-            </a:r>
-            <a:r>
-              <a:rPr lang="es-PE" sz="2400" dirty="0" err="1" smtClean="0"/>
-              <a:t>Law</a:t>
-            </a:r>
-            <a:r>
-              <a:rPr lang="es-PE" sz="2400" dirty="0" smtClean="0"/>
-              <a:t> of </a:t>
-            </a:r>
-            <a:r>
-              <a:rPr lang="es-PE" sz="2400" dirty="0" err="1" smtClean="0"/>
-              <a:t>Demeter</a:t>
-            </a:r>
-            <a:r>
-              <a:rPr lang="es-PE" sz="2400" dirty="0" smtClean="0"/>
-              <a:t>".</a:t>
-            </a:r>
-          </a:p>
-          <a:p>
-            <a:pPr marL="457200" indent="-457200">
-              <a:buFont typeface="Wingdings" pitchFamily="2" charset="2"/>
-              <a:buChar char="§"/>
-            </a:pPr>
-            <a:endParaRPr lang="es-PE" sz="2400" dirty="0"/>
-          </a:p>
-          <a:p>
-            <a:r>
-              <a:rPr lang="es-PE" sz="2800" b="1" dirty="0">
-                <a:solidFill>
-                  <a:srgbClr val="FFC000"/>
-                </a:solidFill>
-              </a:rPr>
-              <a:t>Problemas</a:t>
-            </a:r>
-          </a:p>
-          <a:p>
-            <a:pPr marL="457200" indent="-457200">
-              <a:buFont typeface="Wingdings" pitchFamily="2" charset="2"/>
-              <a:buChar char="§"/>
-            </a:pPr>
-            <a:r>
-              <a:rPr lang="es-PE" sz="2400" dirty="0" err="1" smtClean="0"/>
-              <a:t>Fixture</a:t>
-            </a:r>
-            <a:r>
-              <a:rPr lang="es-PE" sz="2400" dirty="0" smtClean="0"/>
-              <a:t> </a:t>
-            </a:r>
-            <a:r>
-              <a:rPr lang="es-PE" sz="2400" dirty="0" err="1" smtClean="0"/>
-              <a:t>Setup</a:t>
-            </a:r>
-            <a:r>
-              <a:rPr lang="es-PE" sz="2400" dirty="0" smtClean="0"/>
-              <a:t> complejo: Tener que instanciar más objetos de los que son realmente necesarios.</a:t>
-            </a:r>
-          </a:p>
-          <a:p>
-            <a:pPr marL="457200" indent="-457200">
-              <a:buFont typeface="Wingdings" pitchFamily="2" charset="2"/>
-              <a:buChar char="§"/>
-            </a:pPr>
-            <a:r>
-              <a:rPr lang="es-PE" sz="2400" dirty="0" smtClean="0"/>
-              <a:t>Tener que crear </a:t>
-            </a:r>
-            <a:r>
-              <a:rPr lang="es-PE" sz="2400" dirty="0" err="1" smtClean="0"/>
-              <a:t>mocks</a:t>
-            </a:r>
-            <a:r>
-              <a:rPr lang="es-PE" sz="2400" dirty="0" smtClean="0"/>
-              <a:t> que retornen otros </a:t>
-            </a:r>
-            <a:r>
-              <a:rPr lang="es-PE" sz="2400" dirty="0" err="1" smtClean="0"/>
-              <a:t>mocks</a:t>
-            </a:r>
-            <a:r>
-              <a:rPr lang="es-PE" sz="2400" dirty="0" smtClean="0"/>
-              <a:t>.</a:t>
-            </a:r>
-          </a:p>
-          <a:p>
-            <a:pPr marL="457200" indent="-457200">
-              <a:buFont typeface="Wingdings" pitchFamily="2" charset="2"/>
-              <a:buChar char="§"/>
-            </a:pPr>
-            <a:endParaRPr lang="es-PE" sz="2400" dirty="0"/>
-          </a:p>
-          <a:p>
-            <a:r>
-              <a:rPr lang="es-PE" sz="2800" b="1" dirty="0">
-                <a:solidFill>
-                  <a:srgbClr val="FFC000"/>
-                </a:solidFill>
-              </a:rPr>
-              <a:t>Solución</a:t>
-            </a:r>
-          </a:p>
-          <a:p>
-            <a:pPr marL="342900" indent="-342900">
-              <a:buFont typeface="Arial" pitchFamily="34" charset="0"/>
-              <a:buChar char="•"/>
-            </a:pPr>
-            <a:r>
-              <a:rPr lang="es-PE" sz="2400" dirty="0" smtClean="0"/>
-              <a:t>Utilizar directamente </a:t>
-            </a:r>
-            <a:r>
-              <a:rPr lang="es-PE" sz="2400" dirty="0" smtClean="0"/>
-              <a:t>como parámetro el objeto en interés.</a:t>
-            </a:r>
-          </a:p>
-        </p:txBody>
-      </p:sp>
-      <p:sp>
-        <p:nvSpPr>
-          <p:cNvPr id="6" name="2 Título"/>
-          <p:cNvSpPr txBox="1">
-            <a:spLocks/>
-          </p:cNvSpPr>
-          <p:nvPr/>
-        </p:nvSpPr>
-        <p:spPr bwMode="auto">
-          <a:xfrm>
-            <a:off x="179512" y="188640"/>
-            <a:ext cx="8712968" cy="792088"/>
-          </a:xfrm>
-          <a:prstGeom prst="rect">
-            <a:avLst/>
-          </a:prstGeom>
-          <a:noFill/>
-          <a:ln w="9525">
-            <a:noFill/>
-            <a:miter lim="800000"/>
-            <a:headEnd/>
-            <a:tailEnd/>
-          </a:ln>
-        </p:spPr>
-        <p:txBody>
-          <a:bodyPr vert="horz" wrap="square" lIns="91440" tIns="45720" rIns="91440" bIns="45720" numCol="1" anchor="ctr" anchorCtr="0" compatLnSpc="1">
-            <a:prstTxWarp prst="textNoShape">
-              <a:avLst/>
-            </a:prstTxWarp>
-          </a:bodyPr>
-          <a:lstStyle>
-            <a:lvl1pPr algn="ctr" rtl="0" eaLnBrk="1" fontAlgn="base" hangingPunct="1">
-              <a:spcBef>
-                <a:spcPct val="0"/>
-              </a:spcBef>
-              <a:spcAft>
-                <a:spcPct val="0"/>
-              </a:spcAft>
-              <a:defRPr sz="4400" kern="1200">
-                <a:solidFill>
-                  <a:schemeClr val="tx1"/>
-                </a:solidFill>
-                <a:latin typeface="+mj-lt"/>
-                <a:ea typeface="+mj-ea"/>
-                <a:cs typeface="+mj-cs"/>
-              </a:defRPr>
-            </a:lvl1pPr>
-            <a:lvl2pPr algn="ctr" rtl="0" eaLnBrk="1" fontAlgn="base" hangingPunct="1">
-              <a:spcBef>
-                <a:spcPct val="0"/>
-              </a:spcBef>
-              <a:spcAft>
-                <a:spcPct val="0"/>
-              </a:spcAft>
-              <a:defRPr sz="4400">
-                <a:solidFill>
-                  <a:schemeClr val="tx1"/>
-                </a:solidFill>
-                <a:latin typeface="Calibri" pitchFamily="34" charset="0"/>
-              </a:defRPr>
-            </a:lvl2pPr>
-            <a:lvl3pPr algn="ctr" rtl="0" eaLnBrk="1" fontAlgn="base" hangingPunct="1">
-              <a:spcBef>
-                <a:spcPct val="0"/>
-              </a:spcBef>
-              <a:spcAft>
-                <a:spcPct val="0"/>
-              </a:spcAft>
-              <a:defRPr sz="4400">
-                <a:solidFill>
-                  <a:schemeClr val="tx1"/>
-                </a:solidFill>
-                <a:latin typeface="Calibri" pitchFamily="34" charset="0"/>
-              </a:defRPr>
-            </a:lvl3pPr>
-            <a:lvl4pPr algn="ctr" rtl="0" eaLnBrk="1" fontAlgn="base" hangingPunct="1">
-              <a:spcBef>
-                <a:spcPct val="0"/>
-              </a:spcBef>
-              <a:spcAft>
-                <a:spcPct val="0"/>
-              </a:spcAft>
-              <a:defRPr sz="4400">
-                <a:solidFill>
-                  <a:schemeClr val="tx1"/>
-                </a:solidFill>
-                <a:latin typeface="Calibri" pitchFamily="34" charset="0"/>
-              </a:defRPr>
-            </a:lvl4pPr>
-            <a:lvl5pPr algn="ctr" rtl="0" eaLnBrk="1" fontAlgn="base" hangingPunct="1">
-              <a:spcBef>
-                <a:spcPct val="0"/>
-              </a:spcBef>
-              <a:spcAft>
-                <a:spcPct val="0"/>
-              </a:spcAft>
-              <a:defRPr sz="4400">
-                <a:solidFill>
-                  <a:schemeClr val="tx1"/>
-                </a:solidFill>
-                <a:latin typeface="Calibri" pitchFamily="34" charset="0"/>
-              </a:defRPr>
-            </a:lvl5pPr>
-            <a:lvl6pPr marL="457200" algn="ctr" rtl="0" eaLnBrk="1" fontAlgn="base" hangingPunct="1">
-              <a:spcBef>
-                <a:spcPct val="0"/>
-              </a:spcBef>
-              <a:spcAft>
-                <a:spcPct val="0"/>
-              </a:spcAft>
-              <a:defRPr sz="4400">
-                <a:solidFill>
-                  <a:schemeClr val="tx1"/>
-                </a:solidFill>
-                <a:latin typeface="Calibri" pitchFamily="34" charset="0"/>
-              </a:defRPr>
-            </a:lvl6pPr>
-            <a:lvl7pPr marL="914400" algn="ctr" rtl="0" eaLnBrk="1" fontAlgn="base" hangingPunct="1">
-              <a:spcBef>
-                <a:spcPct val="0"/>
-              </a:spcBef>
-              <a:spcAft>
-                <a:spcPct val="0"/>
-              </a:spcAft>
-              <a:defRPr sz="4400">
-                <a:solidFill>
-                  <a:schemeClr val="tx1"/>
-                </a:solidFill>
-                <a:latin typeface="Calibri" pitchFamily="34" charset="0"/>
-              </a:defRPr>
-            </a:lvl7pPr>
-            <a:lvl8pPr marL="1371600" algn="ctr" rtl="0" eaLnBrk="1" fontAlgn="base" hangingPunct="1">
-              <a:spcBef>
-                <a:spcPct val="0"/>
-              </a:spcBef>
-              <a:spcAft>
-                <a:spcPct val="0"/>
-              </a:spcAft>
-              <a:defRPr sz="4400">
-                <a:solidFill>
-                  <a:schemeClr val="tx1"/>
-                </a:solidFill>
-                <a:latin typeface="Calibri" pitchFamily="34" charset="0"/>
-              </a:defRPr>
-            </a:lvl8pPr>
-            <a:lvl9pPr marL="1828800" algn="ctr" rtl="0" eaLnBrk="1" fontAlgn="base" hangingPunct="1">
-              <a:spcBef>
-                <a:spcPct val="0"/>
-              </a:spcBef>
-              <a:spcAft>
-                <a:spcPct val="0"/>
-              </a:spcAft>
-              <a:defRPr sz="4400">
-                <a:solidFill>
-                  <a:schemeClr val="tx1"/>
-                </a:solidFill>
-                <a:latin typeface="Calibri" pitchFamily="34" charset="0"/>
-              </a:defRPr>
-            </a:lvl9pPr>
-          </a:lstStyle>
-          <a:p>
-            <a:r>
-              <a:rPr lang="es-PE" dirty="0" smtClean="0">
-                <a:solidFill>
-                  <a:srgbClr val="00823B"/>
-                </a:solidFill>
-              </a:rPr>
-              <a:t> </a:t>
-            </a:r>
-            <a:r>
-              <a:rPr lang="es-PE" dirty="0" err="1" smtClean="0">
-                <a:solidFill>
-                  <a:srgbClr val="00823B"/>
-                </a:solidFill>
-              </a:rPr>
-              <a:t>Digging</a:t>
-            </a:r>
-            <a:r>
-              <a:rPr lang="es-PE" dirty="0" smtClean="0">
-                <a:solidFill>
-                  <a:srgbClr val="00823B"/>
-                </a:solidFill>
-              </a:rPr>
-              <a:t> </a:t>
-            </a:r>
-            <a:r>
-              <a:rPr lang="es-PE" dirty="0" err="1" smtClean="0">
-                <a:solidFill>
-                  <a:srgbClr val="00823B"/>
-                </a:solidFill>
-              </a:rPr>
-              <a:t>into</a:t>
-            </a:r>
-            <a:r>
-              <a:rPr lang="es-PE" dirty="0" smtClean="0">
-                <a:solidFill>
-                  <a:srgbClr val="00823B"/>
-                </a:solidFill>
-              </a:rPr>
-              <a:t> </a:t>
-            </a:r>
-            <a:r>
-              <a:rPr lang="es-PE" dirty="0" err="1" smtClean="0">
-                <a:solidFill>
-                  <a:srgbClr val="00823B"/>
-                </a:solidFill>
-              </a:rPr>
-              <a:t>the</a:t>
-            </a:r>
-            <a:r>
-              <a:rPr lang="es-PE" dirty="0" smtClean="0">
-                <a:solidFill>
-                  <a:srgbClr val="00823B"/>
-                </a:solidFill>
-              </a:rPr>
-              <a:t> </a:t>
-            </a:r>
-            <a:r>
-              <a:rPr lang="es-PE" dirty="0" err="1" smtClean="0">
-                <a:solidFill>
-                  <a:srgbClr val="00823B"/>
-                </a:solidFill>
-              </a:rPr>
-              <a:t>Collaborators</a:t>
-            </a:r>
-            <a:endParaRPr lang="es-PE" dirty="0">
-              <a:solidFill>
-                <a:srgbClr val="00823B"/>
-              </a:solidFill>
-            </a:endParaRPr>
-          </a:p>
-        </p:txBody>
-      </p:sp>
-    </p:spTree>
-    <p:extLst>
-      <p:ext uri="{BB962C8B-B14F-4D97-AF65-F5344CB8AC3E}">
-        <p14:creationId xmlns:p14="http://schemas.microsoft.com/office/powerpoint/2010/main" val="3619662369"/>
-      </p:ext>
-    </p:extLst>
-  </p:cSld>
-  <p:clrMapOvr>
-    <a:masterClrMapping/>
-  </p:clrMapOvr>
-  <p:timing>
-    <p:tnLst>
-      <p:par>
-        <p:cTn id="1" dur="indefinite" restart="never" nodeType="tmRoot"/>
-      </p:par>
-    </p:tnLst>
-  </p:timing>
-</p:sld>
-</file>
-
-<file path=ppt/slides/slide47.xml><?xml version="1.0" encoding="utf-8"?>
-<p:sld xmlns:a="http://schemas.openxmlformats.org/drawingml/2006/main" xmlns:r="http://schemas.openxmlformats.org/officeDocument/2006/relationships" xmlns:p="http://schemas.openxmlformats.org/presentationml/2006/main">
-  <p:cSld>
-    <p:spTree>
-      <p:nvGrpSpPr>
-        <p:cNvPr id="1" name=""/>
-        <p:cNvGrpSpPr/>
-        <p:nvPr/>
-      </p:nvGrpSpPr>
-      <p:grpSpPr>
-        <a:xfrm>
-          <a:off x="0" y="0"/>
-          <a:ext cx="0" cy="0"/>
-          <a:chOff x="0" y="0"/>
-          <a:chExt cx="0" cy="0"/>
-        </a:xfrm>
-      </p:grpSpPr>
-      <p:sp>
-        <p:nvSpPr>
-          <p:cNvPr id="5" name="2 Título"/>
-          <p:cNvSpPr>
-            <a:spLocks noGrp="1"/>
-          </p:cNvSpPr>
-          <p:nvPr>
-            <p:ph type="title"/>
-          </p:nvPr>
-        </p:nvSpPr>
-        <p:spPr>
-          <a:xfrm>
-            <a:off x="565739" y="404664"/>
-            <a:ext cx="8229600" cy="834116"/>
-          </a:xfrm>
-        </p:spPr>
-        <p:txBody>
-          <a:bodyPr/>
-          <a:lstStyle/>
-          <a:p>
-            <a:r>
-              <a:rPr lang="es-PE" dirty="0" smtClean="0">
-                <a:solidFill>
-                  <a:srgbClr val="00823B"/>
-                </a:solidFill>
-              </a:rPr>
-              <a:t>Evitar Campos y Métodos Estáticos</a:t>
-            </a:r>
-            <a:endParaRPr lang="es-PE" dirty="0">
-              <a:solidFill>
-                <a:srgbClr val="00823B"/>
-              </a:solidFill>
-            </a:endParaRPr>
-          </a:p>
-        </p:txBody>
-      </p:sp>
-      <p:sp>
-        <p:nvSpPr>
-          <p:cNvPr id="8" name="7 CuadroTexto"/>
-          <p:cNvSpPr txBox="1"/>
-          <p:nvPr/>
-        </p:nvSpPr>
-        <p:spPr>
-          <a:xfrm>
-            <a:off x="694787" y="4811668"/>
-            <a:ext cx="7776864" cy="1569660"/>
-          </a:xfrm>
-          <a:prstGeom prst="rect">
-            <a:avLst/>
-          </a:prstGeom>
-          <a:noFill/>
-        </p:spPr>
-        <p:txBody>
-          <a:bodyPr wrap="square" rtlCol="0">
-            <a:spAutoFit/>
-          </a:bodyPr>
-          <a:lstStyle/>
-          <a:p>
-            <a:pPr algn="ctr"/>
-            <a:r>
-              <a:rPr lang="es-PE" sz="2400" dirty="0" smtClean="0"/>
-              <a:t>Al momento de ejecutar un test unitario, instancio la clase y remplazo las dependencias reales con </a:t>
-            </a:r>
-            <a:r>
-              <a:rPr lang="es-PE" sz="2400" dirty="0" err="1" smtClean="0"/>
-              <a:t>testdoubles</a:t>
-            </a:r>
-            <a:r>
-              <a:rPr lang="es-PE" sz="2400" dirty="0" smtClean="0"/>
-              <a:t>. </a:t>
-            </a:r>
-            <a:br>
-              <a:rPr lang="es-PE" sz="2400" dirty="0" smtClean="0"/>
-            </a:br>
-            <a:r>
-              <a:rPr lang="es-PE" sz="2400" dirty="0" smtClean="0"/>
-              <a:t>El problema con código procedural es que no hay nada que podamos remplazar ya que no existe el objeto como tal.</a:t>
-            </a:r>
-            <a:endParaRPr lang="es-PE" sz="2400" dirty="0" smtClean="0">
-              <a:solidFill>
-                <a:srgbClr val="FFC000"/>
-              </a:solidFill>
-            </a:endParaRPr>
-          </a:p>
-        </p:txBody>
-      </p:sp>
-      <p:sp>
-        <p:nvSpPr>
-          <p:cNvPr id="9" name="8 CuadroTexto"/>
-          <p:cNvSpPr txBox="1"/>
-          <p:nvPr/>
-        </p:nvSpPr>
-        <p:spPr>
-          <a:xfrm>
-            <a:off x="718330" y="3771037"/>
-            <a:ext cx="7776864" cy="954107"/>
-          </a:xfrm>
-          <a:prstGeom prst="rect">
-            <a:avLst/>
-          </a:prstGeom>
-          <a:noFill/>
-        </p:spPr>
-        <p:txBody>
-          <a:bodyPr wrap="square" rtlCol="0">
-            <a:spAutoFit/>
-          </a:bodyPr>
-          <a:lstStyle/>
-          <a:p>
-            <a:pPr algn="ctr"/>
-            <a:r>
-              <a:rPr lang="es-PE" sz="2800" dirty="0" smtClean="0">
-                <a:solidFill>
-                  <a:srgbClr val="FF0000"/>
-                </a:solidFill>
-              </a:rPr>
-              <a:t>Los métodos estáticos son código procedural y no Orientado a Objetos.</a:t>
-            </a:r>
-          </a:p>
-        </p:txBody>
-      </p:sp>
-      <p:grpSp>
-        <p:nvGrpSpPr>
-          <p:cNvPr id="3" name="2 Grupo"/>
-          <p:cNvGrpSpPr/>
-          <p:nvPr/>
-        </p:nvGrpSpPr>
-        <p:grpSpPr>
-          <a:xfrm>
-            <a:off x="1212188" y="1315361"/>
-            <a:ext cx="6936702" cy="2366007"/>
-            <a:chOff x="1534949" y="1315361"/>
-            <a:chExt cx="6936702" cy="2366007"/>
-          </a:xfrm>
-        </p:grpSpPr>
-        <p:pic>
-          <p:nvPicPr>
-            <p:cNvPr id="1028" name="Picture 4"/>
-            <p:cNvPicPr>
-              <a:picLocks noChangeAspect="1" noChangeArrowheads="1"/>
-            </p:cNvPicPr>
-            <p:nvPr/>
-          </p:nvPicPr>
-          <p:blipFill>
-            <a:blip r:embed="rId3">
-              <a:extLst>
-                <a:ext uri="{28A0092B-C50C-407E-A947-70E740481C1C}">
-                  <a14:useLocalDpi xmlns:a14="http://schemas.microsoft.com/office/drawing/2010/main" val="0"/>
-                </a:ext>
-              </a:extLst>
-            </a:blip>
-            <a:srcRect/>
-            <a:stretch>
-              <a:fillRect/>
-            </a:stretch>
-          </p:blipFill>
-          <p:spPr bwMode="auto">
-            <a:xfrm>
-              <a:off x="1534949" y="1315361"/>
-              <a:ext cx="6936702" cy="2366007"/>
-            </a:xfrm>
-            <a:prstGeom prst="rect">
-              <a:avLst/>
-            </a:prstGeom>
-            <a:ln>
-              <a:noFill/>
-            </a:ln>
-            <a:effectLst>
-              <a:softEdge rad="112500"/>
-            </a:effectLst>
-            <a:extLst>
-              <a:ext uri="{909E8E84-426E-40DD-AFC4-6F175D3DCCD1}">
-                <a14:hiddenFill xmlns:a14="http://schemas.microsoft.com/office/drawing/2010/main">
-                  <a:solidFill>
-                    <a:schemeClr val="accent1"/>
-                  </a:solidFill>
-                </a14:hiddenFill>
-              </a:ext>
-              <a:ext uri="{91240B29-F687-4F45-9708-019B960494DF}">
-                <a14:hiddenLine xmlns:a14="http://schemas.microsoft.com/office/drawing/2010/main" w="9525">
-                  <a:solidFill>
-                    <a:schemeClr val="tx1"/>
-                  </a:solidFill>
-                  <a:miter lim="800000"/>
-                  <a:headEnd/>
-                  <a:tailEnd/>
-                </a14:hiddenLine>
-              </a:ext>
-              <a:ext uri="{AF507438-7753-43E0-B8FC-AC1667EBCBE1}">
-                <a14:hiddenEffects xmlns:a14="http://schemas.microsoft.com/office/drawing/2010/main">
-                  <a:effectLst>
-                    <a:outerShdw dist="35921" dir="2700000" algn="ctr" rotWithShape="0">
-                      <a:schemeClr val="bg2"/>
-                    </a:outerShdw>
-                  </a:effectLst>
-                </a14:hiddenEffects>
-              </a:ext>
-            </a:extLst>
-          </p:spPr>
-        </p:pic>
-        <p:sp>
-          <p:nvSpPr>
-            <p:cNvPr id="2" name="1 Elipse"/>
-            <p:cNvSpPr/>
-            <p:nvPr/>
-          </p:nvSpPr>
-          <p:spPr>
-            <a:xfrm>
-              <a:off x="4262552" y="2021564"/>
-              <a:ext cx="4052406" cy="509929"/>
-            </a:xfrm>
-            <a:prstGeom prst="ellipse">
-              <a:avLst/>
-            </a:prstGeom>
-            <a:noFill/>
-            <a:ln w="57150">
-              <a:solidFill>
-                <a:srgbClr val="FF0000"/>
-              </a:solidFill>
-            </a:ln>
-          </p:spPr>
-          <p:style>
-            <a:lnRef idx="2">
-              <a:schemeClr val="accent2"/>
-            </a:lnRef>
-            <a:fillRef idx="1">
-              <a:schemeClr val="lt1"/>
-            </a:fillRef>
-            <a:effectRef idx="0">
-              <a:schemeClr val="accent2"/>
-            </a:effectRef>
-            <a:fontRef idx="minor">
-              <a:schemeClr val="dk1"/>
-            </a:fontRef>
-          </p:style>
-          <p:txBody>
-            <a:bodyPr rtlCol="0" anchor="ctr"/>
-            <a:lstStyle/>
-            <a:p>
-              <a:pPr algn="ctr"/>
-              <a:endParaRPr lang="es-PE"/>
-            </a:p>
-          </p:txBody>
-        </p:sp>
-      </p:grpSp>
-    </p:spTree>
-    <p:extLst>
-      <p:ext uri="{BB962C8B-B14F-4D97-AF65-F5344CB8AC3E}">
-        <p14:creationId xmlns:p14="http://schemas.microsoft.com/office/powerpoint/2010/main" val="2167614019"/>
-      </p:ext>
-    </p:extLst>
-  </p:cSld>
-  <p:clrMapOvr>
-    <a:masterClrMapping/>
-  </p:clrMapOvr>
-  <p:timing>
-    <p:tnLst>
-      <p:par>
-        <p:cTn id="1" dur="indefinite" restart="never" nodeType="tmRoot"/>
-      </p:par>
-    </p:tnLst>
-  </p:timing>
-</p:sld>
-</file>
-
-<file path=ppt/slides/slide48.xml><?xml version="1.0" encoding="utf-8"?>
-<p:sld xmlns:a="http://schemas.openxmlformats.org/drawingml/2006/main" xmlns:r="http://schemas.openxmlformats.org/officeDocument/2006/relationships" xmlns:p="http://schemas.openxmlformats.org/presentationml/2006/main">
-  <p:cSld>
-    <p:spTree>
-      <p:nvGrpSpPr>
-        <p:cNvPr id="1" name=""/>
-        <p:cNvGrpSpPr/>
-        <p:nvPr/>
-      </p:nvGrpSpPr>
-      <p:grpSpPr>
-        <a:xfrm>
-          <a:off x="0" y="0"/>
-          <a:ext cx="0" cy="0"/>
-          <a:chOff x="0" y="0"/>
-          <a:chExt cx="0" cy="0"/>
-        </a:xfrm>
-      </p:grpSpPr>
-      <p:sp>
-        <p:nvSpPr>
-          <p:cNvPr id="8" name="7 CuadroTexto"/>
-          <p:cNvSpPr txBox="1"/>
-          <p:nvPr/>
-        </p:nvSpPr>
-        <p:spPr>
-          <a:xfrm>
-            <a:off x="501366" y="1149707"/>
-            <a:ext cx="8175090" cy="5447645"/>
-          </a:xfrm>
-          <a:prstGeom prst="rect">
-            <a:avLst/>
-          </a:prstGeom>
-          <a:noFill/>
-        </p:spPr>
-        <p:txBody>
-          <a:bodyPr wrap="square" rtlCol="0">
-            <a:spAutoFit/>
-          </a:bodyPr>
-          <a:lstStyle/>
-          <a:p>
-            <a:r>
-              <a:rPr lang="es-PE" sz="2800" b="1" dirty="0" smtClean="0">
-                <a:solidFill>
-                  <a:srgbClr val="FFC000"/>
-                </a:solidFill>
-              </a:rPr>
-              <a:t>Señales</a:t>
-            </a:r>
-          </a:p>
-          <a:p>
-            <a:pPr lvl="1" indent="-457200">
-              <a:buFont typeface="Wingdings" pitchFamily="2" charset="2"/>
-              <a:buChar char="§"/>
-            </a:pPr>
-            <a:r>
-              <a:rPr lang="es-PE" sz="2400" dirty="0" err="1" smtClean="0"/>
-              <a:t>Singletons</a:t>
-            </a:r>
-            <a:r>
-              <a:rPr lang="es-PE" sz="2400" dirty="0" smtClean="0"/>
-              <a:t>, campos o métodos estáticos.</a:t>
-            </a:r>
-            <a:endParaRPr lang="es-PE" sz="2400" dirty="0"/>
-          </a:p>
-          <a:p>
-            <a:pPr lvl="1" indent="-457200">
-              <a:buFont typeface="Wingdings" pitchFamily="2" charset="2"/>
-              <a:buChar char="§"/>
-            </a:pPr>
-            <a:endParaRPr lang="es-PE" sz="2400" dirty="0"/>
-          </a:p>
-          <a:p>
-            <a:r>
-              <a:rPr lang="es-PE" sz="2800" b="1" dirty="0">
-                <a:solidFill>
-                  <a:srgbClr val="FFC000"/>
-                </a:solidFill>
-              </a:rPr>
-              <a:t>Problemas</a:t>
-            </a:r>
-          </a:p>
-          <a:p>
-            <a:pPr marL="457200" indent="-457200">
-              <a:buFont typeface="Wingdings" pitchFamily="2" charset="2"/>
-              <a:buChar char="§"/>
-            </a:pPr>
-            <a:r>
-              <a:rPr lang="es-PE" sz="2400" dirty="0" smtClean="0"/>
-              <a:t>Introduce cierto acoplamiento que no permite remplazar e intercambiar objetos para las pruebas.</a:t>
-            </a:r>
-          </a:p>
-          <a:p>
-            <a:pPr marL="457200" indent="-457200">
-              <a:buFont typeface="Wingdings" pitchFamily="2" charset="2"/>
-              <a:buChar char="§"/>
-            </a:pPr>
-            <a:r>
-              <a:rPr lang="es-PE" sz="2400" dirty="0" smtClean="0"/>
-              <a:t>Los campos </a:t>
-            </a:r>
-            <a:r>
-              <a:rPr lang="es-PE" sz="2400" dirty="0" err="1" smtClean="0"/>
-              <a:t>singleton</a:t>
-            </a:r>
-            <a:r>
-              <a:rPr lang="es-PE" sz="2400" dirty="0" smtClean="0"/>
-              <a:t> mantienen su estado (Global </a:t>
-            </a:r>
-            <a:r>
-              <a:rPr lang="es-PE" sz="2400" dirty="0" err="1" smtClean="0"/>
-              <a:t>State</a:t>
-            </a:r>
-            <a:r>
-              <a:rPr lang="es-PE" sz="2400" dirty="0" smtClean="0"/>
-              <a:t>) por lo tanto se necesita restablecer ese estado en cada </a:t>
-            </a:r>
-            <a:r>
-              <a:rPr lang="es-PE" sz="2400" dirty="0" err="1" smtClean="0"/>
-              <a:t>tests</a:t>
-            </a:r>
-            <a:r>
-              <a:rPr lang="es-PE" sz="2400" dirty="0" smtClean="0"/>
-              <a:t>.</a:t>
-            </a:r>
-          </a:p>
-          <a:p>
-            <a:pPr marL="457200" indent="-457200">
-              <a:buFont typeface="Wingdings" pitchFamily="2" charset="2"/>
-              <a:buChar char="§"/>
-            </a:pPr>
-            <a:r>
-              <a:rPr lang="es-PE" sz="2400" dirty="0" smtClean="0"/>
-              <a:t>Evita ejecutar </a:t>
-            </a:r>
-            <a:r>
-              <a:rPr lang="es-PE" sz="2400" dirty="0" err="1" smtClean="0"/>
-              <a:t>tests</a:t>
-            </a:r>
-            <a:r>
-              <a:rPr lang="es-PE" sz="2400" dirty="0" smtClean="0"/>
-              <a:t> en paralelo.</a:t>
-            </a:r>
-          </a:p>
-          <a:p>
-            <a:endParaRPr lang="es-PE" sz="2400" dirty="0"/>
-          </a:p>
-          <a:p>
-            <a:r>
-              <a:rPr lang="es-PE" sz="2800" b="1" dirty="0">
-                <a:solidFill>
-                  <a:srgbClr val="FFC000"/>
-                </a:solidFill>
-              </a:rPr>
-              <a:t>Solución</a:t>
-            </a:r>
-          </a:p>
-          <a:p>
-            <a:pPr marL="342900" indent="-342900">
-              <a:buFont typeface="Arial" pitchFamily="34" charset="0"/>
-              <a:buChar char="•"/>
-            </a:pPr>
-            <a:r>
-              <a:rPr lang="es-PE" sz="2400" dirty="0" smtClean="0"/>
-              <a:t>Remplazar los </a:t>
-            </a:r>
-            <a:r>
-              <a:rPr lang="es-PE" sz="2400" dirty="0" err="1" smtClean="0"/>
-              <a:t>singletons</a:t>
-            </a:r>
-            <a:r>
-              <a:rPr lang="es-PE" sz="2400" dirty="0" smtClean="0"/>
-              <a:t> por instancias de objetos.</a:t>
-            </a:r>
-          </a:p>
-          <a:p>
-            <a:pPr marL="342900" indent="-342900">
-              <a:buFont typeface="Arial" pitchFamily="34" charset="0"/>
-              <a:buChar char="•"/>
-            </a:pPr>
-            <a:r>
-              <a:rPr lang="es-PE" sz="2400" dirty="0" smtClean="0"/>
-              <a:t>Delegar el manejo de la vida del objeto al  IOC </a:t>
-            </a:r>
-            <a:r>
-              <a:rPr lang="es-PE" sz="2400" dirty="0" err="1" smtClean="0"/>
-              <a:t>Container</a:t>
-            </a:r>
-            <a:r>
-              <a:rPr lang="es-PE" sz="2400" dirty="0" smtClean="0"/>
-              <a:t>.</a:t>
-            </a:r>
-          </a:p>
-          <a:p>
-            <a:pPr marL="342900" indent="-342900">
-              <a:buFont typeface="Arial" pitchFamily="34" charset="0"/>
-              <a:buChar char="•"/>
-            </a:pPr>
-            <a:r>
-              <a:rPr lang="es-PE" sz="2400" dirty="0" smtClean="0"/>
-              <a:t>Encapsular el </a:t>
-            </a:r>
-            <a:r>
-              <a:rPr lang="es-PE" sz="2400" dirty="0" err="1" smtClean="0"/>
-              <a:t>singleton</a:t>
-            </a:r>
-            <a:r>
-              <a:rPr lang="es-PE" sz="2400" dirty="0" smtClean="0"/>
-              <a:t> por un "</a:t>
-            </a:r>
-            <a:r>
-              <a:rPr lang="es-PE" sz="2400" dirty="0" err="1" smtClean="0"/>
-              <a:t>Wrapper</a:t>
-            </a:r>
-            <a:r>
-              <a:rPr lang="es-PE" sz="2400" dirty="0" smtClean="0"/>
-              <a:t>" (Librerías  Externas)</a:t>
-            </a:r>
-          </a:p>
-        </p:txBody>
-      </p:sp>
-      <p:sp>
-        <p:nvSpPr>
-          <p:cNvPr id="6" name="2 Título"/>
-          <p:cNvSpPr txBox="1">
-            <a:spLocks/>
-          </p:cNvSpPr>
-          <p:nvPr/>
-        </p:nvSpPr>
-        <p:spPr bwMode="auto">
-          <a:xfrm>
-            <a:off x="179512" y="188640"/>
-            <a:ext cx="8712968" cy="792088"/>
-          </a:xfrm>
-          <a:prstGeom prst="rect">
-            <a:avLst/>
-          </a:prstGeom>
-          <a:noFill/>
-          <a:ln w="9525">
-            <a:noFill/>
-            <a:miter lim="800000"/>
-            <a:headEnd/>
-            <a:tailEnd/>
-          </a:ln>
-        </p:spPr>
-        <p:txBody>
-          <a:bodyPr vert="horz" wrap="square" lIns="91440" tIns="45720" rIns="91440" bIns="45720" numCol="1" anchor="ctr" anchorCtr="0" compatLnSpc="1">
-            <a:prstTxWarp prst="textNoShape">
-              <a:avLst/>
-            </a:prstTxWarp>
-          </a:bodyPr>
-          <a:lstStyle>
-            <a:lvl1pPr algn="ctr" rtl="0" eaLnBrk="1" fontAlgn="base" hangingPunct="1">
-              <a:spcBef>
-                <a:spcPct val="0"/>
-              </a:spcBef>
-              <a:spcAft>
-                <a:spcPct val="0"/>
-              </a:spcAft>
-              <a:defRPr sz="4400" kern="1200">
-                <a:solidFill>
-                  <a:schemeClr val="tx1"/>
-                </a:solidFill>
-                <a:latin typeface="+mj-lt"/>
-                <a:ea typeface="+mj-ea"/>
-                <a:cs typeface="+mj-cs"/>
-              </a:defRPr>
-            </a:lvl1pPr>
-            <a:lvl2pPr algn="ctr" rtl="0" eaLnBrk="1" fontAlgn="base" hangingPunct="1">
-              <a:spcBef>
-                <a:spcPct val="0"/>
-              </a:spcBef>
-              <a:spcAft>
-                <a:spcPct val="0"/>
-              </a:spcAft>
-              <a:defRPr sz="4400">
-                <a:solidFill>
-                  <a:schemeClr val="tx1"/>
-                </a:solidFill>
-                <a:latin typeface="Calibri" pitchFamily="34" charset="0"/>
-              </a:defRPr>
-            </a:lvl2pPr>
-            <a:lvl3pPr algn="ctr" rtl="0" eaLnBrk="1" fontAlgn="base" hangingPunct="1">
-              <a:spcBef>
-                <a:spcPct val="0"/>
-              </a:spcBef>
-              <a:spcAft>
-                <a:spcPct val="0"/>
-              </a:spcAft>
-              <a:defRPr sz="4400">
-                <a:solidFill>
-                  <a:schemeClr val="tx1"/>
-                </a:solidFill>
-                <a:latin typeface="Calibri" pitchFamily="34" charset="0"/>
-              </a:defRPr>
-            </a:lvl3pPr>
-            <a:lvl4pPr algn="ctr" rtl="0" eaLnBrk="1" fontAlgn="base" hangingPunct="1">
-              <a:spcBef>
-                <a:spcPct val="0"/>
-              </a:spcBef>
-              <a:spcAft>
-                <a:spcPct val="0"/>
-              </a:spcAft>
-              <a:defRPr sz="4400">
-                <a:solidFill>
-                  <a:schemeClr val="tx1"/>
-                </a:solidFill>
-                <a:latin typeface="Calibri" pitchFamily="34" charset="0"/>
-              </a:defRPr>
-            </a:lvl4pPr>
-            <a:lvl5pPr algn="ctr" rtl="0" eaLnBrk="1" fontAlgn="base" hangingPunct="1">
-              <a:spcBef>
-                <a:spcPct val="0"/>
-              </a:spcBef>
-              <a:spcAft>
-                <a:spcPct val="0"/>
-              </a:spcAft>
-              <a:defRPr sz="4400">
-                <a:solidFill>
-                  <a:schemeClr val="tx1"/>
-                </a:solidFill>
-                <a:latin typeface="Calibri" pitchFamily="34" charset="0"/>
-              </a:defRPr>
-            </a:lvl5pPr>
-            <a:lvl6pPr marL="457200" algn="ctr" rtl="0" eaLnBrk="1" fontAlgn="base" hangingPunct="1">
-              <a:spcBef>
-                <a:spcPct val="0"/>
-              </a:spcBef>
-              <a:spcAft>
-                <a:spcPct val="0"/>
-              </a:spcAft>
-              <a:defRPr sz="4400">
-                <a:solidFill>
-                  <a:schemeClr val="tx1"/>
-                </a:solidFill>
-                <a:latin typeface="Calibri" pitchFamily="34" charset="0"/>
-              </a:defRPr>
-            </a:lvl6pPr>
-            <a:lvl7pPr marL="914400" algn="ctr" rtl="0" eaLnBrk="1" fontAlgn="base" hangingPunct="1">
-              <a:spcBef>
-                <a:spcPct val="0"/>
-              </a:spcBef>
-              <a:spcAft>
-                <a:spcPct val="0"/>
-              </a:spcAft>
-              <a:defRPr sz="4400">
-                <a:solidFill>
-                  <a:schemeClr val="tx1"/>
-                </a:solidFill>
-                <a:latin typeface="Calibri" pitchFamily="34" charset="0"/>
-              </a:defRPr>
-            </a:lvl7pPr>
-            <a:lvl8pPr marL="1371600" algn="ctr" rtl="0" eaLnBrk="1" fontAlgn="base" hangingPunct="1">
-              <a:spcBef>
-                <a:spcPct val="0"/>
-              </a:spcBef>
-              <a:spcAft>
-                <a:spcPct val="0"/>
-              </a:spcAft>
-              <a:defRPr sz="4400">
-                <a:solidFill>
-                  <a:schemeClr val="tx1"/>
-                </a:solidFill>
-                <a:latin typeface="Calibri" pitchFamily="34" charset="0"/>
-              </a:defRPr>
-            </a:lvl8pPr>
-            <a:lvl9pPr marL="1828800" algn="ctr" rtl="0" eaLnBrk="1" fontAlgn="base" hangingPunct="1">
-              <a:spcBef>
-                <a:spcPct val="0"/>
-              </a:spcBef>
-              <a:spcAft>
-                <a:spcPct val="0"/>
-              </a:spcAft>
-              <a:defRPr sz="4400">
-                <a:solidFill>
-                  <a:schemeClr val="tx1"/>
-                </a:solidFill>
-                <a:latin typeface="Calibri" pitchFamily="34" charset="0"/>
-              </a:defRPr>
-            </a:lvl9pPr>
-          </a:lstStyle>
-          <a:p>
-            <a:r>
-              <a:rPr lang="es-PE" dirty="0" smtClean="0">
-                <a:solidFill>
-                  <a:srgbClr val="00823B"/>
-                </a:solidFill>
-              </a:rPr>
-              <a:t> Evitar Campos y Métodos Estáticos</a:t>
-            </a:r>
-            <a:endParaRPr lang="es-PE" dirty="0">
-              <a:solidFill>
-                <a:srgbClr val="00823B"/>
-              </a:solidFill>
-            </a:endParaRPr>
-          </a:p>
-        </p:txBody>
-      </p:sp>
-    </p:spTree>
-    <p:extLst>
-      <p:ext uri="{BB962C8B-B14F-4D97-AF65-F5344CB8AC3E}">
-        <p14:creationId xmlns:p14="http://schemas.microsoft.com/office/powerpoint/2010/main" val="1843510263"/>
-      </p:ext>
-    </p:extLst>
-  </p:cSld>
-  <p:clrMapOvr>
-    <a:masterClrMapping/>
-  </p:clrMapOvr>
-  <p:timing>
-    <p:tnLst>
-      <p:par>
-        <p:cTn id="1" dur="indefinite" restart="never" nodeType="tmRoot"/>
-      </p:par>
-    </p:tnLst>
-  </p:timing>
-</p:sld>
-</file>
-
-<file path=ppt/slides/slide49.xml><?xml version="1.0" encoding="utf-8"?>
-<p:sld xmlns:a="http://schemas.openxmlformats.org/drawingml/2006/main" xmlns:r="http://schemas.openxmlformats.org/officeDocument/2006/relationships" xmlns:p="http://schemas.openxmlformats.org/presentationml/2006/main">
-  <p:cSld>
-    <p:spTree>
-      <p:nvGrpSpPr>
-        <p:cNvPr id="1" name=""/>
-        <p:cNvGrpSpPr/>
-        <p:nvPr/>
-      </p:nvGrpSpPr>
-      <p:grpSpPr>
-        <a:xfrm>
-          <a:off x="0" y="0"/>
-          <a:ext cx="0" cy="0"/>
-          <a:chOff x="0" y="0"/>
-          <a:chExt cx="0" cy="0"/>
-        </a:xfrm>
-      </p:grpSpPr>
-      <p:sp>
-        <p:nvSpPr>
-          <p:cNvPr id="5" name="2 Título"/>
-          <p:cNvSpPr>
-            <a:spLocks noGrp="1"/>
-          </p:cNvSpPr>
-          <p:nvPr>
-            <p:ph type="title"/>
-          </p:nvPr>
-        </p:nvSpPr>
-        <p:spPr>
-          <a:xfrm>
-            <a:off x="431540" y="146612"/>
-            <a:ext cx="8229600" cy="834116"/>
-          </a:xfrm>
-        </p:spPr>
-        <p:txBody>
-          <a:bodyPr/>
-          <a:lstStyle/>
-          <a:p>
-            <a:r>
-              <a:rPr lang="es-PE" dirty="0" err="1" smtClean="0">
-                <a:solidFill>
-                  <a:srgbClr val="00823B"/>
-                </a:solidFill>
-              </a:rPr>
-              <a:t>Composition</a:t>
-            </a:r>
-            <a:r>
-              <a:rPr lang="es-PE" dirty="0" smtClean="0">
-                <a:solidFill>
-                  <a:srgbClr val="00823B"/>
-                </a:solidFill>
-              </a:rPr>
-              <a:t> </a:t>
-            </a:r>
-            <a:r>
-              <a:rPr lang="es-PE" dirty="0" err="1" smtClean="0">
-                <a:solidFill>
-                  <a:srgbClr val="00823B"/>
-                </a:solidFill>
-              </a:rPr>
-              <a:t>over</a:t>
-            </a:r>
-            <a:r>
-              <a:rPr lang="es-PE" dirty="0" smtClean="0">
-                <a:solidFill>
-                  <a:srgbClr val="00823B"/>
-                </a:solidFill>
-              </a:rPr>
-              <a:t> </a:t>
-            </a:r>
-            <a:r>
-              <a:rPr lang="es-PE" dirty="0" err="1" smtClean="0">
-                <a:solidFill>
-                  <a:srgbClr val="00823B"/>
-                </a:solidFill>
-              </a:rPr>
-              <a:t>Inheritance</a:t>
-            </a:r>
-            <a:endParaRPr lang="es-PE" dirty="0">
-              <a:solidFill>
-                <a:srgbClr val="00823B"/>
-              </a:solidFill>
-            </a:endParaRPr>
-          </a:p>
-        </p:txBody>
-      </p:sp>
-      <p:sp>
-        <p:nvSpPr>
-          <p:cNvPr id="6" name="5 CuadroTexto"/>
-          <p:cNvSpPr txBox="1"/>
-          <p:nvPr/>
-        </p:nvSpPr>
-        <p:spPr>
-          <a:xfrm>
-            <a:off x="5790922" y="990390"/>
-            <a:ext cx="2205287" cy="523220"/>
-          </a:xfrm>
-          <a:prstGeom prst="rect">
-            <a:avLst/>
-          </a:prstGeom>
-          <a:noFill/>
-        </p:spPr>
-        <p:txBody>
-          <a:bodyPr wrap="square" rtlCol="0">
-            <a:spAutoFit/>
-          </a:bodyPr>
-          <a:lstStyle/>
-          <a:p>
-            <a:pPr algn="ctr"/>
-            <a:r>
-              <a:rPr lang="es-ES" sz="2800" dirty="0" smtClean="0">
-                <a:solidFill>
-                  <a:srgbClr val="FF0000"/>
-                </a:solidFill>
-              </a:rPr>
-              <a:t>Composición</a:t>
-            </a:r>
-          </a:p>
-        </p:txBody>
-      </p:sp>
-      <p:sp>
-        <p:nvSpPr>
-          <p:cNvPr id="7" name="6 CuadroTexto"/>
-          <p:cNvSpPr txBox="1"/>
-          <p:nvPr/>
-        </p:nvSpPr>
-        <p:spPr>
-          <a:xfrm>
-            <a:off x="1238850" y="990390"/>
-            <a:ext cx="2205287" cy="523220"/>
-          </a:xfrm>
-          <a:prstGeom prst="rect">
-            <a:avLst/>
-          </a:prstGeom>
-          <a:noFill/>
-        </p:spPr>
-        <p:txBody>
-          <a:bodyPr wrap="square" rtlCol="0">
-            <a:spAutoFit/>
-          </a:bodyPr>
-          <a:lstStyle/>
-          <a:p>
-            <a:pPr algn="ctr"/>
-            <a:r>
-              <a:rPr lang="es-ES" sz="2800" dirty="0" smtClean="0">
-                <a:solidFill>
-                  <a:srgbClr val="FF0000"/>
-                </a:solidFill>
-              </a:rPr>
-              <a:t>Herencia</a:t>
-            </a:r>
-          </a:p>
-        </p:txBody>
-      </p:sp>
-      <p:sp>
-        <p:nvSpPr>
-          <p:cNvPr id="8" name="7 CuadroTexto"/>
-          <p:cNvSpPr txBox="1"/>
-          <p:nvPr/>
-        </p:nvSpPr>
-        <p:spPr>
-          <a:xfrm>
-            <a:off x="364365" y="4653136"/>
-            <a:ext cx="8363950" cy="1815882"/>
-          </a:xfrm>
-          <a:prstGeom prst="rect">
-            <a:avLst/>
-          </a:prstGeom>
-          <a:noFill/>
-        </p:spPr>
-        <p:txBody>
-          <a:bodyPr wrap="square" rtlCol="0">
-            <a:spAutoFit/>
-          </a:bodyPr>
-          <a:lstStyle/>
-          <a:p>
-            <a:pPr algn="ctr"/>
-            <a:r>
-              <a:rPr lang="es-PE" sz="2800" dirty="0" smtClean="0"/>
-              <a:t>La herencia crea un fuerte acoplamiento entre la clase padre y las clases hijas.</a:t>
-            </a:r>
-          </a:p>
-          <a:p>
-            <a:pPr algn="ctr"/>
-            <a:r>
-              <a:rPr lang="es-PE" sz="2800" dirty="0" smtClean="0"/>
-              <a:t>En ejecución no se puede elegir una herencia diferente,  pero si se puede elegir una composición diferente</a:t>
-            </a:r>
-          </a:p>
-        </p:txBody>
-      </p:sp>
-      <p:pic>
-        <p:nvPicPr>
-          <p:cNvPr id="2056" name="Picture 8"/>
-          <p:cNvPicPr>
-            <a:picLocks noChangeAspect="1" noChangeArrowheads="1"/>
-          </p:cNvPicPr>
-          <p:nvPr/>
-        </p:nvPicPr>
-        <p:blipFill>
-          <a:blip r:embed="rId3">
-            <a:extLst>
-              <a:ext uri="{28A0092B-C50C-407E-A947-70E740481C1C}">
-                <a14:useLocalDpi xmlns:a14="http://schemas.microsoft.com/office/drawing/2010/main" val="0"/>
-              </a:ext>
-            </a:extLst>
-          </a:blip>
-          <a:srcRect/>
-          <a:stretch>
-            <a:fillRect/>
-          </a:stretch>
-        </p:blipFill>
-        <p:spPr bwMode="auto">
-          <a:xfrm>
-            <a:off x="4649618" y="1513610"/>
-            <a:ext cx="4487897" cy="3039172"/>
-          </a:xfrm>
-          <a:prstGeom prst="rect">
-            <a:avLst/>
-          </a:prstGeom>
-          <a:ln>
-            <a:noFill/>
-          </a:ln>
-          <a:effectLst>
-            <a:softEdge rad="112500"/>
-          </a:effectLst>
-          <a:extLst>
-            <a:ext uri="{909E8E84-426E-40DD-AFC4-6F175D3DCCD1}">
-              <a14:hiddenFill xmlns:a14="http://schemas.microsoft.com/office/drawing/2010/main">
-                <a:solidFill>
-                  <a:schemeClr val="accent1"/>
-                </a:solidFill>
-              </a14:hiddenFill>
-            </a:ext>
-            <a:ext uri="{91240B29-F687-4F45-9708-019B960494DF}">
-              <a14:hiddenLine xmlns:a14="http://schemas.microsoft.com/office/drawing/2010/main" w="9525">
-                <a:solidFill>
-                  <a:schemeClr val="tx1"/>
-                </a:solidFill>
-                <a:miter lim="800000"/>
-                <a:headEnd/>
-                <a:tailEnd/>
-              </a14:hiddenLine>
-            </a:ext>
-            <a:ext uri="{AF507438-7753-43E0-B8FC-AC1667EBCBE1}">
-              <a14:hiddenEffects xmlns:a14="http://schemas.microsoft.com/office/drawing/2010/main">
-                <a:effectLst>
-                  <a:outerShdw dist="35921" dir="2700000" algn="ctr" rotWithShape="0">
-                    <a:schemeClr val="bg2"/>
-                  </a:outerShdw>
-                </a:effectLst>
-              </a14:hiddenEffects>
-            </a:ext>
-          </a:extLst>
-        </p:spPr>
-      </p:pic>
-      <p:pic>
-        <p:nvPicPr>
-          <p:cNvPr id="2061" name="Picture 13"/>
-          <p:cNvPicPr>
-            <a:picLocks noChangeAspect="1" noChangeArrowheads="1"/>
-          </p:cNvPicPr>
-          <p:nvPr/>
-        </p:nvPicPr>
-        <p:blipFill>
-          <a:blip r:embed="rId4">
-            <a:extLst>
-              <a:ext uri="{28A0092B-C50C-407E-A947-70E740481C1C}">
-                <a14:useLocalDpi xmlns:a14="http://schemas.microsoft.com/office/drawing/2010/main" val="0"/>
-              </a:ext>
-            </a:extLst>
-          </a:blip>
-          <a:srcRect/>
-          <a:stretch>
-            <a:fillRect/>
-          </a:stretch>
-        </p:blipFill>
-        <p:spPr bwMode="auto">
-          <a:xfrm>
-            <a:off x="41562" y="1513610"/>
-            <a:ext cx="4680000" cy="2320788"/>
-          </a:xfrm>
-          <a:prstGeom prst="rect">
-            <a:avLst/>
-          </a:prstGeom>
-          <a:ln>
-            <a:noFill/>
-          </a:ln>
-          <a:effectLst>
-            <a:softEdge rad="112500"/>
-          </a:effectLst>
-          <a:extLst>
-            <a:ext uri="{909E8E84-426E-40DD-AFC4-6F175D3DCCD1}">
-              <a14:hiddenFill xmlns:a14="http://schemas.microsoft.com/office/drawing/2010/main">
-                <a:solidFill>
-                  <a:schemeClr val="accent1"/>
-                </a:solidFill>
-              </a14:hiddenFill>
-            </a:ext>
-            <a:ext uri="{91240B29-F687-4F45-9708-019B960494DF}">
-              <a14:hiddenLine xmlns:a14="http://schemas.microsoft.com/office/drawing/2010/main" w="9525">
-                <a:solidFill>
-                  <a:schemeClr val="tx1"/>
-                </a:solidFill>
-                <a:miter lim="800000"/>
-                <a:headEnd/>
-                <a:tailEnd/>
-              </a14:hiddenLine>
-            </a:ext>
-            <a:ext uri="{AF507438-7753-43E0-B8FC-AC1667EBCBE1}">
-              <a14:hiddenEffects xmlns:a14="http://schemas.microsoft.com/office/drawing/2010/main">
-                <a:effectLst>
-                  <a:outerShdw dist="35921" dir="2700000" algn="ctr" rotWithShape="0">
-                    <a:schemeClr val="bg2"/>
-                  </a:outerShdw>
-                </a:effectLst>
-              </a14:hiddenEffects>
-            </a:ext>
-          </a:extLst>
-        </p:spPr>
-      </p:pic>
-    </p:spTree>
-    <p:extLst>
-      <p:ext uri="{BB962C8B-B14F-4D97-AF65-F5344CB8AC3E}">
-        <p14:creationId xmlns:p14="http://schemas.microsoft.com/office/powerpoint/2010/main" val="1831207956"/>
       </p:ext>
     </p:extLst>
   </p:cSld>
@@ -29765,671 +24764,6 @@
             </p:seq>
           </p:childTnLst>
         </p:cTn>
-      </p:par>
-    </p:tnLst>
-  </p:timing>
-</p:sld>
-</file>
-
-<file path=ppt/slides/slide50.xml><?xml version="1.0" encoding="utf-8"?>
-<p:sld xmlns:a="http://schemas.openxmlformats.org/drawingml/2006/main" xmlns:r="http://schemas.openxmlformats.org/officeDocument/2006/relationships" xmlns:p="http://schemas.openxmlformats.org/presentationml/2006/main">
-  <p:cSld>
-    <p:spTree>
-      <p:nvGrpSpPr>
-        <p:cNvPr id="1" name=""/>
-        <p:cNvGrpSpPr/>
-        <p:nvPr/>
-      </p:nvGrpSpPr>
-      <p:grpSpPr>
-        <a:xfrm>
-          <a:off x="0" y="0"/>
-          <a:ext cx="0" cy="0"/>
-          <a:chOff x="0" y="0"/>
-          <a:chExt cx="0" cy="0"/>
-        </a:xfrm>
-      </p:grpSpPr>
-      <p:sp>
-        <p:nvSpPr>
-          <p:cNvPr id="8" name="7 CuadroTexto"/>
-          <p:cNvSpPr txBox="1"/>
-          <p:nvPr/>
-        </p:nvSpPr>
-        <p:spPr>
-          <a:xfrm>
-            <a:off x="501366" y="1149707"/>
-            <a:ext cx="8175090" cy="5078313"/>
-          </a:xfrm>
-          <a:prstGeom prst="rect">
-            <a:avLst/>
-          </a:prstGeom>
-          <a:noFill/>
-        </p:spPr>
-        <p:txBody>
-          <a:bodyPr wrap="square" rtlCol="0">
-            <a:spAutoFit/>
-          </a:bodyPr>
-          <a:lstStyle/>
-          <a:p>
-            <a:r>
-              <a:rPr lang="es-PE" sz="2800" b="1" dirty="0" smtClean="0">
-                <a:solidFill>
-                  <a:srgbClr val="FFC000"/>
-                </a:solidFill>
-              </a:rPr>
-              <a:t>Señales</a:t>
-            </a:r>
-          </a:p>
-          <a:p>
-            <a:pPr lvl="1" indent="-457200">
-              <a:buFont typeface="Wingdings" pitchFamily="2" charset="2"/>
-              <a:buChar char="§"/>
-            </a:pPr>
-            <a:r>
-              <a:rPr lang="es-PE" sz="2400" dirty="0" smtClean="0"/>
-              <a:t>Herencia como una forma fácil de reutilizar comportamiento.</a:t>
-            </a:r>
-            <a:endParaRPr lang="es-PE" sz="2400" dirty="0"/>
-          </a:p>
-          <a:p>
-            <a:pPr lvl="1" indent="-457200">
-              <a:buFont typeface="Wingdings" pitchFamily="2" charset="2"/>
-              <a:buChar char="§"/>
-            </a:pPr>
-            <a:endParaRPr lang="es-PE" sz="2400" dirty="0"/>
-          </a:p>
-          <a:p>
-            <a:r>
-              <a:rPr lang="es-PE" sz="2800" b="1" dirty="0">
-                <a:solidFill>
-                  <a:srgbClr val="FFC000"/>
-                </a:solidFill>
-              </a:rPr>
-              <a:t>Problemas</a:t>
-            </a:r>
-          </a:p>
-          <a:p>
-            <a:pPr marL="457200" indent="-457200">
-              <a:buFont typeface="Wingdings" pitchFamily="2" charset="2"/>
-              <a:buChar char="§"/>
-            </a:pPr>
-            <a:r>
-              <a:rPr lang="es-PE" sz="2400" dirty="0" smtClean="0"/>
-              <a:t>Introduce acoplamiento que no permite remplazar objetos de la jerarquía de la herencia.</a:t>
-            </a:r>
-          </a:p>
-          <a:p>
-            <a:pPr marL="457200" indent="-457200">
-              <a:buFont typeface="Wingdings" pitchFamily="2" charset="2"/>
-              <a:buChar char="§"/>
-            </a:pPr>
-            <a:endParaRPr lang="es-PE" sz="2400" dirty="0"/>
-          </a:p>
-          <a:p>
-            <a:r>
-              <a:rPr lang="es-PE" sz="2800" b="1" dirty="0">
-                <a:solidFill>
-                  <a:srgbClr val="FFC000"/>
-                </a:solidFill>
-              </a:rPr>
-              <a:t>Solución</a:t>
-            </a:r>
-          </a:p>
-          <a:p>
-            <a:pPr marL="342900" indent="-342900">
-              <a:buFont typeface="Arial" pitchFamily="34" charset="0"/>
-              <a:buChar char="•"/>
-            </a:pPr>
-            <a:r>
-              <a:rPr lang="es-PE" sz="2400" dirty="0" smtClean="0"/>
-              <a:t>El propósito de la herencia es el polimorfismo y no la reutilización. </a:t>
-            </a:r>
-            <a:r>
-              <a:rPr lang="es-PE" sz="2400" dirty="0"/>
-              <a:t> </a:t>
-            </a:r>
-            <a:r>
-              <a:rPr lang="es-PE" sz="2400" dirty="0" smtClean="0"/>
-              <a:t/>
-            </a:r>
-            <a:br>
-              <a:rPr lang="es-PE" sz="2400" dirty="0" smtClean="0"/>
-            </a:br>
-            <a:r>
-              <a:rPr lang="es-PE" sz="2400" dirty="0" smtClean="0"/>
-              <a:t>Sino se está tomando ventaja del polimorfismo usar composición.</a:t>
-            </a:r>
-          </a:p>
-        </p:txBody>
-      </p:sp>
-      <p:sp>
-        <p:nvSpPr>
-          <p:cNvPr id="4" name="2 Título"/>
-          <p:cNvSpPr>
-            <a:spLocks noGrp="1"/>
-          </p:cNvSpPr>
-          <p:nvPr>
-            <p:ph type="title"/>
-          </p:nvPr>
-        </p:nvSpPr>
-        <p:spPr>
-          <a:xfrm>
-            <a:off x="431540" y="146612"/>
-            <a:ext cx="8229600" cy="834116"/>
-          </a:xfrm>
-        </p:spPr>
-        <p:txBody>
-          <a:bodyPr/>
-          <a:lstStyle/>
-          <a:p>
-            <a:r>
-              <a:rPr lang="es-PE" dirty="0" err="1" smtClean="0">
-                <a:solidFill>
-                  <a:srgbClr val="00823B"/>
-                </a:solidFill>
-              </a:rPr>
-              <a:t>Composition</a:t>
-            </a:r>
-            <a:r>
-              <a:rPr lang="es-PE" dirty="0" smtClean="0">
-                <a:solidFill>
-                  <a:srgbClr val="00823B"/>
-                </a:solidFill>
-              </a:rPr>
-              <a:t> </a:t>
-            </a:r>
-            <a:r>
-              <a:rPr lang="es-PE" dirty="0" err="1" smtClean="0">
-                <a:solidFill>
-                  <a:srgbClr val="00823B"/>
-                </a:solidFill>
-              </a:rPr>
-              <a:t>over</a:t>
-            </a:r>
-            <a:r>
-              <a:rPr lang="es-PE" dirty="0" smtClean="0">
-                <a:solidFill>
-                  <a:srgbClr val="00823B"/>
-                </a:solidFill>
-              </a:rPr>
-              <a:t> </a:t>
-            </a:r>
-            <a:r>
-              <a:rPr lang="es-PE" dirty="0" err="1" smtClean="0">
-                <a:solidFill>
-                  <a:srgbClr val="00823B"/>
-                </a:solidFill>
-              </a:rPr>
-              <a:t>Inheritance</a:t>
-            </a:r>
-            <a:endParaRPr lang="es-PE" dirty="0">
-              <a:solidFill>
-                <a:srgbClr val="00823B"/>
-              </a:solidFill>
-            </a:endParaRPr>
-          </a:p>
-        </p:txBody>
-      </p:sp>
-    </p:spTree>
-    <p:extLst>
-      <p:ext uri="{BB962C8B-B14F-4D97-AF65-F5344CB8AC3E}">
-        <p14:creationId xmlns:p14="http://schemas.microsoft.com/office/powerpoint/2010/main" val="2743756488"/>
-      </p:ext>
-    </p:extLst>
-  </p:cSld>
-  <p:clrMapOvr>
-    <a:masterClrMapping/>
-  </p:clrMapOvr>
-  <p:timing>
-    <p:tnLst>
-      <p:par>
-        <p:cTn id="1" dur="indefinite" restart="never" nodeType="tmRoot"/>
-      </p:par>
-    </p:tnLst>
-  </p:timing>
-</p:sld>
-</file>
-
-<file path=ppt/slides/slide51.xml><?xml version="1.0" encoding="utf-8"?>
-<p:sld xmlns:a="http://schemas.openxmlformats.org/drawingml/2006/main" xmlns:r="http://schemas.openxmlformats.org/officeDocument/2006/relationships" xmlns:p="http://schemas.openxmlformats.org/presentationml/2006/main">
-  <p:cSld>
-    <p:spTree>
-      <p:nvGrpSpPr>
-        <p:cNvPr id="1" name=""/>
-        <p:cNvGrpSpPr/>
-        <p:nvPr/>
-      </p:nvGrpSpPr>
-      <p:grpSpPr>
-        <a:xfrm>
-          <a:off x="0" y="0"/>
-          <a:ext cx="0" cy="0"/>
-          <a:chOff x="0" y="0"/>
-          <a:chExt cx="0" cy="0"/>
-        </a:xfrm>
-      </p:grpSpPr>
-      <p:sp>
-        <p:nvSpPr>
-          <p:cNvPr id="3" name="2 Título"/>
-          <p:cNvSpPr>
-            <a:spLocks noGrp="1"/>
-          </p:cNvSpPr>
-          <p:nvPr>
-            <p:ph type="title"/>
-          </p:nvPr>
-        </p:nvSpPr>
-        <p:spPr>
-          <a:xfrm>
-            <a:off x="524338" y="216030"/>
-            <a:ext cx="8229600" cy="724942"/>
-          </a:xfrm>
-        </p:spPr>
-        <p:txBody>
-          <a:bodyPr/>
-          <a:lstStyle/>
-          <a:p>
-            <a:r>
-              <a:rPr lang="es-PE" dirty="0" smtClean="0">
-                <a:solidFill>
-                  <a:srgbClr val="00823B"/>
-                </a:solidFill>
-              </a:rPr>
-              <a:t>Información Adicional</a:t>
-            </a:r>
-            <a:endParaRPr lang="es-PE" dirty="0">
-              <a:solidFill>
-                <a:srgbClr val="00823B"/>
-              </a:solidFill>
-            </a:endParaRPr>
-          </a:p>
-        </p:txBody>
-      </p:sp>
-      <p:sp>
-        <p:nvSpPr>
-          <p:cNvPr id="13" name="12 CuadroTexto"/>
-          <p:cNvSpPr txBox="1"/>
-          <p:nvPr/>
-        </p:nvSpPr>
-        <p:spPr>
-          <a:xfrm>
-            <a:off x="209672" y="1124744"/>
-            <a:ext cx="8712968" cy="1200329"/>
-          </a:xfrm>
-          <a:prstGeom prst="rect">
-            <a:avLst/>
-          </a:prstGeom>
-          <a:noFill/>
-        </p:spPr>
-        <p:txBody>
-          <a:bodyPr wrap="square" rtlCol="0">
-            <a:spAutoFit/>
-          </a:bodyPr>
-          <a:lstStyle/>
-          <a:p>
-            <a:pPr marL="457200" indent="-457200">
-              <a:buFont typeface="Arial" pitchFamily="34" charset="0"/>
-              <a:buChar char="•"/>
-              <a:defRPr/>
-            </a:pPr>
-            <a:r>
-              <a:rPr lang="es-PE" sz="2400" dirty="0"/>
-              <a:t>Guide </a:t>
-            </a:r>
-            <a:r>
-              <a:rPr lang="es-PE" sz="2400" dirty="0" err="1"/>
-              <a:t>Writing</a:t>
-            </a:r>
-            <a:r>
-              <a:rPr lang="es-PE" sz="2400" dirty="0"/>
-              <a:t> Testeable </a:t>
-            </a:r>
-            <a:r>
-              <a:rPr lang="es-PE" sz="2400" dirty="0" err="1"/>
-              <a:t>Code</a:t>
-            </a:r>
-            <a:r>
-              <a:rPr lang="es-PE" sz="2400" dirty="0"/>
-              <a:t>:</a:t>
-            </a:r>
-            <a:br>
-              <a:rPr lang="es-PE" sz="2400" dirty="0"/>
-            </a:br>
-            <a:r>
-              <a:rPr lang="es-PE" sz="2400" dirty="0">
-                <a:solidFill>
-                  <a:srgbClr val="FFC000"/>
-                </a:solidFill>
-              </a:rPr>
-              <a:t>http://misko.hevery.com/attachments/Guide-Writing%20Testable%20Code.pdf</a:t>
-            </a:r>
-          </a:p>
-        </p:txBody>
-      </p:sp>
-    </p:spTree>
-    <p:extLst>
-      <p:ext uri="{BB962C8B-B14F-4D97-AF65-F5344CB8AC3E}">
-        <p14:creationId xmlns:p14="http://schemas.microsoft.com/office/powerpoint/2010/main" val="102593121"/>
-      </p:ext>
-    </p:extLst>
-  </p:cSld>
-  <p:clrMapOvr>
-    <a:masterClrMapping/>
-  </p:clrMapOvr>
-  <p:timing>
-    <p:tnLst>
-      <p:par>
-        <p:cTn id="1" dur="indefinite" restart="never" nodeType="tmRoot"/>
-      </p:par>
-    </p:tnLst>
-  </p:timing>
-</p:sld>
-</file>
-
-<file path=ppt/slides/slide52.xml><?xml version="1.0" encoding="utf-8"?>
-<p:sld xmlns:a="http://schemas.openxmlformats.org/drawingml/2006/main" xmlns:r="http://schemas.openxmlformats.org/officeDocument/2006/relationships" xmlns:p="http://schemas.openxmlformats.org/presentationml/2006/main">
-  <p:cSld>
-    <p:spTree>
-      <p:nvGrpSpPr>
-        <p:cNvPr id="1" name=""/>
-        <p:cNvGrpSpPr/>
-        <p:nvPr/>
-      </p:nvGrpSpPr>
-      <p:grpSpPr>
-        <a:xfrm>
-          <a:off x="0" y="0"/>
-          <a:ext cx="0" cy="0"/>
-          <a:chOff x="0" y="0"/>
-          <a:chExt cx="0" cy="0"/>
-        </a:xfrm>
-      </p:grpSpPr>
-      <p:sp>
-        <p:nvSpPr>
-          <p:cNvPr id="2" name="1 Título"/>
-          <p:cNvSpPr>
-            <a:spLocks noGrp="1"/>
-          </p:cNvSpPr>
-          <p:nvPr>
-            <p:ph type="ctrTitle"/>
-          </p:nvPr>
-        </p:nvSpPr>
-        <p:spPr>
-          <a:xfrm>
-            <a:off x="472008" y="1124744"/>
-            <a:ext cx="8204448" cy="3600400"/>
-          </a:xfrm>
-        </p:spPr>
-        <p:txBody>
-          <a:bodyPr/>
-          <a:lstStyle/>
-          <a:p>
-            <a:r>
-              <a:rPr lang="en-US" sz="7200" b="1" dirty="0" smtClean="0">
-                <a:solidFill>
-                  <a:srgbClr val="FF0000"/>
-                </a:solidFill>
-              </a:rPr>
-              <a:t>Dependency Injection Containers</a:t>
-            </a:r>
-            <a:r>
-              <a:rPr lang="en-US" sz="8000" b="1" dirty="0" smtClean="0">
-                <a:solidFill>
-                  <a:srgbClr val="FF0000"/>
-                </a:solidFill>
-              </a:rPr>
-              <a:t/>
-            </a:r>
-            <a:br>
-              <a:rPr lang="en-US" sz="8000" b="1" dirty="0" smtClean="0">
-                <a:solidFill>
-                  <a:srgbClr val="FF0000"/>
-                </a:solidFill>
-              </a:rPr>
-            </a:br>
-            <a:r>
-              <a:rPr lang="en-US" sz="5400" b="1" dirty="0"/>
-              <a:t>Test Automation</a:t>
-            </a:r>
-            <a:endParaRPr lang="en-US" sz="5400" b="1" dirty="0">
-              <a:solidFill>
-                <a:srgbClr val="FF0000"/>
-              </a:solidFill>
-            </a:endParaRPr>
-          </a:p>
-        </p:txBody>
-      </p:sp>
-      <p:sp>
-        <p:nvSpPr>
-          <p:cNvPr id="5" name="2 Subtítulo"/>
-          <p:cNvSpPr txBox="1">
-            <a:spLocks/>
-          </p:cNvSpPr>
-          <p:nvPr/>
-        </p:nvSpPr>
-        <p:spPr bwMode="auto">
-          <a:xfrm>
-            <a:off x="179512" y="5407164"/>
-            <a:ext cx="3214709" cy="515717"/>
-          </a:xfrm>
-          <a:prstGeom prst="rect">
-            <a:avLst/>
-          </a:prstGeom>
-          <a:noFill/>
-          <a:ln w="9525">
-            <a:noFill/>
-            <a:miter lim="800000"/>
-            <a:headEnd/>
-            <a:tailEnd/>
-          </a:ln>
-        </p:spPr>
-        <p:txBody>
-          <a:bodyPr vert="horz" wrap="square" lIns="91440" tIns="45720" rIns="91440" bIns="45720" numCol="1" rtlCol="0" anchor="t" anchorCtr="0" compatLnSpc="1">
-            <a:prstTxWarp prst="textNoShape">
-              <a:avLst/>
-            </a:prstTxWarp>
-            <a:noAutofit/>
-          </a:bodyPr>
-          <a:lstStyle/>
-          <a:p>
-            <a:pPr marL="0" marR="0" lvl="0" indent="0" algn="ctr" defTabSz="914400" rtl="0" eaLnBrk="1" fontAlgn="auto" latinLnBrk="0" hangingPunct="1">
-              <a:lnSpc>
-                <a:spcPct val="100000"/>
-              </a:lnSpc>
-              <a:spcBef>
-                <a:spcPct val="20000"/>
-              </a:spcBef>
-              <a:spcAft>
-                <a:spcPts val="0"/>
-              </a:spcAft>
-              <a:buClrTx/>
-              <a:buSzTx/>
-              <a:buFont typeface="Arial" pitchFamily="34" charset="0"/>
-              <a:buNone/>
-              <a:tabLst/>
-              <a:defRPr/>
-            </a:pPr>
-            <a:r>
-              <a:rPr kumimoji="0" lang="es-PE" sz="2600" b="1" i="0" u="none" strike="noStrike" kern="1200" cap="none" spc="0" normalizeH="0" baseline="0" noProof="0" dirty="0" smtClean="0">
-                <a:ln>
-                  <a:noFill/>
-                </a:ln>
-                <a:solidFill>
-                  <a:srgbClr val="00B050"/>
-                </a:solidFill>
-                <a:effectLst/>
-                <a:uLnTx/>
-                <a:uFillTx/>
-              </a:rPr>
-              <a:t>Angel Núñez Salazar</a:t>
-            </a:r>
-          </a:p>
-        </p:txBody>
-      </p:sp>
-      <p:sp>
-        <p:nvSpPr>
-          <p:cNvPr id="7" name="Rectangle 1"/>
-          <p:cNvSpPr>
-            <a:spLocks noChangeArrowheads="1"/>
-          </p:cNvSpPr>
-          <p:nvPr/>
-        </p:nvSpPr>
-        <p:spPr bwMode="auto">
-          <a:xfrm>
-            <a:off x="3715072" y="5157192"/>
-            <a:ext cx="5105400" cy="1015663"/>
-          </a:xfrm>
-          <a:prstGeom prst="rect">
-            <a:avLst/>
-          </a:prstGeom>
-          <a:noFill/>
-          <a:ln w="9525">
-            <a:noFill/>
-            <a:miter lim="800000"/>
-            <a:headEnd/>
-            <a:tailEnd/>
-          </a:ln>
-          <a:effectLst/>
-        </p:spPr>
-        <p:txBody>
-          <a:bodyPr vert="horz" wrap="square" lIns="91440" tIns="45720" rIns="91440" bIns="45720" numCol="1" anchor="ctr" anchorCtr="0" compatLnSpc="1">
-            <a:prstTxWarp prst="textNoShape">
-              <a:avLst/>
-            </a:prstTxWarp>
-            <a:spAutoFit/>
-          </a:bodyPr>
-          <a:lstStyle/>
-          <a:p>
-            <a:pPr lvl="0" algn="r" fontAlgn="base">
-              <a:spcBef>
-                <a:spcPct val="0"/>
-              </a:spcBef>
-              <a:spcAft>
-                <a:spcPct val="0"/>
-              </a:spcAft>
-            </a:pPr>
-            <a:r>
-              <a:rPr lang="en-US" sz="2000" dirty="0" smtClean="0">
-                <a:latin typeface="Trebuchet MS" pitchFamily="34" charset="0"/>
-                <a:ea typeface="Calibri" pitchFamily="34" charset="0"/>
-                <a:cs typeface="Arial" pitchFamily="34" charset="0"/>
-              </a:rPr>
-              <a:t>Email: </a:t>
-            </a:r>
-            <a:r>
-              <a:rPr lang="en-US" sz="2000" dirty="0">
-                <a:solidFill>
-                  <a:srgbClr val="FFC000"/>
-                </a:solidFill>
-                <a:latin typeface="Trebuchet MS" pitchFamily="34" charset="0"/>
-                <a:ea typeface="Calibri" pitchFamily="34" charset="0"/>
-                <a:cs typeface="Arial" pitchFamily="34" charset="0"/>
-              </a:rPr>
-              <a:t>angel.nunez.salazar@gmail.com</a:t>
-            </a:r>
-          </a:p>
-          <a:p>
-            <a:pPr lvl="0" algn="r" eaLnBrk="0" fontAlgn="base" hangingPunct="0">
-              <a:spcBef>
-                <a:spcPct val="0"/>
-              </a:spcBef>
-              <a:spcAft>
-                <a:spcPct val="0"/>
-              </a:spcAft>
-            </a:pPr>
-            <a:r>
-              <a:rPr lang="en-US" sz="2000" dirty="0" smtClean="0">
-                <a:latin typeface="Trebuchet MS" pitchFamily="34" charset="0"/>
-                <a:ea typeface="Calibri" pitchFamily="34" charset="0"/>
-                <a:cs typeface="Arial" pitchFamily="34" charset="0"/>
-              </a:rPr>
-              <a:t>Blog: </a:t>
-            </a:r>
-            <a:r>
-              <a:rPr lang="en-US" sz="2000" dirty="0">
-                <a:solidFill>
-                  <a:srgbClr val="FFC000"/>
-                </a:solidFill>
-                <a:latin typeface="Trebuchet MS" pitchFamily="34" charset="0"/>
-                <a:ea typeface="Calibri" pitchFamily="34" charset="0"/>
-                <a:cs typeface="Arial" pitchFamily="34" charset="0"/>
-              </a:rPr>
-              <a:t>http://</a:t>
-            </a:r>
-            <a:r>
-              <a:rPr lang="en-US" sz="2000" dirty="0" smtClean="0">
-                <a:solidFill>
-                  <a:srgbClr val="FFC000"/>
-                </a:solidFill>
-                <a:latin typeface="Trebuchet MS" pitchFamily="34" charset="0"/>
-                <a:ea typeface="Calibri" pitchFamily="34" charset="0"/>
-                <a:cs typeface="Arial" pitchFamily="34" charset="0"/>
-              </a:rPr>
-              <a:t>snahider.blogspot.com</a:t>
-            </a:r>
-          </a:p>
-          <a:p>
-            <a:pPr lvl="0" algn="r" eaLnBrk="0" fontAlgn="base" hangingPunct="0">
-              <a:spcBef>
-                <a:spcPct val="0"/>
-              </a:spcBef>
-              <a:spcAft>
-                <a:spcPct val="0"/>
-              </a:spcAft>
-            </a:pPr>
-            <a:r>
-              <a:rPr lang="en-US" sz="2000" dirty="0" smtClean="0">
-                <a:latin typeface="Trebuchet MS" pitchFamily="34" charset="0"/>
-                <a:ea typeface="Calibri" pitchFamily="34" charset="0"/>
-                <a:cs typeface="Arial" pitchFamily="34" charset="0"/>
-              </a:rPr>
-              <a:t>Twitter: </a:t>
-            </a:r>
-            <a:r>
-              <a:rPr lang="en-US" sz="2000" dirty="0" smtClean="0">
-                <a:solidFill>
-                  <a:srgbClr val="FFC000"/>
-                </a:solidFill>
-                <a:latin typeface="Trebuchet MS" pitchFamily="34" charset="0"/>
-                <a:ea typeface="Calibri" pitchFamily="34" charset="0"/>
-                <a:cs typeface="Arial" pitchFamily="34" charset="0"/>
-              </a:rPr>
-              <a:t>@</a:t>
-            </a:r>
-            <a:r>
-              <a:rPr lang="en-US" sz="2000" dirty="0" err="1" smtClean="0">
-                <a:solidFill>
-                  <a:srgbClr val="FFC000"/>
-                </a:solidFill>
-                <a:latin typeface="Trebuchet MS" pitchFamily="34" charset="0"/>
-                <a:ea typeface="Calibri" pitchFamily="34" charset="0"/>
-                <a:cs typeface="Arial" pitchFamily="34" charset="0"/>
-              </a:rPr>
-              <a:t>snahider</a:t>
-            </a:r>
-            <a:r>
-              <a:rPr lang="en-US" sz="2000" dirty="0" smtClean="0">
-                <a:solidFill>
-                  <a:srgbClr val="FFC000"/>
-                </a:solidFill>
-                <a:latin typeface="Trebuchet MS" pitchFamily="34" charset="0"/>
-                <a:cs typeface="Arial" pitchFamily="34" charset="0"/>
-              </a:rPr>
-              <a:t> </a:t>
-            </a:r>
-          </a:p>
-        </p:txBody>
-      </p:sp>
-    </p:spTree>
-    <p:extLst>
-      <p:ext uri="{BB962C8B-B14F-4D97-AF65-F5344CB8AC3E}">
-        <p14:creationId xmlns:p14="http://schemas.microsoft.com/office/powerpoint/2010/main" val="3530689545"/>
-      </p:ext>
-    </p:extLst>
-  </p:cSld>
-  <p:clrMapOvr>
-    <a:masterClrMapping/>
-  </p:clrMapOvr>
-  <p:timing>
-    <p:tnLst>
-      <p:par>
-        <p:cTn id="1" dur="indefinite" restart="never" nodeType="tmRoot"/>
       </p:par>
     </p:tnLst>
   </p:timing>
